--- a/developer/session-1/session-1-landscape-apis.pptx
+++ b/developer/session-1/session-1-landscape-apis.pptx
@@ -18,6 +18,8 @@
     <p:sldId id="266" r:id="rId18"/>
     <p:sldId id="267" r:id="rId19"/>
     <p:sldId id="268" r:id="rId20"/>
+    <p:sldId id="269" r:id="rId21"/>
+    <p:sldId id="270" r:id="rId22"/>
   </p:sldIdLst>
   <p:sldSz cx="12191695" cy="6858000" type="screen4x3"/>
   <p:notesSz cx="6858000" cy="9144000"/>
@@ -514,7 +516,7 @@
           <a:lstStyle/>
           <a:p>
             <a:r>
-              <a:t>Welcome to Cut the Crap. This course is for developers who use ChatGPT daily but haven't built with AI APIs yet. Over 8 sessions, you'll go from 'I paste stuff into ChatGPT' to 'I build AI-powered applications.'</a:t>
+              <a:t>Welcome to Session 1. Models, providers, and your first API call</a:t>
             </a:r>
           </a:p>
         </p:txBody>
@@ -584,7 +586,7 @@
           <a:lstStyle/>
           <a:p>
             <a:r>
-              <a:t>Streaming gives the ChatGPT-like typing effect. Users perceive streaming as faster. Time-to-first-token is what matters for UX.</a:t>
+              <a:t>Key differences: max_tokens is required, system prompt is a separate parameter, response structure differs.</a:t>
             </a:r>
           </a:p>
         </p:txBody>
@@ -654,7 +656,7 @@
           <a:lstStyle/>
           <a:p>
             <a:r>
-              <a:t>You WILL get rate limited. Exponential backoff is the standard pattern. SDKs have built-in retry logic you can configure.</a:t>
+              <a:t>Gemini SDK is slightly different but same concept. Contents can be a simple string or list of parts.</a:t>
             </a:r>
           </a:p>
         </p:txBody>
@@ -724,7 +726,7 @@
           <a:lstStyle/>
           <a:p>
             <a:r>
-              <a:t>Build a multi-provider chat script. The key thing to understand is conversation history — every API call sends the FULL conversation so far. The model has no memory between calls.</a:t>
+              <a:t>Streaming is essential for any chat UI. Show the streaming variants from chat_script.py.</a:t>
             </a:r>
           </a:p>
         </p:txBody>
@@ -794,7 +796,147 @@
           <a:lstStyle/>
           <a:p>
             <a:r>
-              <a:t>Session 1 done. You know the landscape, made API calls to three providers, and built a working chat script.</a:t>
+              <a:t>Key pattern: stream=True, then iterate. Each chunk has a delta with partial content.</a:t>
+            </a:r>
+          </a:p>
+        </p:txBody>
+      </p:sp>
+      <p:sp>
+        <p:nvSpPr>
+          <p:cNvPr id="4" name="Slide Number Placeholder 3"/>
+          <p:cNvSpPr>
+            <a:spLocks noGrp="1"/>
+          </p:cNvSpPr>
+          <p:nvPr>
+            <p:ph type="sldNum" idx="5" sz="quarter"/>
+          </p:nvPr>
+        </p:nvSpPr>
+        <p:spPr/>
+      </p:sp>
+    </p:spTree>
+  </p:cSld>
+  <p:clrMapOvr>
+    <a:masterClrMapping/>
+  </p:clrMapOvr>
+</p:notes>
+</file>
+
+<file path=ppt/notesSlides/notesSlide14.xml><?xml version="1.0" encoding="utf-8"?>
+<p:notes xmlns:a="http://schemas.openxmlformats.org/drawingml/2006/main" xmlns:p="http://schemas.openxmlformats.org/presentationml/2006/main" xmlns:r="http://schemas.openxmlformats.org/officeDocument/2006/relationships">
+  <p:cSld>
+    <p:spTree>
+      <p:nvGrpSpPr>
+        <p:cNvPr id="1" name=""/>
+        <p:cNvGrpSpPr/>
+        <p:nvPr/>
+      </p:nvGrpSpPr>
+      <p:grpSpPr>
+        <a:xfrm>
+          <a:off x="0" y="0"/>
+          <a:ext cx="0" cy="0"/>
+          <a:chOff x="0" y="0"/>
+          <a:chExt cx="0" cy="0"/>
+        </a:xfrm>
+      </p:grpSpPr>
+      <p:sp>
+        <p:nvSpPr>
+          <p:cNvPr id="2" name="Slide Image Placeholder 1"/>
+          <p:cNvSpPr>
+            <a:spLocks noGrp="1"/>
+          </p:cNvSpPr>
+          <p:nvPr>
+            <p:ph type="sldImg" idx="2"/>
+          </p:nvPr>
+        </p:nvSpPr>
+        <p:spPr/>
+      </p:sp>
+      <p:sp>
+        <p:nvSpPr>
+          <p:cNvPr id="3" name="Notes Placeholder 2"/>
+          <p:cNvSpPr>
+            <a:spLocks noGrp="1"/>
+          </p:cNvSpPr>
+          <p:nvPr>
+            <p:ph type="body" idx="3" sz="quarter"/>
+          </p:nvPr>
+        </p:nvSpPr>
+        <p:spPr/>
+        <p:txBody>
+          <a:bodyPr/>
+          <a:lstStyle/>
+          <a:p>
+            <a:r>
+              <a:t>This is the hands-on exercise. Students run chat_script.py and experiment with all 3 providers.</a:t>
+            </a:r>
+          </a:p>
+        </p:txBody>
+      </p:sp>
+      <p:sp>
+        <p:nvSpPr>
+          <p:cNvPr id="4" name="Slide Number Placeholder 3"/>
+          <p:cNvSpPr>
+            <a:spLocks noGrp="1"/>
+          </p:cNvSpPr>
+          <p:nvPr>
+            <p:ph type="sldNum" idx="5" sz="quarter"/>
+          </p:nvPr>
+        </p:nvSpPr>
+        <p:spPr/>
+      </p:sp>
+    </p:spTree>
+  </p:cSld>
+  <p:clrMapOvr>
+    <a:masterClrMapping/>
+  </p:clrMapOvr>
+</p:notes>
+</file>
+
+<file path=ppt/notesSlides/notesSlide15.xml><?xml version="1.0" encoding="utf-8"?>
+<p:notes xmlns:a="http://schemas.openxmlformats.org/drawingml/2006/main" xmlns:p="http://schemas.openxmlformats.org/presentationml/2006/main" xmlns:r="http://schemas.openxmlformats.org/officeDocument/2006/relationships">
+  <p:cSld>
+    <p:spTree>
+      <p:nvGrpSpPr>
+        <p:cNvPr id="1" name=""/>
+        <p:cNvGrpSpPr/>
+        <p:nvPr/>
+      </p:nvGrpSpPr>
+      <p:grpSpPr>
+        <a:xfrm>
+          <a:off x="0" y="0"/>
+          <a:ext cx="0" cy="0"/>
+          <a:chOff x="0" y="0"/>
+          <a:chExt cx="0" cy="0"/>
+        </a:xfrm>
+      </p:grpSpPr>
+      <p:sp>
+        <p:nvSpPr>
+          <p:cNvPr id="2" name="Slide Image Placeholder 1"/>
+          <p:cNvSpPr>
+            <a:spLocks noGrp="1"/>
+          </p:cNvSpPr>
+          <p:nvPr>
+            <p:ph type="sldImg" idx="2"/>
+          </p:nvPr>
+        </p:nvSpPr>
+        <p:spPr/>
+      </p:sp>
+      <p:sp>
+        <p:nvSpPr>
+          <p:cNvPr id="3" name="Notes Placeholder 2"/>
+          <p:cNvSpPr>
+            <a:spLocks noGrp="1"/>
+          </p:cNvSpPr>
+          <p:nvPr>
+            <p:ph type="body" idx="3" sz="quarter"/>
+          </p:nvPr>
+        </p:nvSpPr>
+        <p:spPr/>
+        <p:txBody>
+          <a:bodyPr/>
+          <a:lstStyle/>
+          <a:p>
+            <a:r>
+              <a:t>Recap the session. Preview Session 2.</a:t>
             </a:r>
           </a:p>
         </p:txBody>
@@ -864,7 +1006,7 @@
           <a:lstStyle/>
           <a:p>
             <a:r>
-              <a:t>Six major players. No single best provider — depends on use case, budget, and constraints. Claude Opus 4.5 has best SWE-bench at 80.9%. DeepSeek V4 is budget king at $0.14/1M tokens. GPT-5.2 has 400K context and MCP support.</a:t>
+              <a:t>Overview of the current AI provider landscape. Emphasize that the API patterns are nearly identical across providers.</a:t>
             </a:r>
           </a:p>
         </p:txBody>
@@ -934,7 +1076,7 @@
           <a:lstStyle/>
           <a:p>
             <a:r>
-              <a:t>Chat models are your bread and butter. Reasoning models think before answering — slower and more expensive but crush math, logic, and complex coding. Embedding models turn text into vectors for semantic search. Specialized models handle images, audio, video.</a:t>
+              <a:t>Walk through pricing. DeepSeek V4 is absurdly cheap. Llama 4 is free to self-host but you pay for compute.</a:t>
             </a:r>
           </a:p>
         </p:txBody>
@@ -1004,7 +1146,7 @@
           <a:lstStyle/>
           <a:p>
             <a:r>
-              <a:t>Temperature is the most important parameter. Zero = deterministic. 0.7 = default. Above 1.0 gets wild. Max tokens caps output length, not input.</a:t>
+              <a:t>Key distinction students need to understand. Reasoning models 'think' internally. Non-reasoning models are faster and cheaper for most tasks.</a:t>
             </a:r>
           </a:p>
         </p:txBody>
@@ -1074,7 +1216,7 @@
           <a:lstStyle/>
           <a:p>
             <a:r>
-              <a:t>Open source matters: run yourself, fine-tune, or use where you can't send data externally. Llama 4 uses mixture-of-experts — only 17B active at once.</a:t>
+              <a:t>Open source is viable for many use cases. Ollama makes local dev easy. vLLM for production serving.</a:t>
             </a:r>
           </a:p>
         </p:txBody>
@@ -1144,7 +1286,7 @@
           <a:lstStyle/>
           <a:p>
             <a:r>
-              <a:t>Ollama is the Docker of local AI. vLLM is for production. Self-host when data constraints or high volume. Don't self-host if you need best intelligence.</a:t>
+              <a:t>Critical distinction. OAuth = easy, uses existing sub. API key = for developers building custom apps. OpenClaw accepts BOTH — you choose during 'openclaw setup'.</a:t>
             </a:r>
           </a:p>
         </p:txBody>
@@ -1214,7 +1356,7 @@
           <a:lstStyle/>
           <a:p>
             <a:r>
-              <a:t>Three providers, slightly different APIs. OpenAI: chat.completions.create. Anthropic: messages.create (requires max_tokens). Google: generate_content. All auto-read keys from environment variables. NEVER hardcode keys.</a:t>
+              <a:t>Live demo: create keys on each platform. Show the billing/credits page. Emphasize .env files and .gitignore.</a:t>
             </a:r>
           </a:p>
         </p:txBody>
@@ -1284,7 +1426,7 @@
           <a:lstStyle/>
           <a:p>
             <a:r>
-              <a:t>Bookmark this slide. Biggest gotcha: Anthropic requires max_tokens. System prompts go in different places across providers.</a:t>
+              <a:t>Show the SDK install command. Explain the universal message format that all providers use.</a:t>
             </a:r>
           </a:p>
         </p:txBody>
@@ -1354,7 +1496,7 @@
           <a:lstStyle/>
           <a:p>
             <a:r>
-              <a:t>This trips up everyone. The API is stateless. You manage history. Conversations get more expensive over time as context grows.</a:t>
+              <a:t>Simplest possible OpenAI call. Point out: client auto-reads env var, messages array, model name, temperature.</a:t>
             </a:r>
           </a:p>
         </p:txBody>
@@ -4376,8 +4518,8 @@
         </p:nvSpPr>
         <p:spPr>
           <a:xfrm>
-            <a:off x="914400" y="731520"/>
-            <a:ext cx="10058400" cy="548640"/>
+            <a:off x="914400" y="1828800"/>
+            <a:ext cx="10362895" cy="1371600"/>
           </a:xfrm>
           <a:prstGeom prst="rect">
             <a:avLst/>
@@ -4391,14 +4533,14 @@
           <a:lstStyle/>
           <a:p>
             <a:pPr algn="l">
-              <a:defRPr sz="1600" b="1">
-                <a:solidFill>
-                  <a:srgbClr val="0096D6"/>
+              <a:defRPr sz="4400" b="1">
+                <a:solidFill>
+                  <a:srgbClr val="FFFFFF"/>
                 </a:solidFill>
               </a:defRPr>
             </a:pPr>
             <a:r>
-              <a:t>SESSION 1</a:t>
+              <a:t>The AI Landscape &amp; APIs</a:t>
             </a:r>
           </a:p>
         </p:txBody>
@@ -4411,8 +4553,8 @@
         </p:nvSpPr>
         <p:spPr>
           <a:xfrm>
-            <a:off x="914400" y="1371600"/>
-            <a:ext cx="10058400" cy="1371600"/>
+            <a:off x="914400" y="3291840"/>
+            <a:ext cx="10362895" cy="914400"/>
           </a:xfrm>
           <a:prstGeom prst="rect">
             <a:avLst/>
@@ -4425,15 +4567,15 @@
           </a:bodyPr>
           <a:lstStyle/>
           <a:p>
-            <a:pPr>
-              <a:defRPr sz="4000" b="1">
-                <a:solidFill>
-                  <a:srgbClr val="FFFFFF"/>
+            <a:pPr algn="l">
+              <a:defRPr sz="2200">
+                <a:solidFill>
+                  <a:srgbClr val="0096D6"/>
                 </a:solidFill>
               </a:defRPr>
             </a:pPr>
             <a:r>
-              <a:t>The AI Landscape &amp; APIs</a:t>
+              <a:t>Models, providers, and your first API call</a:t>
             </a:r>
           </a:p>
         </p:txBody>
@@ -4446,8 +4588,8 @@
         </p:nvSpPr>
         <p:spPr>
           <a:xfrm>
-            <a:off x="914400" y="2743200"/>
-            <a:ext cx="10058400" cy="457200"/>
+            <a:off x="914400" y="4572000"/>
+            <a:ext cx="10362895" cy="548640"/>
           </a:xfrm>
           <a:prstGeom prst="rect">
             <a:avLst/>
@@ -4460,113 +4602,15 @@
           </a:bodyPr>
           <a:lstStyle/>
           <a:p>
-            <a:pPr>
-              <a:defRPr sz="1800">
-                <a:solidFill>
-                  <a:srgbClr val="88AACC"/>
+            <a:pPr algn="l">
+              <a:defRPr sz="1400">
+                <a:solidFill>
+                  <a:srgbClr val="8899BB"/>
                 </a:solidFill>
               </a:defRPr>
             </a:pPr>
             <a:r>
-              <a:t>Cut the Crap — AI Engineer Edition</a:t>
-            </a:r>
-          </a:p>
-        </p:txBody>
-      </p:sp>
-      <p:sp>
-        <p:nvSpPr>
-          <p:cNvPr id="5" name="TextBox 4"/>
-          <p:cNvSpPr txBox="1"/>
-          <p:nvPr/>
-        </p:nvSpPr>
-        <p:spPr>
-          <a:xfrm>
-            <a:off x="914400" y="3657600"/>
-            <a:ext cx="10058400" cy="2743200"/>
-          </a:xfrm>
-          <a:prstGeom prst="rect">
-            <a:avLst/>
-          </a:prstGeom>
-          <a:noFill/>
-        </p:spPr>
-        <p:txBody>
-          <a:bodyPr wrap="square">
-            <a:spAutoFit/>
-          </a:bodyPr>
-          <a:lstStyle/>
-          <a:p>
-            <a:pPr>
-              <a:spcAft>
-                <a:spcPts val="600"/>
-              </a:spcAft>
-              <a:defRPr sz="1600">
-                <a:solidFill>
-                  <a:srgbClr val="CCDDEE"/>
-                </a:solidFill>
-              </a:defRPr>
-            </a:pPr>
-            <a:r>
-              <a:t>▸ The provider landscape (OpenAI, Anthropic, Google, Meta, Mistral, DeepSeek)</a:t>
-            </a:r>
-          </a:p>
-          <a:p>
-            <a:pPr>
-              <a:spcAft>
-                <a:spcPts val="600"/>
-              </a:spcAft>
-              <a:defRPr sz="1600">
-                <a:solidFill>
-                  <a:srgbClr val="CCDDEE"/>
-                </a:solidFill>
-              </a:defRPr>
-            </a:pPr>
-            <a:r>
-              <a:t>▸ Model types, reasoning, parameters &amp; structured output</a:t>
-            </a:r>
-          </a:p>
-          <a:p>
-            <a:pPr>
-              <a:spcAft>
-                <a:spcPts val="600"/>
-              </a:spcAft>
-              <a:defRPr sz="1600">
-                <a:solidFill>
-                  <a:srgbClr val="CCDDEE"/>
-                </a:solidFill>
-              </a:defRPr>
-            </a:pPr>
-            <a:r>
-              <a:t>▸ Open-source models &amp; self-hosting (Ollama, vLLM)</a:t>
-            </a:r>
-          </a:p>
-          <a:p>
-            <a:pPr>
-              <a:spcAft>
-                <a:spcPts val="600"/>
-              </a:spcAft>
-              <a:defRPr sz="1600">
-                <a:solidFill>
-                  <a:srgbClr val="CCDDEE"/>
-                </a:solidFill>
-              </a:defRPr>
-            </a:pPr>
-            <a:r>
-              <a:t>▸ API key setup — live first calls</a:t>
-            </a:r>
-          </a:p>
-          <a:p>
-            <a:pPr>
-              <a:spcAft>
-                <a:spcPts val="600"/>
-              </a:spcAft>
-              <a:defRPr sz="1600">
-                <a:solidFill>
-                  <a:srgbClr val="CCDDEE"/>
-                </a:solidFill>
-              </a:defRPr>
-            </a:pPr>
-            <a:r>
-              <a:t>▸ Hands-on: build a multi-provider chat script</a:t>
+              <a:t>Session 1 of 8  •  Cut the Crap — AI Engineer Edition  •  February 2026</a:t>
             </a:r>
           </a:p>
         </p:txBody>
@@ -4582,14 +4626,6 @@
 <file path=ppt/slides/slide10.xml><?xml version="1.0" encoding="utf-8"?>
 <p:sld xmlns:a="http://schemas.openxmlformats.org/drawingml/2006/main" xmlns:p="http://schemas.openxmlformats.org/presentationml/2006/main" xmlns:r="http://schemas.openxmlformats.org/officeDocument/2006/relationships">
   <p:cSld>
-    <p:bg>
-      <p:bgPr>
-        <a:solidFill>
-          <a:srgbClr val="FFFFFF"/>
-        </a:solidFill>
-        <a:effectLst/>
-      </p:bgPr>
-    </p:bg>
     <p:spTree>
       <p:nvGrpSpPr>
         <p:cNvPr id="1" name=""/>
@@ -4606,7 +4642,7 @@
         <p:spPr>
           <a:xfrm>
             <a:off x="0" y="0"/>
-            <a:ext cx="12191695" cy="54864"/>
+            <a:ext cx="12191695" cy="73152"/>
           </a:xfrm>
           <a:prstGeom prst="rect">
             <a:avLst/>
@@ -4649,7 +4685,7 @@
         <p:spPr>
           <a:xfrm>
             <a:off x="731520" y="274320"/>
-            <a:ext cx="10515600" cy="731520"/>
+            <a:ext cx="10728655" cy="731520"/>
           </a:xfrm>
           <a:prstGeom prst="rect">
             <a:avLst/>
@@ -4657,7 +4693,7 @@
           <a:noFill/>
         </p:spPr>
         <p:txBody>
-          <a:bodyPr wrap="square">
+          <a:bodyPr wrap="none">
             <a:spAutoFit/>
           </a:bodyPr>
           <a:lstStyle/>
@@ -4670,7 +4706,7 @@
               </a:defRPr>
             </a:pPr>
             <a:r>
-              <a:t>Streaming — Essential for User-Facing Apps</a:t>
+              <a:t>Anthropic — Same Pattern, Different SDK</a:t>
             </a:r>
           </a:p>
         </p:txBody>
@@ -4683,8 +4719,8 @@
         </p:nvSpPr>
         <p:spPr>
           <a:xfrm>
-            <a:off x="548640" y="1188720"/>
-            <a:ext cx="10972800" cy="4754880"/>
+            <a:off x="731520" y="1188720"/>
+            <a:ext cx="10728655" cy="5212080"/>
           </a:xfrm>
           <a:prstGeom prst="roundRect">
             <a:avLst/>
@@ -4692,8 +4728,10 @@
           <a:solidFill>
             <a:srgbClr val="F0F0F0"/>
           </a:solidFill>
-          <a:ln>
-            <a:noFill/>
+          <a:ln w="12700">
+            <a:solidFill>
+              <a:srgbClr val="DDDDDD"/>
+            </a:solidFill>
           </a:ln>
         </p:spPr>
         <p:style>
@@ -4726,8 +4764,8 @@
         </p:nvSpPr>
         <p:spPr>
           <a:xfrm>
-            <a:off x="822960" y="1371600"/>
-            <a:ext cx="10424160" cy="4389120"/>
+            <a:off x="822960" y="1234440"/>
+            <a:ext cx="1828800" cy="320040"/>
           </a:xfrm>
           <a:prstGeom prst="rect">
             <a:avLst/>
@@ -4735,13 +4773,48 @@
           <a:noFill/>
         </p:spPr>
         <p:txBody>
+          <a:bodyPr wrap="none">
+            <a:spAutoFit/>
+          </a:bodyPr>
+          <a:lstStyle/>
+          <a:p>
+            <a:pPr>
+              <a:defRPr sz="1100" b="1">
+                <a:solidFill>
+                  <a:srgbClr val="666666"/>
+                </a:solidFill>
+              </a:defRPr>
+            </a:pPr>
+            <a:r>
+              <a:t>python</a:t>
+            </a:r>
+          </a:p>
+        </p:txBody>
+      </p:sp>
+      <p:sp>
+        <p:nvSpPr>
+          <p:cNvPr id="6" name="TextBox 5"/>
+          <p:cNvSpPr txBox="1"/>
+          <p:nvPr/>
+        </p:nvSpPr>
+        <p:spPr>
+          <a:xfrm>
+            <a:off x="914400" y="1554480"/>
+            <a:ext cx="10362895" cy="4754880"/>
+          </a:xfrm>
+          <a:prstGeom prst="rect">
+            <a:avLst/>
+          </a:prstGeom>
+          <a:noFill/>
+        </p:spPr>
+        <p:txBody>
           <a:bodyPr wrap="square">
             <a:spAutoFit/>
           </a:bodyPr>
           <a:lstStyle/>
           <a:p>
-            <a:pPr>
-              <a:defRPr sz="1200">
+            <a:pPr algn="l">
+              <a:defRPr sz="1300">
                 <a:solidFill>
                   <a:srgbClr val="333333"/>
                 </a:solidFill>
@@ -4749,85 +4822,48 @@
               </a:defRPr>
             </a:pPr>
             <a:r>
-              <a:t># OpenAI streaming</a:t>
+              <a:t>import anthropic</a:t>
             </a:r>
             <a:br/>
             <a:r>
-              <a:t>stream = client.chat.completions.create(</a:t>
-            </a:r>
-            <a:br/>
-            <a:r>
-              <a:t>    model="gpt-5.2",</a:t>
-            </a:r>
-            <a:br/>
-            <a:r>
-              <a:t>    messages=[{"role": "user", "content": "Tell me a joke"}],</a:t>
-            </a:r>
-            <a:br/>
-            <a:r>
-              <a:t>    stream=True</a:t>
-            </a:r>
-            <a:br/>
-            <a:r>
-              <a:t>)</a:t>
-            </a:r>
-            <a:br/>
-            <a:r>
-              <a:t>for chunk in stream:</a:t>
-            </a:r>
-            <a:br/>
-            <a:r>
-              <a:t>    delta = chunk.choices[0].delta.content</a:t>
-            </a:r>
-            <a:br/>
-            <a:r>
-              <a:t>    if delta:</a:t>
-            </a:r>
-            <a:br/>
-            <a:r>
-              <a:t>        print(delta, end="", flush=True)</a:t>
+              <a:t>client = anthropic.Anthropic()  # reads ANTHROPIC_API_KEY</a:t>
             </a:r>
             <a:br/>
             <a:br/>
             <a:r>
-              <a:t># Anthropic streaming</a:t>
+              <a:t>response = client.messages.create(</a:t>
             </a:r>
             <a:br/>
             <a:r>
-              <a:t>with anthropic_client.messages.stream(</a:t>
+              <a:t>    model="claude-sonnet-4-6-20250217",</a:t>
             </a:r>
             <a:br/>
             <a:r>
-              <a:t>    model="claude-sonnet-4-6-20250217",</a:t>
+              <a:t>    max_tokens=8192,          # Required for Anthropic</a:t>
             </a:r>
             <a:br/>
             <a:r>
-              <a:t>    max_tokens=200,</a:t>
+              <a:t>    system="You are a helpful assistant.",  # System is separate</a:t>
             </a:r>
             <a:br/>
             <a:r>
-              <a:t>    messages=[{"role": "user", "content": "Tell me a joke"}]</a:t>
+              <a:t>    messages=[</a:t>
             </a:r>
             <a:br/>
             <a:r>
-              <a:t>) as stream:</a:t>
+              <a:t>        {"role": "user", "content": "What is AI?"}</a:t>
             </a:r>
             <a:br/>
             <a:r>
-              <a:t>    for text in stream.text_stream:</a:t>
+              <a:t>    ],</a:t>
             </a:r>
             <a:br/>
             <a:r>
-              <a:t>        print(text, end="", flush=True)</a:t>
+              <a:t>)</a:t>
             </a:r>
             <a:br/>
-            <a:br/>
-            <a:r>
-              <a:t># Time-to-first-token: ~200ms vs waiting 2-5s for full response</a:t>
-            </a:r>
-            <a:br/>
-            <a:r>
-              <a:t># ALWAYS stream in user-facing applications</a:t>
+            <a:r>
+              <a:t>print(response.content[0].text)</a:t>
             </a:r>
           </a:p>
         </p:txBody>
@@ -4843,14 +4879,6 @@
 <file path=ppt/slides/slide11.xml><?xml version="1.0" encoding="utf-8"?>
 <p:sld xmlns:a="http://schemas.openxmlformats.org/drawingml/2006/main" xmlns:p="http://schemas.openxmlformats.org/presentationml/2006/main" xmlns:r="http://schemas.openxmlformats.org/officeDocument/2006/relationships">
   <p:cSld>
-    <p:bg>
-      <p:bgPr>
-        <a:solidFill>
-          <a:srgbClr val="FFFFFF"/>
-        </a:solidFill>
-        <a:effectLst/>
-      </p:bgPr>
-    </p:bg>
     <p:spTree>
       <p:nvGrpSpPr>
         <p:cNvPr id="1" name=""/>
@@ -4867,7 +4895,7 @@
         <p:spPr>
           <a:xfrm>
             <a:off x="0" y="0"/>
-            <a:ext cx="12191695" cy="54864"/>
+            <a:ext cx="12191695" cy="73152"/>
           </a:xfrm>
           <a:prstGeom prst="rect">
             <a:avLst/>
@@ -4910,7 +4938,7 @@
         <p:spPr>
           <a:xfrm>
             <a:off x="731520" y="274320"/>
-            <a:ext cx="10515600" cy="731520"/>
+            <a:ext cx="10728655" cy="731520"/>
           </a:xfrm>
           <a:prstGeom prst="rect">
             <a:avLst/>
@@ -4918,7 +4946,7 @@
           <a:noFill/>
         </p:spPr>
         <p:txBody>
-          <a:bodyPr wrap="square">
+          <a:bodyPr wrap="none">
             <a:spAutoFit/>
           </a:bodyPr>
           <a:lstStyle/>
@@ -4931,7 +4959,7 @@
               </a:defRPr>
             </a:pPr>
             <a:r>
-              <a:t>Error Handling &amp; Rate Limits</a:t>
+              <a:t>Google Gemini — Third Provider, Same Idea</a:t>
             </a:r>
           </a:p>
         </p:txBody>
@@ -4944,8 +4972,8 @@
         </p:nvSpPr>
         <p:spPr>
           <a:xfrm>
-            <a:off x="548640" y="1188720"/>
-            <a:ext cx="10972800" cy="4754880"/>
+            <a:off x="731520" y="1188720"/>
+            <a:ext cx="10728655" cy="5212080"/>
           </a:xfrm>
           <a:prstGeom prst="roundRect">
             <a:avLst/>
@@ -4953,8 +4981,10 @@
           <a:solidFill>
             <a:srgbClr val="F0F0F0"/>
           </a:solidFill>
-          <a:ln>
-            <a:noFill/>
+          <a:ln w="12700">
+            <a:solidFill>
+              <a:srgbClr val="DDDDDD"/>
+            </a:solidFill>
           </a:ln>
         </p:spPr>
         <p:style>
@@ -4987,8 +5017,8 @@
         </p:nvSpPr>
         <p:spPr>
           <a:xfrm>
-            <a:off x="822960" y="1371600"/>
-            <a:ext cx="10424160" cy="4389120"/>
+            <a:off x="822960" y="1234440"/>
+            <a:ext cx="1828800" cy="320040"/>
           </a:xfrm>
           <a:prstGeom prst="rect">
             <a:avLst/>
@@ -4996,13 +5026,48 @@
           <a:noFill/>
         </p:spPr>
         <p:txBody>
+          <a:bodyPr wrap="none">
+            <a:spAutoFit/>
+          </a:bodyPr>
+          <a:lstStyle/>
+          <a:p>
+            <a:pPr>
+              <a:defRPr sz="1100" b="1">
+                <a:solidFill>
+                  <a:srgbClr val="666666"/>
+                </a:solidFill>
+              </a:defRPr>
+            </a:pPr>
+            <a:r>
+              <a:t>python</a:t>
+            </a:r>
+          </a:p>
+        </p:txBody>
+      </p:sp>
+      <p:sp>
+        <p:nvSpPr>
+          <p:cNvPr id="6" name="TextBox 5"/>
+          <p:cNvSpPr txBox="1"/>
+          <p:nvPr/>
+        </p:nvSpPr>
+        <p:spPr>
+          <a:xfrm>
+            <a:off x="914400" y="1554480"/>
+            <a:ext cx="10362895" cy="4754880"/>
+          </a:xfrm>
+          <a:prstGeom prst="rect">
+            <a:avLst/>
+          </a:prstGeom>
+          <a:noFill/>
+        </p:spPr>
+        <p:txBody>
           <a:bodyPr wrap="square">
             <a:spAutoFit/>
           </a:bodyPr>
           <a:lstStyle/>
           <a:p>
-            <a:pPr>
-              <a:defRPr sz="1200">
+            <a:pPr algn="l">
+              <a:defRPr sz="1300">
                 <a:solidFill>
                   <a:srgbClr val="333333"/>
                 </a:solidFill>
@@ -5010,77 +5075,36 @@
               </a:defRPr>
             </a:pPr>
             <a:r>
-              <a:t>from openai import OpenAI, RateLimitError, APIError</a:t>
+              <a:t>from google import genai</a:t>
             </a:r>
             <a:br/>
             <a:r>
-              <a:t>import time</a:t>
+              <a:t>client = genai.Client()  # reads GOOGLE_API_KEY</a:t>
             </a:r>
             <a:br/>
             <a:br/>
             <a:r>
-              <a:t>def call_with_retry(messages, max_retries=3):</a:t>
+              <a:t>response = client.models.generate_content(</a:t>
             </a:r>
             <a:br/>
             <a:r>
-              <a:t>    for attempt in range(max_retries):</a:t>
+              <a:t>    model="gemini-2.5-flash",</a:t>
             </a:r>
             <a:br/>
             <a:r>
-              <a:t>        try:</a:t>
+              <a:t>    contents="What is AI?",</a:t>
             </a:r>
             <a:br/>
             <a:r>
-              <a:t>            return client.chat.completions.create(</a:t>
+              <a:t>    config={"system_instruction": "You are a helpful assistant."},</a:t>
             </a:r>
             <a:br/>
             <a:r>
-              <a:t>                model="gpt-5.2", messages=messages</a:t>
+              <a:t>)</a:t>
             </a:r>
             <a:br/>
             <a:r>
-              <a:t>            )</a:t>
-            </a:r>
-            <a:br/>
-            <a:r>
-              <a:t>        except RateLimitError:</a:t>
-            </a:r>
-            <a:br/>
-            <a:r>
-              <a:t>            wait = 2 ** attempt  # exponential backoff: 1s, 2s, 4s</a:t>
-            </a:r>
-            <a:br/>
-            <a:r>
-              <a:t>            time.sleep(wait)</a:t>
-            </a:r>
-            <a:br/>
-            <a:r>
-              <a:t>        except APIError as e:</a:t>
-            </a:r>
-            <a:br/>
-            <a:r>
-              <a:t>            print(f"API error: {e}")</a:t>
-            </a:r>
-            <a:br/>
-            <a:r>
-              <a:t>            raise</a:t>
-            </a:r>
-            <a:br/>
-            <a:r>
-              <a:t>    raise Exception("Max retries exceeded")</a:t>
-            </a:r>
-            <a:br/>
-            <a:br/>
-            <a:r>
-              <a:t>Common HTTP errors:</a:t>
-            </a:r>
-            <a:br/>
-            <a:r>
-              <a:t>  401 — Bad API key      429 — Rate limited</a:t>
-            </a:r>
-            <a:br/>
-            <a:r>
-              <a:t>  500 — Provider down    529 — Overloaded (Anthropic)</a:t>
+              <a:t>print(response.text)</a:t>
             </a:r>
           </a:p>
         </p:txBody>
@@ -5096,14 +5120,6 @@
 <file path=ppt/slides/slide12.xml><?xml version="1.0" encoding="utf-8"?>
 <p:sld xmlns:a="http://schemas.openxmlformats.org/drawingml/2006/main" xmlns:p="http://schemas.openxmlformats.org/presentationml/2006/main" xmlns:r="http://schemas.openxmlformats.org/officeDocument/2006/relationships">
   <p:cSld>
-    <p:bg>
-      <p:bgPr>
-        <a:solidFill>
-          <a:srgbClr val="FFFFFF"/>
-        </a:solidFill>
-        <a:effectLst/>
-      </p:bgPr>
-    </p:bg>
     <p:spTree>
       <p:nvGrpSpPr>
         <p:cNvPr id="1" name=""/>
@@ -5120,7 +5136,7 @@
         <p:spPr>
           <a:xfrm>
             <a:off x="0" y="0"/>
-            <a:ext cx="12191695" cy="54864"/>
+            <a:ext cx="12191695" cy="73152"/>
           </a:xfrm>
           <a:prstGeom prst="rect">
             <a:avLst/>
@@ -5163,7 +5179,7 @@
         <p:spPr>
           <a:xfrm>
             <a:off x="731520" y="274320"/>
-            <a:ext cx="10515600" cy="731520"/>
+            <a:ext cx="10728655" cy="822960"/>
           </a:xfrm>
           <a:prstGeom prst="rect">
             <a:avLst/>
@@ -5176,15 +5192,15 @@
           </a:bodyPr>
           <a:lstStyle/>
           <a:p>
-            <a:pPr>
-              <a:defRPr sz="2800" b="1">
+            <a:pPr algn="l">
+              <a:defRPr sz="3200" b="1">
                 <a:solidFill>
                   <a:srgbClr val="1B2A4A"/>
                 </a:solidFill>
               </a:defRPr>
             </a:pPr>
             <a:r>
-              <a:t>Hands-On: Multi-Provider Chat Script</a:t>
+              <a:t>Streaming Responses</a:t>
             </a:r>
           </a:p>
         </p:txBody>
@@ -5197,8 +5213,8 @@
         </p:nvSpPr>
         <p:spPr>
           <a:xfrm>
-            <a:off x="731520" y="1188720"/>
-            <a:ext cx="10515600" cy="5029200"/>
+            <a:off x="914400" y="1280160"/>
+            <a:ext cx="10362895" cy="5029200"/>
           </a:xfrm>
           <a:prstGeom prst="rect">
             <a:avLst/>
@@ -5212,77 +5228,110 @@
           <a:lstStyle/>
           <a:p>
             <a:pPr>
+              <a:spcBef>
+                <a:spcPts val="400"/>
+              </a:spcBef>
               <a:spcAft>
                 <a:spcPts val="800"/>
               </a:spcAft>
-              <a:defRPr sz="1800">
+              <a:defRPr sz="2000">
                 <a:solidFill>
                   <a:srgbClr val="333333"/>
                 </a:solidFill>
               </a:defRPr>
             </a:pPr>
             <a:r>
-              <a:t>Accept user input in a loop with conversation history</a:t>
+              <a:t>Without streaming: wait for full response, then display</a:t>
             </a:r>
           </a:p>
           <a:p>
             <a:pPr>
+              <a:spcBef>
+                <a:spcPts val="400"/>
+              </a:spcBef>
               <a:spcAft>
                 <a:spcPts val="800"/>
               </a:spcAft>
-              <a:defRPr sz="1800">
+              <a:defRPr sz="2000">
                 <a:solidFill>
                   <a:srgbClr val="333333"/>
                 </a:solidFill>
               </a:defRPr>
             </a:pPr>
             <a:r>
-              <a:t>Support OpenAI (GPT-5.2), Anthropic (Claude Sonnet 4.6), Google (Gemini 3 Pro)</a:t>
+              <a:t>With streaming: tokens arrive one at a time, display instantly</a:t>
             </a:r>
           </a:p>
           <a:p>
             <a:pPr>
+              <a:spcBef>
+                <a:spcPts val="400"/>
+              </a:spcBef>
               <a:spcAft>
                 <a:spcPts val="800"/>
               </a:spcAft>
-              <a:defRPr sz="1800">
+              <a:defRPr sz="2000">
                 <a:solidFill>
                   <a:srgbClr val="333333"/>
                 </a:solidFill>
               </a:defRPr>
             </a:pPr>
             <a:r>
-              <a:t>Switch providers with /openai, /anthropic, /google commands</a:t>
+              <a:t>Much better UX — user sees response forming in real-time</a:t>
             </a:r>
           </a:p>
           <a:p>
             <a:pPr>
+              <a:spcBef>
+                <a:spcPts val="400"/>
+              </a:spcBef>
               <a:spcAft>
                 <a:spcPts val="800"/>
               </a:spcAft>
-              <a:defRPr sz="1800">
+              <a:defRPr sz="2000">
                 <a:solidFill>
                   <a:srgbClr val="333333"/>
                 </a:solidFill>
               </a:defRPr>
             </a:pPr>
             <a:r>
-              <a:t>Key insight: conversation history = the messages array you manage</a:t>
+              <a:t>OpenAI: stream=True → iterate over chunks</a:t>
             </a:r>
           </a:p>
           <a:p>
             <a:pPr>
+              <a:spcBef>
+                <a:spcPts val="400"/>
+              </a:spcBef>
               <a:spcAft>
                 <a:spcPts val="800"/>
               </a:spcAft>
-              <a:defRPr sz="1800">
+              <a:defRPr sz="2000">
                 <a:solidFill>
                   <a:srgbClr val="333333"/>
                 </a:solidFill>
               </a:defRPr>
             </a:pPr>
             <a:r>
-              <a:t>📝 Time: 20 minutes — starter code: session-1/code/chat_script.py</a:t>
+              <a:t>Anthropic: client.messages.stream() context manager</a:t>
+            </a:r>
+          </a:p>
+          <a:p>
+            <a:pPr>
+              <a:spcBef>
+                <a:spcPts val="400"/>
+              </a:spcBef>
+              <a:spcAft>
+                <a:spcPts val="800"/>
+              </a:spcAft>
+              <a:defRPr sz="2000">
+                <a:solidFill>
+                  <a:srgbClr val="333333"/>
+                </a:solidFill>
+              </a:defRPr>
+            </a:pPr>
+            <a:r>
+              <a:t>Google: generate_content_stream() → iterate</a:t>
             </a:r>
           </a:p>
         </p:txBody>
@@ -5298,14 +5347,6 @@
 <file path=ppt/slides/slide13.xml><?xml version="1.0" encoding="utf-8"?>
 <p:sld xmlns:a="http://schemas.openxmlformats.org/drawingml/2006/main" xmlns:p="http://schemas.openxmlformats.org/presentationml/2006/main" xmlns:r="http://schemas.openxmlformats.org/officeDocument/2006/relationships">
   <p:cSld>
-    <p:bg>
-      <p:bgPr>
-        <a:solidFill>
-          <a:srgbClr val="FFFFFF"/>
-        </a:solidFill>
-        <a:effectLst/>
-      </p:bgPr>
-    </p:bg>
     <p:spTree>
       <p:nvGrpSpPr>
         <p:cNvPr id="1" name=""/>
@@ -5322,7 +5363,7 @@
         <p:spPr>
           <a:xfrm>
             <a:off x="0" y="0"/>
-            <a:ext cx="12191695" cy="54864"/>
+            <a:ext cx="12191695" cy="73152"/>
           </a:xfrm>
           <a:prstGeom prst="rect">
             <a:avLst/>
@@ -5365,7 +5406,7 @@
         <p:spPr>
           <a:xfrm>
             <a:off x="731520" y="274320"/>
-            <a:ext cx="10515600" cy="731520"/>
+            <a:ext cx="10728655" cy="731520"/>
           </a:xfrm>
           <a:prstGeom prst="rect">
             <a:avLst/>
@@ -5373,7 +5414,7 @@
           <a:noFill/>
         </p:spPr>
         <p:txBody>
-          <a:bodyPr wrap="square">
+          <a:bodyPr wrap="none">
             <a:spAutoFit/>
           </a:bodyPr>
           <a:lstStyle/>
@@ -5386,21 +5427,66 @@
               </a:defRPr>
             </a:pPr>
             <a:r>
-              <a:t>Session 1 Recap</a:t>
-            </a:r>
-          </a:p>
-        </p:txBody>
-      </p:sp>
-      <p:sp>
-        <p:nvSpPr>
-          <p:cNvPr id="4" name="TextBox 3"/>
-          <p:cNvSpPr txBox="1"/>
+              <a:t>Streaming — OpenAI Example</a:t>
+            </a:r>
+          </a:p>
+        </p:txBody>
+      </p:sp>
+      <p:sp>
+        <p:nvSpPr>
+          <p:cNvPr id="4" name="Rounded Rectangle 3"/>
+          <p:cNvSpPr/>
           <p:nvPr/>
         </p:nvSpPr>
         <p:spPr>
           <a:xfrm>
             <a:off x="731520" y="1188720"/>
-            <a:ext cx="10515600" cy="5029200"/>
+            <a:ext cx="10728655" cy="5212080"/>
+          </a:xfrm>
+          <a:prstGeom prst="roundRect">
+            <a:avLst/>
+          </a:prstGeom>
+          <a:solidFill>
+            <a:srgbClr val="F0F0F0"/>
+          </a:solidFill>
+          <a:ln w="12700">
+            <a:solidFill>
+              <a:srgbClr val="DDDDDD"/>
+            </a:solidFill>
+          </a:ln>
+        </p:spPr>
+        <p:style>
+          <a:lnRef idx="1">
+            <a:schemeClr val="accent1"/>
+          </a:lnRef>
+          <a:fillRef idx="3">
+            <a:schemeClr val="accent1"/>
+          </a:fillRef>
+          <a:effectRef idx="2">
+            <a:schemeClr val="accent1"/>
+          </a:effectRef>
+          <a:fontRef idx="minor">
+            <a:schemeClr val="lt1"/>
+          </a:fontRef>
+        </p:style>
+        <p:txBody>
+          <a:bodyPr rtlCol="0" anchor="ctr"/>
+          <a:lstStyle/>
+          <a:p>
+            <a:pPr algn="ctr"/>
+          </a:p>
+        </p:txBody>
+      </p:sp>
+      <p:sp>
+        <p:nvSpPr>
+          <p:cNvPr id="5" name="TextBox 4"/>
+          <p:cNvSpPr txBox="1"/>
+          <p:nvPr/>
+        </p:nvSpPr>
+        <p:spPr>
+          <a:xfrm>
+            <a:off x="822960" y="1234440"/>
+            <a:ext cx="1828800" cy="320040"/>
           </a:xfrm>
           <a:prstGeom prst="rect">
             <a:avLst/>
@@ -5408,98 +5494,88 @@
           <a:noFill/>
         </p:spPr>
         <p:txBody>
+          <a:bodyPr wrap="none">
+            <a:spAutoFit/>
+          </a:bodyPr>
+          <a:lstStyle/>
+          <a:p>
+            <a:pPr>
+              <a:defRPr sz="1100" b="1">
+                <a:solidFill>
+                  <a:srgbClr val="666666"/>
+                </a:solidFill>
+              </a:defRPr>
+            </a:pPr>
+            <a:r>
+              <a:t>python</a:t>
+            </a:r>
+          </a:p>
+        </p:txBody>
+      </p:sp>
+      <p:sp>
+        <p:nvSpPr>
+          <p:cNvPr id="6" name="TextBox 5"/>
+          <p:cNvSpPr txBox="1"/>
+          <p:nvPr/>
+        </p:nvSpPr>
+        <p:spPr>
+          <a:xfrm>
+            <a:off x="914400" y="1554480"/>
+            <a:ext cx="10362895" cy="4754880"/>
+          </a:xfrm>
+          <a:prstGeom prst="rect">
+            <a:avLst/>
+          </a:prstGeom>
+          <a:noFill/>
+        </p:spPr>
+        <p:txBody>
           <a:bodyPr wrap="square">
             <a:spAutoFit/>
           </a:bodyPr>
           <a:lstStyle/>
           <a:p>
-            <a:pPr>
-              <a:spcAft>
-                <a:spcPts val="800"/>
-              </a:spcAft>
-              <a:defRPr sz="1800">
+            <a:pPr algn="l">
+              <a:defRPr sz="1300">
                 <a:solidFill>
                   <a:srgbClr val="333333"/>
                 </a:solidFill>
+                <a:latin typeface="Consolas"/>
               </a:defRPr>
             </a:pPr>
             <a:r>
-              <a:t>✅ 6 providers, no single winner — GPT-5.2, Claude Opus 4.6, Gemini 3 Pro lead</a:t>
-            </a:r>
-          </a:p>
-          <a:p>
-            <a:pPr>
-              <a:spcAft>
-                <a:spcPts val="800"/>
-              </a:spcAft>
-              <a:defRPr sz="1800">
-                <a:solidFill>
-                  <a:srgbClr val="333333"/>
-                </a:solidFill>
-              </a:defRPr>
-            </a:pPr>
-            <a:r>
-              <a:t>✅ Model types: chat, reasoning (o3/o4-mini), embedding, specialized</a:t>
-            </a:r>
-          </a:p>
-          <a:p>
-            <a:pPr>
-              <a:spcAft>
-                <a:spcPts val="800"/>
-              </a:spcAft>
-              <a:defRPr sz="1800">
-                <a:solidFill>
-                  <a:srgbClr val="333333"/>
-                </a:solidFill>
-              </a:defRPr>
-            </a:pPr>
-            <a:r>
-              <a:t>✅ Open source: Llama 4, DeepSeek V4, Mistral — self-host with Ollama/vLLM</a:t>
-            </a:r>
-          </a:p>
-          <a:p>
-            <a:pPr>
-              <a:spcAft>
-                <a:spcPts val="800"/>
-              </a:spcAft>
-              <a:defRPr sz="1800">
-                <a:solidFill>
-                  <a:srgbClr val="333333"/>
-                </a:solidFill>
-              </a:defRPr>
-            </a:pPr>
-            <a:r>
-              <a:t>✅ APIs: same concept, different shapes — always stream for UX</a:t>
-            </a:r>
-          </a:p>
-          <a:p>
-            <a:pPr>
-              <a:spcAft>
-                <a:spcPts val="800"/>
-              </a:spcAft>
-              <a:defRPr sz="1800">
-                <a:solidFill>
-                  <a:srgbClr val="333333"/>
-                </a:solidFill>
-              </a:defRPr>
-            </a:pPr>
-            <a:r>
-              <a:t>✅ History is YOUR responsibility — API is stateless</a:t>
-            </a:r>
-          </a:p>
-          <a:p>
-            <a:pPr>
-              <a:spcAft>
-                <a:spcPts val="800"/>
-              </a:spcAft>
-              <a:defRPr sz="1800">
-                <a:solidFill>
-                  <a:srgbClr val="333333"/>
-                </a:solidFill>
-              </a:defRPr>
-            </a:pPr>
-            <a:r>
-              <a:t>Next → Session 2: Prompt engineering, structured output, multimodal</a:t>
+              <a:t>stream = client.chat.completions.create(</a:t>
+            </a:r>
+            <a:br/>
+            <a:r>
+              <a:t>    model="gpt-4.1",</a:t>
+            </a:r>
+            <a:br/>
+            <a:r>
+              <a:t>    messages=messages,</a:t>
+            </a:r>
+            <a:br/>
+            <a:r>
+              <a:t>    stream=True,</a:t>
+            </a:r>
+            <a:br/>
+            <a:r>
+              <a:t>)</a:t>
+            </a:r>
+            <a:br/>
+            <a:r>
+              <a:t>for chunk in stream:</a:t>
+            </a:r>
+            <a:br/>
+            <a:r>
+              <a:t>    delta = chunk.choices[0].delta.content</a:t>
+            </a:r>
+            <a:br/>
+            <a:r>
+              <a:t>    if delta:</a:t>
+            </a:r>
+            <a:br/>
+            <a:r>
+              <a:t>        print(delta, end="", flush=True)</a:t>
             </a:r>
           </a:p>
         </p:txBody>
@@ -5512,17 +5588,9 @@
 </p:sld>
 </file>
 
-<file path=ppt/slides/slide2.xml><?xml version="1.0" encoding="utf-8"?>
+<file path=ppt/slides/slide14.xml><?xml version="1.0" encoding="utf-8"?>
 <p:sld xmlns:a="http://schemas.openxmlformats.org/drawingml/2006/main" xmlns:p="http://schemas.openxmlformats.org/presentationml/2006/main" xmlns:r="http://schemas.openxmlformats.org/officeDocument/2006/relationships">
   <p:cSld>
-    <p:bg>
-      <p:bgPr>
-        <a:solidFill>
-          <a:srgbClr val="FFFFFF"/>
-        </a:solidFill>
-        <a:effectLst/>
-      </p:bgPr>
-    </p:bg>
     <p:spTree>
       <p:nvGrpSpPr>
         <p:cNvPr id="1" name=""/>
@@ -5539,7 +5607,7 @@
         <p:spPr>
           <a:xfrm>
             <a:off x="0" y="0"/>
-            <a:ext cx="12191695" cy="54864"/>
+            <a:ext cx="12191695" cy="73152"/>
           </a:xfrm>
           <a:prstGeom prst="rect">
             <a:avLst/>
@@ -5582,7 +5650,7 @@
         <p:spPr>
           <a:xfrm>
             <a:off x="731520" y="274320"/>
-            <a:ext cx="10515600" cy="731520"/>
+            <a:ext cx="10728655" cy="822960"/>
           </a:xfrm>
           <a:prstGeom prst="rect">
             <a:avLst/>
@@ -5595,705 +5663,150 @@
           </a:bodyPr>
           <a:lstStyle/>
           <a:p>
+            <a:pPr algn="l">
+              <a:defRPr sz="3200" b="1">
+                <a:solidFill>
+                  <a:srgbClr val="1B2A4A"/>
+                </a:solidFill>
+              </a:defRPr>
+            </a:pPr>
+            <a:r>
+              <a:t>Multi-Provider Chat Script (Hands-On)</a:t>
+            </a:r>
+          </a:p>
+        </p:txBody>
+      </p:sp>
+      <p:sp>
+        <p:nvSpPr>
+          <p:cNvPr id="4" name="TextBox 3"/>
+          <p:cNvSpPr txBox="1"/>
+          <p:nvPr/>
+        </p:nvSpPr>
+        <p:spPr>
+          <a:xfrm>
+            <a:off x="914400" y="1280160"/>
+            <a:ext cx="10362895" cy="5029200"/>
+          </a:xfrm>
+          <a:prstGeom prst="rect">
+            <a:avLst/>
+          </a:prstGeom>
+          <a:noFill/>
+        </p:spPr>
+        <p:txBody>
+          <a:bodyPr wrap="square">
+            <a:spAutoFit/>
+          </a:bodyPr>
+          <a:lstStyle/>
+          <a:p>
             <a:pPr>
-              <a:defRPr sz="2800" b="1">
-                <a:solidFill>
-                  <a:srgbClr val="1B2A4A"/>
+              <a:spcBef>
+                <a:spcPts val="400"/>
+              </a:spcBef>
+              <a:spcAft>
+                <a:spcPts val="800"/>
+              </a:spcAft>
+              <a:defRPr sz="2000">
+                <a:solidFill>
+                  <a:srgbClr val="333333"/>
                 </a:solidFill>
               </a:defRPr>
             </a:pPr>
             <a:r>
-              <a:t>The AI Provider Landscape — Feb 2026</a:t>
-            </a:r>
-          </a:p>
-        </p:txBody>
-      </p:sp>
-      <p:graphicFrame>
-        <p:nvGraphicFramePr>
-          <p:cNvPr id="4" name="Table 3"/>
-          <p:cNvGraphicFramePr>
-            <a:graphicFrameLocks noGrp="1"/>
-          </p:cNvGraphicFramePr>
-          <p:nvPr/>
-        </p:nvGraphicFramePr>
-        <p:xfrm>
-          <a:off x="731520" y="1188720"/>
-          <a:ext cx="10515600" cy="2880360"/>
-        </p:xfrm>
-        <a:graphic>
-          <a:graphicData uri="http://schemas.openxmlformats.org/drawingml/2006/table">
-            <a:tbl>
-              <a:tblPr firstRow="1" bandRow="1">
-                <a:tableStyleId>{5C22544A-7EE6-4342-B048-85BDC9FD1C3A}</a:tableStyleId>
-              </a:tblPr>
-              <a:tblGrid>
-                <a:gridCol w="2628900"/>
-                <a:gridCol w="2628900"/>
-                <a:gridCol w="2628900"/>
-                <a:gridCol w="2628900"/>
-              </a:tblGrid>
-              <a:tr h="411480">
-                <a:tc>
-                  <a:txBody>
-                    <a:bodyPr/>
-                    <a:lstStyle/>
-                    <a:p>
-                      <a:pPr>
-                        <a:defRPr sz="1400" b="1">
-                          <a:solidFill>
-                            <a:srgbClr val="FFFFFF"/>
-                          </a:solidFill>
-                        </a:defRPr>
-                      </a:pPr>
-                      <a:r>
-                        <a:t>Provider</a:t>
-                      </a:r>
-                    </a:p>
-                  </a:txBody>
-                  <a:tcPr>
-                    <a:solidFill>
-                      <a:srgbClr val="1B2A4A"/>
-                    </a:solidFill>
-                  </a:tcPr>
-                </a:tc>
-                <a:tc>
-                  <a:txBody>
-                    <a:bodyPr/>
-                    <a:lstStyle/>
-                    <a:p>
-                      <a:pPr>
-                        <a:defRPr sz="1400" b="1">
-                          <a:solidFill>
-                            <a:srgbClr val="FFFFFF"/>
-                          </a:solidFill>
-                        </a:defRPr>
-                      </a:pPr>
-                      <a:r>
-                        <a:t>Flagship Model</a:t>
-                      </a:r>
-                    </a:p>
-                  </a:txBody>
-                  <a:tcPr>
-                    <a:solidFill>
-                      <a:srgbClr val="1B2A4A"/>
-                    </a:solidFill>
-                  </a:tcPr>
-                </a:tc>
-                <a:tc>
-                  <a:txBody>
-                    <a:bodyPr/>
-                    <a:lstStyle/>
-                    <a:p>
-                      <a:pPr>
-                        <a:defRPr sz="1400" b="1">
-                          <a:solidFill>
-                            <a:srgbClr val="FFFFFF"/>
-                          </a:solidFill>
-                        </a:defRPr>
-                      </a:pPr>
-                      <a:r>
-                        <a:t>Strengths</a:t>
-                      </a:r>
-                    </a:p>
-                  </a:txBody>
-                  <a:tcPr>
-                    <a:solidFill>
-                      <a:srgbClr val="1B2A4A"/>
-                    </a:solidFill>
-                  </a:tcPr>
-                </a:tc>
-                <a:tc>
-                  <a:txBody>
-                    <a:bodyPr/>
-                    <a:lstStyle/>
-                    <a:p>
-                      <a:pPr>
-                        <a:defRPr sz="1400" b="1">
-                          <a:solidFill>
-                            <a:srgbClr val="FFFFFF"/>
-                          </a:solidFill>
-                        </a:defRPr>
-                      </a:pPr>
-                      <a:r>
-                        <a:t>Pricing</a:t>
-                      </a:r>
-                    </a:p>
-                  </a:txBody>
-                  <a:tcPr>
-                    <a:solidFill>
-                      <a:srgbClr val="1B2A4A"/>
-                    </a:solidFill>
-                  </a:tcPr>
-                </a:tc>
-              </a:tr>
-              <a:tr h="411480">
-                <a:tc>
-                  <a:txBody>
-                    <a:bodyPr/>
-                    <a:lstStyle/>
-                    <a:p>
-                      <a:pPr>
-                        <a:defRPr sz="1300">
-                          <a:solidFill>
-                            <a:srgbClr val="333333"/>
-                          </a:solidFill>
-                        </a:defRPr>
-                      </a:pPr>
-                      <a:r>
-                        <a:t>OpenAI</a:t>
-                      </a:r>
-                    </a:p>
-                  </a:txBody>
-                  <a:tcPr>
-                    <a:solidFill>
-                      <a:srgbClr val="F5F7FA"/>
-                    </a:solidFill>
-                  </a:tcPr>
-                </a:tc>
-                <a:tc>
-                  <a:txBody>
-                    <a:bodyPr/>
-                    <a:lstStyle/>
-                    <a:p>
-                      <a:pPr>
-                        <a:defRPr sz="1300">
-                          <a:solidFill>
-                            <a:srgbClr val="333333"/>
-                          </a:solidFill>
-                        </a:defRPr>
-                      </a:pPr>
-                      <a:r>
-                        <a:t>GPT-5.2 (Dec 2025) — 400K ctx</a:t>
-                      </a:r>
-                    </a:p>
-                  </a:txBody>
-                  <a:tcPr>
-                    <a:solidFill>
-                      <a:srgbClr val="F5F7FA"/>
-                    </a:solidFill>
-                  </a:tcPr>
-                </a:tc>
-                <a:tc>
-                  <a:txBody>
-                    <a:bodyPr/>
-                    <a:lstStyle/>
-                    <a:p>
-                      <a:pPr>
-                        <a:defRPr sz="1300">
-                          <a:solidFill>
-                            <a:srgbClr val="333333"/>
-                          </a:solidFill>
-                        </a:defRPr>
-                      </a:pPr>
-                      <a:r>
-                        <a:t>Ecosystem, MCP support, 187 tok/s</a:t>
-                      </a:r>
-                    </a:p>
-                  </a:txBody>
-                  <a:tcPr>
-                    <a:solidFill>
-                      <a:srgbClr val="F5F7FA"/>
-                    </a:solidFill>
-                  </a:tcPr>
-                </a:tc>
-                <a:tc>
-                  <a:txBody>
-                    <a:bodyPr/>
-                    <a:lstStyle/>
-                    <a:p>
-                      <a:pPr>
-                        <a:defRPr sz="1300">
-                          <a:solidFill>
-                            <a:srgbClr val="333333"/>
-                          </a:solidFill>
-                        </a:defRPr>
-                      </a:pPr>
-                      <a:r>
-                        <a:t>$20/$60 per 1M</a:t>
-                      </a:r>
-                    </a:p>
-                  </a:txBody>
-                  <a:tcPr>
-                    <a:solidFill>
-                      <a:srgbClr val="F5F7FA"/>
-                    </a:solidFill>
-                  </a:tcPr>
-                </a:tc>
-              </a:tr>
-              <a:tr h="411480">
-                <a:tc>
-                  <a:txBody>
-                    <a:bodyPr/>
-                    <a:lstStyle/>
-                    <a:p>
-                      <a:pPr>
-                        <a:defRPr sz="1300">
-                          <a:solidFill>
-                            <a:srgbClr val="333333"/>
-                          </a:solidFill>
-                        </a:defRPr>
-                      </a:pPr>
-                      <a:r>
-                        <a:t>Anthropic</a:t>
-                      </a:r>
-                    </a:p>
-                  </a:txBody>
-                  <a:tcPr>
-                    <a:solidFill>
-                      <a:srgbClr val="FFFFFF"/>
-                    </a:solidFill>
-                  </a:tcPr>
-                </a:tc>
-                <a:tc>
-                  <a:txBody>
-                    <a:bodyPr/>
-                    <a:lstStyle/>
-                    <a:p>
-                      <a:pPr>
-                        <a:defRPr sz="1300">
-                          <a:solidFill>
-                            <a:srgbClr val="333333"/>
-                          </a:solidFill>
-                        </a:defRPr>
-                      </a:pPr>
-                      <a:r>
-                        <a:t>Claude Opus 4.6 (Feb 2026)</a:t>
-                      </a:r>
-                    </a:p>
-                  </a:txBody>
-                  <a:tcPr>
-                    <a:solidFill>
-                      <a:srgbClr val="FFFFFF"/>
-                    </a:solidFill>
-                  </a:tcPr>
-                </a:tc>
-                <a:tc>
-                  <a:txBody>
-                    <a:bodyPr/>
-                    <a:lstStyle/>
-                    <a:p>
-                      <a:pPr>
-                        <a:defRPr sz="1300">
-                          <a:solidFill>
-                            <a:srgbClr val="333333"/>
-                          </a:solidFill>
-                        </a:defRPr>
-                      </a:pPr>
-                      <a:r>
-                        <a:t>SWE-bench 80.9%, safety, Claude Code</a:t>
-                      </a:r>
-                    </a:p>
-                  </a:txBody>
-                  <a:tcPr>
-                    <a:solidFill>
-                      <a:srgbClr val="FFFFFF"/>
-                    </a:solidFill>
-                  </a:tcPr>
-                </a:tc>
-                <a:tc>
-                  <a:txBody>
-                    <a:bodyPr/>
-                    <a:lstStyle/>
-                    <a:p>
-                      <a:pPr>
-                        <a:defRPr sz="1300">
-                          <a:solidFill>
-                            <a:srgbClr val="333333"/>
-                          </a:solidFill>
-                        </a:defRPr>
-                      </a:pPr>
-                      <a:r>
-                        <a:t>$5/$25 per 1M</a:t>
-                      </a:r>
-                    </a:p>
-                  </a:txBody>
-                  <a:tcPr>
-                    <a:solidFill>
-                      <a:srgbClr val="FFFFFF"/>
-                    </a:solidFill>
-                  </a:tcPr>
-                </a:tc>
-              </a:tr>
-              <a:tr h="411480">
-                <a:tc>
-                  <a:txBody>
-                    <a:bodyPr/>
-                    <a:lstStyle/>
-                    <a:p>
-                      <a:pPr>
-                        <a:defRPr sz="1300">
-                          <a:solidFill>
-                            <a:srgbClr val="333333"/>
-                          </a:solidFill>
-                        </a:defRPr>
-                      </a:pPr>
-                      <a:r>
-                        <a:t>Google</a:t>
-                      </a:r>
-                    </a:p>
-                  </a:txBody>
-                  <a:tcPr>
-                    <a:solidFill>
-                      <a:srgbClr val="F5F7FA"/>
-                    </a:solidFill>
-                  </a:tcPr>
-                </a:tc>
-                <a:tc>
-                  <a:txBody>
-                    <a:bodyPr/>
-                    <a:lstStyle/>
-                    <a:p>
-                      <a:pPr>
-                        <a:defRPr sz="1300">
-                          <a:solidFill>
-                            <a:srgbClr val="333333"/>
-                          </a:solidFill>
-                        </a:defRPr>
-                      </a:pPr>
-                      <a:r>
-                        <a:t>Gemini 3 Pro (Nov 2025) — 1M ctx</a:t>
-                      </a:r>
-                    </a:p>
-                  </a:txBody>
-                  <a:tcPr>
-                    <a:solidFill>
-                      <a:srgbClr val="F5F7FA"/>
-                    </a:solidFill>
-                  </a:tcPr>
-                </a:tc>
-                <a:tc>
-                  <a:txBody>
-                    <a:bodyPr/>
-                    <a:lstStyle/>
-                    <a:p>
-                      <a:pPr>
-                        <a:defRPr sz="1300">
-                          <a:solidFill>
-                            <a:srgbClr val="333333"/>
-                          </a:solidFill>
-                        </a:defRPr>
-                      </a:pPr>
-                      <a:r>
-                        <a:t>Native multimodal, agentic, free tier</a:t>
-                      </a:r>
-                    </a:p>
-                  </a:txBody>
-                  <a:tcPr>
-                    <a:solidFill>
-                      <a:srgbClr val="F5F7FA"/>
-                    </a:solidFill>
-                  </a:tcPr>
-                </a:tc>
-                <a:tc>
-                  <a:txBody>
-                    <a:bodyPr/>
-                    <a:lstStyle/>
-                    <a:p>
-                      <a:pPr>
-                        <a:defRPr sz="1300">
-                          <a:solidFill>
-                            <a:srgbClr val="333333"/>
-                          </a:solidFill>
-                        </a:defRPr>
-                      </a:pPr>
-                      <a:r>
-                        <a:t>$-$$</a:t>
-                      </a:r>
-                    </a:p>
-                  </a:txBody>
-                  <a:tcPr>
-                    <a:solidFill>
-                      <a:srgbClr val="F5F7FA"/>
-                    </a:solidFill>
-                  </a:tcPr>
-                </a:tc>
-              </a:tr>
-              <a:tr h="411480">
-                <a:tc>
-                  <a:txBody>
-                    <a:bodyPr/>
-                    <a:lstStyle/>
-                    <a:p>
-                      <a:pPr>
-                        <a:defRPr sz="1300">
-                          <a:solidFill>
-                            <a:srgbClr val="333333"/>
-                          </a:solidFill>
-                        </a:defRPr>
-                      </a:pPr>
-                      <a:r>
-                        <a:t>Meta</a:t>
-                      </a:r>
-                    </a:p>
-                  </a:txBody>
-                  <a:tcPr>
-                    <a:solidFill>
-                      <a:srgbClr val="FFFFFF"/>
-                    </a:solidFill>
-                  </a:tcPr>
-                </a:tc>
-                <a:tc>
-                  <a:txBody>
-                    <a:bodyPr/>
-                    <a:lstStyle/>
-                    <a:p>
-                      <a:pPr>
-                        <a:defRPr sz="1300">
-                          <a:solidFill>
-                            <a:srgbClr val="333333"/>
-                          </a:solidFill>
-                        </a:defRPr>
-                      </a:pPr>
-                      <a:r>
-                        <a:t>Llama 4 (open source)</a:t>
-                      </a:r>
-                    </a:p>
-                  </a:txBody>
-                  <a:tcPr>
-                    <a:solidFill>
-                      <a:srgbClr val="FFFFFF"/>
-                    </a:solidFill>
-                  </a:tcPr>
-                </a:tc>
-                <a:tc>
-                  <a:txBody>
-                    <a:bodyPr/>
-                    <a:lstStyle/>
-                    <a:p>
-                      <a:pPr>
-                        <a:defRPr sz="1300">
-                          <a:solidFill>
-                            <a:srgbClr val="333333"/>
-                          </a:solidFill>
-                        </a:defRPr>
-                      </a:pPr>
-                      <a:r>
-                        <a:t>Self-hostable, commercial use OK</a:t>
-                      </a:r>
-                    </a:p>
-                  </a:txBody>
-                  <a:tcPr>
-                    <a:solidFill>
-                      <a:srgbClr val="FFFFFF"/>
-                    </a:solidFill>
-                  </a:tcPr>
-                </a:tc>
-                <a:tc>
-                  <a:txBody>
-                    <a:bodyPr/>
-                    <a:lstStyle/>
-                    <a:p>
-                      <a:pPr>
-                        <a:defRPr sz="1300">
-                          <a:solidFill>
-                            <a:srgbClr val="333333"/>
-                          </a:solidFill>
-                        </a:defRPr>
-                      </a:pPr>
-                      <a:r>
-                        <a:t>Free (compute)</a:t>
-                      </a:r>
-                    </a:p>
-                  </a:txBody>
-                  <a:tcPr>
-                    <a:solidFill>
-                      <a:srgbClr val="FFFFFF"/>
-                    </a:solidFill>
-                  </a:tcPr>
-                </a:tc>
-              </a:tr>
-              <a:tr h="411480">
-                <a:tc>
-                  <a:txBody>
-                    <a:bodyPr/>
-                    <a:lstStyle/>
-                    <a:p>
-                      <a:pPr>
-                        <a:defRPr sz="1300">
-                          <a:solidFill>
-                            <a:srgbClr val="333333"/>
-                          </a:solidFill>
-                        </a:defRPr>
-                      </a:pPr>
-                      <a:r>
-                        <a:t>Mistral</a:t>
-                      </a:r>
-                    </a:p>
-                  </a:txBody>
-                  <a:tcPr>
-                    <a:solidFill>
-                      <a:srgbClr val="F5F7FA"/>
-                    </a:solidFill>
-                  </a:tcPr>
-                </a:tc>
-                <a:tc>
-                  <a:txBody>
-                    <a:bodyPr/>
-                    <a:lstStyle/>
-                    <a:p>
-                      <a:pPr>
-                        <a:defRPr sz="1300">
-                          <a:solidFill>
-                            <a:srgbClr val="333333"/>
-                          </a:solidFill>
-                        </a:defRPr>
-                      </a:pPr>
-                      <a:r>
-                        <a:t>Mistral Large</a:t>
-                      </a:r>
-                    </a:p>
-                  </a:txBody>
-                  <a:tcPr>
-                    <a:solidFill>
-                      <a:srgbClr val="F5F7FA"/>
-                    </a:solidFill>
-                  </a:tcPr>
-                </a:tc>
-                <a:tc>
-                  <a:txBody>
-                    <a:bodyPr/>
-                    <a:lstStyle/>
-                    <a:p>
-                      <a:pPr>
-                        <a:defRPr sz="1300">
-                          <a:solidFill>
-                            <a:srgbClr val="333333"/>
-                          </a:solidFill>
-                        </a:defRPr>
-                      </a:pPr>
-                      <a:r>
-                        <a:t>EU-based, efficient, open-weight options</a:t>
-                      </a:r>
-                    </a:p>
-                  </a:txBody>
-                  <a:tcPr>
-                    <a:solidFill>
-                      <a:srgbClr val="F5F7FA"/>
-                    </a:solidFill>
-                  </a:tcPr>
-                </a:tc>
-                <a:tc>
-                  <a:txBody>
-                    <a:bodyPr/>
-                    <a:lstStyle/>
-                    <a:p>
-                      <a:pPr>
-                        <a:defRPr sz="1300">
-                          <a:solidFill>
-                            <a:srgbClr val="333333"/>
-                          </a:solidFill>
-                        </a:defRPr>
-                      </a:pPr>
-                      <a:r>
-                        <a:t>$-$$</a:t>
-                      </a:r>
-                    </a:p>
-                  </a:txBody>
-                  <a:tcPr>
-                    <a:solidFill>
-                      <a:srgbClr val="F5F7FA"/>
-                    </a:solidFill>
-                  </a:tcPr>
-                </a:tc>
-              </a:tr>
-              <a:tr h="411480">
-                <a:tc>
-                  <a:txBody>
-                    <a:bodyPr/>
-                    <a:lstStyle/>
-                    <a:p>
-                      <a:pPr>
-                        <a:defRPr sz="1300">
-                          <a:solidFill>
-                            <a:srgbClr val="333333"/>
-                          </a:solidFill>
-                        </a:defRPr>
-                      </a:pPr>
-                      <a:r>
-                        <a:t>DeepSeek</a:t>
-                      </a:r>
-                    </a:p>
-                  </a:txBody>
-                  <a:tcPr>
-                    <a:solidFill>
-                      <a:srgbClr val="FFFFFF"/>
-                    </a:solidFill>
-                  </a:tcPr>
-                </a:tc>
-                <a:tc>
-                  <a:txBody>
-                    <a:bodyPr/>
-                    <a:lstStyle/>
-                    <a:p>
-                      <a:pPr>
-                        <a:defRPr sz="1300">
-                          <a:solidFill>
-                            <a:srgbClr val="333333"/>
-                          </a:solidFill>
-                        </a:defRPr>
-                      </a:pPr>
-                      <a:r>
-                        <a:t>DeepSeek V4</a:t>
-                      </a:r>
-                    </a:p>
-                  </a:txBody>
-                  <a:tcPr>
-                    <a:solidFill>
-                      <a:srgbClr val="FFFFFF"/>
-                    </a:solidFill>
-                  </a:tcPr>
-                </a:tc>
-                <a:tc>
-                  <a:txBody>
-                    <a:bodyPr/>
-                    <a:lstStyle/>
-                    <a:p>
-                      <a:pPr>
-                        <a:defRPr sz="1300">
-                          <a:solidFill>
-                            <a:srgbClr val="333333"/>
-                          </a:solidFill>
-                        </a:defRPr>
-                      </a:pPr>
-                      <a:r>
-                        <a:t>94% cheaper than GPT, strong reasoning</a:t>
-                      </a:r>
-                    </a:p>
-                  </a:txBody>
-                  <a:tcPr>
-                    <a:solidFill>
-                      <a:srgbClr val="FFFFFF"/>
-                    </a:solidFill>
-                  </a:tcPr>
-                </a:tc>
-                <a:tc>
-                  <a:txBody>
-                    <a:bodyPr/>
-                    <a:lstStyle/>
-                    <a:p>
-                      <a:pPr>
-                        <a:defRPr sz="1300">
-                          <a:solidFill>
-                            <a:srgbClr val="333333"/>
-                          </a:solidFill>
-                        </a:defRPr>
-                      </a:pPr>
-                      <a:r>
-                        <a:t>$0.14/1M tokens</a:t>
-                      </a:r>
-                    </a:p>
-                  </a:txBody>
-                  <a:tcPr>
-                    <a:solidFill>
-                      <a:srgbClr val="FFFFFF"/>
-                    </a:solidFill>
-                  </a:tcPr>
-                </a:tc>
-              </a:tr>
-            </a:tbl>
-          </a:graphicData>
-        </a:graphic>
-      </p:graphicFrame>
+              <a:t>chat_script.py — switch providers mid-conversation</a:t>
+            </a:r>
+          </a:p>
+          <a:p>
+            <a:pPr>
+              <a:spcBef>
+                <a:spcPts val="400"/>
+              </a:spcBef>
+              <a:spcAft>
+                <a:spcPts val="800"/>
+              </a:spcAft>
+              <a:defRPr sz="2000">
+                <a:solidFill>
+                  <a:srgbClr val="333333"/>
+                </a:solidFill>
+              </a:defRPr>
+            </a:pPr>
+            <a:r>
+              <a:t>Commands: /openai  /anthropic  /google  /clear  /quit</a:t>
+            </a:r>
+          </a:p>
+          <a:p>
+            <a:pPr>
+              <a:spcBef>
+                <a:spcPts val="400"/>
+              </a:spcBef>
+              <a:spcAft>
+                <a:spcPts val="800"/>
+              </a:spcAft>
+              <a:defRPr sz="2000">
+                <a:solidFill>
+                  <a:srgbClr val="333333"/>
+                </a:solidFill>
+              </a:defRPr>
+            </a:pPr>
+            <a:r>
+              <a:t>Shared message history across providers</a:t>
+            </a:r>
+          </a:p>
+          <a:p>
+            <a:pPr>
+              <a:spcBef>
+                <a:spcPts val="400"/>
+              </a:spcBef>
+              <a:spcAft>
+                <a:spcPts val="800"/>
+              </a:spcAft>
+              <a:defRPr sz="2000">
+                <a:solidFill>
+                  <a:srgbClr val="333333"/>
+                </a:solidFill>
+              </a:defRPr>
+            </a:pPr>
+            <a:r>
+              <a:t>Streaming responses from all three</a:t>
+            </a:r>
+          </a:p>
+          <a:p>
+            <a:pPr>
+              <a:spcBef>
+                <a:spcPts val="400"/>
+              </a:spcBef>
+              <a:spcAft>
+                <a:spcPts val="800"/>
+              </a:spcAft>
+              <a:defRPr sz="2000">
+                <a:solidFill>
+                  <a:srgbClr val="333333"/>
+                </a:solidFill>
+              </a:defRPr>
+            </a:pPr>
+            <a:r>
+              <a:t>Exercise: run it, try each provider, compare responses</a:t>
+            </a:r>
+          </a:p>
+          <a:p>
+            <a:pPr>
+              <a:spcBef>
+                <a:spcPts val="400"/>
+              </a:spcBef>
+              <a:spcAft>
+                <a:spcPts val="800"/>
+              </a:spcAft>
+              <a:defRPr sz="2000">
+                <a:solidFill>
+                  <a:srgbClr val="333333"/>
+                </a:solidFill>
+              </a:defRPr>
+            </a:pPr>
+            <a:r>
+              <a:t>Notice: same question → different styles &amp; quality</a:t>
+            </a:r>
+          </a:p>
+        </p:txBody>
+      </p:sp>
     </p:spTree>
   </p:cSld>
   <p:clrMapOvr>
@@ -6302,17 +5815,9 @@
 </p:sld>
 </file>
 
-<file path=ppt/slides/slide3.xml><?xml version="1.0" encoding="utf-8"?>
+<file path=ppt/slides/slide15.xml><?xml version="1.0" encoding="utf-8"?>
 <p:sld xmlns:a="http://schemas.openxmlformats.org/drawingml/2006/main" xmlns:p="http://schemas.openxmlformats.org/presentationml/2006/main" xmlns:r="http://schemas.openxmlformats.org/officeDocument/2006/relationships">
   <p:cSld>
-    <p:bg>
-      <p:bgPr>
-        <a:solidFill>
-          <a:srgbClr val="FFFFFF"/>
-        </a:solidFill>
-        <a:effectLst/>
-      </p:bgPr>
-    </p:bg>
     <p:spTree>
       <p:nvGrpSpPr>
         <p:cNvPr id="1" name=""/>
@@ -6329,7 +5834,7 @@
         <p:spPr>
           <a:xfrm>
             <a:off x="0" y="0"/>
-            <a:ext cx="12191695" cy="54864"/>
+            <a:ext cx="12191695" cy="73152"/>
           </a:xfrm>
           <a:prstGeom prst="rect">
             <a:avLst/>
@@ -6372,7 +5877,7 @@
         <p:spPr>
           <a:xfrm>
             <a:off x="731520" y="274320"/>
-            <a:ext cx="10515600" cy="731520"/>
+            <a:ext cx="10728655" cy="822960"/>
           </a:xfrm>
           <a:prstGeom prst="rect">
             <a:avLst/>
@@ -6385,15 +5890,15 @@
           </a:bodyPr>
           <a:lstStyle/>
           <a:p>
-            <a:pPr>
-              <a:defRPr sz="2800" b="1">
+            <a:pPr algn="l">
+              <a:defRPr sz="3200" b="1">
                 <a:solidFill>
                   <a:srgbClr val="1B2A4A"/>
                 </a:solidFill>
               </a:defRPr>
             </a:pPr>
             <a:r>
-              <a:t>Model Types — Know What You're Using</a:t>
+              <a:t>Key Takeaways — Session 1</a:t>
             </a:r>
           </a:p>
         </p:txBody>
@@ -6406,8 +5911,8 @@
         </p:nvSpPr>
         <p:spPr>
           <a:xfrm>
-            <a:off x="731520" y="1188720"/>
-            <a:ext cx="10515600" cy="5029200"/>
+            <a:off x="914400" y="1280160"/>
+            <a:ext cx="10362895" cy="5029200"/>
           </a:xfrm>
           <a:prstGeom prst="rect">
             <a:avLst/>
@@ -6421,62 +5926,110 @@
           <a:lstStyle/>
           <a:p>
             <a:pPr>
+              <a:spcBef>
+                <a:spcPts val="400"/>
+              </a:spcBef>
               <a:spcAft>
                 <a:spcPts val="800"/>
               </a:spcAft>
-              <a:defRPr sz="1800">
+              <a:defRPr sz="2000">
                 <a:solidFill>
                   <a:srgbClr val="333333"/>
                 </a:solidFill>
               </a:defRPr>
             </a:pPr>
             <a:r>
-              <a:t>Chat Models — GPT-5.2, Claude Sonnet 4.6, Gemini 3 Pro → text in, text out (95% of use)</a:t>
+              <a:t>Three major providers + strong open-source alternatives</a:t>
             </a:r>
           </a:p>
           <a:p>
             <a:pPr>
+              <a:spcBef>
+                <a:spcPts val="400"/>
+              </a:spcBef>
               <a:spcAft>
                 <a:spcPts val="800"/>
               </a:spcAft>
-              <a:defRPr sz="1800">
+              <a:defRPr sz="2000">
                 <a:solidFill>
                   <a:srgbClr val="333333"/>
                 </a:solidFill>
               </a:defRPr>
             </a:pPr>
             <a:r>
-              <a:t>Reasoning Models — o3, o4-mini, Claude Opus extended thinking → slower, costlier, better at hard problems</a:t>
+              <a:t>Reasoning models think harder; non-reasoning are faster/cheaper</a:t>
             </a:r>
           </a:p>
           <a:p>
             <a:pPr>
+              <a:spcBef>
+                <a:spcPts val="400"/>
+              </a:spcBef>
               <a:spcAft>
                 <a:spcPts val="800"/>
               </a:spcAft>
-              <a:defRPr sz="1800">
+              <a:defRPr sz="2000">
                 <a:solidFill>
                   <a:srgbClr val="333333"/>
                 </a:solidFill>
               </a:defRPr>
             </a:pPr>
             <a:r>
-              <a:t>Embedding Models — text-embedding-3-small, Gemini embedding → text→vectors for search/RAG</a:t>
+              <a:t>OAuth for apps like OpenClaw; API keys for your custom code</a:t>
             </a:r>
           </a:p>
           <a:p>
             <a:pPr>
+              <a:spcBef>
+                <a:spcPts val="400"/>
+              </a:spcBef>
               <a:spcAft>
                 <a:spcPts val="800"/>
               </a:spcAft>
-              <a:defRPr sz="1800">
+              <a:defRPr sz="2000">
                 <a:solidFill>
                   <a:srgbClr val="333333"/>
                 </a:solidFill>
               </a:defRPr>
             </a:pPr>
             <a:r>
-              <a:t>Specialized — DALL-E 3, Imagen 3, Whisper, TTS → images, audio, video</a:t>
+              <a:t>All SDKs follow client → messages → response pattern</a:t>
+            </a:r>
+          </a:p>
+          <a:p>
+            <a:pPr>
+              <a:spcBef>
+                <a:spcPts val="400"/>
+              </a:spcBef>
+              <a:spcAft>
+                <a:spcPts val="800"/>
+              </a:spcAft>
+              <a:defRPr sz="2000">
+                <a:solidFill>
+                  <a:srgbClr val="333333"/>
+                </a:solidFill>
+              </a:defRPr>
+            </a:pPr>
+            <a:r>
+              <a:t>Streaming is essential for good UX</a:t>
+            </a:r>
+          </a:p>
+          <a:p>
+            <a:pPr>
+              <a:spcBef>
+                <a:spcPts val="400"/>
+              </a:spcBef>
+              <a:spcAft>
+                <a:spcPts val="800"/>
+              </a:spcAft>
+              <a:defRPr sz="2000">
+                <a:solidFill>
+                  <a:srgbClr val="333333"/>
+                </a:solidFill>
+              </a:defRPr>
+            </a:pPr>
+            <a:r>
+              <a:t>Next session: prompt engineering &amp; multimodal APIs</a:t>
             </a:r>
           </a:p>
         </p:txBody>
@@ -6489,17 +6042,9 @@
 </p:sld>
 </file>
 
-<file path=ppt/slides/slide4.xml><?xml version="1.0" encoding="utf-8"?>
+<file path=ppt/slides/slide2.xml><?xml version="1.0" encoding="utf-8"?>
 <p:sld xmlns:a="http://schemas.openxmlformats.org/drawingml/2006/main" xmlns:p="http://schemas.openxmlformats.org/presentationml/2006/main" xmlns:r="http://schemas.openxmlformats.org/officeDocument/2006/relationships">
   <p:cSld>
-    <p:bg>
-      <p:bgPr>
-        <a:solidFill>
-          <a:srgbClr val="FFFFFF"/>
-        </a:solidFill>
-        <a:effectLst/>
-      </p:bgPr>
-    </p:bg>
     <p:spTree>
       <p:nvGrpSpPr>
         <p:cNvPr id="1" name=""/>
@@ -6516,7 +6061,7 @@
         <p:spPr>
           <a:xfrm>
             <a:off x="0" y="0"/>
-            <a:ext cx="12191695" cy="54864"/>
+            <a:ext cx="12191695" cy="73152"/>
           </a:xfrm>
           <a:prstGeom prst="rect">
             <a:avLst/>
@@ -6559,7 +6104,7 @@
         <p:spPr>
           <a:xfrm>
             <a:off x="731520" y="274320"/>
-            <a:ext cx="10515600" cy="731520"/>
+            <a:ext cx="10728655" cy="822960"/>
           </a:xfrm>
           <a:prstGeom prst="rect">
             <a:avLst/>
@@ -6572,72 +6117,29 @@
           </a:bodyPr>
           <a:lstStyle/>
           <a:p>
-            <a:pPr>
-              <a:defRPr sz="2800" b="1">
+            <a:pPr algn="l">
+              <a:defRPr sz="3200" b="1">
                 <a:solidFill>
                   <a:srgbClr val="1B2A4A"/>
                 </a:solidFill>
               </a:defRPr>
             </a:pPr>
             <a:r>
-              <a:t>Key Parameters — Temperature &amp; Friends</a:t>
-            </a:r>
-          </a:p>
-        </p:txBody>
-      </p:sp>
-      <p:sp>
-        <p:nvSpPr>
-          <p:cNvPr id="4" name="Rounded Rectangle 3"/>
-          <p:cNvSpPr/>
+              <a:t>The Big Three + Challengers</a:t>
+            </a:r>
+          </a:p>
+        </p:txBody>
+      </p:sp>
+      <p:sp>
+        <p:nvSpPr>
+          <p:cNvPr id="4" name="TextBox 3"/>
+          <p:cNvSpPr txBox="1"/>
           <p:nvPr/>
         </p:nvSpPr>
         <p:spPr>
           <a:xfrm>
-            <a:off x="548640" y="1188720"/>
-            <a:ext cx="10972800" cy="4754880"/>
-          </a:xfrm>
-          <a:prstGeom prst="roundRect">
-            <a:avLst/>
-          </a:prstGeom>
-          <a:solidFill>
-            <a:srgbClr val="F0F0F0"/>
-          </a:solidFill>
-          <a:ln>
-            <a:noFill/>
-          </a:ln>
-        </p:spPr>
-        <p:style>
-          <a:lnRef idx="1">
-            <a:schemeClr val="accent1"/>
-          </a:lnRef>
-          <a:fillRef idx="3">
-            <a:schemeClr val="accent1"/>
-          </a:fillRef>
-          <a:effectRef idx="2">
-            <a:schemeClr val="accent1"/>
-          </a:effectRef>
-          <a:fontRef idx="minor">
-            <a:schemeClr val="lt1"/>
-          </a:fontRef>
-        </p:style>
-        <p:txBody>
-          <a:bodyPr rtlCol="0" anchor="ctr"/>
-          <a:lstStyle/>
-          <a:p>
-            <a:pPr algn="ctr"/>
-          </a:p>
-        </p:txBody>
-      </p:sp>
-      <p:sp>
-        <p:nvSpPr>
-          <p:cNvPr id="5" name="TextBox 4"/>
-          <p:cNvSpPr txBox="1"/>
-          <p:nvPr/>
-        </p:nvSpPr>
-        <p:spPr>
-          <a:xfrm>
-            <a:off x="822960" y="1371600"/>
-            <a:ext cx="10424160" cy="4389120"/>
+            <a:off x="914400" y="1280160"/>
+            <a:ext cx="10362895" cy="5029200"/>
           </a:xfrm>
           <a:prstGeom prst="rect">
             <a:avLst/>
@@ -6651,68 +6153,92 @@
           <a:lstStyle/>
           <a:p>
             <a:pPr>
-              <a:defRPr sz="1200">
+              <a:spcBef>
+                <a:spcPts val="400"/>
+              </a:spcBef>
+              <a:spcAft>
+                <a:spcPts val="800"/>
+              </a:spcAft>
+              <a:defRPr sz="2000">
                 <a:solidFill>
                   <a:srgbClr val="333333"/>
                 </a:solidFill>
-                <a:latin typeface="Consolas"/>
               </a:defRPr>
             </a:pPr>
             <a:r>
-              <a:t>response = client.chat.completions.create(</a:t>
-            </a:r>
-            <a:br/>
-            <a:r>
-              <a:t>    model="gpt-5.2",</a:t>
-            </a:r>
-            <a:br/>
-            <a:r>
-              <a:t>    messages=[...],</a:t>
-            </a:r>
-            <a:br/>
-            <a:r>
-              <a:t>    temperature=0.7,      # 0 = deterministic, 2 = creative chaos</a:t>
-            </a:r>
-            <a:br/>
-            <a:r>
-              <a:t>    max_tokens=1024,       # output length cap</a:t>
-            </a:r>
-            <a:br/>
-            <a:r>
-              <a:t>    top_p=0.9,             # nucleus sampling (usually leave at 1)</a:t>
-            </a:r>
-            <a:br/>
-            <a:r>
-              <a:t>    frequency_penalty=0,   # reduce repetition</a:t>
-            </a:r>
-            <a:br/>
-            <a:r>
-              <a:t>    stop=["\n\n"],        # stop sequences</a:t>
-            </a:r>
-            <a:br/>
-            <a:r>
-              <a:t>)</a:t>
-            </a:r>
-            <a:br/>
-            <a:br/>
-            <a:r>
-              <a:t>Temperature Guide:</a:t>
-            </a:r>
-            <a:br/>
-            <a:r>
-              <a:t>  0.0  → Code generation, data extraction, deterministic tasks</a:t>
-            </a:r>
-            <a:br/>
-            <a:r>
-              <a:t>  0.3  → Customer support, summarization</a:t>
-            </a:r>
-            <a:br/>
-            <a:r>
-              <a:t>  0.7  → General chat, creative assistance (DEFAULT)</a:t>
-            </a:r>
-            <a:br/>
-            <a:r>
-              <a:t>  1.0+ → Brainstorming, creative writing</a:t>
+              <a:t>OpenAI — GPT-5.2, GPT-4.1, o3/o4-mini reasoning models</a:t>
+            </a:r>
+          </a:p>
+          <a:p>
+            <a:pPr>
+              <a:spcBef>
+                <a:spcPts val="400"/>
+              </a:spcBef>
+              <a:spcAft>
+                <a:spcPts val="800"/>
+              </a:spcAft>
+              <a:defRPr sz="2000">
+                <a:solidFill>
+                  <a:srgbClr val="333333"/>
+                </a:solidFill>
+              </a:defRPr>
+            </a:pPr>
+            <a:r>
+              <a:t>Anthropic — Opus 4.6, Sonnet 4.6, Haiku 3.5 (Claude Code)</a:t>
+            </a:r>
+          </a:p>
+          <a:p>
+            <a:pPr>
+              <a:spcBef>
+                <a:spcPts val="400"/>
+              </a:spcBef>
+              <a:spcAft>
+                <a:spcPts val="800"/>
+              </a:spcAft>
+              <a:defRPr sz="2000">
+                <a:solidFill>
+                  <a:srgbClr val="333333"/>
+                </a:solidFill>
+              </a:defRPr>
+            </a:pPr>
+            <a:r>
+              <a:t>Google — Gemini 2.5 Pro, Gemini 2.5 Flash</a:t>
+            </a:r>
+          </a:p>
+          <a:p>
+            <a:pPr>
+              <a:spcBef>
+                <a:spcPts val="400"/>
+              </a:spcBef>
+              <a:spcAft>
+                <a:spcPts val="800"/>
+              </a:spcAft>
+              <a:defRPr sz="2000">
+                <a:solidFill>
+                  <a:srgbClr val="333333"/>
+                </a:solidFill>
+              </a:defRPr>
+            </a:pPr>
+            <a:r>
+              <a:t>Challengers: DeepSeek V4, Meta Llama 4, Grok 4, Mistral Large</a:t>
+            </a:r>
+          </a:p>
+          <a:p>
+            <a:pPr>
+              <a:spcBef>
+                <a:spcPts val="400"/>
+              </a:spcBef>
+              <a:spcAft>
+                <a:spcPts val="800"/>
+              </a:spcAft>
+              <a:defRPr sz="2000">
+                <a:solidFill>
+                  <a:srgbClr val="333333"/>
+                </a:solidFill>
+              </a:defRPr>
+            </a:pPr>
+            <a:r>
+              <a:t>All accessible through simple REST APIs + SDKs</a:t>
             </a:r>
           </a:p>
         </p:txBody>
@@ -6725,17 +6251,9 @@
 </p:sld>
 </file>
 
-<file path=ppt/slides/slide5.xml><?xml version="1.0" encoding="utf-8"?>
+<file path=ppt/slides/slide3.xml><?xml version="1.0" encoding="utf-8"?>
 <p:sld xmlns:a="http://schemas.openxmlformats.org/drawingml/2006/main" xmlns:p="http://schemas.openxmlformats.org/presentationml/2006/main" xmlns:r="http://schemas.openxmlformats.org/officeDocument/2006/relationships">
   <p:cSld>
-    <p:bg>
-      <p:bgPr>
-        <a:solidFill>
-          <a:srgbClr val="FFFFFF"/>
-        </a:solidFill>
-        <a:effectLst/>
-      </p:bgPr>
-    </p:bg>
     <p:spTree>
       <p:nvGrpSpPr>
         <p:cNvPr id="1" name=""/>
@@ -6752,7 +6270,7 @@
         <p:spPr>
           <a:xfrm>
             <a:off x="0" y="0"/>
-            <a:ext cx="12191695" cy="54864"/>
+            <a:ext cx="12191695" cy="73152"/>
           </a:xfrm>
           <a:prstGeom prst="rect">
             <a:avLst/>
@@ -6795,7 +6313,7 @@
         <p:spPr>
           <a:xfrm>
             <a:off x="731520" y="274320"/>
-            <a:ext cx="10515600" cy="731520"/>
+            <a:ext cx="10728655" cy="731520"/>
           </a:xfrm>
           <a:prstGeom prst="rect">
             <a:avLst/>
@@ -6803,107 +6321,695 @@
           <a:noFill/>
         </p:spPr>
         <p:txBody>
-          <a:bodyPr wrap="square">
+          <a:bodyPr wrap="none">
             <a:spAutoFit/>
           </a:bodyPr>
           <a:lstStyle/>
           <a:p>
             <a:pPr>
-              <a:defRPr sz="2800" b="1">
+              <a:defRPr sz="3200" b="1">
                 <a:solidFill>
                   <a:srgbClr val="1B2A4A"/>
                 </a:solidFill>
               </a:defRPr>
             </a:pPr>
             <a:r>
-              <a:t>Open Source Models — Run It Yourself</a:t>
-            </a:r>
-          </a:p>
-        </p:txBody>
-      </p:sp>
-      <p:sp>
-        <p:nvSpPr>
-          <p:cNvPr id="4" name="TextBox 3"/>
-          <p:cNvSpPr txBox="1"/>
+              <a:t>Model Comparison — February 2026</a:t>
+            </a:r>
+          </a:p>
+        </p:txBody>
+      </p:sp>
+      <p:graphicFrame>
+        <p:nvGraphicFramePr>
+          <p:cNvPr id="4" name="Table 3"/>
+          <p:cNvGraphicFramePr>
+            <a:graphicFrameLocks noGrp="1"/>
+          </p:cNvGraphicFramePr>
           <p:nvPr/>
-        </p:nvSpPr>
-        <p:spPr>
-          <a:xfrm>
-            <a:off x="731520" y="1188720"/>
-            <a:ext cx="10515600" cy="5029200"/>
-          </a:xfrm>
-          <a:prstGeom prst="rect">
-            <a:avLst/>
-          </a:prstGeom>
-          <a:noFill/>
-        </p:spPr>
-        <p:txBody>
-          <a:bodyPr wrap="square">
-            <a:spAutoFit/>
-          </a:bodyPr>
-          <a:lstStyle/>
-          <a:p>
-            <a:pPr>
-              <a:spcAft>
-                <a:spcPts val="800"/>
-              </a:spcAft>
-              <a:defRPr sz="1800">
-                <a:solidFill>
-                  <a:srgbClr val="333333"/>
-                </a:solidFill>
-              </a:defRPr>
-            </a:pPr>
-            <a:r>
-              <a:t>Llama 4 (Meta) — Scout 17B/109B MoE, Maverick 17B/400B MoE, open source, commercial OK</a:t>
-            </a:r>
-          </a:p>
-          <a:p>
-            <a:pPr>
-              <a:spcAft>
-                <a:spcPts val="800"/>
-              </a:spcAft>
-              <a:defRPr sz="1800">
-                <a:solidFill>
-                  <a:srgbClr val="333333"/>
-                </a:solidFill>
-              </a:defRPr>
-            </a:pPr>
-            <a:r>
-              <a:t>DeepSeek V4 — 671B MoE, MIT license, $0.14/1M tokens via API, self-hostable</a:t>
-            </a:r>
-          </a:p>
-          <a:p>
-            <a:pPr>
-              <a:spcAft>
-                <a:spcPts val="800"/>
-              </a:spcAft>
-              <a:defRPr sz="1800">
-                <a:solidFill>
-                  <a:srgbClr val="333333"/>
-                </a:solidFill>
-              </a:defRPr>
-            </a:pPr>
-            <a:r>
-              <a:t>Mistral Large (123B), Codestral for code — Apache 2.0 for small models</a:t>
-            </a:r>
-          </a:p>
-          <a:p>
-            <a:pPr>
-              <a:spcAft>
-                <a:spcPts val="800"/>
-              </a:spcAft>
-              <a:defRPr sz="1800">
-                <a:solidFill>
-                  <a:srgbClr val="333333"/>
-                </a:solidFill>
-              </a:defRPr>
-            </a:pPr>
-            <a:r>
-              <a:t>Qwen 2.5 (Alibaba) — 0.5B to 72B, strong multilingual, Apache 2.0</a:t>
-            </a:r>
-          </a:p>
-        </p:txBody>
-      </p:sp>
+        </p:nvGraphicFramePr>
+        <p:xfrm>
+          <a:off x="731520" y="1280160"/>
+          <a:ext cx="10728655" cy="2194560"/>
+        </p:xfrm>
+        <a:graphic>
+          <a:graphicData uri="http://schemas.openxmlformats.org/drawingml/2006/table">
+            <a:tbl>
+              <a:tblPr firstRow="1" bandRow="1">
+                <a:tableStyleId>{5C22544A-7EE6-4342-B048-85BDC9FD1C3A}</a:tableStyleId>
+              </a:tblPr>
+              <a:tblGrid>
+                <a:gridCol w="2145731"/>
+                <a:gridCol w="2145731"/>
+                <a:gridCol w="2145731"/>
+                <a:gridCol w="2145731"/>
+                <a:gridCol w="2145731"/>
+              </a:tblGrid>
+              <a:tr h="365760">
+                <a:tc>
+                  <a:txBody>
+                    <a:bodyPr/>
+                    <a:lstStyle/>
+                    <a:p>
+                      <a:pPr algn="ctr">
+                        <a:defRPr sz="1400" b="1">
+                          <a:solidFill>
+                            <a:srgbClr val="FFFFFF"/>
+                          </a:solidFill>
+                        </a:defRPr>
+                      </a:pPr>
+                      <a:r>
+                        <a:t>Provider</a:t>
+                      </a:r>
+                    </a:p>
+                  </a:txBody>
+                  <a:tcPr>
+                    <a:solidFill>
+                      <a:srgbClr val="1B2A4A"/>
+                    </a:solidFill>
+                  </a:tcPr>
+                </a:tc>
+                <a:tc>
+                  <a:txBody>
+                    <a:bodyPr/>
+                    <a:lstStyle/>
+                    <a:p>
+                      <a:pPr algn="ctr">
+                        <a:defRPr sz="1400" b="1">
+                          <a:solidFill>
+                            <a:srgbClr val="FFFFFF"/>
+                          </a:solidFill>
+                        </a:defRPr>
+                      </a:pPr>
+                      <a:r>
+                        <a:t>Flagship</a:t>
+                      </a:r>
+                    </a:p>
+                  </a:txBody>
+                  <a:tcPr>
+                    <a:solidFill>
+                      <a:srgbClr val="1B2A4A"/>
+                    </a:solidFill>
+                  </a:tcPr>
+                </a:tc>
+                <a:tc>
+                  <a:txBody>
+                    <a:bodyPr/>
+                    <a:lstStyle/>
+                    <a:p>
+                      <a:pPr algn="ctr">
+                        <a:defRPr sz="1400" b="1">
+                          <a:solidFill>
+                            <a:srgbClr val="FFFFFF"/>
+                          </a:solidFill>
+                        </a:defRPr>
+                      </a:pPr>
+                      <a:r>
+                        <a:t>Mid-Tier</a:t>
+                      </a:r>
+                    </a:p>
+                  </a:txBody>
+                  <a:tcPr>
+                    <a:solidFill>
+                      <a:srgbClr val="1B2A4A"/>
+                    </a:solidFill>
+                  </a:tcPr>
+                </a:tc>
+                <a:tc>
+                  <a:txBody>
+                    <a:bodyPr/>
+                    <a:lstStyle/>
+                    <a:p>
+                      <a:pPr algn="ctr">
+                        <a:defRPr sz="1400" b="1">
+                          <a:solidFill>
+                            <a:srgbClr val="FFFFFF"/>
+                          </a:solidFill>
+                        </a:defRPr>
+                      </a:pPr>
+                      <a:r>
+                        <a:t>Fast/Cheap</a:t>
+                      </a:r>
+                    </a:p>
+                  </a:txBody>
+                  <a:tcPr>
+                    <a:solidFill>
+                      <a:srgbClr val="1B2A4A"/>
+                    </a:solidFill>
+                  </a:tcPr>
+                </a:tc>
+                <a:tc>
+                  <a:txBody>
+                    <a:bodyPr/>
+                    <a:lstStyle/>
+                    <a:p>
+                      <a:pPr algn="ctr">
+                        <a:defRPr sz="1400" b="1">
+                          <a:solidFill>
+                            <a:srgbClr val="FFFFFF"/>
+                          </a:solidFill>
+                        </a:defRPr>
+                      </a:pPr>
+                      <a:r>
+                        <a:t>Pricing (In/Out per 1M)</a:t>
+                      </a:r>
+                    </a:p>
+                  </a:txBody>
+                  <a:tcPr>
+                    <a:solidFill>
+                      <a:srgbClr val="1B2A4A"/>
+                    </a:solidFill>
+                  </a:tcPr>
+                </a:tc>
+              </a:tr>
+              <a:tr h="365760">
+                <a:tc>
+                  <a:txBody>
+                    <a:bodyPr/>
+                    <a:lstStyle/>
+                    <a:p>
+                      <a:pPr algn="ctr">
+                        <a:defRPr sz="1300">
+                          <a:solidFill>
+                            <a:srgbClr val="333333"/>
+                          </a:solidFill>
+                        </a:defRPr>
+                      </a:pPr>
+                      <a:r>
+                        <a:t>OpenAI</a:t>
+                      </a:r>
+                    </a:p>
+                  </a:txBody>
+                  <a:tcPr/>
+                </a:tc>
+                <a:tc>
+                  <a:txBody>
+                    <a:bodyPr/>
+                    <a:lstStyle/>
+                    <a:p>
+                      <a:pPr algn="ctr">
+                        <a:defRPr sz="1300">
+                          <a:solidFill>
+                            <a:srgbClr val="333333"/>
+                          </a:solidFill>
+                        </a:defRPr>
+                      </a:pPr>
+                      <a:r>
+                        <a:t>GPT-5.2</a:t>
+                      </a:r>
+                    </a:p>
+                  </a:txBody>
+                  <a:tcPr/>
+                </a:tc>
+                <a:tc>
+                  <a:txBody>
+                    <a:bodyPr/>
+                    <a:lstStyle/>
+                    <a:p>
+                      <a:pPr algn="ctr">
+                        <a:defRPr sz="1300">
+                          <a:solidFill>
+                            <a:srgbClr val="333333"/>
+                          </a:solidFill>
+                        </a:defRPr>
+                      </a:pPr>
+                      <a:r>
+                        <a:t>GPT-4.1</a:t>
+                      </a:r>
+                    </a:p>
+                  </a:txBody>
+                  <a:tcPr/>
+                </a:tc>
+                <a:tc>
+                  <a:txBody>
+                    <a:bodyPr/>
+                    <a:lstStyle/>
+                    <a:p>
+                      <a:pPr algn="ctr">
+                        <a:defRPr sz="1300">
+                          <a:solidFill>
+                            <a:srgbClr val="333333"/>
+                          </a:solidFill>
+                        </a:defRPr>
+                      </a:pPr>
+                      <a:r>
+                        <a:t>GPT-4.1-mini / nano</a:t>
+                      </a:r>
+                    </a:p>
+                  </a:txBody>
+                  <a:tcPr/>
+                </a:tc>
+                <a:tc>
+                  <a:txBody>
+                    <a:bodyPr/>
+                    <a:lstStyle/>
+                    <a:p>
+                      <a:pPr algn="ctr">
+                        <a:defRPr sz="1300">
+                          <a:solidFill>
+                            <a:srgbClr val="333333"/>
+                          </a:solidFill>
+                        </a:defRPr>
+                      </a:pPr>
+                      <a:r>
+                        <a:t>$20 / $60</a:t>
+                      </a:r>
+                    </a:p>
+                  </a:txBody>
+                  <a:tcPr/>
+                </a:tc>
+              </a:tr>
+              <a:tr h="365760">
+                <a:tc>
+                  <a:txBody>
+                    <a:bodyPr/>
+                    <a:lstStyle/>
+                    <a:p>
+                      <a:pPr algn="ctr">
+                        <a:defRPr sz="1300">
+                          <a:solidFill>
+                            <a:srgbClr val="333333"/>
+                          </a:solidFill>
+                        </a:defRPr>
+                      </a:pPr>
+                      <a:r>
+                        <a:t>Anthropic</a:t>
+                      </a:r>
+                    </a:p>
+                  </a:txBody>
+                  <a:tcPr>
+                    <a:solidFill>
+                      <a:srgbClr val="F5F7FA"/>
+                    </a:solidFill>
+                  </a:tcPr>
+                </a:tc>
+                <a:tc>
+                  <a:txBody>
+                    <a:bodyPr/>
+                    <a:lstStyle/>
+                    <a:p>
+                      <a:pPr algn="ctr">
+                        <a:defRPr sz="1300">
+                          <a:solidFill>
+                            <a:srgbClr val="333333"/>
+                          </a:solidFill>
+                        </a:defRPr>
+                      </a:pPr>
+                      <a:r>
+                        <a:t>Opus 4.6</a:t>
+                      </a:r>
+                    </a:p>
+                  </a:txBody>
+                  <a:tcPr>
+                    <a:solidFill>
+                      <a:srgbClr val="F5F7FA"/>
+                    </a:solidFill>
+                  </a:tcPr>
+                </a:tc>
+                <a:tc>
+                  <a:txBody>
+                    <a:bodyPr/>
+                    <a:lstStyle/>
+                    <a:p>
+                      <a:pPr algn="ctr">
+                        <a:defRPr sz="1300">
+                          <a:solidFill>
+                            <a:srgbClr val="333333"/>
+                          </a:solidFill>
+                        </a:defRPr>
+                      </a:pPr>
+                      <a:r>
+                        <a:t>Sonnet 4.6</a:t>
+                      </a:r>
+                    </a:p>
+                  </a:txBody>
+                  <a:tcPr>
+                    <a:solidFill>
+                      <a:srgbClr val="F5F7FA"/>
+                    </a:solidFill>
+                  </a:tcPr>
+                </a:tc>
+                <a:tc>
+                  <a:txBody>
+                    <a:bodyPr/>
+                    <a:lstStyle/>
+                    <a:p>
+                      <a:pPr algn="ctr">
+                        <a:defRPr sz="1300">
+                          <a:solidFill>
+                            <a:srgbClr val="333333"/>
+                          </a:solidFill>
+                        </a:defRPr>
+                      </a:pPr>
+                      <a:r>
+                        <a:t>Haiku 3.5</a:t>
+                      </a:r>
+                    </a:p>
+                  </a:txBody>
+                  <a:tcPr>
+                    <a:solidFill>
+                      <a:srgbClr val="F5F7FA"/>
+                    </a:solidFill>
+                  </a:tcPr>
+                </a:tc>
+                <a:tc>
+                  <a:txBody>
+                    <a:bodyPr/>
+                    <a:lstStyle/>
+                    <a:p>
+                      <a:pPr algn="ctr">
+                        <a:defRPr sz="1300">
+                          <a:solidFill>
+                            <a:srgbClr val="333333"/>
+                          </a:solidFill>
+                        </a:defRPr>
+                      </a:pPr>
+                      <a:r>
+                        <a:t>$5 / $25</a:t>
+                      </a:r>
+                    </a:p>
+                  </a:txBody>
+                  <a:tcPr>
+                    <a:solidFill>
+                      <a:srgbClr val="F5F7FA"/>
+                    </a:solidFill>
+                  </a:tcPr>
+                </a:tc>
+              </a:tr>
+              <a:tr h="365760">
+                <a:tc>
+                  <a:txBody>
+                    <a:bodyPr/>
+                    <a:lstStyle/>
+                    <a:p>
+                      <a:pPr algn="ctr">
+                        <a:defRPr sz="1300">
+                          <a:solidFill>
+                            <a:srgbClr val="333333"/>
+                          </a:solidFill>
+                        </a:defRPr>
+                      </a:pPr>
+                      <a:r>
+                        <a:t>Google</a:t>
+                      </a:r>
+                    </a:p>
+                  </a:txBody>
+                  <a:tcPr/>
+                </a:tc>
+                <a:tc>
+                  <a:txBody>
+                    <a:bodyPr/>
+                    <a:lstStyle/>
+                    <a:p>
+                      <a:pPr algn="ctr">
+                        <a:defRPr sz="1300">
+                          <a:solidFill>
+                            <a:srgbClr val="333333"/>
+                          </a:solidFill>
+                        </a:defRPr>
+                      </a:pPr>
+                      <a:r>
+                        <a:t>Gemini 2.5 Pro</a:t>
+                      </a:r>
+                    </a:p>
+                  </a:txBody>
+                  <a:tcPr/>
+                </a:tc>
+                <a:tc>
+                  <a:txBody>
+                    <a:bodyPr/>
+                    <a:lstStyle/>
+                    <a:p>
+                      <a:pPr algn="ctr">
+                        <a:defRPr sz="1300">
+                          <a:solidFill>
+                            <a:srgbClr val="333333"/>
+                          </a:solidFill>
+                        </a:defRPr>
+                      </a:pPr>
+                      <a:r>
+                        <a:t>Gemini 2.5 Flash</a:t>
+                      </a:r>
+                    </a:p>
+                  </a:txBody>
+                  <a:tcPr/>
+                </a:tc>
+                <a:tc>
+                  <a:txBody>
+                    <a:bodyPr/>
+                    <a:lstStyle/>
+                    <a:p>
+                      <a:pPr algn="ctr">
+                        <a:defRPr sz="1300">
+                          <a:solidFill>
+                            <a:srgbClr val="333333"/>
+                          </a:solidFill>
+                        </a:defRPr>
+                      </a:pPr>
+                      <a:r>
+                        <a:t>—</a:t>
+                      </a:r>
+                    </a:p>
+                  </a:txBody>
+                  <a:tcPr/>
+                </a:tc>
+                <a:tc>
+                  <a:txBody>
+                    <a:bodyPr/>
+                    <a:lstStyle/>
+                    <a:p>
+                      <a:pPr algn="ctr">
+                        <a:defRPr sz="1300">
+                          <a:solidFill>
+                            <a:srgbClr val="333333"/>
+                          </a:solidFill>
+                        </a:defRPr>
+                      </a:pPr>
+                      <a:r>
+                        <a:t>Varies</a:t>
+                      </a:r>
+                    </a:p>
+                  </a:txBody>
+                  <a:tcPr/>
+                </a:tc>
+              </a:tr>
+              <a:tr h="365760">
+                <a:tc>
+                  <a:txBody>
+                    <a:bodyPr/>
+                    <a:lstStyle/>
+                    <a:p>
+                      <a:pPr algn="ctr">
+                        <a:defRPr sz="1300">
+                          <a:solidFill>
+                            <a:srgbClr val="333333"/>
+                          </a:solidFill>
+                        </a:defRPr>
+                      </a:pPr>
+                      <a:r>
+                        <a:t>DeepSeek</a:t>
+                      </a:r>
+                    </a:p>
+                  </a:txBody>
+                  <a:tcPr>
+                    <a:solidFill>
+                      <a:srgbClr val="F5F7FA"/>
+                    </a:solidFill>
+                  </a:tcPr>
+                </a:tc>
+                <a:tc>
+                  <a:txBody>
+                    <a:bodyPr/>
+                    <a:lstStyle/>
+                    <a:p>
+                      <a:pPr algn="ctr">
+                        <a:defRPr sz="1300">
+                          <a:solidFill>
+                            <a:srgbClr val="333333"/>
+                          </a:solidFill>
+                        </a:defRPr>
+                      </a:pPr>
+                      <a:r>
+                        <a:t>V4</a:t>
+                      </a:r>
+                    </a:p>
+                  </a:txBody>
+                  <a:tcPr>
+                    <a:solidFill>
+                      <a:srgbClr val="F5F7FA"/>
+                    </a:solidFill>
+                  </a:tcPr>
+                </a:tc>
+                <a:tc>
+                  <a:txBody>
+                    <a:bodyPr/>
+                    <a:lstStyle/>
+                    <a:p>
+                      <a:pPr algn="ctr">
+                        <a:defRPr sz="1300">
+                          <a:solidFill>
+                            <a:srgbClr val="333333"/>
+                          </a:solidFill>
+                        </a:defRPr>
+                      </a:pPr>
+                      <a:r>
+                        <a:t>—</a:t>
+                      </a:r>
+                    </a:p>
+                  </a:txBody>
+                  <a:tcPr>
+                    <a:solidFill>
+                      <a:srgbClr val="F5F7FA"/>
+                    </a:solidFill>
+                  </a:tcPr>
+                </a:tc>
+                <a:tc>
+                  <a:txBody>
+                    <a:bodyPr/>
+                    <a:lstStyle/>
+                    <a:p>
+                      <a:pPr algn="ctr">
+                        <a:defRPr sz="1300">
+                          <a:solidFill>
+                            <a:srgbClr val="333333"/>
+                          </a:solidFill>
+                        </a:defRPr>
+                      </a:pPr>
+                      <a:r>
+                        <a:t>—</a:t>
+                      </a:r>
+                    </a:p>
+                  </a:txBody>
+                  <a:tcPr>
+                    <a:solidFill>
+                      <a:srgbClr val="F5F7FA"/>
+                    </a:solidFill>
+                  </a:tcPr>
+                </a:tc>
+                <a:tc>
+                  <a:txBody>
+                    <a:bodyPr/>
+                    <a:lstStyle/>
+                    <a:p>
+                      <a:pPr algn="ctr">
+                        <a:defRPr sz="1300">
+                          <a:solidFill>
+                            <a:srgbClr val="333333"/>
+                          </a:solidFill>
+                        </a:defRPr>
+                      </a:pPr>
+                      <a:r>
+                        <a:t>$0.14 / 1M</a:t>
+                      </a:r>
+                    </a:p>
+                  </a:txBody>
+                  <a:tcPr>
+                    <a:solidFill>
+                      <a:srgbClr val="F5F7FA"/>
+                    </a:solidFill>
+                  </a:tcPr>
+                </a:tc>
+              </a:tr>
+              <a:tr h="365760">
+                <a:tc>
+                  <a:txBody>
+                    <a:bodyPr/>
+                    <a:lstStyle/>
+                    <a:p>
+                      <a:pPr algn="ctr">
+                        <a:defRPr sz="1300">
+                          <a:solidFill>
+                            <a:srgbClr val="333333"/>
+                          </a:solidFill>
+                        </a:defRPr>
+                      </a:pPr>
+                      <a:r>
+                        <a:t>Meta</a:t>
+                      </a:r>
+                    </a:p>
+                  </a:txBody>
+                  <a:tcPr/>
+                </a:tc>
+                <a:tc>
+                  <a:txBody>
+                    <a:bodyPr/>
+                    <a:lstStyle/>
+                    <a:p>
+                      <a:pPr algn="ctr">
+                        <a:defRPr sz="1300">
+                          <a:solidFill>
+                            <a:srgbClr val="333333"/>
+                          </a:solidFill>
+                        </a:defRPr>
+                      </a:pPr>
+                      <a:r>
+                        <a:t>Llama 4</a:t>
+                      </a:r>
+                    </a:p>
+                  </a:txBody>
+                  <a:tcPr/>
+                </a:tc>
+                <a:tc>
+                  <a:txBody>
+                    <a:bodyPr/>
+                    <a:lstStyle/>
+                    <a:p>
+                      <a:pPr algn="ctr">
+                        <a:defRPr sz="1300">
+                          <a:solidFill>
+                            <a:srgbClr val="333333"/>
+                          </a:solidFill>
+                        </a:defRPr>
+                      </a:pPr>
+                      <a:r>
+                        <a:t>—</a:t>
+                      </a:r>
+                    </a:p>
+                  </a:txBody>
+                  <a:tcPr/>
+                </a:tc>
+                <a:tc>
+                  <a:txBody>
+                    <a:bodyPr/>
+                    <a:lstStyle/>
+                    <a:p>
+                      <a:pPr algn="ctr">
+                        <a:defRPr sz="1300">
+                          <a:solidFill>
+                            <a:srgbClr val="333333"/>
+                          </a:solidFill>
+                        </a:defRPr>
+                      </a:pPr>
+                      <a:r>
+                        <a:t>—</a:t>
+                      </a:r>
+                    </a:p>
+                  </a:txBody>
+                  <a:tcPr/>
+                </a:tc>
+                <a:tc>
+                  <a:txBody>
+                    <a:bodyPr/>
+                    <a:lstStyle/>
+                    <a:p>
+                      <a:pPr algn="ctr">
+                        <a:defRPr sz="1300">
+                          <a:solidFill>
+                            <a:srgbClr val="333333"/>
+                          </a:solidFill>
+                        </a:defRPr>
+                      </a:pPr>
+                      <a:r>
+                        <a:t>Free (self-host)</a:t>
+                      </a:r>
+                    </a:p>
+                  </a:txBody>
+                  <a:tcPr/>
+                </a:tc>
+              </a:tr>
+            </a:tbl>
+          </a:graphicData>
+        </a:graphic>
+      </p:graphicFrame>
     </p:spTree>
   </p:cSld>
   <p:clrMapOvr>
@@ -6912,17 +7018,9 @@
 </p:sld>
 </file>
 
-<file path=ppt/slides/slide6.xml><?xml version="1.0" encoding="utf-8"?>
+<file path=ppt/slides/slide4.xml><?xml version="1.0" encoding="utf-8"?>
 <p:sld xmlns:a="http://schemas.openxmlformats.org/drawingml/2006/main" xmlns:p="http://schemas.openxmlformats.org/presentationml/2006/main" xmlns:r="http://schemas.openxmlformats.org/officeDocument/2006/relationships">
   <p:cSld>
-    <p:bg>
-      <p:bgPr>
-        <a:solidFill>
-          <a:srgbClr val="FFFFFF"/>
-        </a:solidFill>
-        <a:effectLst/>
-      </p:bgPr>
-    </p:bg>
     <p:spTree>
       <p:nvGrpSpPr>
         <p:cNvPr id="1" name=""/>
@@ -6939,7 +7037,7 @@
         <p:spPr>
           <a:xfrm>
             <a:off x="0" y="0"/>
-            <a:ext cx="12191695" cy="54864"/>
+            <a:ext cx="12191695" cy="73152"/>
           </a:xfrm>
           <a:prstGeom prst="rect">
             <a:avLst/>
@@ -6982,7 +7080,7 @@
         <p:spPr>
           <a:xfrm>
             <a:off x="731520" y="274320"/>
-            <a:ext cx="10515600" cy="731520"/>
+            <a:ext cx="10728655" cy="731520"/>
           </a:xfrm>
           <a:prstGeom prst="rect">
             <a:avLst/>
@@ -6990,77 +7088,34 @@
           <a:noFill/>
         </p:spPr>
         <p:txBody>
-          <a:bodyPr wrap="square">
+          <a:bodyPr wrap="none">
             <a:spAutoFit/>
           </a:bodyPr>
           <a:lstStyle/>
           <a:p>
             <a:pPr>
-              <a:defRPr sz="2800" b="1">
+              <a:defRPr sz="3200" b="1">
                 <a:solidFill>
                   <a:srgbClr val="1B2A4A"/>
                 </a:solidFill>
               </a:defRPr>
             </a:pPr>
             <a:r>
-              <a:t>Self-Hosting — Ollama &amp; vLLM</a:t>
-            </a:r>
-          </a:p>
-        </p:txBody>
-      </p:sp>
-      <p:sp>
-        <p:nvSpPr>
-          <p:cNvPr id="4" name="Rounded Rectangle 3"/>
-          <p:cNvSpPr/>
+              <a:t>Reasoning vs Non-Reasoning Models</a:t>
+            </a:r>
+          </a:p>
+        </p:txBody>
+      </p:sp>
+      <p:sp>
+        <p:nvSpPr>
+          <p:cNvPr id="4" name="TextBox 3"/>
+          <p:cNvSpPr txBox="1"/>
           <p:nvPr/>
         </p:nvSpPr>
         <p:spPr>
           <a:xfrm>
-            <a:off x="548640" y="1188720"/>
-            <a:ext cx="10972800" cy="4754880"/>
-          </a:xfrm>
-          <a:prstGeom prst="roundRect">
-            <a:avLst/>
-          </a:prstGeom>
-          <a:solidFill>
-            <a:srgbClr val="F0F0F0"/>
-          </a:solidFill>
-          <a:ln>
-            <a:noFill/>
-          </a:ln>
-        </p:spPr>
-        <p:style>
-          <a:lnRef idx="1">
-            <a:schemeClr val="accent1"/>
-          </a:lnRef>
-          <a:fillRef idx="3">
-            <a:schemeClr val="accent1"/>
-          </a:fillRef>
-          <a:effectRef idx="2">
-            <a:schemeClr val="accent1"/>
-          </a:effectRef>
-          <a:fontRef idx="minor">
-            <a:schemeClr val="lt1"/>
-          </a:fontRef>
-        </p:style>
-        <p:txBody>
-          <a:bodyPr rtlCol="0" anchor="ctr"/>
-          <a:lstStyle/>
-          <a:p>
-            <a:pPr algn="ctr"/>
-          </a:p>
-        </p:txBody>
-      </p:sp>
-      <p:sp>
-        <p:nvSpPr>
-          <p:cNvPr id="5" name="TextBox 4"/>
-          <p:cNvSpPr txBox="1"/>
-          <p:nvPr/>
-        </p:nvSpPr>
-        <p:spPr>
-          <a:xfrm>
-            <a:off x="822960" y="1371600"/>
-            <a:ext cx="10424160" cy="4389120"/>
+            <a:off x="731520" y="1188720"/>
+            <a:ext cx="5029200" cy="457200"/>
           </a:xfrm>
           <a:prstGeom prst="rect">
             <a:avLst/>
@@ -7068,72 +7123,251 @@
           <a:noFill/>
         </p:spPr>
         <p:txBody>
+          <a:bodyPr wrap="none">
+            <a:spAutoFit/>
+          </a:bodyPr>
+          <a:lstStyle/>
+          <a:p>
+            <a:pPr>
+              <a:defRPr sz="2200" b="1">
+                <a:solidFill>
+                  <a:srgbClr val="0096D6"/>
+                </a:solidFill>
+              </a:defRPr>
+            </a:pPr>
+            <a:r>
+              <a:t>Reasoning Models</a:t>
+            </a:r>
+          </a:p>
+        </p:txBody>
+      </p:sp>
+      <p:sp>
+        <p:nvSpPr>
+          <p:cNvPr id="5" name="TextBox 4"/>
+          <p:cNvSpPr txBox="1"/>
+          <p:nvPr/>
+        </p:nvSpPr>
+        <p:spPr>
+          <a:xfrm>
+            <a:off x="731520" y="1737360"/>
+            <a:ext cx="5029200" cy="4572000"/>
+          </a:xfrm>
+          <a:prstGeom prst="rect">
+            <a:avLst/>
+          </a:prstGeom>
+          <a:noFill/>
+        </p:spPr>
+        <p:txBody>
           <a:bodyPr wrap="square">
             <a:spAutoFit/>
           </a:bodyPr>
           <a:lstStyle/>
           <a:p>
             <a:pPr>
-              <a:defRPr sz="1200">
+              <a:spcAft>
+                <a:spcPts val="600"/>
+              </a:spcAft>
+              <a:defRPr sz="1800">
                 <a:solidFill>
                   <a:srgbClr val="333333"/>
                 </a:solidFill>
-                <a:latin typeface="Consolas"/>
               </a:defRPr>
             </a:pPr>
             <a:r>
-              <a:t># Ollama — dead simple local inference</a:t>
-            </a:r>
-            <a:br/>
-            <a:r>
-              <a:t>$ ollama pull llama4-scout</a:t>
-            </a:r>
-            <a:br/>
-            <a:r>
-              <a:t>$ ollama run llama4-scout</a:t>
-            </a:r>
-            <a:br/>
-            <a:br/>
-            <a:r>
-              <a:t># Exposes OpenAI-compatible API — your code works unchanged!</a:t>
-            </a:r>
-            <a:br/>
-            <a:r>
-              <a:t>$ curl http://localhost:11434/v1/chat/completions \</a:t>
-            </a:r>
-            <a:br/>
-            <a:r>
-              <a:t>  -d '{"model":"llama4-scout","messages":[{"role":"user","content":"Hello"}]}'</a:t>
-            </a:r>
-            <a:br/>
-            <a:br/>
-            <a:r>
-              <a:t># vLLM — production-grade serving</a:t>
-            </a:r>
-            <a:br/>
-            <a:r>
-              <a:t>$ pip install vllm</a:t>
-            </a:r>
-            <a:br/>
-            <a:r>
-              <a:t>$ vllm serve meta-llama/Llama-4-Scout --tensor-parallel-size 4</a:t>
-            </a:r>
-            <a:br/>
-            <a:br/>
-            <a:r>
-              <a:t>When to self-host:                    When NOT to self-host:</a:t>
-            </a:r>
-            <a:br/>
-            <a:r>
-              <a:t>✅ Data can't leave your network       ❌ Need frontier intelligence</a:t>
-            </a:r>
-            <a:br/>
-            <a:r>
-              <a:t>✅ High-volume, cost-sensitive          ❌ Small team, no GPU budget</a:t>
-            </a:r>
-            <a:br/>
-            <a:r>
-              <a:t>✅ Need to fine-tune                    ❌ Rapid prototyping</a:t>
+              <a:t>GPT-5.2 / o3 / o4-mini</a:t>
+            </a:r>
+          </a:p>
+          <a:p>
+            <a:pPr>
+              <a:spcAft>
+                <a:spcPts val="600"/>
+              </a:spcAft>
+              <a:defRPr sz="1800">
+                <a:solidFill>
+                  <a:srgbClr val="333333"/>
+                </a:solidFill>
+              </a:defRPr>
+            </a:pPr>
+            <a:r>
+              <a:t>Think before answering (chain-of-thought)</a:t>
+            </a:r>
+          </a:p>
+          <a:p>
+            <a:pPr>
+              <a:spcAft>
+                <a:spcPts val="600"/>
+              </a:spcAft>
+              <a:defRPr sz="1800">
+                <a:solidFill>
+                  <a:srgbClr val="333333"/>
+                </a:solidFill>
+              </a:defRPr>
+            </a:pPr>
+            <a:r>
+              <a:t>Best for math, logic, complex analysis</a:t>
+            </a:r>
+          </a:p>
+          <a:p>
+            <a:pPr>
+              <a:spcAft>
+                <a:spcPts val="600"/>
+              </a:spcAft>
+              <a:defRPr sz="1800">
+                <a:solidFill>
+                  <a:srgbClr val="333333"/>
+                </a:solidFill>
+              </a:defRPr>
+            </a:pPr>
+            <a:r>
+              <a:t>Higher cost, higher latency</a:t>
+            </a:r>
+          </a:p>
+          <a:p>
+            <a:pPr>
+              <a:spcAft>
+                <a:spcPts val="600"/>
+              </a:spcAft>
+              <a:defRPr sz="1800">
+                <a:solidFill>
+                  <a:srgbClr val="333333"/>
+                </a:solidFill>
+              </a:defRPr>
+            </a:pPr>
+            <a:r>
+              <a:t>Temperature usually fixed or low</a:t>
+            </a:r>
+          </a:p>
+        </p:txBody>
+      </p:sp>
+      <p:sp>
+        <p:nvSpPr>
+          <p:cNvPr id="6" name="TextBox 5"/>
+          <p:cNvSpPr txBox="1"/>
+          <p:nvPr/>
+        </p:nvSpPr>
+        <p:spPr>
+          <a:xfrm>
+            <a:off x="6400800" y="1188720"/>
+            <a:ext cx="5029200" cy="457200"/>
+          </a:xfrm>
+          <a:prstGeom prst="rect">
+            <a:avLst/>
+          </a:prstGeom>
+          <a:noFill/>
+        </p:spPr>
+        <p:txBody>
+          <a:bodyPr wrap="none">
+            <a:spAutoFit/>
+          </a:bodyPr>
+          <a:lstStyle/>
+          <a:p>
+            <a:pPr>
+              <a:defRPr sz="2200" b="1">
+                <a:solidFill>
+                  <a:srgbClr val="0096D6"/>
+                </a:solidFill>
+              </a:defRPr>
+            </a:pPr>
+            <a:r>
+              <a:t>Non-Reasoning Models</a:t>
+            </a:r>
+          </a:p>
+        </p:txBody>
+      </p:sp>
+      <p:sp>
+        <p:nvSpPr>
+          <p:cNvPr id="7" name="TextBox 6"/>
+          <p:cNvSpPr txBox="1"/>
+          <p:nvPr/>
+        </p:nvSpPr>
+        <p:spPr>
+          <a:xfrm>
+            <a:off x="6400800" y="1737360"/>
+            <a:ext cx="5029200" cy="4572000"/>
+          </a:xfrm>
+          <a:prstGeom prst="rect">
+            <a:avLst/>
+          </a:prstGeom>
+          <a:noFill/>
+        </p:spPr>
+        <p:txBody>
+          <a:bodyPr wrap="square">
+            <a:spAutoFit/>
+          </a:bodyPr>
+          <a:lstStyle/>
+          <a:p>
+            <a:pPr>
+              <a:spcAft>
+                <a:spcPts val="600"/>
+              </a:spcAft>
+              <a:defRPr sz="1800">
+                <a:solidFill>
+                  <a:srgbClr val="333333"/>
+                </a:solidFill>
+              </a:defRPr>
+            </a:pPr>
+            <a:r>
+              <a:t>GPT-4.1 / Sonnet 4.6 / Gemini 2.5 Flash</a:t>
+            </a:r>
+          </a:p>
+          <a:p>
+            <a:pPr>
+              <a:spcAft>
+                <a:spcPts val="600"/>
+              </a:spcAft>
+              <a:defRPr sz="1800">
+                <a:solidFill>
+                  <a:srgbClr val="333333"/>
+                </a:solidFill>
+              </a:defRPr>
+            </a:pPr>
+            <a:r>
+              <a:t>Direct response, no thinking phase</a:t>
+            </a:r>
+          </a:p>
+          <a:p>
+            <a:pPr>
+              <a:spcAft>
+                <a:spcPts val="600"/>
+              </a:spcAft>
+              <a:defRPr sz="1800">
+                <a:solidFill>
+                  <a:srgbClr val="333333"/>
+                </a:solidFill>
+              </a:defRPr>
+            </a:pPr>
+            <a:r>
+              <a:t>Best for chat, code, writing, tool use</a:t>
+            </a:r>
+          </a:p>
+          <a:p>
+            <a:pPr>
+              <a:spcAft>
+                <a:spcPts val="600"/>
+              </a:spcAft>
+              <a:defRPr sz="1800">
+                <a:solidFill>
+                  <a:srgbClr val="333333"/>
+                </a:solidFill>
+              </a:defRPr>
+            </a:pPr>
+            <a:r>
+              <a:t>Cheaper, faster</a:t>
+            </a:r>
+          </a:p>
+          <a:p>
+            <a:pPr>
+              <a:spcAft>
+                <a:spcPts val="600"/>
+              </a:spcAft>
+              <a:defRPr sz="1800">
+                <a:solidFill>
+                  <a:srgbClr val="333333"/>
+                </a:solidFill>
+              </a:defRPr>
+            </a:pPr>
+            <a:r>
+              <a:t>Adjustable temperature (0.0–2.0)</a:t>
             </a:r>
           </a:p>
         </p:txBody>
@@ -7146,17 +7380,9 @@
 </p:sld>
 </file>
 
-<file path=ppt/slides/slide7.xml><?xml version="1.0" encoding="utf-8"?>
+<file path=ppt/slides/slide5.xml><?xml version="1.0" encoding="utf-8"?>
 <p:sld xmlns:a="http://schemas.openxmlformats.org/drawingml/2006/main" xmlns:p="http://schemas.openxmlformats.org/presentationml/2006/main" xmlns:r="http://schemas.openxmlformats.org/officeDocument/2006/relationships">
   <p:cSld>
-    <p:bg>
-      <p:bgPr>
-        <a:solidFill>
-          <a:srgbClr val="FFFFFF"/>
-        </a:solidFill>
-        <a:effectLst/>
-      </p:bgPr>
-    </p:bg>
     <p:spTree>
       <p:nvGrpSpPr>
         <p:cNvPr id="1" name=""/>
@@ -7173,7 +7399,7 @@
         <p:spPr>
           <a:xfrm>
             <a:off x="0" y="0"/>
-            <a:ext cx="12191695" cy="54864"/>
+            <a:ext cx="12191695" cy="73152"/>
           </a:xfrm>
           <a:prstGeom prst="rect">
             <a:avLst/>
@@ -7216,7 +7442,7 @@
         <p:spPr>
           <a:xfrm>
             <a:off x="731520" y="274320"/>
-            <a:ext cx="10515600" cy="731520"/>
+            <a:ext cx="10728655" cy="822960"/>
           </a:xfrm>
           <a:prstGeom prst="rect">
             <a:avLst/>
@@ -7229,72 +7455,29 @@
           </a:bodyPr>
           <a:lstStyle/>
           <a:p>
-            <a:pPr>
-              <a:defRPr sz="2800" b="1">
+            <a:pPr algn="l">
+              <a:defRPr sz="3200" b="1">
                 <a:solidFill>
                   <a:srgbClr val="1B2A4A"/>
                 </a:solidFill>
               </a:defRPr>
             </a:pPr>
             <a:r>
-              <a:t>API Setup — First Calls to 3 Providers</a:t>
-            </a:r>
-          </a:p>
-        </p:txBody>
-      </p:sp>
-      <p:sp>
-        <p:nvSpPr>
-          <p:cNvPr id="4" name="Rounded Rectangle 3"/>
-          <p:cNvSpPr/>
+              <a:t>Open Source &amp; Self-Hosting</a:t>
+            </a:r>
+          </a:p>
+        </p:txBody>
+      </p:sp>
+      <p:sp>
+        <p:nvSpPr>
+          <p:cNvPr id="4" name="TextBox 3"/>
+          <p:cNvSpPr txBox="1"/>
           <p:nvPr/>
         </p:nvSpPr>
         <p:spPr>
           <a:xfrm>
-            <a:off x="548640" y="1188720"/>
-            <a:ext cx="10972800" cy="4754880"/>
-          </a:xfrm>
-          <a:prstGeom prst="roundRect">
-            <a:avLst/>
-          </a:prstGeom>
-          <a:solidFill>
-            <a:srgbClr val="F0F0F0"/>
-          </a:solidFill>
-          <a:ln>
-            <a:noFill/>
-          </a:ln>
-        </p:spPr>
-        <p:style>
-          <a:lnRef idx="1">
-            <a:schemeClr val="accent1"/>
-          </a:lnRef>
-          <a:fillRef idx="3">
-            <a:schemeClr val="accent1"/>
-          </a:fillRef>
-          <a:effectRef idx="2">
-            <a:schemeClr val="accent1"/>
-          </a:effectRef>
-          <a:fontRef idx="minor">
-            <a:schemeClr val="lt1"/>
-          </a:fontRef>
-        </p:style>
-        <p:txBody>
-          <a:bodyPr rtlCol="0" anchor="ctr"/>
-          <a:lstStyle/>
-          <a:p>
-            <a:pPr algn="ctr"/>
-          </a:p>
-        </p:txBody>
-      </p:sp>
-      <p:sp>
-        <p:nvSpPr>
-          <p:cNvPr id="5" name="TextBox 4"/>
-          <p:cNvSpPr txBox="1"/>
-          <p:nvPr/>
-        </p:nvSpPr>
-        <p:spPr>
-          <a:xfrm>
-            <a:off x="822960" y="1371600"/>
-            <a:ext cx="10424160" cy="4389120"/>
+            <a:off x="914400" y="1280160"/>
+            <a:ext cx="10362895" cy="5029200"/>
           </a:xfrm>
           <a:prstGeom prst="rect">
             <a:avLst/>
@@ -7308,109 +7491,110 @@
           <a:lstStyle/>
           <a:p>
             <a:pPr>
-              <a:defRPr sz="1200">
+              <a:spcBef>
+                <a:spcPts val="400"/>
+              </a:spcBef>
+              <a:spcAft>
+                <a:spcPts val="800"/>
+              </a:spcAft>
+              <a:defRPr sz="2000">
                 <a:solidFill>
                   <a:srgbClr val="333333"/>
                 </a:solidFill>
-                <a:latin typeface="Consolas"/>
               </a:defRPr>
             </a:pPr>
             <a:r>
-              <a:t># === OPENAI ===</a:t>
-            </a:r>
-            <a:br/>
-            <a:r>
-              <a:t>from openai import OpenAI</a:t>
-            </a:r>
-            <a:br/>
-            <a:r>
-              <a:t>client = OpenAI()  # reads OPENAI_API_KEY from env</a:t>
-            </a:r>
-            <a:br/>
-            <a:r>
-              <a:t>response = client.chat.completions.create(</a:t>
-            </a:r>
-            <a:br/>
-            <a:r>
-              <a:t>    model="gpt-5.2",</a:t>
-            </a:r>
-            <a:br/>
-            <a:r>
-              <a:t>    messages=[{"role": "user", "content": "Say hello in one sentence."}]</a:t>
-            </a:r>
-            <a:br/>
-            <a:r>
-              <a:t>)</a:t>
-            </a:r>
-            <a:br/>
-            <a:r>
-              <a:t>print(response.choices[0].message.content)</a:t>
-            </a:r>
-            <a:br/>
-            <a:br/>
-            <a:r>
-              <a:t># === ANTHROPIC ===</a:t>
-            </a:r>
-            <a:br/>
-            <a:r>
-              <a:t>import anthropic</a:t>
-            </a:r>
-            <a:br/>
-            <a:r>
-              <a:t>client = anthropic.Anthropic()</a:t>
-            </a:r>
-            <a:br/>
-            <a:r>
-              <a:t>response = client.messages.create(</a:t>
-            </a:r>
-            <a:br/>
-            <a:r>
-              <a:t>    model="claude-sonnet-4-6-20250217",</a:t>
-            </a:r>
-            <a:br/>
-            <a:r>
-              <a:t>    max_tokens=100,</a:t>
-            </a:r>
-            <a:br/>
-            <a:r>
-              <a:t>    messages=[{"role": "user", "content": "Say hello in one sentence."}]</a:t>
-            </a:r>
-            <a:br/>
-            <a:r>
-              <a:t>)</a:t>
-            </a:r>
-            <a:br/>
-            <a:r>
-              <a:t>print(response.content[0].text)</a:t>
-            </a:r>
-            <a:br/>
-            <a:br/>
-            <a:r>
-              <a:t># === GOOGLE ===</a:t>
-            </a:r>
-            <a:br/>
-            <a:r>
-              <a:t>from google import genai</a:t>
-            </a:r>
-            <a:br/>
-            <a:r>
-              <a:t>client = genai.Client()</a:t>
-            </a:r>
-            <a:br/>
-            <a:r>
-              <a:t>response = client.models.generate_content(</a:t>
-            </a:r>
-            <a:br/>
-            <a:r>
-              <a:t>    model="gemini-3-pro", contents="Say hello in one sentence."</a:t>
-            </a:r>
-            <a:br/>
-            <a:r>
-              <a:t>)</a:t>
-            </a:r>
-            <a:br/>
-            <a:r>
-              <a:t>print(response.text)</a:t>
+              <a:t>Llama 4 (Meta) — strongest open model, multiple sizes</a:t>
+            </a:r>
+          </a:p>
+          <a:p>
+            <a:pPr>
+              <a:spcBef>
+                <a:spcPts val="400"/>
+              </a:spcBef>
+              <a:spcAft>
+                <a:spcPts val="800"/>
+              </a:spcAft>
+              <a:defRPr sz="2000">
+                <a:solidFill>
+                  <a:srgbClr val="333333"/>
+                </a:solidFill>
+              </a:defRPr>
+            </a:pPr>
+            <a:r>
+              <a:t>DeepSeek V4 — insanely cheap via API ($0.14/1M tokens)</a:t>
+            </a:r>
+          </a:p>
+          <a:p>
+            <a:pPr>
+              <a:spcBef>
+                <a:spcPts val="400"/>
+              </a:spcBef>
+              <a:spcAft>
+                <a:spcPts val="800"/>
+              </a:spcAft>
+              <a:defRPr sz="2000">
+                <a:solidFill>
+                  <a:srgbClr val="333333"/>
+                </a:solidFill>
+              </a:defRPr>
+            </a:pPr>
+            <a:r>
+              <a:t>Mistral Large — strong European alternative</a:t>
+            </a:r>
+          </a:p>
+          <a:p>
+            <a:pPr>
+              <a:spcBef>
+                <a:spcPts val="400"/>
+              </a:spcBef>
+              <a:spcAft>
+                <a:spcPts val="800"/>
+              </a:spcAft>
+              <a:defRPr sz="2000">
+                <a:solidFill>
+                  <a:srgbClr val="333333"/>
+                </a:solidFill>
+              </a:defRPr>
+            </a:pPr>
+            <a:r>
+              <a:t>Qwen 2.5 — Alibaba, popular in Asia</a:t>
+            </a:r>
+          </a:p>
+          <a:p>
+            <a:pPr>
+              <a:spcBef>
+                <a:spcPts val="400"/>
+              </a:spcBef>
+              <a:spcAft>
+                <a:spcPts val="800"/>
+              </a:spcAft>
+              <a:defRPr sz="2000">
+                <a:solidFill>
+                  <a:srgbClr val="333333"/>
+                </a:solidFill>
+              </a:defRPr>
+            </a:pPr>
+            <a:r>
+              <a:t>Self-hosting: Ollama (easy local), vLLM (production GPU serving)</a:t>
+            </a:r>
+          </a:p>
+          <a:p>
+            <a:pPr>
+              <a:spcBef>
+                <a:spcPts val="400"/>
+              </a:spcBef>
+              <a:spcAft>
+                <a:spcPts val="800"/>
+              </a:spcAft>
+              <a:defRPr sz="2000">
+                <a:solidFill>
+                  <a:srgbClr val="333333"/>
+                </a:solidFill>
+              </a:defRPr>
+            </a:pPr>
+            <a:r>
+              <a:t>Trade-off: control &amp; privacy vs. effort &amp; cost of GPUs</a:t>
             </a:r>
           </a:p>
         </p:txBody>
@@ -7423,17 +7607,9 @@
 </p:sld>
 </file>
 
-<file path=ppt/slides/slide8.xml><?xml version="1.0" encoding="utf-8"?>
+<file path=ppt/slides/slide6.xml><?xml version="1.0" encoding="utf-8"?>
 <p:sld xmlns:a="http://schemas.openxmlformats.org/drawingml/2006/main" xmlns:p="http://schemas.openxmlformats.org/presentationml/2006/main" xmlns:r="http://schemas.openxmlformats.org/officeDocument/2006/relationships">
   <p:cSld>
-    <p:bg>
-      <p:bgPr>
-        <a:solidFill>
-          <a:srgbClr val="FFFFFF"/>
-        </a:solidFill>
-        <a:effectLst/>
-      </p:bgPr>
-    </p:bg>
     <p:spTree>
       <p:nvGrpSpPr>
         <p:cNvPr id="1" name=""/>
@@ -7450,7 +7626,7 @@
         <p:spPr>
           <a:xfrm>
             <a:off x="0" y="0"/>
-            <a:ext cx="12191695" cy="54864"/>
+            <a:ext cx="12191695" cy="73152"/>
           </a:xfrm>
           <a:prstGeom prst="rect">
             <a:avLst/>
@@ -7493,7 +7669,7 @@
         <p:spPr>
           <a:xfrm>
             <a:off x="731520" y="274320"/>
-            <a:ext cx="10515600" cy="731520"/>
+            <a:ext cx="10728655" cy="731520"/>
           </a:xfrm>
           <a:prstGeom prst="rect">
             <a:avLst/>
@@ -7501,710 +7677,320 @@
           <a:noFill/>
         </p:spPr>
         <p:txBody>
+          <a:bodyPr wrap="none">
+            <a:spAutoFit/>
+          </a:bodyPr>
+          <a:lstStyle/>
+          <a:p>
+            <a:pPr>
+              <a:defRPr sz="3200" b="1">
+                <a:solidFill>
+                  <a:srgbClr val="1B2A4A"/>
+                </a:solidFill>
+              </a:defRPr>
+            </a:pPr>
+            <a:r>
+              <a:t>OAuth vs API Key — How Authentication Works</a:t>
+            </a:r>
+          </a:p>
+        </p:txBody>
+      </p:sp>
+      <p:sp>
+        <p:nvSpPr>
+          <p:cNvPr id="4" name="TextBox 3"/>
+          <p:cNvSpPr txBox="1"/>
+          <p:nvPr/>
+        </p:nvSpPr>
+        <p:spPr>
+          <a:xfrm>
+            <a:off x="731520" y="1188720"/>
+            <a:ext cx="5029200" cy="457200"/>
+          </a:xfrm>
+          <a:prstGeom prst="rect">
+            <a:avLst/>
+          </a:prstGeom>
+          <a:noFill/>
+        </p:spPr>
+        <p:txBody>
+          <a:bodyPr wrap="none">
+            <a:spAutoFit/>
+          </a:bodyPr>
+          <a:lstStyle/>
+          <a:p>
+            <a:pPr>
+              <a:defRPr sz="2200" b="1">
+                <a:solidFill>
+                  <a:srgbClr val="0096D6"/>
+                </a:solidFill>
+              </a:defRPr>
+            </a:pPr>
+            <a:r>
+              <a:t>OAuth (Subscription-Based)</a:t>
+            </a:r>
+          </a:p>
+        </p:txBody>
+      </p:sp>
+      <p:sp>
+        <p:nvSpPr>
+          <p:cNvPr id="5" name="TextBox 4"/>
+          <p:cNvSpPr txBox="1"/>
+          <p:nvPr/>
+        </p:nvSpPr>
+        <p:spPr>
+          <a:xfrm>
+            <a:off x="731520" y="1737360"/>
+            <a:ext cx="5029200" cy="4572000"/>
+          </a:xfrm>
+          <a:prstGeom prst="rect">
+            <a:avLst/>
+          </a:prstGeom>
+          <a:noFill/>
+        </p:spPr>
+        <p:txBody>
           <a:bodyPr wrap="square">
             <a:spAutoFit/>
           </a:bodyPr>
           <a:lstStyle/>
           <a:p>
             <a:pPr>
-              <a:defRPr sz="2800" b="1">
-                <a:solidFill>
-                  <a:srgbClr val="1B2A4A"/>
+              <a:spcAft>
+                <a:spcPts val="600"/>
+              </a:spcAft>
+              <a:defRPr sz="1800">
+                <a:solidFill>
+                  <a:srgbClr val="333333"/>
                 </a:solidFill>
               </a:defRPr>
             </a:pPr>
             <a:r>
-              <a:t>API Comparison Cheat Sheet</a:t>
-            </a:r>
-          </a:p>
-        </p:txBody>
-      </p:sp>
-      <p:graphicFrame>
-        <p:nvGraphicFramePr>
-          <p:cNvPr id="4" name="Table 3"/>
-          <p:cNvGraphicFramePr>
-            <a:graphicFrameLocks noGrp="1"/>
-          </p:cNvGraphicFramePr>
+              <a:t>App gives you a link → open in browser</a:t>
+            </a:r>
+          </a:p>
+          <a:p>
+            <a:pPr>
+              <a:spcAft>
+                <a:spcPts val="600"/>
+              </a:spcAft>
+              <a:defRPr sz="1800">
+                <a:solidFill>
+                  <a:srgbClr val="333333"/>
+                </a:solidFill>
+              </a:defRPr>
+            </a:pPr>
+            <a:r>
+              <a:t>Authorize with your existing account</a:t>
+            </a:r>
+          </a:p>
+          <a:p>
+            <a:pPr>
+              <a:spcAft>
+                <a:spcPts val="600"/>
+              </a:spcAft>
+              <a:defRPr sz="1800">
+                <a:solidFill>
+                  <a:srgbClr val="333333"/>
+                </a:solidFill>
+              </a:defRPr>
+            </a:pPr>
+            <a:r>
+              <a:t>Paste the code back into the app</a:t>
+            </a:r>
+          </a:p>
+          <a:p>
+            <a:pPr>
+              <a:spcAft>
+                <a:spcPts val="600"/>
+              </a:spcAft>
+              <a:defRPr sz="1800">
+                <a:solidFill>
+                  <a:srgbClr val="333333"/>
+                </a:solidFill>
+              </a:defRPr>
+            </a:pPr>
+            <a:r>
+              <a:t>Uses your existing subscription (Pro/Team)</a:t>
+            </a:r>
+          </a:p>
+          <a:p>
+            <a:pPr>
+              <a:spcAft>
+                <a:spcPts val="600"/>
+              </a:spcAft>
+              <a:defRPr sz="1800">
+                <a:solidFill>
+                  <a:srgbClr val="333333"/>
+                </a:solidFill>
+              </a:defRPr>
+            </a:pPr>
+            <a:r>
+              <a:t>Supported by: OpenClaw, Claude Code</a:t>
+            </a:r>
+          </a:p>
+          <a:p>
+            <a:pPr>
+              <a:spcAft>
+                <a:spcPts val="600"/>
+              </a:spcAft>
+              <a:defRPr sz="1800">
+                <a:solidFill>
+                  <a:srgbClr val="333333"/>
+                </a:solidFill>
+              </a:defRPr>
+            </a:pPr>
+            <a:r>
+              <a:t>No credit card / billing setup needed</a:t>
+            </a:r>
+          </a:p>
+        </p:txBody>
+      </p:sp>
+      <p:sp>
+        <p:nvSpPr>
+          <p:cNvPr id="6" name="TextBox 5"/>
+          <p:cNvSpPr txBox="1"/>
           <p:nvPr/>
-        </p:nvGraphicFramePr>
-        <p:xfrm>
-          <a:off x="731520" y="1188720"/>
-          <a:ext cx="10515600" cy="2880360"/>
-        </p:xfrm>
-        <a:graphic>
-          <a:graphicData uri="http://schemas.openxmlformats.org/drawingml/2006/table">
-            <a:tbl>
-              <a:tblPr firstRow="1" bandRow="1">
-                <a:tableStyleId>{5C22544A-7EE6-4342-B048-85BDC9FD1C3A}</a:tableStyleId>
-              </a:tblPr>
-              <a:tblGrid>
-                <a:gridCol w="2628900"/>
-                <a:gridCol w="2628900"/>
-                <a:gridCol w="2628900"/>
-                <a:gridCol w="2628900"/>
-              </a:tblGrid>
-              <a:tr h="411480">
-                <a:tc>
-                  <a:txBody>
-                    <a:bodyPr/>
-                    <a:lstStyle/>
-                    <a:p>
-                      <a:pPr>
-                        <a:defRPr sz="1400" b="1">
-                          <a:solidFill>
-                            <a:srgbClr val="FFFFFF"/>
-                          </a:solidFill>
-                        </a:defRPr>
-                      </a:pPr>
-                      <a:r>
-                        <a:t>Feature</a:t>
-                      </a:r>
-                    </a:p>
-                  </a:txBody>
-                  <a:tcPr>
-                    <a:solidFill>
-                      <a:srgbClr val="1B2A4A"/>
-                    </a:solidFill>
-                  </a:tcPr>
-                </a:tc>
-                <a:tc>
-                  <a:txBody>
-                    <a:bodyPr/>
-                    <a:lstStyle/>
-                    <a:p>
-                      <a:pPr>
-                        <a:defRPr sz="1400" b="1">
-                          <a:solidFill>
-                            <a:srgbClr val="FFFFFF"/>
-                          </a:solidFill>
-                        </a:defRPr>
-                      </a:pPr>
-                      <a:r>
-                        <a:t>OpenAI</a:t>
-                      </a:r>
-                    </a:p>
-                  </a:txBody>
-                  <a:tcPr>
-                    <a:solidFill>
-                      <a:srgbClr val="1B2A4A"/>
-                    </a:solidFill>
-                  </a:tcPr>
-                </a:tc>
-                <a:tc>
-                  <a:txBody>
-                    <a:bodyPr/>
-                    <a:lstStyle/>
-                    <a:p>
-                      <a:pPr>
-                        <a:defRPr sz="1400" b="1">
-                          <a:solidFill>
-                            <a:srgbClr val="FFFFFF"/>
-                          </a:solidFill>
-                        </a:defRPr>
-                      </a:pPr>
-                      <a:r>
-                        <a:t>Anthropic</a:t>
-                      </a:r>
-                    </a:p>
-                  </a:txBody>
-                  <a:tcPr>
-                    <a:solidFill>
-                      <a:srgbClr val="1B2A4A"/>
-                    </a:solidFill>
-                  </a:tcPr>
-                </a:tc>
-                <a:tc>
-                  <a:txBody>
-                    <a:bodyPr/>
-                    <a:lstStyle/>
-                    <a:p>
-                      <a:pPr>
-                        <a:defRPr sz="1400" b="1">
-                          <a:solidFill>
-                            <a:srgbClr val="FFFFFF"/>
-                          </a:solidFill>
-                        </a:defRPr>
-                      </a:pPr>
-                      <a:r>
-                        <a:t>Google</a:t>
-                      </a:r>
-                    </a:p>
-                  </a:txBody>
-                  <a:tcPr>
-                    <a:solidFill>
-                      <a:srgbClr val="1B2A4A"/>
-                    </a:solidFill>
-                  </a:tcPr>
-                </a:tc>
-              </a:tr>
-              <a:tr h="411480">
-                <a:tc>
-                  <a:txBody>
-                    <a:bodyPr/>
-                    <a:lstStyle/>
-                    <a:p>
-                      <a:pPr>
-                        <a:defRPr sz="1300">
-                          <a:solidFill>
-                            <a:srgbClr val="333333"/>
-                          </a:solidFill>
-                        </a:defRPr>
-                      </a:pPr>
-                      <a:r>
-                        <a:t>Endpoint</a:t>
-                      </a:r>
-                    </a:p>
-                  </a:txBody>
-                  <a:tcPr>
-                    <a:solidFill>
-                      <a:srgbClr val="F5F7FA"/>
-                    </a:solidFill>
-                  </a:tcPr>
-                </a:tc>
-                <a:tc>
-                  <a:txBody>
-                    <a:bodyPr/>
-                    <a:lstStyle/>
-                    <a:p>
-                      <a:pPr>
-                        <a:defRPr sz="1300">
-                          <a:solidFill>
-                            <a:srgbClr val="333333"/>
-                          </a:solidFill>
-                        </a:defRPr>
-                      </a:pPr>
-                      <a:r>
-                        <a:t>chat.completions.create</a:t>
-                      </a:r>
-                    </a:p>
-                  </a:txBody>
-                  <a:tcPr>
-                    <a:solidFill>
-                      <a:srgbClr val="F5F7FA"/>
-                    </a:solidFill>
-                  </a:tcPr>
-                </a:tc>
-                <a:tc>
-                  <a:txBody>
-                    <a:bodyPr/>
-                    <a:lstStyle/>
-                    <a:p>
-                      <a:pPr>
-                        <a:defRPr sz="1300">
-                          <a:solidFill>
-                            <a:srgbClr val="333333"/>
-                          </a:solidFill>
-                        </a:defRPr>
-                      </a:pPr>
-                      <a:r>
-                        <a:t>messages.create</a:t>
-                      </a:r>
-                    </a:p>
-                  </a:txBody>
-                  <a:tcPr>
-                    <a:solidFill>
-                      <a:srgbClr val="F5F7FA"/>
-                    </a:solidFill>
-                  </a:tcPr>
-                </a:tc>
-                <a:tc>
-                  <a:txBody>
-                    <a:bodyPr/>
-                    <a:lstStyle/>
-                    <a:p>
-                      <a:pPr>
-                        <a:defRPr sz="1300">
-                          <a:solidFill>
-                            <a:srgbClr val="333333"/>
-                          </a:solidFill>
-                        </a:defRPr>
-                      </a:pPr>
-                      <a:r>
-                        <a:t>generate_content</a:t>
-                      </a:r>
-                    </a:p>
-                  </a:txBody>
-                  <a:tcPr>
-                    <a:solidFill>
-                      <a:srgbClr val="F5F7FA"/>
-                    </a:solidFill>
-                  </a:tcPr>
-                </a:tc>
-              </a:tr>
-              <a:tr h="411480">
-                <a:tc>
-                  <a:txBody>
-                    <a:bodyPr/>
-                    <a:lstStyle/>
-                    <a:p>
-                      <a:pPr>
-                        <a:defRPr sz="1300">
-                          <a:solidFill>
-                            <a:srgbClr val="333333"/>
-                          </a:solidFill>
-                        </a:defRPr>
-                      </a:pPr>
-                      <a:r>
-                        <a:t>System prompt</a:t>
-                      </a:r>
-                    </a:p>
-                  </a:txBody>
-                  <a:tcPr>
-                    <a:solidFill>
-                      <a:srgbClr val="FFFFFF"/>
-                    </a:solidFill>
-                  </a:tcPr>
-                </a:tc>
-                <a:tc>
-                  <a:txBody>
-                    <a:bodyPr/>
-                    <a:lstStyle/>
-                    <a:p>
-                      <a:pPr>
-                        <a:defRPr sz="1300">
-                          <a:solidFill>
-                            <a:srgbClr val="333333"/>
-                          </a:solidFill>
-                        </a:defRPr>
-                      </a:pPr>
-                      <a:r>
-                        <a:t>{"role":"system",...}</a:t>
-                      </a:r>
-                    </a:p>
-                  </a:txBody>
-                  <a:tcPr>
-                    <a:solidFill>
-                      <a:srgbClr val="FFFFFF"/>
-                    </a:solidFill>
-                  </a:tcPr>
-                </a:tc>
-                <a:tc>
-                  <a:txBody>
-                    <a:bodyPr/>
-                    <a:lstStyle/>
-                    <a:p>
-                      <a:pPr>
-                        <a:defRPr sz="1300">
-                          <a:solidFill>
-                            <a:srgbClr val="333333"/>
-                          </a:solidFill>
-                        </a:defRPr>
-                      </a:pPr>
-                      <a:r>
-                        <a:t>system= parameter</a:t>
-                      </a:r>
-                    </a:p>
-                  </a:txBody>
-                  <a:tcPr>
-                    <a:solidFill>
-                      <a:srgbClr val="FFFFFF"/>
-                    </a:solidFill>
-                  </a:tcPr>
-                </a:tc>
-                <a:tc>
-                  <a:txBody>
-                    <a:bodyPr/>
-                    <a:lstStyle/>
-                    <a:p>
-                      <a:pPr>
-                        <a:defRPr sz="1300">
-                          <a:solidFill>
-                            <a:srgbClr val="333333"/>
-                          </a:solidFill>
-                        </a:defRPr>
-                      </a:pPr>
-                      <a:r>
-                        <a:t>system_instruction=</a:t>
-                      </a:r>
-                    </a:p>
-                  </a:txBody>
-                  <a:tcPr>
-                    <a:solidFill>
-                      <a:srgbClr val="FFFFFF"/>
-                    </a:solidFill>
-                  </a:tcPr>
-                </a:tc>
-              </a:tr>
-              <a:tr h="411480">
-                <a:tc>
-                  <a:txBody>
-                    <a:bodyPr/>
-                    <a:lstStyle/>
-                    <a:p>
-                      <a:pPr>
-                        <a:defRPr sz="1300">
-                          <a:solidFill>
-                            <a:srgbClr val="333333"/>
-                          </a:solidFill>
-                        </a:defRPr>
-                      </a:pPr>
-                      <a:r>
-                        <a:t>Max tokens</a:t>
-                      </a:r>
-                    </a:p>
-                  </a:txBody>
-                  <a:tcPr>
-                    <a:solidFill>
-                      <a:srgbClr val="F5F7FA"/>
-                    </a:solidFill>
-                  </a:tcPr>
-                </a:tc>
-                <a:tc>
-                  <a:txBody>
-                    <a:bodyPr/>
-                    <a:lstStyle/>
-                    <a:p>
-                      <a:pPr>
-                        <a:defRPr sz="1300">
-                          <a:solidFill>
-                            <a:srgbClr val="333333"/>
-                          </a:solidFill>
-                        </a:defRPr>
-                      </a:pPr>
-                      <a:r>
-                        <a:t>Optional</a:t>
-                      </a:r>
-                    </a:p>
-                  </a:txBody>
-                  <a:tcPr>
-                    <a:solidFill>
-                      <a:srgbClr val="F5F7FA"/>
-                    </a:solidFill>
-                  </a:tcPr>
-                </a:tc>
-                <a:tc>
-                  <a:txBody>
-                    <a:bodyPr/>
-                    <a:lstStyle/>
-                    <a:p>
-                      <a:pPr>
-                        <a:defRPr sz="1300">
-                          <a:solidFill>
-                            <a:srgbClr val="333333"/>
-                          </a:solidFill>
-                        </a:defRPr>
-                      </a:pPr>
-                      <a:r>
-                        <a:t>REQUIRED</a:t>
-                      </a:r>
-                    </a:p>
-                  </a:txBody>
-                  <a:tcPr>
-                    <a:solidFill>
-                      <a:srgbClr val="F5F7FA"/>
-                    </a:solidFill>
-                  </a:tcPr>
-                </a:tc>
-                <a:tc>
-                  <a:txBody>
-                    <a:bodyPr/>
-                    <a:lstStyle/>
-                    <a:p>
-                      <a:pPr>
-                        <a:defRPr sz="1300">
-                          <a:solidFill>
-                            <a:srgbClr val="333333"/>
-                          </a:solidFill>
-                        </a:defRPr>
-                      </a:pPr>
-                      <a:r>
-                        <a:t>Optional</a:t>
-                      </a:r>
-                    </a:p>
-                  </a:txBody>
-                  <a:tcPr>
-                    <a:solidFill>
-                      <a:srgbClr val="F5F7FA"/>
-                    </a:solidFill>
-                  </a:tcPr>
-                </a:tc>
-              </a:tr>
-              <a:tr h="411480">
-                <a:tc>
-                  <a:txBody>
-                    <a:bodyPr/>
-                    <a:lstStyle/>
-                    <a:p>
-                      <a:pPr>
-                        <a:defRPr sz="1300">
-                          <a:solidFill>
-                            <a:srgbClr val="333333"/>
-                          </a:solidFill>
-                        </a:defRPr>
-                      </a:pPr>
-                      <a:r>
-                        <a:t>Streaming</a:t>
-                      </a:r>
-                    </a:p>
-                  </a:txBody>
-                  <a:tcPr>
-                    <a:solidFill>
-                      <a:srgbClr val="FFFFFF"/>
-                    </a:solidFill>
-                  </a:tcPr>
-                </a:tc>
-                <a:tc>
-                  <a:txBody>
-                    <a:bodyPr/>
-                    <a:lstStyle/>
-                    <a:p>
-                      <a:pPr>
-                        <a:defRPr sz="1300">
-                          <a:solidFill>
-                            <a:srgbClr val="333333"/>
-                          </a:solidFill>
-                        </a:defRPr>
-                      </a:pPr>
-                      <a:r>
-                        <a:t>stream=True</a:t>
-                      </a:r>
-                    </a:p>
-                  </a:txBody>
-                  <a:tcPr>
-                    <a:solidFill>
-                      <a:srgbClr val="FFFFFF"/>
-                    </a:solidFill>
-                  </a:tcPr>
-                </a:tc>
-                <a:tc>
-                  <a:txBody>
-                    <a:bodyPr/>
-                    <a:lstStyle/>
-                    <a:p>
-                      <a:pPr>
-                        <a:defRPr sz="1300">
-                          <a:solidFill>
-                            <a:srgbClr val="333333"/>
-                          </a:solidFill>
-                        </a:defRPr>
-                      </a:pPr>
-                      <a:r>
-                        <a:t>.stream() context mgr</a:t>
-                      </a:r>
-                    </a:p>
-                  </a:txBody>
-                  <a:tcPr>
-                    <a:solidFill>
-                      <a:srgbClr val="FFFFFF"/>
-                    </a:solidFill>
-                  </a:tcPr>
-                </a:tc>
-                <a:tc>
-                  <a:txBody>
-                    <a:bodyPr/>
-                    <a:lstStyle/>
-                    <a:p>
-                      <a:pPr>
-                        <a:defRPr sz="1300">
-                          <a:solidFill>
-                            <a:srgbClr val="333333"/>
-                          </a:solidFill>
-                        </a:defRPr>
-                      </a:pPr>
-                      <a:r>
-                        <a:t>stream=True</a:t>
-                      </a:r>
-                    </a:p>
-                  </a:txBody>
-                  <a:tcPr>
-                    <a:solidFill>
-                      <a:srgbClr val="FFFFFF"/>
-                    </a:solidFill>
-                  </a:tcPr>
-                </a:tc>
-              </a:tr>
-              <a:tr h="411480">
-                <a:tc>
-                  <a:txBody>
-                    <a:bodyPr/>
-                    <a:lstStyle/>
-                    <a:p>
-                      <a:pPr>
-                        <a:defRPr sz="1300">
-                          <a:solidFill>
-                            <a:srgbClr val="333333"/>
-                          </a:solidFill>
-                        </a:defRPr>
-                      </a:pPr>
-                      <a:r>
-                        <a:t>Response</a:t>
-                      </a:r>
-                    </a:p>
-                  </a:txBody>
-                  <a:tcPr>
-                    <a:solidFill>
-                      <a:srgbClr val="F5F7FA"/>
-                    </a:solidFill>
-                  </a:tcPr>
-                </a:tc>
-                <a:tc>
-                  <a:txBody>
-                    <a:bodyPr/>
-                    <a:lstStyle/>
-                    <a:p>
-                      <a:pPr>
-                        <a:defRPr sz="1300">
-                          <a:solidFill>
-                            <a:srgbClr val="333333"/>
-                          </a:solidFill>
-                        </a:defRPr>
-                      </a:pPr>
-                      <a:r>
-                        <a:t>choices[0].message.content</a:t>
-                      </a:r>
-                    </a:p>
-                  </a:txBody>
-                  <a:tcPr>
-                    <a:solidFill>
-                      <a:srgbClr val="F5F7FA"/>
-                    </a:solidFill>
-                  </a:tcPr>
-                </a:tc>
-                <a:tc>
-                  <a:txBody>
-                    <a:bodyPr/>
-                    <a:lstStyle/>
-                    <a:p>
-                      <a:pPr>
-                        <a:defRPr sz="1300">
-                          <a:solidFill>
-                            <a:srgbClr val="333333"/>
-                          </a:solidFill>
-                        </a:defRPr>
-                      </a:pPr>
-                      <a:r>
-                        <a:t>content[0].text</a:t>
-                      </a:r>
-                    </a:p>
-                  </a:txBody>
-                  <a:tcPr>
-                    <a:solidFill>
-                      <a:srgbClr val="F5F7FA"/>
-                    </a:solidFill>
-                  </a:tcPr>
-                </a:tc>
-                <a:tc>
-                  <a:txBody>
-                    <a:bodyPr/>
-                    <a:lstStyle/>
-                    <a:p>
-                      <a:pPr>
-                        <a:defRPr sz="1300">
-                          <a:solidFill>
-                            <a:srgbClr val="333333"/>
-                          </a:solidFill>
-                        </a:defRPr>
-                      </a:pPr>
-                      <a:r>
-                        <a:t>.text</a:t>
-                      </a:r>
-                    </a:p>
-                  </a:txBody>
-                  <a:tcPr>
-                    <a:solidFill>
-                      <a:srgbClr val="F5F7FA"/>
-                    </a:solidFill>
-                  </a:tcPr>
-                </a:tc>
-              </a:tr>
-              <a:tr h="411480">
-                <a:tc>
-                  <a:txBody>
-                    <a:bodyPr/>
-                    <a:lstStyle/>
-                    <a:p>
-                      <a:pPr>
-                        <a:defRPr sz="1300">
-                          <a:solidFill>
-                            <a:srgbClr val="333333"/>
-                          </a:solidFill>
-                        </a:defRPr>
-                      </a:pPr>
-                      <a:r>
-                        <a:t>Auth env var</a:t>
-                      </a:r>
-                    </a:p>
-                  </a:txBody>
-                  <a:tcPr>
-                    <a:solidFill>
-                      <a:srgbClr val="FFFFFF"/>
-                    </a:solidFill>
-                  </a:tcPr>
-                </a:tc>
-                <a:tc>
-                  <a:txBody>
-                    <a:bodyPr/>
-                    <a:lstStyle/>
-                    <a:p>
-                      <a:pPr>
-                        <a:defRPr sz="1300">
-                          <a:solidFill>
-                            <a:srgbClr val="333333"/>
-                          </a:solidFill>
-                        </a:defRPr>
-                      </a:pPr>
-                      <a:r>
-                        <a:t>OPENAI_API_KEY</a:t>
-                      </a:r>
-                    </a:p>
-                  </a:txBody>
-                  <a:tcPr>
-                    <a:solidFill>
-                      <a:srgbClr val="FFFFFF"/>
-                    </a:solidFill>
-                  </a:tcPr>
-                </a:tc>
-                <a:tc>
-                  <a:txBody>
-                    <a:bodyPr/>
-                    <a:lstStyle/>
-                    <a:p>
-                      <a:pPr>
-                        <a:defRPr sz="1300">
-                          <a:solidFill>
-                            <a:srgbClr val="333333"/>
-                          </a:solidFill>
-                        </a:defRPr>
-                      </a:pPr>
-                      <a:r>
-                        <a:t>ANTHROPIC_API_KEY</a:t>
-                      </a:r>
-                    </a:p>
-                  </a:txBody>
-                  <a:tcPr>
-                    <a:solidFill>
-                      <a:srgbClr val="FFFFFF"/>
-                    </a:solidFill>
-                  </a:tcPr>
-                </a:tc>
-                <a:tc>
-                  <a:txBody>
-                    <a:bodyPr/>
-                    <a:lstStyle/>
-                    <a:p>
-                      <a:pPr>
-                        <a:defRPr sz="1300">
-                          <a:solidFill>
-                            <a:srgbClr val="333333"/>
-                          </a:solidFill>
-                        </a:defRPr>
-                      </a:pPr>
-                      <a:r>
-                        <a:t>GOOGLE_API_KEY</a:t>
-                      </a:r>
-                    </a:p>
-                  </a:txBody>
-                  <a:tcPr>
-                    <a:solidFill>
-                      <a:srgbClr val="FFFFFF"/>
-                    </a:solidFill>
-                  </a:tcPr>
-                </a:tc>
-              </a:tr>
-            </a:tbl>
-          </a:graphicData>
-        </a:graphic>
-      </p:graphicFrame>
+        </p:nvSpPr>
+        <p:spPr>
+          <a:xfrm>
+            <a:off x="6400800" y="1188720"/>
+            <a:ext cx="5029200" cy="457200"/>
+          </a:xfrm>
+          <a:prstGeom prst="rect">
+            <a:avLst/>
+          </a:prstGeom>
+          <a:noFill/>
+        </p:spPr>
+        <p:txBody>
+          <a:bodyPr wrap="none">
+            <a:spAutoFit/>
+          </a:bodyPr>
+          <a:lstStyle/>
+          <a:p>
+            <a:pPr>
+              <a:defRPr sz="2200" b="1">
+                <a:solidFill>
+                  <a:srgbClr val="0096D6"/>
+                </a:solidFill>
+              </a:defRPr>
+            </a:pPr>
+            <a:r>
+              <a:t>API Key (Pay-as-You-Go)</a:t>
+            </a:r>
+          </a:p>
+        </p:txBody>
+      </p:sp>
+      <p:sp>
+        <p:nvSpPr>
+          <p:cNvPr id="7" name="TextBox 6"/>
+          <p:cNvSpPr txBox="1"/>
+          <p:nvPr/>
+        </p:nvSpPr>
+        <p:spPr>
+          <a:xfrm>
+            <a:off x="6400800" y="1737360"/>
+            <a:ext cx="5029200" cy="4572000"/>
+          </a:xfrm>
+          <a:prstGeom prst="rect">
+            <a:avLst/>
+          </a:prstGeom>
+          <a:noFill/>
+        </p:spPr>
+        <p:txBody>
+          <a:bodyPr wrap="square">
+            <a:spAutoFit/>
+          </a:bodyPr>
+          <a:lstStyle/>
+          <a:p>
+            <a:pPr>
+              <a:spcAft>
+                <a:spcPts val="600"/>
+              </a:spcAft>
+              <a:defRPr sz="1800">
+                <a:solidFill>
+                  <a:srgbClr val="333333"/>
+                </a:solidFill>
+              </a:defRPr>
+            </a:pPr>
+            <a:r>
+              <a:t>Go to provider console → create key</a:t>
+            </a:r>
+          </a:p>
+          <a:p>
+            <a:pPr>
+              <a:spcAft>
+                <a:spcPts val="600"/>
+              </a:spcAft>
+              <a:defRPr sz="1800">
+                <a:solidFill>
+                  <a:srgbClr val="333333"/>
+                </a:solidFill>
+              </a:defRPr>
+            </a:pPr>
+            <a:r>
+              <a:t>Add credits ($5+ to start)</a:t>
+            </a:r>
+          </a:p>
+          <a:p>
+            <a:pPr>
+              <a:spcAft>
+                <a:spcPts val="600"/>
+              </a:spcAft>
+              <a:defRPr sz="1800">
+                <a:solidFill>
+                  <a:srgbClr val="333333"/>
+                </a:solidFill>
+              </a:defRPr>
+            </a:pPr>
+            <a:r>
+              <a:t>Pay per token used</a:t>
+            </a:r>
+          </a:p>
+          <a:p>
+            <a:pPr>
+              <a:spcAft>
+                <a:spcPts val="600"/>
+              </a:spcAft>
+              <a:defRPr sz="1800">
+                <a:solidFill>
+                  <a:srgbClr val="333333"/>
+                </a:solidFill>
+              </a:defRPr>
+            </a:pPr>
+            <a:r>
+              <a:t>Required for custom programs</a:t>
+            </a:r>
+          </a:p>
+          <a:p>
+            <a:pPr>
+              <a:spcAft>
+                <a:spcPts val="600"/>
+              </a:spcAft>
+              <a:defRPr sz="1800">
+                <a:solidFill>
+                  <a:srgbClr val="333333"/>
+                </a:solidFill>
+              </a:defRPr>
+            </a:pPr>
+            <a:r>
+              <a:t>Full programmatic control</a:t>
+            </a:r>
+          </a:p>
+          <a:p>
+            <a:pPr>
+              <a:spcAft>
+                <a:spcPts val="600"/>
+              </a:spcAft>
+              <a:defRPr sz="1800">
+                <a:solidFill>
+                  <a:srgbClr val="333333"/>
+                </a:solidFill>
+              </a:defRPr>
+            </a:pPr>
+            <a:r>
+              <a:t>Your code ONLY uses API keys</a:t>
+            </a:r>
+          </a:p>
+        </p:txBody>
+      </p:sp>
     </p:spTree>
   </p:cSld>
   <p:clrMapOvr>
@@ -8213,17 +7999,9 @@
 </p:sld>
 </file>
 
-<file path=ppt/slides/slide9.xml><?xml version="1.0" encoding="utf-8"?>
+<file path=ppt/slides/slide7.xml><?xml version="1.0" encoding="utf-8"?>
 <p:sld xmlns:a="http://schemas.openxmlformats.org/drawingml/2006/main" xmlns:p="http://schemas.openxmlformats.org/presentationml/2006/main" xmlns:r="http://schemas.openxmlformats.org/officeDocument/2006/relationships">
   <p:cSld>
-    <p:bg>
-      <p:bgPr>
-        <a:solidFill>
-          <a:srgbClr val="FFFFFF"/>
-        </a:solidFill>
-        <a:effectLst/>
-      </p:bgPr>
-    </p:bg>
     <p:spTree>
       <p:nvGrpSpPr>
         <p:cNvPr id="1" name=""/>
@@ -8240,7 +8018,7 @@
         <p:spPr>
           <a:xfrm>
             <a:off x="0" y="0"/>
-            <a:ext cx="12191695" cy="54864"/>
+            <a:ext cx="12191695" cy="73152"/>
           </a:xfrm>
           <a:prstGeom prst="rect">
             <a:avLst/>
@@ -8283,7 +8061,7 @@
         <p:spPr>
           <a:xfrm>
             <a:off x="731520" y="274320"/>
-            <a:ext cx="10515600" cy="731520"/>
+            <a:ext cx="10728655" cy="822960"/>
           </a:xfrm>
           <a:prstGeom prst="rect">
             <a:avLst/>
@@ -8296,15 +8074,15 @@
           </a:bodyPr>
           <a:lstStyle/>
           <a:p>
-            <a:pPr>
-              <a:defRPr sz="2800" b="1">
+            <a:pPr algn="l">
+              <a:defRPr sz="3200" b="1">
                 <a:solidFill>
                   <a:srgbClr val="1B2A4A"/>
                 </a:solidFill>
               </a:defRPr>
             </a:pPr>
             <a:r>
-              <a:t>Conversation History Is YOUR Responsibility</a:t>
+              <a:t>Setting Up API Keys (Live Demo)</a:t>
             </a:r>
           </a:p>
         </p:txBody>
@@ -8317,8 +8095,8 @@
         </p:nvSpPr>
         <p:spPr>
           <a:xfrm>
-            <a:off x="731520" y="1188720"/>
-            <a:ext cx="5029200" cy="5029200"/>
+            <a:off x="914400" y="1280160"/>
+            <a:ext cx="10362895" cy="5029200"/>
           </a:xfrm>
           <a:prstGeom prst="rect">
             <a:avLst/>
@@ -8332,97 +8110,148 @@
           <a:lstStyle/>
           <a:p>
             <a:pPr>
+              <a:spcBef>
+                <a:spcPts val="400"/>
+              </a:spcBef>
               <a:spcAft>
                 <a:spcPts val="800"/>
               </a:spcAft>
-              <a:defRPr sz="1800">
+              <a:defRPr sz="2000">
                 <a:solidFill>
                   <a:srgbClr val="333333"/>
                 </a:solidFill>
               </a:defRPr>
             </a:pPr>
             <a:r>
-              <a:t>The API is STATELESS — every call, you send the FULL conversation</a:t>
+              <a:t>OpenAI: platform.openai.com → API keys → Create → Add credits</a:t>
             </a:r>
           </a:p>
           <a:p>
             <a:pPr>
+              <a:spcBef>
+                <a:spcPts val="400"/>
+              </a:spcBef>
               <a:spcAft>
                 <a:spcPts val="800"/>
               </a:spcAft>
-              <a:defRPr sz="1800">
+              <a:defRPr sz="2000">
                 <a:solidFill>
                   <a:srgbClr val="333333"/>
                 </a:solidFill>
               </a:defRPr>
             </a:pPr>
             <a:r>
-              <a:t>ChatGPT maintains history for you; the API does NOT</a:t>
+              <a:t>Anthropic: console.anthropic.com → API Keys → Create → Add credits</a:t>
             </a:r>
           </a:p>
           <a:p>
             <a:pPr>
+              <a:spcBef>
+                <a:spcPts val="400"/>
+              </a:spcBef>
               <a:spcAft>
                 <a:spcPts val="800"/>
               </a:spcAft>
-              <a:defRPr sz="1800">
+              <a:defRPr sz="2000">
                 <a:solidFill>
                   <a:srgbClr val="333333"/>
                 </a:solidFill>
               </a:defRPr>
             </a:pPr>
             <a:r>
-              <a:t>Each call costs tokens for the entire conversation so far</a:t>
+              <a:t>Google: aistudio.google.com → Get API key (free tier available)</a:t>
             </a:r>
           </a:p>
           <a:p>
             <a:pPr>
+              <a:spcBef>
+                <a:spcPts val="400"/>
+              </a:spcBef>
               <a:spcAft>
                 <a:spcPts val="800"/>
               </a:spcAft>
-              <a:defRPr sz="1800">
+              <a:defRPr sz="2000">
                 <a:solidFill>
                   <a:srgbClr val="333333"/>
                 </a:solidFill>
               </a:defRPr>
             </a:pPr>
             <a:r>
-              <a:t>This is why context window size matters — it's the max conversation length</a:t>
+              <a:t>Store in environment: export OPENAI_API_KEY=sk-...</a:t>
             </a:r>
           </a:p>
           <a:p>
             <a:pPr>
+              <a:spcBef>
+                <a:spcPts val="400"/>
+              </a:spcBef>
               <a:spcAft>
                 <a:spcPts val="800"/>
               </a:spcAft>
-              <a:defRPr sz="1800">
+              <a:defRPr sz="2000">
                 <a:solidFill>
                   <a:srgbClr val="333333"/>
                 </a:solidFill>
               </a:defRPr>
             </a:pPr>
             <a:r>
-              <a:t>GPT-5.2: 400K tokens, Claude: 200K tokens, Gemini 3 Pro: 1M tokens</a:t>
-            </a:r>
-          </a:p>
-        </p:txBody>
-      </p:sp>
-      <p:sp>
-        <p:nvSpPr>
-          <p:cNvPr id="5" name="Rounded Rectangle 4"/>
+              <a:t>Never commit keys to git — use .env files</a:t>
+            </a:r>
+          </a:p>
+          <a:p>
+            <a:pPr>
+              <a:spcBef>
+                <a:spcPts val="400"/>
+              </a:spcBef>
+              <a:spcAft>
+                <a:spcPts val="800"/>
+              </a:spcAft>
+              <a:defRPr sz="2000">
+                <a:solidFill>
+                  <a:srgbClr val="333333"/>
+                </a:solidFill>
+              </a:defRPr>
+            </a:pPr>
+            <a:r>
+              <a:t>Start with $5–10 of credits, that's plenty for learning</a:t>
+            </a:r>
+          </a:p>
+        </p:txBody>
+      </p:sp>
+    </p:spTree>
+  </p:cSld>
+  <p:clrMapOvr>
+    <a:masterClrMapping/>
+  </p:clrMapOvr>
+</p:sld>
+</file>
+
+<file path=ppt/slides/slide8.xml><?xml version="1.0" encoding="utf-8"?>
+<p:sld xmlns:a="http://schemas.openxmlformats.org/drawingml/2006/main" xmlns:p="http://schemas.openxmlformats.org/presentationml/2006/main" xmlns:r="http://schemas.openxmlformats.org/officeDocument/2006/relationships">
+  <p:cSld>
+    <p:spTree>
+      <p:nvGrpSpPr>
+        <p:cNvPr id="1" name=""/>
+        <p:cNvGrpSpPr/>
+        <p:nvPr/>
+      </p:nvGrpSpPr>
+      <p:grpSpPr/>
+      <p:sp>
+        <p:nvSpPr>
+          <p:cNvPr id="2" name="Rectangle 1"/>
           <p:cNvSpPr/>
           <p:nvPr/>
         </p:nvSpPr>
         <p:spPr>
           <a:xfrm>
-            <a:off x="6217920" y="1188720"/>
-            <a:ext cx="5486400" cy="4572000"/>
+            <a:off x="0" y="0"/>
+            <a:ext cx="12191695" cy="73152"/>
           </a:xfrm>
-          <a:prstGeom prst="roundRect">
+          <a:prstGeom prst="rect">
             <a:avLst/>
           </a:prstGeom>
           <a:solidFill>
-            <a:srgbClr val="F0F0F0"/>
+            <a:srgbClr val="0096D6"/>
           </a:solidFill>
           <a:ln>
             <a:noFill/>
@@ -8452,14 +8281,14 @@
       </p:sp>
       <p:sp>
         <p:nvSpPr>
-          <p:cNvPr id="6" name="TextBox 5"/>
+          <p:cNvPr id="3" name="TextBox 2"/>
           <p:cNvSpPr txBox="1"/>
           <p:nvPr/>
         </p:nvSpPr>
         <p:spPr>
           <a:xfrm>
-            <a:off x="6400800" y="1325880"/>
-            <a:ext cx="5120640" cy="4297680"/>
+            <a:off x="731520" y="274320"/>
+            <a:ext cx="10728655" cy="822960"/>
           </a:xfrm>
           <a:prstGeom prst="rect">
             <a:avLst/>
@@ -8472,66 +8301,399 @@
           </a:bodyPr>
           <a:lstStyle/>
           <a:p>
+            <a:pPr algn="l">
+              <a:defRPr sz="3200" b="1">
+                <a:solidFill>
+                  <a:srgbClr val="1B2A4A"/>
+                </a:solidFill>
+              </a:defRPr>
+            </a:pPr>
+            <a:r>
+              <a:t>SDK Installation &amp; First Call</a:t>
+            </a:r>
+          </a:p>
+        </p:txBody>
+      </p:sp>
+      <p:sp>
+        <p:nvSpPr>
+          <p:cNvPr id="4" name="TextBox 3"/>
+          <p:cNvSpPr txBox="1"/>
+          <p:nvPr/>
+        </p:nvSpPr>
+        <p:spPr>
+          <a:xfrm>
+            <a:off x="914400" y="1280160"/>
+            <a:ext cx="10362895" cy="5029200"/>
+          </a:xfrm>
+          <a:prstGeom prst="rect">
+            <a:avLst/>
+          </a:prstGeom>
+          <a:noFill/>
+        </p:spPr>
+        <p:txBody>
+          <a:bodyPr wrap="square">
+            <a:spAutoFit/>
+          </a:bodyPr>
+          <a:lstStyle/>
+          <a:p>
             <a:pPr>
-              <a:defRPr sz="1100">
+              <a:spcBef>
+                <a:spcPts val="400"/>
+              </a:spcBef>
+              <a:spcAft>
+                <a:spcPts val="800"/>
+              </a:spcAft>
+              <a:defRPr sz="2000">
                 <a:solidFill>
                   <a:srgbClr val="333333"/>
                 </a:solidFill>
+              </a:defRPr>
+            </a:pPr>
+            <a:r>
+              <a:t>pip install openai anthropic google-genai</a:t>
+            </a:r>
+          </a:p>
+          <a:p>
+            <a:pPr>
+              <a:spcBef>
+                <a:spcPts val="400"/>
+              </a:spcBef>
+              <a:spcAft>
+                <a:spcPts val="800"/>
+              </a:spcAft>
+              <a:defRPr sz="2000">
+                <a:solidFill>
+                  <a:srgbClr val="333333"/>
+                </a:solidFill>
+              </a:defRPr>
+            </a:pPr>
+            <a:r>
+              <a:t>All three SDKs follow the same pattern:</a:t>
+            </a:r>
+          </a:p>
+          <a:p>
+            <a:pPr lvl="1">
+              <a:spcBef>
+                <a:spcPts val="400"/>
+              </a:spcBef>
+              <a:spcAft>
+                <a:spcPts val="800"/>
+              </a:spcAft>
+              <a:defRPr sz="1800">
+                <a:solidFill>
+                  <a:srgbClr val="666666"/>
+                </a:solidFill>
+              </a:defRPr>
+            </a:pPr>
+            <a:r>
+              <a:t>Create a client (reads API key from env)</a:t>
+            </a:r>
+          </a:p>
+          <a:p>
+            <a:pPr lvl="1">
+              <a:spcBef>
+                <a:spcPts val="400"/>
+              </a:spcBef>
+              <a:spcAft>
+                <a:spcPts val="800"/>
+              </a:spcAft>
+              <a:defRPr sz="1800">
+                <a:solidFill>
+                  <a:srgbClr val="666666"/>
+                </a:solidFill>
+              </a:defRPr>
+            </a:pPr>
+            <a:r>
+              <a:t>Build a messages array (system + user + assistant)</a:t>
+            </a:r>
+          </a:p>
+          <a:p>
+            <a:pPr lvl="1">
+              <a:spcBef>
+                <a:spcPts val="400"/>
+              </a:spcBef>
+              <a:spcAft>
+                <a:spcPts val="800"/>
+              </a:spcAft>
+              <a:defRPr sz="1800">
+                <a:solidFill>
+                  <a:srgbClr val="666666"/>
+                </a:solidFill>
+              </a:defRPr>
+            </a:pPr>
+            <a:r>
+              <a:t>Call the model, get a response</a:t>
+            </a:r>
+          </a:p>
+          <a:p>
+            <a:pPr>
+              <a:spcBef>
+                <a:spcPts val="400"/>
+              </a:spcBef>
+              <a:spcAft>
+                <a:spcPts val="800"/>
+              </a:spcAft>
+              <a:defRPr sz="2000">
+                <a:solidFill>
+                  <a:srgbClr val="333333"/>
+                </a:solidFill>
+              </a:defRPr>
+            </a:pPr>
+            <a:r>
+              <a:t>Let's look at the code →</a:t>
+            </a:r>
+          </a:p>
+        </p:txBody>
+      </p:sp>
+    </p:spTree>
+  </p:cSld>
+  <p:clrMapOvr>
+    <a:masterClrMapping/>
+  </p:clrMapOvr>
+</p:sld>
+</file>
+
+<file path=ppt/slides/slide9.xml><?xml version="1.0" encoding="utf-8"?>
+<p:sld xmlns:a="http://schemas.openxmlformats.org/drawingml/2006/main" xmlns:p="http://schemas.openxmlformats.org/presentationml/2006/main" xmlns:r="http://schemas.openxmlformats.org/officeDocument/2006/relationships">
+  <p:cSld>
+    <p:spTree>
+      <p:nvGrpSpPr>
+        <p:cNvPr id="1" name=""/>
+        <p:cNvGrpSpPr/>
+        <p:nvPr/>
+      </p:nvGrpSpPr>
+      <p:grpSpPr/>
+      <p:sp>
+        <p:nvSpPr>
+          <p:cNvPr id="2" name="Rectangle 1"/>
+          <p:cNvSpPr/>
+          <p:nvPr/>
+        </p:nvSpPr>
+        <p:spPr>
+          <a:xfrm>
+            <a:off x="0" y="0"/>
+            <a:ext cx="12191695" cy="73152"/>
+          </a:xfrm>
+          <a:prstGeom prst="rect">
+            <a:avLst/>
+          </a:prstGeom>
+          <a:solidFill>
+            <a:srgbClr val="0096D6"/>
+          </a:solidFill>
+          <a:ln>
+            <a:noFill/>
+          </a:ln>
+        </p:spPr>
+        <p:style>
+          <a:lnRef idx="1">
+            <a:schemeClr val="accent1"/>
+          </a:lnRef>
+          <a:fillRef idx="3">
+            <a:schemeClr val="accent1"/>
+          </a:fillRef>
+          <a:effectRef idx="2">
+            <a:schemeClr val="accent1"/>
+          </a:effectRef>
+          <a:fontRef idx="minor">
+            <a:schemeClr val="lt1"/>
+          </a:fontRef>
+        </p:style>
+        <p:txBody>
+          <a:bodyPr rtlCol="0" anchor="ctr"/>
+          <a:lstStyle/>
+          <a:p>
+            <a:pPr algn="ctr"/>
+          </a:p>
+        </p:txBody>
+      </p:sp>
+      <p:sp>
+        <p:nvSpPr>
+          <p:cNvPr id="3" name="TextBox 2"/>
+          <p:cNvSpPr txBox="1"/>
+          <p:nvPr/>
+        </p:nvSpPr>
+        <p:spPr>
+          <a:xfrm>
+            <a:off x="731520" y="274320"/>
+            <a:ext cx="10728655" cy="731520"/>
+          </a:xfrm>
+          <a:prstGeom prst="rect">
+            <a:avLst/>
+          </a:prstGeom>
+          <a:noFill/>
+        </p:spPr>
+        <p:txBody>
+          <a:bodyPr wrap="none">
+            <a:spAutoFit/>
+          </a:bodyPr>
+          <a:lstStyle/>
+          <a:p>
+            <a:pPr>
+              <a:defRPr sz="2800" b="1">
+                <a:solidFill>
+                  <a:srgbClr val="1B2A4A"/>
+                </a:solidFill>
+              </a:defRPr>
+            </a:pPr>
+            <a:r>
+              <a:t>OpenAI — Your First API Call</a:t>
+            </a:r>
+          </a:p>
+        </p:txBody>
+      </p:sp>
+      <p:sp>
+        <p:nvSpPr>
+          <p:cNvPr id="4" name="Rounded Rectangle 3"/>
+          <p:cNvSpPr/>
+          <p:nvPr/>
+        </p:nvSpPr>
+        <p:spPr>
+          <a:xfrm>
+            <a:off x="731520" y="1188720"/>
+            <a:ext cx="10728655" cy="5212080"/>
+          </a:xfrm>
+          <a:prstGeom prst="roundRect">
+            <a:avLst/>
+          </a:prstGeom>
+          <a:solidFill>
+            <a:srgbClr val="F0F0F0"/>
+          </a:solidFill>
+          <a:ln w="12700">
+            <a:solidFill>
+              <a:srgbClr val="DDDDDD"/>
+            </a:solidFill>
+          </a:ln>
+        </p:spPr>
+        <p:style>
+          <a:lnRef idx="1">
+            <a:schemeClr val="accent1"/>
+          </a:lnRef>
+          <a:fillRef idx="3">
+            <a:schemeClr val="accent1"/>
+          </a:fillRef>
+          <a:effectRef idx="2">
+            <a:schemeClr val="accent1"/>
+          </a:effectRef>
+          <a:fontRef idx="minor">
+            <a:schemeClr val="lt1"/>
+          </a:fontRef>
+        </p:style>
+        <p:txBody>
+          <a:bodyPr rtlCol="0" anchor="ctr"/>
+          <a:lstStyle/>
+          <a:p>
+            <a:pPr algn="ctr"/>
+          </a:p>
+        </p:txBody>
+      </p:sp>
+      <p:sp>
+        <p:nvSpPr>
+          <p:cNvPr id="5" name="TextBox 4"/>
+          <p:cNvSpPr txBox="1"/>
+          <p:nvPr/>
+        </p:nvSpPr>
+        <p:spPr>
+          <a:xfrm>
+            <a:off x="822960" y="1234440"/>
+            <a:ext cx="1828800" cy="320040"/>
+          </a:xfrm>
+          <a:prstGeom prst="rect">
+            <a:avLst/>
+          </a:prstGeom>
+          <a:noFill/>
+        </p:spPr>
+        <p:txBody>
+          <a:bodyPr wrap="none">
+            <a:spAutoFit/>
+          </a:bodyPr>
+          <a:lstStyle/>
+          <a:p>
+            <a:pPr>
+              <a:defRPr sz="1100" b="1">
+                <a:solidFill>
+                  <a:srgbClr val="666666"/>
+                </a:solidFill>
+              </a:defRPr>
+            </a:pPr>
+            <a:r>
+              <a:t>python</a:t>
+            </a:r>
+          </a:p>
+        </p:txBody>
+      </p:sp>
+      <p:sp>
+        <p:nvSpPr>
+          <p:cNvPr id="6" name="TextBox 5"/>
+          <p:cNvSpPr txBox="1"/>
+          <p:nvPr/>
+        </p:nvSpPr>
+        <p:spPr>
+          <a:xfrm>
+            <a:off x="914400" y="1554480"/>
+            <a:ext cx="10362895" cy="4754880"/>
+          </a:xfrm>
+          <a:prstGeom prst="rect">
+            <a:avLst/>
+          </a:prstGeom>
+          <a:noFill/>
+        </p:spPr>
+        <p:txBody>
+          <a:bodyPr wrap="square">
+            <a:spAutoFit/>
+          </a:bodyPr>
+          <a:lstStyle/>
+          <a:p>
+            <a:pPr algn="l">
+              <a:defRPr sz="1300">
+                <a:solidFill>
+                  <a:srgbClr val="333333"/>
+                </a:solidFill>
                 <a:latin typeface="Consolas"/>
               </a:defRPr>
             </a:pPr>
             <a:r>
-              <a:t># Call 1:</a:t>
+              <a:t>from openai import OpenAI</a:t>
             </a:r>
             <a:br/>
             <a:r>
-              <a:t>messages = [{"role":"user","content":"My name is Alice"}]</a:t>
-            </a:r>
-            <a:br/>
-            <a:r>
-              <a:t># → "Hi Alice!"</a:t>
+              <a:t>client = OpenAI()  # reads OPENAI_API_KEY from env</a:t>
             </a:r>
             <a:br/>
             <a:br/>
             <a:r>
-              <a:t># Call 2 — send EVERYTHING again:</a:t>
+              <a:t>response = client.chat.completions.create(</a:t>
             </a:r>
             <a:br/>
             <a:r>
-              <a:t>messages = [</a:t>
+              <a:t>    model="gpt-4.1",</a:t>
             </a:r>
             <a:br/>
             <a:r>
-              <a:t>  {"role":"user","content":"My name is Alice"},</a:t>
+              <a:t>    messages=[</a:t>
             </a:r>
             <a:br/>
             <a:r>
-              <a:t>  {"role":"assistant","content":"Hi Alice!"},</a:t>
+              <a:t>        {"role": "system", "content": "You are a helpful assistant."},</a:t>
             </a:r>
             <a:br/>
             <a:r>
-              <a:t>  {"role":"user","content":"What's my name?"}</a:t>
+              <a:t>        {"role": "user", "content": "What is AI?"}</a:t>
             </a:r>
             <a:br/>
             <a:r>
-              <a:t>]</a:t>
+              <a:t>    ],</a:t>
             </a:r>
             <a:br/>
             <a:r>
-              <a:t># → "Alice!" ✅</a:t>
+              <a:t>    temperature=0.7,</a:t>
             </a:r>
             <a:br/>
+            <a:r>
+              <a:t>)</a:t>
+            </a:r>
             <a:br/>
             <a:r>
-              <a:t># Without history:</a:t>
-            </a:r>
-            <a:br/>
-            <a:r>
-              <a:t>messages = [{"role":"user","content":"What's my name?"}]</a:t>
-            </a:r>
-            <a:br/>
-            <a:r>
-              <a:t># → "I don't know" ❌</a:t>
+              <a:t>print(response.choices[0].message.content)</a:t>
             </a:r>
           </a:p>
         </p:txBody>

--- a/developer/session-1/session-1-landscape-apis.pptx
+++ b/developer/session-1/session-1-landscape-apis.pptx
@@ -516,7 +516,7 @@
           <a:lstStyle/>
           <a:p>
             <a:r>
-              <a:t>Welcome to Session 1. Models, providers, and your first API call</a:t>
+              <a:t>Welcome. Today: providers, models, API auth, first API call.</a:t>
             </a:r>
           </a:p>
         </p:txBody>
@@ -586,7 +586,7 @@
           <a:lstStyle/>
           <a:p>
             <a:r>
-              <a:t>Key differences: max_tokens is required, system prompt is a separate parameter, response structure differs.</a:t>
+              <a:t>Note: Anthropic uses messages.create, system prompt is separate param.</a:t>
             </a:r>
           </a:p>
         </p:txBody>
@@ -656,7 +656,7 @@
           <a:lstStyle/>
           <a:p>
             <a:r>
-              <a:t>Gemini SDK is slightly different but same concept. Contents can be a simple string or list of parts.</a:t>
+              <a:t>Demo temperature differences with same prompt.</a:t>
             </a:r>
           </a:p>
         </p:txBody>
@@ -726,217 +726,7 @@
           <a:lstStyle/>
           <a:p>
             <a:r>
-              <a:t>Streaming is essential for any chat UI. Show the streaming variants from chat_script.py.</a:t>
-            </a:r>
-          </a:p>
-        </p:txBody>
-      </p:sp>
-      <p:sp>
-        <p:nvSpPr>
-          <p:cNvPr id="4" name="Slide Number Placeholder 3"/>
-          <p:cNvSpPr>
-            <a:spLocks noGrp="1"/>
-          </p:cNvSpPr>
-          <p:nvPr>
-            <p:ph type="sldNum" idx="5" sz="quarter"/>
-          </p:nvPr>
-        </p:nvSpPr>
-        <p:spPr/>
-      </p:sp>
-    </p:spTree>
-  </p:cSld>
-  <p:clrMapOvr>
-    <a:masterClrMapping/>
-  </p:clrMapOvr>
-</p:notes>
-</file>
-
-<file path=ppt/notesSlides/notesSlide13.xml><?xml version="1.0" encoding="utf-8"?>
-<p:notes xmlns:a="http://schemas.openxmlformats.org/drawingml/2006/main" xmlns:p="http://schemas.openxmlformats.org/presentationml/2006/main" xmlns:r="http://schemas.openxmlformats.org/officeDocument/2006/relationships">
-  <p:cSld>
-    <p:spTree>
-      <p:nvGrpSpPr>
-        <p:cNvPr id="1" name=""/>
-        <p:cNvGrpSpPr/>
-        <p:nvPr/>
-      </p:nvGrpSpPr>
-      <p:grpSpPr>
-        <a:xfrm>
-          <a:off x="0" y="0"/>
-          <a:ext cx="0" cy="0"/>
-          <a:chOff x="0" y="0"/>
-          <a:chExt cx="0" cy="0"/>
-        </a:xfrm>
-      </p:grpSpPr>
-      <p:sp>
-        <p:nvSpPr>
-          <p:cNvPr id="2" name="Slide Image Placeholder 1"/>
-          <p:cNvSpPr>
-            <a:spLocks noGrp="1"/>
-          </p:cNvSpPr>
-          <p:nvPr>
-            <p:ph type="sldImg" idx="2"/>
-          </p:nvPr>
-        </p:nvSpPr>
-        <p:spPr/>
-      </p:sp>
-      <p:sp>
-        <p:nvSpPr>
-          <p:cNvPr id="3" name="Notes Placeholder 2"/>
-          <p:cNvSpPr>
-            <a:spLocks noGrp="1"/>
-          </p:cNvSpPr>
-          <p:nvPr>
-            <p:ph type="body" idx="3" sz="quarter"/>
-          </p:nvPr>
-        </p:nvSpPr>
-        <p:spPr/>
-        <p:txBody>
-          <a:bodyPr/>
-          <a:lstStyle/>
-          <a:p>
-            <a:r>
-              <a:t>Key pattern: stream=True, then iterate. Each chunk has a delta with partial content.</a:t>
-            </a:r>
-          </a:p>
-        </p:txBody>
-      </p:sp>
-      <p:sp>
-        <p:nvSpPr>
-          <p:cNvPr id="4" name="Slide Number Placeholder 3"/>
-          <p:cNvSpPr>
-            <a:spLocks noGrp="1"/>
-          </p:cNvSpPr>
-          <p:nvPr>
-            <p:ph type="sldNum" idx="5" sz="quarter"/>
-          </p:nvPr>
-        </p:nvSpPr>
-        <p:spPr/>
-      </p:sp>
-    </p:spTree>
-  </p:cSld>
-  <p:clrMapOvr>
-    <a:masterClrMapping/>
-  </p:clrMapOvr>
-</p:notes>
-</file>
-
-<file path=ppt/notesSlides/notesSlide14.xml><?xml version="1.0" encoding="utf-8"?>
-<p:notes xmlns:a="http://schemas.openxmlformats.org/drawingml/2006/main" xmlns:p="http://schemas.openxmlformats.org/presentationml/2006/main" xmlns:r="http://schemas.openxmlformats.org/officeDocument/2006/relationships">
-  <p:cSld>
-    <p:spTree>
-      <p:nvGrpSpPr>
-        <p:cNvPr id="1" name=""/>
-        <p:cNvGrpSpPr/>
-        <p:nvPr/>
-      </p:nvGrpSpPr>
-      <p:grpSpPr>
-        <a:xfrm>
-          <a:off x="0" y="0"/>
-          <a:ext cx="0" cy="0"/>
-          <a:chOff x="0" y="0"/>
-          <a:chExt cx="0" cy="0"/>
-        </a:xfrm>
-      </p:grpSpPr>
-      <p:sp>
-        <p:nvSpPr>
-          <p:cNvPr id="2" name="Slide Image Placeholder 1"/>
-          <p:cNvSpPr>
-            <a:spLocks noGrp="1"/>
-          </p:cNvSpPr>
-          <p:nvPr>
-            <p:ph type="sldImg" idx="2"/>
-          </p:nvPr>
-        </p:nvSpPr>
-        <p:spPr/>
-      </p:sp>
-      <p:sp>
-        <p:nvSpPr>
-          <p:cNvPr id="3" name="Notes Placeholder 2"/>
-          <p:cNvSpPr>
-            <a:spLocks noGrp="1"/>
-          </p:cNvSpPr>
-          <p:nvPr>
-            <p:ph type="body" idx="3" sz="quarter"/>
-          </p:nvPr>
-        </p:nvSpPr>
-        <p:spPr/>
-        <p:txBody>
-          <a:bodyPr/>
-          <a:lstStyle/>
-          <a:p>
-            <a:r>
-              <a:t>This is the hands-on exercise. Students run chat_script.py and experiment with all 3 providers.</a:t>
-            </a:r>
-          </a:p>
-        </p:txBody>
-      </p:sp>
-      <p:sp>
-        <p:nvSpPr>
-          <p:cNvPr id="4" name="Slide Number Placeholder 3"/>
-          <p:cNvSpPr>
-            <a:spLocks noGrp="1"/>
-          </p:cNvSpPr>
-          <p:nvPr>
-            <p:ph type="sldNum" idx="5" sz="quarter"/>
-          </p:nvPr>
-        </p:nvSpPr>
-        <p:spPr/>
-      </p:sp>
-    </p:spTree>
-  </p:cSld>
-  <p:clrMapOvr>
-    <a:masterClrMapping/>
-  </p:clrMapOvr>
-</p:notes>
-</file>
-
-<file path=ppt/notesSlides/notesSlide15.xml><?xml version="1.0" encoding="utf-8"?>
-<p:notes xmlns:a="http://schemas.openxmlformats.org/drawingml/2006/main" xmlns:p="http://schemas.openxmlformats.org/presentationml/2006/main" xmlns:r="http://schemas.openxmlformats.org/officeDocument/2006/relationships">
-  <p:cSld>
-    <p:spTree>
-      <p:nvGrpSpPr>
-        <p:cNvPr id="1" name=""/>
-        <p:cNvGrpSpPr/>
-        <p:nvPr/>
-      </p:nvGrpSpPr>
-      <p:grpSpPr>
-        <a:xfrm>
-          <a:off x="0" y="0"/>
-          <a:ext cx="0" cy="0"/>
-          <a:chOff x="0" y="0"/>
-          <a:chExt cx="0" cy="0"/>
-        </a:xfrm>
-      </p:grpSpPr>
-      <p:sp>
-        <p:nvSpPr>
-          <p:cNvPr id="2" name="Slide Image Placeholder 1"/>
-          <p:cNvSpPr>
-            <a:spLocks noGrp="1"/>
-          </p:cNvSpPr>
-          <p:nvPr>
-            <p:ph type="sldImg" idx="2"/>
-          </p:nvPr>
-        </p:nvSpPr>
-        <p:spPr/>
-      </p:sp>
-      <p:sp>
-        <p:nvSpPr>
-          <p:cNvPr id="3" name="Notes Placeholder 2"/>
-          <p:cNvSpPr>
-            <a:spLocks noGrp="1"/>
-          </p:cNvSpPr>
-          <p:nvPr>
-            <p:ph type="body" idx="3" sz="quarter"/>
-          </p:nvPr>
-        </p:nvSpPr>
-        <p:spPr/>
-        <p:txBody>
-          <a:bodyPr/>
-          <a:lstStyle/>
-          <a:p>
-            <a:r>
-              <a:t>Recap the session. Preview Session 2.</a:t>
+              <a:t>Walk through building this step by step. ~20 min exercise.</a:t>
             </a:r>
           </a:p>
         </p:txBody>
@@ -1006,7 +796,7 @@
           <a:lstStyle/>
           <a:p>
             <a:r>
-              <a:t>Overview of the current AI provider landscape. Emphasize that the API patterns are nearly identical across providers.</a:t>
+              <a:t>Walk through each provider. Emphasize: choice is a feature.</a:t>
             </a:r>
           </a:p>
         </p:txBody>
@@ -1076,7 +866,7 @@
           <a:lstStyle/>
           <a:p>
             <a:r>
-              <a:t>Walk through pricing. DeepSeek V4 is absurdly cheap. Llama 4 is free to self-host but you pay for compute.</a:t>
+              <a:t>Reasoning = chain-of-thought built in. Costs more tokens.</a:t>
             </a:r>
           </a:p>
         </p:txBody>
@@ -1146,7 +936,7 @@
           <a:lstStyle/>
           <a:p>
             <a:r>
-              <a:t>Key distinction students need to understand. Reasoning models 'think' internally. Non-reasoning models are faster and cheaper for most tasks.</a:t>
+              <a:t>Prices approximate. Point: 100x cost difference between cheapest and most expensive.</a:t>
             </a:r>
           </a:p>
         </p:txBody>
@@ -1216,7 +1006,7 @@
           <a:lstStyle/>
           <a:p>
             <a:r>
-              <a:t>Open source is viable for many use cases. Ollama makes local dev easy. vLLM for production serving.</a:t>
+              <a:t>Demo Ollama if time. Show how easy it is to run locally.</a:t>
             </a:r>
           </a:p>
         </p:txBody>
@@ -1286,7 +1076,7 @@
           <a:lstStyle/>
           <a:p>
             <a:r>
-              <a:t>Critical distinction. OAuth = easy, uses existing sub. API key = for developers building custom apps. OpenClaw accepts BOTH — you choose during 'openclaw setup'.</a:t>
+              <a:t>This is the #1 confusion point. OAuth = subscription. API key = pay-as-you-go. Separate billing.</a:t>
             </a:r>
           </a:p>
         </p:txBody>
@@ -1356,7 +1146,7 @@
           <a:lstStyle/>
           <a:p>
             <a:r>
-              <a:t>Live demo: create keys on each platform. Show the billing/credits page. Emphasize .env files and .gitignore.</a:t>
+              <a:t>Draw the line clearly: building your own app = API key always.</a:t>
             </a:r>
           </a:p>
         </p:txBody>
@@ -1426,7 +1216,7 @@
           <a:lstStyle/>
           <a:p>
             <a:r>
-              <a:t>Show the SDK install command. Explain the universal message format that all providers use.</a:t>
+              <a:t>Live demo: create keys, set env vars, make first call.</a:t>
             </a:r>
           </a:p>
         </p:txBody>
@@ -1496,7 +1286,7 @@
           <a:lstStyle/>
           <a:p>
             <a:r>
-              <a:t>Simplest possible OpenAI call. Point out: client auto-reads env var, messages array, model name, temperature.</a:t>
+              <a:t>Live code this. Show model param options. Explain messages array.</a:t>
             </a:r>
           </a:p>
         </p:txBody>
@@ -4518,8 +4308,8 @@
         </p:nvSpPr>
         <p:spPr>
           <a:xfrm>
-            <a:off x="914400" y="1828800"/>
-            <a:ext cx="10362895" cy="1371600"/>
+            <a:off x="731520" y="1828800"/>
+            <a:ext cx="10698480" cy="1828800"/>
           </a:xfrm>
           <a:prstGeom prst="rect">
             <a:avLst/>
@@ -4540,7 +4330,7 @@
               </a:defRPr>
             </a:pPr>
             <a:r>
-              <a:t>The AI Landscape &amp; APIs</a:t>
+              <a:t>Session 1: The AI Landscape &amp; APIs</a:t>
             </a:r>
           </a:p>
         </p:txBody>
@@ -4553,8 +4343,8 @@
         </p:nvSpPr>
         <p:spPr>
           <a:xfrm>
-            <a:off x="914400" y="3291840"/>
-            <a:ext cx="10362895" cy="914400"/>
+            <a:off x="731520" y="3840480"/>
+            <a:ext cx="10698480" cy="914400"/>
           </a:xfrm>
           <a:prstGeom prst="rect">
             <a:avLst/>
@@ -4568,81 +4358,28 @@
           <a:lstStyle/>
           <a:p>
             <a:pPr algn="l">
-              <a:defRPr sz="2200">
+              <a:defRPr sz="2400">
                 <a:solidFill>
                   <a:srgbClr val="0096D6"/>
                 </a:solidFill>
               </a:defRPr>
             </a:pPr>
             <a:r>
-              <a:t>Models, providers, and your first API call</a:t>
-            </a:r>
-          </a:p>
-        </p:txBody>
-      </p:sp>
-      <p:sp>
-        <p:nvSpPr>
-          <p:cNvPr id="4" name="TextBox 3"/>
-          <p:cNvSpPr txBox="1"/>
+              <a:t>Cut the Crap — AI Engineer Edition</a:t>
+            </a:r>
+          </a:p>
+        </p:txBody>
+      </p:sp>
+      <p:sp>
+        <p:nvSpPr>
+          <p:cNvPr id="4" name="Rectangle 3"/>
+          <p:cNvSpPr/>
           <p:nvPr/>
         </p:nvSpPr>
         <p:spPr>
           <a:xfrm>
-            <a:off x="914400" y="4572000"/>
-            <a:ext cx="10362895" cy="548640"/>
-          </a:xfrm>
-          <a:prstGeom prst="rect">
-            <a:avLst/>
-          </a:prstGeom>
-          <a:noFill/>
-        </p:spPr>
-        <p:txBody>
-          <a:bodyPr wrap="none">
-            <a:spAutoFit/>
-          </a:bodyPr>
-          <a:lstStyle/>
-          <a:p>
-            <a:pPr algn="l">
-              <a:defRPr sz="1400">
-                <a:solidFill>
-                  <a:srgbClr val="8899BB"/>
-                </a:solidFill>
-              </a:defRPr>
-            </a:pPr>
-            <a:r>
-              <a:t>Session 1 of 8  •  Cut the Crap — AI Engineer Edition  •  February 2026</a:t>
-            </a:r>
-          </a:p>
-        </p:txBody>
-      </p:sp>
-    </p:spTree>
-  </p:cSld>
-  <p:clrMapOvr>
-    <a:masterClrMapping/>
-  </p:clrMapOvr>
-</p:sld>
-</file>
-
-<file path=ppt/slides/slide10.xml><?xml version="1.0" encoding="utf-8"?>
-<p:sld xmlns:a="http://schemas.openxmlformats.org/drawingml/2006/main" xmlns:p="http://schemas.openxmlformats.org/presentationml/2006/main" xmlns:r="http://schemas.openxmlformats.org/officeDocument/2006/relationships">
-  <p:cSld>
-    <p:spTree>
-      <p:nvGrpSpPr>
-        <p:cNvPr id="1" name=""/>
-        <p:cNvGrpSpPr/>
-        <p:nvPr/>
-      </p:nvGrpSpPr>
-      <p:grpSpPr/>
-      <p:sp>
-        <p:nvSpPr>
-          <p:cNvPr id="2" name="Rectangle 1"/>
-          <p:cNvSpPr/>
-          <p:nvPr/>
-        </p:nvSpPr>
-        <p:spPr>
-          <a:xfrm>
-            <a:off x="0" y="0"/>
-            <a:ext cx="12191695" cy="73152"/>
+            <a:off x="731520" y="3657600"/>
+            <a:ext cx="2743200" cy="50800"/>
           </a:xfrm>
           <a:prstGeom prst="rect">
             <a:avLst/>
@@ -4676,62 +4413,43 @@
           </a:p>
         </p:txBody>
       </p:sp>
-      <p:sp>
-        <p:nvSpPr>
-          <p:cNvPr id="3" name="TextBox 2"/>
-          <p:cNvSpPr txBox="1"/>
+    </p:spTree>
+  </p:cSld>
+  <p:clrMapOvr>
+    <a:masterClrMapping/>
+  </p:clrMapOvr>
+</p:sld>
+</file>
+
+<file path=ppt/slides/slide10.xml><?xml version="1.0" encoding="utf-8"?>
+<p:sld xmlns:a="http://schemas.openxmlformats.org/drawingml/2006/main" xmlns:p="http://schemas.openxmlformats.org/presentationml/2006/main" xmlns:r="http://schemas.openxmlformats.org/officeDocument/2006/relationships">
+  <p:cSld>
+    <p:spTree>
+      <p:nvGrpSpPr>
+        <p:cNvPr id="1" name=""/>
+        <p:cNvGrpSpPr/>
+        <p:nvPr/>
+      </p:nvGrpSpPr>
+      <p:grpSpPr/>
+      <p:sp>
+        <p:nvSpPr>
+          <p:cNvPr id="2" name="Rectangle 1"/>
+          <p:cNvSpPr/>
           <p:nvPr/>
         </p:nvSpPr>
         <p:spPr>
           <a:xfrm>
-            <a:off x="731520" y="274320"/>
-            <a:ext cx="10728655" cy="731520"/>
+            <a:off x="0" y="0"/>
+            <a:ext cx="12191695" cy="1005840"/>
           </a:xfrm>
           <a:prstGeom prst="rect">
             <a:avLst/>
           </a:prstGeom>
-          <a:noFill/>
-        </p:spPr>
-        <p:txBody>
-          <a:bodyPr wrap="none">
-            <a:spAutoFit/>
-          </a:bodyPr>
-          <a:lstStyle/>
-          <a:p>
-            <a:pPr>
-              <a:defRPr sz="2800" b="1">
-                <a:solidFill>
-                  <a:srgbClr val="1B2A4A"/>
-                </a:solidFill>
-              </a:defRPr>
-            </a:pPr>
-            <a:r>
-              <a:t>Anthropic — Same Pattern, Different SDK</a:t>
-            </a:r>
-          </a:p>
-        </p:txBody>
-      </p:sp>
-      <p:sp>
-        <p:nvSpPr>
-          <p:cNvPr id="4" name="Rounded Rectangle 3"/>
-          <p:cNvSpPr/>
-          <p:nvPr/>
-        </p:nvSpPr>
-        <p:spPr>
-          <a:xfrm>
-            <a:off x="731520" y="1188720"/>
-            <a:ext cx="10728655" cy="5212080"/>
-          </a:xfrm>
-          <a:prstGeom prst="roundRect">
-            <a:avLst/>
-          </a:prstGeom>
           <a:solidFill>
-            <a:srgbClr val="F0F0F0"/>
+            <a:srgbClr val="1B2A4A"/>
           </a:solidFill>
-          <a:ln w="12700">
-            <a:solidFill>
-              <a:srgbClr val="DDDDDD"/>
-            </a:solidFill>
+          <a:ln>
+            <a:noFill/>
           </a:ln>
         </p:spPr>
         <p:style>
@@ -4758,14 +4476,14 @@
       </p:sp>
       <p:sp>
         <p:nvSpPr>
-          <p:cNvPr id="5" name="TextBox 4"/>
+          <p:cNvPr id="3" name="TextBox 2"/>
           <p:cNvSpPr txBox="1"/>
           <p:nvPr/>
         </p:nvSpPr>
         <p:spPr>
           <a:xfrm>
-            <a:off x="822960" y="1234440"/>
-            <a:ext cx="1828800" cy="320040"/>
+            <a:off x="731520" y="137160"/>
+            <a:ext cx="10698480" cy="731520"/>
           </a:xfrm>
           <a:prstGeom prst="rect">
             <a:avLst/>
@@ -4773,34 +4491,34 @@
           <a:noFill/>
         </p:spPr>
         <p:txBody>
-          <a:bodyPr wrap="none">
+          <a:bodyPr wrap="square">
             <a:spAutoFit/>
           </a:bodyPr>
           <a:lstStyle/>
           <a:p>
             <a:pPr>
-              <a:defRPr sz="1100" b="1">
-                <a:solidFill>
-                  <a:srgbClr val="666666"/>
+              <a:defRPr sz="2800" b="1">
+                <a:solidFill>
+                  <a:srgbClr val="FFFFFF"/>
                 </a:solidFill>
               </a:defRPr>
             </a:pPr>
             <a:r>
-              <a:t>python</a:t>
-            </a:r>
-          </a:p>
-        </p:txBody>
-      </p:sp>
-      <p:sp>
-        <p:nvSpPr>
-          <p:cNvPr id="6" name="TextBox 5"/>
+              <a:t>Setting Up API Keys (Live)</a:t>
+            </a:r>
+          </a:p>
+        </p:txBody>
+      </p:sp>
+      <p:sp>
+        <p:nvSpPr>
+          <p:cNvPr id="4" name="TextBox 3"/>
           <p:cNvSpPr txBox="1"/>
           <p:nvPr/>
         </p:nvSpPr>
         <p:spPr>
           <a:xfrm>
-            <a:off x="914400" y="1554480"/>
-            <a:ext cx="10362895" cy="4754880"/>
+            <a:off x="731520" y="1280160"/>
+            <a:ext cx="10698480" cy="5029200"/>
           </a:xfrm>
           <a:prstGeom prst="rect">
             <a:avLst/>
@@ -4813,57 +4531,93 @@
           </a:bodyPr>
           <a:lstStyle/>
           <a:p>
-            <a:pPr algn="l">
-              <a:defRPr sz="1300">
-                <a:solidFill>
-                  <a:srgbClr val="333333"/>
-                </a:solidFill>
-                <a:latin typeface="Consolas"/>
+            <a:pPr>
+              <a:spcAft>
+                <a:spcPts val="1000"/>
+              </a:spcAft>
+              <a:defRPr sz="2200">
+                <a:solidFill>
+                  <a:srgbClr val="222222"/>
+                </a:solidFill>
               </a:defRPr>
             </a:pPr>
             <a:r>
-              <a:t>import anthropic</a:t>
-            </a:r>
-            <a:br/>
-            <a:r>
-              <a:t>client = anthropic.Anthropic()  # reads ANTHROPIC_API_KEY</a:t>
-            </a:r>
-            <a:br/>
-            <a:br/>
-            <a:r>
-              <a:t>response = client.messages.create(</a:t>
-            </a:r>
-            <a:br/>
-            <a:r>
-              <a:t>    model="claude-sonnet-4-6-20250217",</a:t>
-            </a:r>
-            <a:br/>
-            <a:r>
-              <a:t>    max_tokens=8192,          # Required for Anthropic</a:t>
-            </a:r>
-            <a:br/>
-            <a:r>
-              <a:t>    system="You are a helpful assistant.",  # System is separate</a:t>
-            </a:r>
-            <a:br/>
-            <a:r>
-              <a:t>    messages=[</a:t>
-            </a:r>
-            <a:br/>
-            <a:r>
-              <a:t>        {"role": "user", "content": "What is AI?"}</a:t>
-            </a:r>
-            <a:br/>
-            <a:r>
-              <a:t>    ],</a:t>
-            </a:r>
-            <a:br/>
-            <a:r>
-              <a:t>)</a:t>
-            </a:r>
-            <a:br/>
-            <a:r>
-              <a:t>print(response.content[0].text)</a:t>
+              <a:t>OpenAI: platform.openai.com → API keys → Create → Add credits</a:t>
+            </a:r>
+          </a:p>
+          <a:p>
+            <a:pPr>
+              <a:spcAft>
+                <a:spcPts val="1000"/>
+              </a:spcAft>
+              <a:defRPr sz="2200">
+                <a:solidFill>
+                  <a:srgbClr val="222222"/>
+                </a:solidFill>
+              </a:defRPr>
+            </a:pPr>
+            <a:r>
+              <a:t>Anthropic: console.anthropic.com → API keys → Create → Add credits</a:t>
+            </a:r>
+          </a:p>
+          <a:p>
+            <a:pPr>
+              <a:spcAft>
+                <a:spcPts val="1000"/>
+              </a:spcAft>
+              <a:defRPr sz="2200">
+                <a:solidFill>
+                  <a:srgbClr val="222222"/>
+                </a:solidFill>
+              </a:defRPr>
+            </a:pPr>
+            <a:r>
+              <a:t>Google: aistudio.google.com → Get API key (free tier available)</a:t>
+            </a:r>
+          </a:p>
+          <a:p>
+            <a:pPr>
+              <a:spcAft>
+                <a:spcPts val="1000"/>
+              </a:spcAft>
+              <a:defRPr sz="2200">
+                <a:solidFill>
+                  <a:srgbClr val="222222"/>
+                </a:solidFill>
+              </a:defRPr>
+            </a:pPr>
+            <a:r>
+              <a:t>Store in .env file — NEVER commit to git</a:t>
+            </a:r>
+          </a:p>
+          <a:p>
+            <a:pPr>
+              <a:spcAft>
+                <a:spcPts val="1000"/>
+              </a:spcAft>
+              <a:defRPr sz="2200">
+                <a:solidFill>
+                  <a:srgbClr val="222222"/>
+                </a:solidFill>
+              </a:defRPr>
+            </a:pPr>
+            <a:r>
+              <a:t>export OPENAI_API_KEY='sk-...'</a:t>
+            </a:r>
+          </a:p>
+          <a:p>
+            <a:pPr>
+              <a:spcAft>
+                <a:spcPts val="1000"/>
+              </a:spcAft>
+              <a:defRPr sz="2200">
+                <a:solidFill>
+                  <a:srgbClr val="222222"/>
+                </a:solidFill>
+              </a:defRPr>
+            </a:pPr>
+            <a:r>
+              <a:t>Test: curl or simple Python script</a:t>
             </a:r>
           </a:p>
         </p:txBody>
@@ -4895,7 +4649,1093 @@
         <p:spPr>
           <a:xfrm>
             <a:off x="0" y="0"/>
-            <a:ext cx="12191695" cy="73152"/>
+            <a:ext cx="12191695" cy="1005840"/>
+          </a:xfrm>
+          <a:prstGeom prst="rect">
+            <a:avLst/>
+          </a:prstGeom>
+          <a:solidFill>
+            <a:srgbClr val="1B2A4A"/>
+          </a:solidFill>
+          <a:ln>
+            <a:noFill/>
+          </a:ln>
+        </p:spPr>
+        <p:style>
+          <a:lnRef idx="1">
+            <a:schemeClr val="accent1"/>
+          </a:lnRef>
+          <a:fillRef idx="3">
+            <a:schemeClr val="accent1"/>
+          </a:fillRef>
+          <a:effectRef idx="2">
+            <a:schemeClr val="accent1"/>
+          </a:effectRef>
+          <a:fontRef idx="minor">
+            <a:schemeClr val="lt1"/>
+          </a:fontRef>
+        </p:style>
+        <p:txBody>
+          <a:bodyPr rtlCol="0" anchor="ctr"/>
+          <a:lstStyle/>
+          <a:p>
+            <a:pPr algn="ctr"/>
+          </a:p>
+        </p:txBody>
+      </p:sp>
+      <p:sp>
+        <p:nvSpPr>
+          <p:cNvPr id="3" name="TextBox 2"/>
+          <p:cNvSpPr txBox="1"/>
+          <p:nvPr/>
+        </p:nvSpPr>
+        <p:spPr>
+          <a:xfrm>
+            <a:off x="731520" y="137160"/>
+            <a:ext cx="10698480" cy="731520"/>
+          </a:xfrm>
+          <a:prstGeom prst="rect">
+            <a:avLst/>
+          </a:prstGeom>
+          <a:noFill/>
+        </p:spPr>
+        <p:txBody>
+          <a:bodyPr wrap="square">
+            <a:spAutoFit/>
+          </a:bodyPr>
+          <a:lstStyle/>
+          <a:p>
+            <a:pPr>
+              <a:defRPr sz="2800" b="1">
+                <a:solidFill>
+                  <a:srgbClr val="FFFFFF"/>
+                </a:solidFill>
+              </a:defRPr>
+            </a:pPr>
+            <a:r>
+              <a:t>First API Call — OpenAI</a:t>
+            </a:r>
+          </a:p>
+        </p:txBody>
+      </p:sp>
+      <p:sp>
+        <p:nvSpPr>
+          <p:cNvPr id="4" name="Rectangle 3"/>
+          <p:cNvSpPr/>
+          <p:nvPr/>
+        </p:nvSpPr>
+        <p:spPr>
+          <a:xfrm>
+            <a:off x="731520" y="1280160"/>
+            <a:ext cx="10698480" cy="5029200"/>
+          </a:xfrm>
+          <a:prstGeom prst="rect">
+            <a:avLst/>
+          </a:prstGeom>
+          <a:solidFill>
+            <a:srgbClr val="1E1E2E"/>
+          </a:solidFill>
+          <a:ln>
+            <a:noFill/>
+          </a:ln>
+        </p:spPr>
+        <p:style>
+          <a:lnRef idx="1">
+            <a:schemeClr val="accent1"/>
+          </a:lnRef>
+          <a:fillRef idx="3">
+            <a:schemeClr val="accent1"/>
+          </a:fillRef>
+          <a:effectRef idx="2">
+            <a:schemeClr val="accent1"/>
+          </a:effectRef>
+          <a:fontRef idx="minor">
+            <a:schemeClr val="lt1"/>
+          </a:fontRef>
+        </p:style>
+        <p:txBody>
+          <a:bodyPr rtlCol="0" anchor="ctr" wrap="square" lIns="274320" tIns="182880"/>
+          <a:lstStyle/>
+          <a:p>
+            <a:pPr algn="ctr">
+              <a:defRPr sz="1600">
+                <a:solidFill>
+                  <a:srgbClr val="A6E22E"/>
+                </a:solidFill>
+                <a:latin typeface="Consolas"/>
+              </a:defRPr>
+            </a:pPr>
+            <a:r>
+              <a:t>from openai import OpenAI</a:t>
+            </a:r>
+          </a:p>
+          <a:p>
+            <a:pPr>
+              <a:defRPr sz="1600">
+                <a:solidFill>
+                  <a:srgbClr val="A6E22E"/>
+                </a:solidFill>
+                <a:latin typeface="Consolas"/>
+              </a:defRPr>
+            </a:pPr>
+            <a:r>
+              <a:t>client = OpenAI()  # reads OPENAI_API_KEY</a:t>
+            </a:r>
+          </a:p>
+          <a:p>
+            <a:pPr>
+              <a:defRPr sz="1600">
+                <a:solidFill>
+                  <a:srgbClr val="A6E22E"/>
+                </a:solidFill>
+                <a:latin typeface="Consolas"/>
+              </a:defRPr>
+            </a:pPr>
+          </a:p>
+          <a:p>
+            <a:pPr>
+              <a:defRPr sz="1600">
+                <a:solidFill>
+                  <a:srgbClr val="A6E22E"/>
+                </a:solidFill>
+                <a:latin typeface="Consolas"/>
+              </a:defRPr>
+            </a:pPr>
+            <a:r>
+              <a:t>response = client.chat.completions.create(</a:t>
+            </a:r>
+          </a:p>
+          <a:p>
+            <a:pPr>
+              <a:defRPr sz="1600">
+                <a:solidFill>
+                  <a:srgbClr val="A6E22E"/>
+                </a:solidFill>
+                <a:latin typeface="Consolas"/>
+              </a:defRPr>
+            </a:pPr>
+            <a:r>
+              <a:t>    model="gpt-4.1",</a:t>
+            </a:r>
+          </a:p>
+          <a:p>
+            <a:pPr>
+              <a:defRPr sz="1600">
+                <a:solidFill>
+                  <a:srgbClr val="A6E22E"/>
+                </a:solidFill>
+                <a:latin typeface="Consolas"/>
+              </a:defRPr>
+            </a:pPr>
+            <a:r>
+              <a:t>    messages=[</a:t>
+            </a:r>
+          </a:p>
+          <a:p>
+            <a:pPr>
+              <a:defRPr sz="1600">
+                <a:solidFill>
+                  <a:srgbClr val="A6E22E"/>
+                </a:solidFill>
+                <a:latin typeface="Consolas"/>
+              </a:defRPr>
+            </a:pPr>
+            <a:r>
+              <a:t>        {"role": "system", "content": "You are a helpful assistant."},</a:t>
+            </a:r>
+          </a:p>
+          <a:p>
+            <a:pPr>
+              <a:defRPr sz="1600">
+                <a:solidFill>
+                  <a:srgbClr val="A6E22E"/>
+                </a:solidFill>
+                <a:latin typeface="Consolas"/>
+              </a:defRPr>
+            </a:pPr>
+            <a:r>
+              <a:t>        {"role": "user", "content": "Explain APIs in one sentence."}</a:t>
+            </a:r>
+          </a:p>
+          <a:p>
+            <a:pPr>
+              <a:defRPr sz="1600">
+                <a:solidFill>
+                  <a:srgbClr val="A6E22E"/>
+                </a:solidFill>
+                <a:latin typeface="Consolas"/>
+              </a:defRPr>
+            </a:pPr>
+            <a:r>
+              <a:t>    ]</a:t>
+            </a:r>
+          </a:p>
+          <a:p>
+            <a:pPr>
+              <a:defRPr sz="1600">
+                <a:solidFill>
+                  <a:srgbClr val="A6E22E"/>
+                </a:solidFill>
+                <a:latin typeface="Consolas"/>
+              </a:defRPr>
+            </a:pPr>
+            <a:r>
+              <a:t>)</a:t>
+            </a:r>
+          </a:p>
+          <a:p>
+            <a:pPr>
+              <a:defRPr sz="1600">
+                <a:solidFill>
+                  <a:srgbClr val="A6E22E"/>
+                </a:solidFill>
+                <a:latin typeface="Consolas"/>
+              </a:defRPr>
+            </a:pPr>
+            <a:r>
+              <a:t>print(response.choices[0].message.content)</a:t>
+            </a:r>
+          </a:p>
+        </p:txBody>
+      </p:sp>
+    </p:spTree>
+  </p:cSld>
+  <p:clrMapOvr>
+    <a:masterClrMapping/>
+  </p:clrMapOvr>
+</p:sld>
+</file>
+
+<file path=ppt/slides/slide12.xml><?xml version="1.0" encoding="utf-8"?>
+<p:sld xmlns:a="http://schemas.openxmlformats.org/drawingml/2006/main" xmlns:p="http://schemas.openxmlformats.org/presentationml/2006/main" xmlns:r="http://schemas.openxmlformats.org/officeDocument/2006/relationships">
+  <p:cSld>
+    <p:spTree>
+      <p:nvGrpSpPr>
+        <p:cNvPr id="1" name=""/>
+        <p:cNvGrpSpPr/>
+        <p:nvPr/>
+      </p:nvGrpSpPr>
+      <p:grpSpPr/>
+      <p:sp>
+        <p:nvSpPr>
+          <p:cNvPr id="2" name="Rectangle 1"/>
+          <p:cNvSpPr/>
+          <p:nvPr/>
+        </p:nvSpPr>
+        <p:spPr>
+          <a:xfrm>
+            <a:off x="0" y="0"/>
+            <a:ext cx="12191695" cy="1005840"/>
+          </a:xfrm>
+          <a:prstGeom prst="rect">
+            <a:avLst/>
+          </a:prstGeom>
+          <a:solidFill>
+            <a:srgbClr val="1B2A4A"/>
+          </a:solidFill>
+          <a:ln>
+            <a:noFill/>
+          </a:ln>
+        </p:spPr>
+        <p:style>
+          <a:lnRef idx="1">
+            <a:schemeClr val="accent1"/>
+          </a:lnRef>
+          <a:fillRef idx="3">
+            <a:schemeClr val="accent1"/>
+          </a:fillRef>
+          <a:effectRef idx="2">
+            <a:schemeClr val="accent1"/>
+          </a:effectRef>
+          <a:fontRef idx="minor">
+            <a:schemeClr val="lt1"/>
+          </a:fontRef>
+        </p:style>
+        <p:txBody>
+          <a:bodyPr rtlCol="0" anchor="ctr"/>
+          <a:lstStyle/>
+          <a:p>
+            <a:pPr algn="ctr"/>
+          </a:p>
+        </p:txBody>
+      </p:sp>
+      <p:sp>
+        <p:nvSpPr>
+          <p:cNvPr id="3" name="TextBox 2"/>
+          <p:cNvSpPr txBox="1"/>
+          <p:nvPr/>
+        </p:nvSpPr>
+        <p:spPr>
+          <a:xfrm>
+            <a:off x="731520" y="137160"/>
+            <a:ext cx="10698480" cy="731520"/>
+          </a:xfrm>
+          <a:prstGeom prst="rect">
+            <a:avLst/>
+          </a:prstGeom>
+          <a:noFill/>
+        </p:spPr>
+        <p:txBody>
+          <a:bodyPr wrap="square">
+            <a:spAutoFit/>
+          </a:bodyPr>
+          <a:lstStyle/>
+          <a:p>
+            <a:pPr>
+              <a:defRPr sz="2800" b="1">
+                <a:solidFill>
+                  <a:srgbClr val="FFFFFF"/>
+                </a:solidFill>
+              </a:defRPr>
+            </a:pPr>
+            <a:r>
+              <a:t>First API Call — Anthropic</a:t>
+            </a:r>
+          </a:p>
+        </p:txBody>
+      </p:sp>
+      <p:sp>
+        <p:nvSpPr>
+          <p:cNvPr id="4" name="Rectangle 3"/>
+          <p:cNvSpPr/>
+          <p:nvPr/>
+        </p:nvSpPr>
+        <p:spPr>
+          <a:xfrm>
+            <a:off x="731520" y="1280160"/>
+            <a:ext cx="10698480" cy="5029200"/>
+          </a:xfrm>
+          <a:prstGeom prst="rect">
+            <a:avLst/>
+          </a:prstGeom>
+          <a:solidFill>
+            <a:srgbClr val="1E1E2E"/>
+          </a:solidFill>
+          <a:ln>
+            <a:noFill/>
+          </a:ln>
+        </p:spPr>
+        <p:style>
+          <a:lnRef idx="1">
+            <a:schemeClr val="accent1"/>
+          </a:lnRef>
+          <a:fillRef idx="3">
+            <a:schemeClr val="accent1"/>
+          </a:fillRef>
+          <a:effectRef idx="2">
+            <a:schemeClr val="accent1"/>
+          </a:effectRef>
+          <a:fontRef idx="minor">
+            <a:schemeClr val="lt1"/>
+          </a:fontRef>
+        </p:style>
+        <p:txBody>
+          <a:bodyPr rtlCol="0" anchor="ctr" wrap="square" lIns="274320" tIns="182880"/>
+          <a:lstStyle/>
+          <a:p>
+            <a:pPr algn="ctr">
+              <a:defRPr sz="1600">
+                <a:solidFill>
+                  <a:srgbClr val="A6E22E"/>
+                </a:solidFill>
+                <a:latin typeface="Consolas"/>
+              </a:defRPr>
+            </a:pPr>
+            <a:r>
+              <a:t>import anthropic</a:t>
+            </a:r>
+          </a:p>
+          <a:p>
+            <a:pPr>
+              <a:defRPr sz="1600">
+                <a:solidFill>
+                  <a:srgbClr val="A6E22E"/>
+                </a:solidFill>
+                <a:latin typeface="Consolas"/>
+              </a:defRPr>
+            </a:pPr>
+            <a:r>
+              <a:t>client = anthropic.Anthropic()  # reads ANTHROPIC_API_KEY</a:t>
+            </a:r>
+          </a:p>
+          <a:p>
+            <a:pPr>
+              <a:defRPr sz="1600">
+                <a:solidFill>
+                  <a:srgbClr val="A6E22E"/>
+                </a:solidFill>
+                <a:latin typeface="Consolas"/>
+              </a:defRPr>
+            </a:pPr>
+          </a:p>
+          <a:p>
+            <a:pPr>
+              <a:defRPr sz="1600">
+                <a:solidFill>
+                  <a:srgbClr val="A6E22E"/>
+                </a:solidFill>
+                <a:latin typeface="Consolas"/>
+              </a:defRPr>
+            </a:pPr>
+            <a:r>
+              <a:t>message = client.messages.create(</a:t>
+            </a:r>
+          </a:p>
+          <a:p>
+            <a:pPr>
+              <a:defRPr sz="1600">
+                <a:solidFill>
+                  <a:srgbClr val="A6E22E"/>
+                </a:solidFill>
+                <a:latin typeface="Consolas"/>
+              </a:defRPr>
+            </a:pPr>
+            <a:r>
+              <a:t>    model="claude-sonnet-4-6-20260220",</a:t>
+            </a:r>
+          </a:p>
+          <a:p>
+            <a:pPr>
+              <a:defRPr sz="1600">
+                <a:solidFill>
+                  <a:srgbClr val="A6E22E"/>
+                </a:solidFill>
+                <a:latin typeface="Consolas"/>
+              </a:defRPr>
+            </a:pPr>
+            <a:r>
+              <a:t>    max_tokens=1024,</a:t>
+            </a:r>
+          </a:p>
+          <a:p>
+            <a:pPr>
+              <a:defRPr sz="1600">
+                <a:solidFill>
+                  <a:srgbClr val="A6E22E"/>
+                </a:solidFill>
+                <a:latin typeface="Consolas"/>
+              </a:defRPr>
+            </a:pPr>
+            <a:r>
+              <a:t>    messages=[</a:t>
+            </a:r>
+          </a:p>
+          <a:p>
+            <a:pPr>
+              <a:defRPr sz="1600">
+                <a:solidFill>
+                  <a:srgbClr val="A6E22E"/>
+                </a:solidFill>
+                <a:latin typeface="Consolas"/>
+              </a:defRPr>
+            </a:pPr>
+            <a:r>
+              <a:t>        {"role": "user", "content": "Explain APIs in one sentence."}</a:t>
+            </a:r>
+          </a:p>
+          <a:p>
+            <a:pPr>
+              <a:defRPr sz="1600">
+                <a:solidFill>
+                  <a:srgbClr val="A6E22E"/>
+                </a:solidFill>
+                <a:latin typeface="Consolas"/>
+              </a:defRPr>
+            </a:pPr>
+            <a:r>
+              <a:t>    ]</a:t>
+            </a:r>
+          </a:p>
+          <a:p>
+            <a:pPr>
+              <a:defRPr sz="1600">
+                <a:solidFill>
+                  <a:srgbClr val="A6E22E"/>
+                </a:solidFill>
+                <a:latin typeface="Consolas"/>
+              </a:defRPr>
+            </a:pPr>
+            <a:r>
+              <a:t>)</a:t>
+            </a:r>
+          </a:p>
+          <a:p>
+            <a:pPr>
+              <a:defRPr sz="1600">
+                <a:solidFill>
+                  <a:srgbClr val="A6E22E"/>
+                </a:solidFill>
+                <a:latin typeface="Consolas"/>
+              </a:defRPr>
+            </a:pPr>
+            <a:r>
+              <a:t>print(message.content[0].text)</a:t>
+            </a:r>
+          </a:p>
+        </p:txBody>
+      </p:sp>
+    </p:spTree>
+  </p:cSld>
+  <p:clrMapOvr>
+    <a:masterClrMapping/>
+  </p:clrMapOvr>
+</p:sld>
+</file>
+
+<file path=ppt/slides/slide13.xml><?xml version="1.0" encoding="utf-8"?>
+<p:sld xmlns:a="http://schemas.openxmlformats.org/drawingml/2006/main" xmlns:p="http://schemas.openxmlformats.org/presentationml/2006/main" xmlns:r="http://schemas.openxmlformats.org/officeDocument/2006/relationships">
+  <p:cSld>
+    <p:spTree>
+      <p:nvGrpSpPr>
+        <p:cNvPr id="1" name=""/>
+        <p:cNvGrpSpPr/>
+        <p:nvPr/>
+      </p:nvGrpSpPr>
+      <p:grpSpPr/>
+      <p:sp>
+        <p:nvSpPr>
+          <p:cNvPr id="2" name="Rectangle 1"/>
+          <p:cNvSpPr/>
+          <p:nvPr/>
+        </p:nvSpPr>
+        <p:spPr>
+          <a:xfrm>
+            <a:off x="0" y="0"/>
+            <a:ext cx="12191695" cy="1005840"/>
+          </a:xfrm>
+          <a:prstGeom prst="rect">
+            <a:avLst/>
+          </a:prstGeom>
+          <a:solidFill>
+            <a:srgbClr val="1B2A4A"/>
+          </a:solidFill>
+          <a:ln>
+            <a:noFill/>
+          </a:ln>
+        </p:spPr>
+        <p:style>
+          <a:lnRef idx="1">
+            <a:schemeClr val="accent1"/>
+          </a:lnRef>
+          <a:fillRef idx="3">
+            <a:schemeClr val="accent1"/>
+          </a:fillRef>
+          <a:effectRef idx="2">
+            <a:schemeClr val="accent1"/>
+          </a:effectRef>
+          <a:fontRef idx="minor">
+            <a:schemeClr val="lt1"/>
+          </a:fontRef>
+        </p:style>
+        <p:txBody>
+          <a:bodyPr rtlCol="0" anchor="ctr"/>
+          <a:lstStyle/>
+          <a:p>
+            <a:pPr algn="ctr"/>
+          </a:p>
+        </p:txBody>
+      </p:sp>
+      <p:sp>
+        <p:nvSpPr>
+          <p:cNvPr id="3" name="TextBox 2"/>
+          <p:cNvSpPr txBox="1"/>
+          <p:nvPr/>
+        </p:nvSpPr>
+        <p:spPr>
+          <a:xfrm>
+            <a:off x="731520" y="137160"/>
+            <a:ext cx="10698480" cy="731520"/>
+          </a:xfrm>
+          <a:prstGeom prst="rect">
+            <a:avLst/>
+          </a:prstGeom>
+          <a:noFill/>
+        </p:spPr>
+        <p:txBody>
+          <a:bodyPr wrap="square">
+            <a:spAutoFit/>
+          </a:bodyPr>
+          <a:lstStyle/>
+          <a:p>
+            <a:pPr>
+              <a:defRPr sz="2800" b="1">
+                <a:solidFill>
+                  <a:srgbClr val="FFFFFF"/>
+                </a:solidFill>
+              </a:defRPr>
+            </a:pPr>
+            <a:r>
+              <a:t>Temperature &amp; Parameters</a:t>
+            </a:r>
+          </a:p>
+        </p:txBody>
+      </p:sp>
+      <p:sp>
+        <p:nvSpPr>
+          <p:cNvPr id="4" name="TextBox 3"/>
+          <p:cNvSpPr txBox="1"/>
+          <p:nvPr/>
+        </p:nvSpPr>
+        <p:spPr>
+          <a:xfrm>
+            <a:off x="731520" y="1280160"/>
+            <a:ext cx="10698480" cy="5029200"/>
+          </a:xfrm>
+          <a:prstGeom prst="rect">
+            <a:avLst/>
+          </a:prstGeom>
+          <a:noFill/>
+        </p:spPr>
+        <p:txBody>
+          <a:bodyPr wrap="square">
+            <a:spAutoFit/>
+          </a:bodyPr>
+          <a:lstStyle/>
+          <a:p>
+            <a:pPr>
+              <a:spcAft>
+                <a:spcPts val="1000"/>
+              </a:spcAft>
+              <a:defRPr sz="2200">
+                <a:solidFill>
+                  <a:srgbClr val="222222"/>
+                </a:solidFill>
+              </a:defRPr>
+            </a:pPr>
+            <a:r>
+              <a:t>temperature: 0 = deterministic, 1 = creative, 2 = wild</a:t>
+            </a:r>
+          </a:p>
+          <a:p>
+            <a:pPr>
+              <a:spcAft>
+                <a:spcPts val="1000"/>
+              </a:spcAft>
+              <a:defRPr sz="2200">
+                <a:solidFill>
+                  <a:srgbClr val="222222"/>
+                </a:solidFill>
+              </a:defRPr>
+            </a:pPr>
+            <a:r>
+              <a:t>max_tokens: cap on response length</a:t>
+            </a:r>
+          </a:p>
+          <a:p>
+            <a:pPr>
+              <a:spcAft>
+                <a:spcPts val="1000"/>
+              </a:spcAft>
+              <a:defRPr sz="2200">
+                <a:solidFill>
+                  <a:srgbClr val="222222"/>
+                </a:solidFill>
+              </a:defRPr>
+            </a:pPr>
+            <a:r>
+              <a:t>top_p: nucleus sampling (usually leave at 1)</a:t>
+            </a:r>
+          </a:p>
+          <a:p>
+            <a:pPr>
+              <a:spcAft>
+                <a:spcPts val="1000"/>
+              </a:spcAft>
+              <a:defRPr sz="2200">
+                <a:solidFill>
+                  <a:srgbClr val="222222"/>
+                </a:solidFill>
+              </a:defRPr>
+            </a:pPr>
+            <a:r>
+              <a:t>stop: custom stop sequences</a:t>
+            </a:r>
+          </a:p>
+          <a:p>
+            <a:pPr>
+              <a:spcAft>
+                <a:spcPts val="1000"/>
+              </a:spcAft>
+              <a:defRPr sz="2200">
+                <a:solidFill>
+                  <a:srgbClr val="222222"/>
+                </a:solidFill>
+              </a:defRPr>
+            </a:pPr>
+            <a:r>
+              <a:t>seed: reproducibility (OpenAI)</a:t>
+            </a:r>
+          </a:p>
+          <a:p>
+            <a:pPr>
+              <a:spcAft>
+                <a:spcPts val="1000"/>
+              </a:spcAft>
+              <a:defRPr sz="2200">
+                <a:solidFill>
+                  <a:srgbClr val="222222"/>
+                </a:solidFill>
+              </a:defRPr>
+            </a:pPr>
+            <a:r>
+              <a:t>Rule of thumb: coding=0, creative=0.7-1.0, general=0.3-0.5</a:t>
+            </a:r>
+          </a:p>
+        </p:txBody>
+      </p:sp>
+    </p:spTree>
+  </p:cSld>
+  <p:clrMapOvr>
+    <a:masterClrMapping/>
+  </p:clrMapOvr>
+</p:sld>
+</file>
+
+<file path=ppt/slides/slide14.xml><?xml version="1.0" encoding="utf-8"?>
+<p:sld xmlns:a="http://schemas.openxmlformats.org/drawingml/2006/main" xmlns:p="http://schemas.openxmlformats.org/presentationml/2006/main" xmlns:r="http://schemas.openxmlformats.org/officeDocument/2006/relationships">
+  <p:cSld>
+    <p:spTree>
+      <p:nvGrpSpPr>
+        <p:cNvPr id="1" name=""/>
+        <p:cNvGrpSpPr/>
+        <p:nvPr/>
+      </p:nvGrpSpPr>
+      <p:grpSpPr/>
+      <p:sp>
+        <p:nvSpPr>
+          <p:cNvPr id="2" name="Rectangle 1"/>
+          <p:cNvSpPr/>
+          <p:nvPr/>
+        </p:nvSpPr>
+        <p:spPr>
+          <a:xfrm>
+            <a:off x="0" y="0"/>
+            <a:ext cx="12191695" cy="1005840"/>
+          </a:xfrm>
+          <a:prstGeom prst="rect">
+            <a:avLst/>
+          </a:prstGeom>
+          <a:solidFill>
+            <a:srgbClr val="1B2A4A"/>
+          </a:solidFill>
+          <a:ln>
+            <a:noFill/>
+          </a:ln>
+        </p:spPr>
+        <p:style>
+          <a:lnRef idx="1">
+            <a:schemeClr val="accent1"/>
+          </a:lnRef>
+          <a:fillRef idx="3">
+            <a:schemeClr val="accent1"/>
+          </a:fillRef>
+          <a:effectRef idx="2">
+            <a:schemeClr val="accent1"/>
+          </a:effectRef>
+          <a:fontRef idx="minor">
+            <a:schemeClr val="lt1"/>
+          </a:fontRef>
+        </p:style>
+        <p:txBody>
+          <a:bodyPr rtlCol="0" anchor="ctr"/>
+          <a:lstStyle/>
+          <a:p>
+            <a:pPr algn="ctr"/>
+          </a:p>
+        </p:txBody>
+      </p:sp>
+      <p:sp>
+        <p:nvSpPr>
+          <p:cNvPr id="3" name="TextBox 2"/>
+          <p:cNvSpPr txBox="1"/>
+          <p:nvPr/>
+        </p:nvSpPr>
+        <p:spPr>
+          <a:xfrm>
+            <a:off x="731520" y="137160"/>
+            <a:ext cx="10698480" cy="731520"/>
+          </a:xfrm>
+          <a:prstGeom prst="rect">
+            <a:avLst/>
+          </a:prstGeom>
+          <a:noFill/>
+        </p:spPr>
+        <p:txBody>
+          <a:bodyPr wrap="square">
+            <a:spAutoFit/>
+          </a:bodyPr>
+          <a:lstStyle/>
+          <a:p>
+            <a:pPr>
+              <a:defRPr sz="2800" b="1">
+                <a:solidFill>
+                  <a:srgbClr val="FFFFFF"/>
+                </a:solidFill>
+              </a:defRPr>
+            </a:pPr>
+            <a:r>
+              <a:t>Hands-On: Build a Chat Script</a:t>
+            </a:r>
+          </a:p>
+        </p:txBody>
+      </p:sp>
+      <p:sp>
+        <p:nvSpPr>
+          <p:cNvPr id="4" name="TextBox 3"/>
+          <p:cNvSpPr txBox="1"/>
+          <p:nvPr/>
+        </p:nvSpPr>
+        <p:spPr>
+          <a:xfrm>
+            <a:off x="731520" y="1280160"/>
+            <a:ext cx="10698480" cy="5029200"/>
+          </a:xfrm>
+          <a:prstGeom prst="rect">
+            <a:avLst/>
+          </a:prstGeom>
+          <a:noFill/>
+        </p:spPr>
+        <p:txBody>
+          <a:bodyPr wrap="square">
+            <a:spAutoFit/>
+          </a:bodyPr>
+          <a:lstStyle/>
+          <a:p>
+            <a:pPr>
+              <a:spcAft>
+                <a:spcPts val="1000"/>
+              </a:spcAft>
+              <a:defRPr sz="2200">
+                <a:solidFill>
+                  <a:srgbClr val="222222"/>
+                </a:solidFill>
+              </a:defRPr>
+            </a:pPr>
+            <a:r>
+              <a:t>Goal: interactive chat loop with conversation history</a:t>
+            </a:r>
+          </a:p>
+          <a:p>
+            <a:pPr>
+              <a:spcAft>
+                <a:spcPts val="1000"/>
+              </a:spcAft>
+              <a:defRPr sz="2200">
+                <a:solidFill>
+                  <a:srgbClr val="222222"/>
+                </a:solidFill>
+              </a:defRPr>
+            </a:pPr>
+            <a:r>
+              <a:t>Use GPT-4.1-mini or Haiku 3.5 (cheap for practice)</a:t>
+            </a:r>
+          </a:p>
+          <a:p>
+            <a:pPr>
+              <a:spcAft>
+                <a:spcPts val="1000"/>
+              </a:spcAft>
+              <a:defRPr sz="2200">
+                <a:solidFill>
+                  <a:srgbClr val="222222"/>
+                </a:solidFill>
+              </a:defRPr>
+            </a:pPr>
+            <a:r>
+              <a:t>Maintain messages[] array across turns</a:t>
+            </a:r>
+          </a:p>
+          <a:p>
+            <a:pPr>
+              <a:spcAft>
+                <a:spcPts val="1000"/>
+              </a:spcAft>
+              <a:defRPr sz="2200">
+                <a:solidFill>
+                  <a:srgbClr val="222222"/>
+                </a:solidFill>
+              </a:defRPr>
+            </a:pPr>
+            <a:r>
+              <a:t>Add system prompt for personality</a:t>
+            </a:r>
+          </a:p>
+          <a:p>
+            <a:pPr>
+              <a:spcAft>
+                <a:spcPts val="1000"/>
+              </a:spcAft>
+              <a:defRPr sz="2200">
+                <a:solidFill>
+                  <a:srgbClr val="222222"/>
+                </a:solidFill>
+              </a:defRPr>
+            </a:pPr>
+            <a:r>
+              <a:t>Handle streaming for better UX</a:t>
+            </a:r>
+          </a:p>
+          <a:p>
+            <a:pPr>
+              <a:spcAft>
+                <a:spcPts val="1000"/>
+              </a:spcAft>
+              <a:defRPr sz="2200">
+                <a:solidFill>
+                  <a:srgbClr val="222222"/>
+                </a:solidFill>
+              </a:defRPr>
+            </a:pPr>
+            <a:r>
+              <a:t>File: chat_script.py</a:t>
+            </a:r>
+          </a:p>
+        </p:txBody>
+      </p:sp>
+    </p:spTree>
+  </p:cSld>
+  <p:clrMapOvr>
+    <a:masterClrMapping/>
+  </p:clrMapOvr>
+</p:sld>
+</file>
+
+<file path=ppt/slides/slide15.xml><?xml version="1.0" encoding="utf-8"?>
+<p:sld xmlns:a="http://schemas.openxmlformats.org/drawingml/2006/main" xmlns:p="http://schemas.openxmlformats.org/presentationml/2006/main" xmlns:r="http://schemas.openxmlformats.org/officeDocument/2006/relationships">
+  <p:cSld>
+    <p:bg>
+      <p:bgPr>
+        <a:solidFill>
+          <a:srgbClr val="1B2A4A"/>
+        </a:solidFill>
+        <a:effectLst/>
+      </p:bgPr>
+    </p:bg>
+    <p:spTree>
+      <p:nvGrpSpPr>
+        <p:cNvPr id="1" name=""/>
+        <p:cNvGrpSpPr/>
+        <p:nvPr/>
+      </p:nvGrpSpPr>
+      <p:grpSpPr/>
+      <p:sp>
+        <p:nvSpPr>
+          <p:cNvPr id="2" name="TextBox 1"/>
+          <p:cNvSpPr txBox="1"/>
+          <p:nvPr/>
+        </p:nvSpPr>
+        <p:spPr>
+          <a:xfrm>
+            <a:off x="731520" y="2286000"/>
+            <a:ext cx="10698480" cy="1828800"/>
+          </a:xfrm>
+          <a:prstGeom prst="rect">
+            <a:avLst/>
+          </a:prstGeom>
+          <a:noFill/>
+        </p:spPr>
+        <p:txBody>
+          <a:bodyPr wrap="square">
+            <a:spAutoFit/>
+          </a:bodyPr>
+          <a:lstStyle/>
+          <a:p>
+            <a:pPr algn="ctr">
+              <a:defRPr sz="4400" b="1">
+                <a:solidFill>
+                  <a:srgbClr val="FFFFFF"/>
+                </a:solidFill>
+              </a:defRPr>
+            </a:pPr>
+            <a:r>
+              <a:t>Session 1 Complete</a:t>
+            </a:r>
+          </a:p>
+          <a:p>
+            <a:pPr algn="ctr">
+              <a:defRPr sz="2200">
+                <a:solidFill>
+                  <a:srgbClr val="0096D6"/>
+                </a:solidFill>
+              </a:defRPr>
+            </a:pPr>
+            <a:r>
+              <a:t>Next: Prompting, Structured Output &amp; Multimodal</a:t>
+            </a:r>
+          </a:p>
+        </p:txBody>
+      </p:sp>
+    </p:spTree>
+  </p:cSld>
+  <p:clrMapOvr>
+    <a:masterClrMapping/>
+  </p:clrMapOvr>
+</p:sld>
+</file>
+
+<file path=ppt/slides/slide2.xml><?xml version="1.0" encoding="utf-8"?>
+<p:sld xmlns:a="http://schemas.openxmlformats.org/drawingml/2006/main" xmlns:p="http://schemas.openxmlformats.org/presentationml/2006/main" xmlns:r="http://schemas.openxmlformats.org/officeDocument/2006/relationships">
+  <p:cSld>
+    <p:bg>
+      <p:bgPr>
+        <a:solidFill>
+          <a:srgbClr val="1B2A4A"/>
+        </a:solidFill>
+        <a:effectLst/>
+      </p:bgPr>
+    </p:bg>
+    <p:spTree>
+      <p:nvGrpSpPr>
+        <p:cNvPr id="1" name=""/>
+        <p:cNvGrpSpPr/>
+        <p:nvPr/>
+      </p:nvGrpSpPr>
+      <p:grpSpPr/>
+      <p:sp>
+        <p:nvSpPr>
+          <p:cNvPr id="2" name="TextBox 1"/>
+          <p:cNvSpPr txBox="1"/>
+          <p:nvPr/>
+        </p:nvSpPr>
+        <p:spPr>
+          <a:xfrm>
+            <a:off x="731520" y="2560320"/>
+            <a:ext cx="10698480" cy="1371600"/>
+          </a:xfrm>
+          <a:prstGeom prst="rect">
+            <a:avLst/>
+          </a:prstGeom>
+          <a:noFill/>
+        </p:spPr>
+        <p:txBody>
+          <a:bodyPr wrap="square">
+            <a:spAutoFit/>
+          </a:bodyPr>
+          <a:lstStyle/>
+          <a:p>
+            <a:pPr algn="l">
+              <a:defRPr sz="3600" b="1">
+                <a:solidFill>
+                  <a:srgbClr val="FFFFFF"/>
+                </a:solidFill>
+              </a:defRPr>
+            </a:pPr>
+            <a:r>
+              <a:t>The AI Provider Landscape</a:t>
+            </a:r>
+          </a:p>
+        </p:txBody>
+      </p:sp>
+      <p:sp>
+        <p:nvSpPr>
+          <p:cNvPr id="3" name="Rectangle 2"/>
+          <p:cNvSpPr/>
+          <p:nvPr/>
+        </p:nvSpPr>
+        <p:spPr>
+          <a:xfrm>
+            <a:off x="731520" y="3931920"/>
+            <a:ext cx="1828800" cy="38100"/>
           </a:xfrm>
           <a:prstGeom prst="rect">
             <a:avLst/>
@@ -4929,62 +5769,43 @@
           </a:p>
         </p:txBody>
       </p:sp>
-      <p:sp>
-        <p:nvSpPr>
-          <p:cNvPr id="3" name="TextBox 2"/>
-          <p:cNvSpPr txBox="1"/>
+    </p:spTree>
+  </p:cSld>
+  <p:clrMapOvr>
+    <a:masterClrMapping/>
+  </p:clrMapOvr>
+</p:sld>
+</file>
+
+<file path=ppt/slides/slide3.xml><?xml version="1.0" encoding="utf-8"?>
+<p:sld xmlns:a="http://schemas.openxmlformats.org/drawingml/2006/main" xmlns:p="http://schemas.openxmlformats.org/presentationml/2006/main" xmlns:r="http://schemas.openxmlformats.org/officeDocument/2006/relationships">
+  <p:cSld>
+    <p:spTree>
+      <p:nvGrpSpPr>
+        <p:cNvPr id="1" name=""/>
+        <p:cNvGrpSpPr/>
+        <p:nvPr/>
+      </p:nvGrpSpPr>
+      <p:grpSpPr/>
+      <p:sp>
+        <p:nvSpPr>
+          <p:cNvPr id="2" name="Rectangle 1"/>
+          <p:cNvSpPr/>
           <p:nvPr/>
         </p:nvSpPr>
         <p:spPr>
           <a:xfrm>
-            <a:off x="731520" y="274320"/>
-            <a:ext cx="10728655" cy="731520"/>
+            <a:off x="0" y="0"/>
+            <a:ext cx="12191695" cy="1005840"/>
           </a:xfrm>
           <a:prstGeom prst="rect">
             <a:avLst/>
           </a:prstGeom>
-          <a:noFill/>
-        </p:spPr>
-        <p:txBody>
-          <a:bodyPr wrap="none">
-            <a:spAutoFit/>
-          </a:bodyPr>
-          <a:lstStyle/>
-          <a:p>
-            <a:pPr>
-              <a:defRPr sz="2800" b="1">
-                <a:solidFill>
-                  <a:srgbClr val="1B2A4A"/>
-                </a:solidFill>
-              </a:defRPr>
-            </a:pPr>
-            <a:r>
-              <a:t>Google Gemini — Third Provider, Same Idea</a:t>
-            </a:r>
-          </a:p>
-        </p:txBody>
-      </p:sp>
-      <p:sp>
-        <p:nvSpPr>
-          <p:cNvPr id="4" name="Rounded Rectangle 3"/>
-          <p:cNvSpPr/>
-          <p:nvPr/>
-        </p:nvSpPr>
-        <p:spPr>
-          <a:xfrm>
-            <a:off x="731520" y="1188720"/>
-            <a:ext cx="10728655" cy="5212080"/>
-          </a:xfrm>
-          <a:prstGeom prst="roundRect">
-            <a:avLst/>
-          </a:prstGeom>
           <a:solidFill>
-            <a:srgbClr val="F0F0F0"/>
+            <a:srgbClr val="1B2A4A"/>
           </a:solidFill>
-          <a:ln w="12700">
-            <a:solidFill>
-              <a:srgbClr val="DDDDDD"/>
-            </a:solidFill>
+          <a:ln>
+            <a:noFill/>
           </a:ln>
         </p:spPr>
         <p:style>
@@ -5011,14 +5832,14 @@
       </p:sp>
       <p:sp>
         <p:nvSpPr>
-          <p:cNvPr id="5" name="TextBox 4"/>
+          <p:cNvPr id="3" name="TextBox 2"/>
           <p:cNvSpPr txBox="1"/>
           <p:nvPr/>
         </p:nvSpPr>
         <p:spPr>
           <a:xfrm>
-            <a:off x="822960" y="1234440"/>
-            <a:ext cx="1828800" cy="320040"/>
+            <a:off x="731520" y="137160"/>
+            <a:ext cx="10698480" cy="731520"/>
           </a:xfrm>
           <a:prstGeom prst="rect">
             <a:avLst/>
@@ -5026,89 +5847,548 @@
           <a:noFill/>
         </p:spPr>
         <p:txBody>
-          <a:bodyPr wrap="none">
-            <a:spAutoFit/>
-          </a:bodyPr>
-          <a:lstStyle/>
-          <a:p>
-            <a:pPr>
-              <a:defRPr sz="1100" b="1">
-                <a:solidFill>
-                  <a:srgbClr val="666666"/>
-                </a:solidFill>
-              </a:defRPr>
-            </a:pPr>
-            <a:r>
-              <a:t>python</a:t>
-            </a:r>
-          </a:p>
-        </p:txBody>
-      </p:sp>
-      <p:sp>
-        <p:nvSpPr>
-          <p:cNvPr id="6" name="TextBox 5"/>
-          <p:cNvSpPr txBox="1"/>
-          <p:nvPr/>
-        </p:nvSpPr>
-        <p:spPr>
-          <a:xfrm>
-            <a:off x="914400" y="1554480"/>
-            <a:ext cx="10362895" cy="4754880"/>
-          </a:xfrm>
-          <a:prstGeom prst="rect">
-            <a:avLst/>
-          </a:prstGeom>
-          <a:noFill/>
-        </p:spPr>
-        <p:txBody>
           <a:bodyPr wrap="square">
             <a:spAutoFit/>
           </a:bodyPr>
           <a:lstStyle/>
           <a:p>
-            <a:pPr algn="l">
-              <a:defRPr sz="1300">
-                <a:solidFill>
-                  <a:srgbClr val="333333"/>
-                </a:solidFill>
-                <a:latin typeface="Consolas"/>
+            <a:pPr>
+              <a:defRPr sz="2800" b="1">
+                <a:solidFill>
+                  <a:srgbClr val="FFFFFF"/>
+                </a:solidFill>
               </a:defRPr>
             </a:pPr>
             <a:r>
-              <a:t>from google import genai</a:t>
-            </a:r>
-            <a:br/>
-            <a:r>
-              <a:t>client = genai.Client()  # reads GOOGLE_API_KEY</a:t>
-            </a:r>
-            <a:br/>
-            <a:br/>
-            <a:r>
-              <a:t>response = client.models.generate_content(</a:t>
-            </a:r>
-            <a:br/>
-            <a:r>
-              <a:t>    model="gemini-2.5-flash",</a:t>
-            </a:r>
-            <a:br/>
-            <a:r>
-              <a:t>    contents="What is AI?",</a:t>
-            </a:r>
-            <a:br/>
-            <a:r>
-              <a:t>    config={"system_instruction": "You are a helpful assistant."},</a:t>
-            </a:r>
-            <a:br/>
-            <a:r>
-              <a:t>)</a:t>
-            </a:r>
-            <a:br/>
-            <a:r>
-              <a:t>print(response.text)</a:t>
-            </a:r>
-          </a:p>
-        </p:txBody>
-      </p:sp>
+              <a:t>Major AI Providers (Feb 2026)</a:t>
+            </a:r>
+          </a:p>
+        </p:txBody>
+      </p:sp>
+      <p:graphicFrame>
+        <p:nvGraphicFramePr>
+          <p:cNvPr id="4" name="Table 3"/>
+          <p:cNvGraphicFramePr>
+            <a:graphicFrameLocks noGrp="1"/>
+          </p:cNvGraphicFramePr>
+          <p:nvPr/>
+        </p:nvGraphicFramePr>
+        <p:xfrm>
+          <a:off x="731520" y="1280160"/>
+          <a:ext cx="10698480" cy="3840480"/>
+        </p:xfrm>
+        <a:graphic>
+          <a:graphicData uri="http://schemas.openxmlformats.org/drawingml/2006/table">
+            <a:tbl>
+              <a:tblPr firstRow="1" bandRow="1">
+                <a:tableStyleId>{5C22544A-7EE6-4342-B048-85BDC9FD1C3A}</a:tableStyleId>
+              </a:tblPr>
+              <a:tblGrid>
+                <a:gridCol w="3566160"/>
+                <a:gridCol w="3566160"/>
+                <a:gridCol w="3566160"/>
+              </a:tblGrid>
+              <a:tr h="548640">
+                <a:tc>
+                  <a:txBody>
+                    <a:bodyPr/>
+                    <a:lstStyle/>
+                    <a:p>
+                      <a:pPr>
+                        <a:defRPr sz="1800" b="1">
+                          <a:solidFill>
+                            <a:srgbClr val="FFFFFF"/>
+                          </a:solidFill>
+                        </a:defRPr>
+                      </a:pPr>
+                      <a:r>
+                        <a:t>Provider</a:t>
+                      </a:r>
+                    </a:p>
+                  </a:txBody>
+                  <a:tcPr>
+                    <a:solidFill>
+                      <a:srgbClr val="1B2A4A"/>
+                    </a:solidFill>
+                  </a:tcPr>
+                </a:tc>
+                <a:tc>
+                  <a:txBody>
+                    <a:bodyPr/>
+                    <a:lstStyle/>
+                    <a:p>
+                      <a:pPr>
+                        <a:defRPr sz="1800" b="1">
+                          <a:solidFill>
+                            <a:srgbClr val="FFFFFF"/>
+                          </a:solidFill>
+                        </a:defRPr>
+                      </a:pPr>
+                      <a:r>
+                        <a:t>Flagship Model</a:t>
+                      </a:r>
+                    </a:p>
+                  </a:txBody>
+                  <a:tcPr>
+                    <a:solidFill>
+                      <a:srgbClr val="1B2A4A"/>
+                    </a:solidFill>
+                  </a:tcPr>
+                </a:tc>
+                <a:tc>
+                  <a:txBody>
+                    <a:bodyPr/>
+                    <a:lstStyle/>
+                    <a:p>
+                      <a:pPr>
+                        <a:defRPr sz="1800" b="1">
+                          <a:solidFill>
+                            <a:srgbClr val="FFFFFF"/>
+                          </a:solidFill>
+                        </a:defRPr>
+                      </a:pPr>
+                      <a:r>
+                        <a:t>Strength</a:t>
+                      </a:r>
+                    </a:p>
+                  </a:txBody>
+                  <a:tcPr>
+                    <a:solidFill>
+                      <a:srgbClr val="1B2A4A"/>
+                    </a:solidFill>
+                  </a:tcPr>
+                </a:tc>
+              </a:tr>
+              <a:tr h="548640">
+                <a:tc>
+                  <a:txBody>
+                    <a:bodyPr/>
+                    <a:lstStyle/>
+                    <a:p>
+                      <a:pPr>
+                        <a:defRPr sz="1600">
+                          <a:solidFill>
+                            <a:srgbClr val="222222"/>
+                          </a:solidFill>
+                        </a:defRPr>
+                      </a:pPr>
+                      <a:r>
+                        <a:t>OpenAI</a:t>
+                      </a:r>
+                    </a:p>
+                  </a:txBody>
+                  <a:tcPr>
+                    <a:solidFill>
+                      <a:srgbClr val="F5F7FA"/>
+                    </a:solidFill>
+                  </a:tcPr>
+                </a:tc>
+                <a:tc>
+                  <a:txBody>
+                    <a:bodyPr/>
+                    <a:lstStyle/>
+                    <a:p>
+                      <a:pPr>
+                        <a:defRPr sz="1600">
+                          <a:solidFill>
+                            <a:srgbClr val="222222"/>
+                          </a:solidFill>
+                        </a:defRPr>
+                      </a:pPr>
+                      <a:r>
+                        <a:t>GPT-5.2</a:t>
+                      </a:r>
+                    </a:p>
+                  </a:txBody>
+                  <a:tcPr>
+                    <a:solidFill>
+                      <a:srgbClr val="F5F7FA"/>
+                    </a:solidFill>
+                  </a:tcPr>
+                </a:tc>
+                <a:tc>
+                  <a:txBody>
+                    <a:bodyPr/>
+                    <a:lstStyle/>
+                    <a:p>
+                      <a:pPr>
+                        <a:defRPr sz="1600">
+                          <a:solidFill>
+                            <a:srgbClr val="222222"/>
+                          </a:solidFill>
+                        </a:defRPr>
+                      </a:pPr>
+                      <a:r>
+                        <a:t>Reasoning, multimodal, ecosystem</a:t>
+                      </a:r>
+                    </a:p>
+                  </a:txBody>
+                  <a:tcPr>
+                    <a:solidFill>
+                      <a:srgbClr val="F5F7FA"/>
+                    </a:solidFill>
+                  </a:tcPr>
+                </a:tc>
+              </a:tr>
+              <a:tr h="548640">
+                <a:tc>
+                  <a:txBody>
+                    <a:bodyPr/>
+                    <a:lstStyle/>
+                    <a:p>
+                      <a:pPr>
+                        <a:defRPr sz="1600">
+                          <a:solidFill>
+                            <a:srgbClr val="222222"/>
+                          </a:solidFill>
+                        </a:defRPr>
+                      </a:pPr>
+                      <a:r>
+                        <a:t>Anthropic</a:t>
+                      </a:r>
+                    </a:p>
+                  </a:txBody>
+                  <a:tcPr>
+                    <a:solidFill>
+                      <a:srgbClr val="FFFFFF"/>
+                    </a:solidFill>
+                  </a:tcPr>
+                </a:tc>
+                <a:tc>
+                  <a:txBody>
+                    <a:bodyPr/>
+                    <a:lstStyle/>
+                    <a:p>
+                      <a:pPr>
+                        <a:defRPr sz="1600">
+                          <a:solidFill>
+                            <a:srgbClr val="222222"/>
+                          </a:solidFill>
+                        </a:defRPr>
+                      </a:pPr>
+                      <a:r>
+                        <a:t>Opus 4.6</a:t>
+                      </a:r>
+                    </a:p>
+                  </a:txBody>
+                  <a:tcPr>
+                    <a:solidFill>
+                      <a:srgbClr val="FFFFFF"/>
+                    </a:solidFill>
+                  </a:tcPr>
+                </a:tc>
+                <a:tc>
+                  <a:txBody>
+                    <a:bodyPr/>
+                    <a:lstStyle/>
+                    <a:p>
+                      <a:pPr>
+                        <a:defRPr sz="1600">
+                          <a:solidFill>
+                            <a:srgbClr val="222222"/>
+                          </a:solidFill>
+                        </a:defRPr>
+                      </a:pPr>
+                      <a:r>
+                        <a:t>Safety, long context, coding</a:t>
+                      </a:r>
+                    </a:p>
+                  </a:txBody>
+                  <a:tcPr>
+                    <a:solidFill>
+                      <a:srgbClr val="FFFFFF"/>
+                    </a:solidFill>
+                  </a:tcPr>
+                </a:tc>
+              </a:tr>
+              <a:tr h="548640">
+                <a:tc>
+                  <a:txBody>
+                    <a:bodyPr/>
+                    <a:lstStyle/>
+                    <a:p>
+                      <a:pPr>
+                        <a:defRPr sz="1600">
+                          <a:solidFill>
+                            <a:srgbClr val="222222"/>
+                          </a:solidFill>
+                        </a:defRPr>
+                      </a:pPr>
+                      <a:r>
+                        <a:t>Google</a:t>
+                      </a:r>
+                    </a:p>
+                  </a:txBody>
+                  <a:tcPr>
+                    <a:solidFill>
+                      <a:srgbClr val="F5F7FA"/>
+                    </a:solidFill>
+                  </a:tcPr>
+                </a:tc>
+                <a:tc>
+                  <a:txBody>
+                    <a:bodyPr/>
+                    <a:lstStyle/>
+                    <a:p>
+                      <a:pPr>
+                        <a:defRPr sz="1600">
+                          <a:solidFill>
+                            <a:srgbClr val="222222"/>
+                          </a:solidFill>
+                        </a:defRPr>
+                      </a:pPr>
+                      <a:r>
+                        <a:t>Gemini 2.5 Pro</a:t>
+                      </a:r>
+                    </a:p>
+                  </a:txBody>
+                  <a:tcPr>
+                    <a:solidFill>
+                      <a:srgbClr val="F5F7FA"/>
+                    </a:solidFill>
+                  </a:tcPr>
+                </a:tc>
+                <a:tc>
+                  <a:txBody>
+                    <a:bodyPr/>
+                    <a:lstStyle/>
+                    <a:p>
+                      <a:pPr>
+                        <a:defRPr sz="1600">
+                          <a:solidFill>
+                            <a:srgbClr val="222222"/>
+                          </a:solidFill>
+                        </a:defRPr>
+                      </a:pPr>
+                      <a:r>
+                        <a:t>Multimodal, 1M context</a:t>
+                      </a:r>
+                    </a:p>
+                  </a:txBody>
+                  <a:tcPr>
+                    <a:solidFill>
+                      <a:srgbClr val="F5F7FA"/>
+                    </a:solidFill>
+                  </a:tcPr>
+                </a:tc>
+              </a:tr>
+              <a:tr h="548640">
+                <a:tc>
+                  <a:txBody>
+                    <a:bodyPr/>
+                    <a:lstStyle/>
+                    <a:p>
+                      <a:pPr>
+                        <a:defRPr sz="1600">
+                          <a:solidFill>
+                            <a:srgbClr val="222222"/>
+                          </a:solidFill>
+                        </a:defRPr>
+                      </a:pPr>
+                      <a:r>
+                        <a:t>Meta</a:t>
+                      </a:r>
+                    </a:p>
+                  </a:txBody>
+                  <a:tcPr>
+                    <a:solidFill>
+                      <a:srgbClr val="FFFFFF"/>
+                    </a:solidFill>
+                  </a:tcPr>
+                </a:tc>
+                <a:tc>
+                  <a:txBody>
+                    <a:bodyPr/>
+                    <a:lstStyle/>
+                    <a:p>
+                      <a:pPr>
+                        <a:defRPr sz="1600">
+                          <a:solidFill>
+                            <a:srgbClr val="222222"/>
+                          </a:solidFill>
+                        </a:defRPr>
+                      </a:pPr>
+                      <a:r>
+                        <a:t>Llama 4</a:t>
+                      </a:r>
+                    </a:p>
+                  </a:txBody>
+                  <a:tcPr>
+                    <a:solidFill>
+                      <a:srgbClr val="FFFFFF"/>
+                    </a:solidFill>
+                  </a:tcPr>
+                </a:tc>
+                <a:tc>
+                  <a:txBody>
+                    <a:bodyPr/>
+                    <a:lstStyle/>
+                    <a:p>
+                      <a:pPr>
+                        <a:defRPr sz="1600">
+                          <a:solidFill>
+                            <a:srgbClr val="222222"/>
+                          </a:solidFill>
+                        </a:defRPr>
+                      </a:pPr>
+                      <a:r>
+                        <a:t>Open-source leader</a:t>
+                      </a:r>
+                    </a:p>
+                  </a:txBody>
+                  <a:tcPr>
+                    <a:solidFill>
+                      <a:srgbClr val="FFFFFF"/>
+                    </a:solidFill>
+                  </a:tcPr>
+                </a:tc>
+              </a:tr>
+              <a:tr h="548640">
+                <a:tc>
+                  <a:txBody>
+                    <a:bodyPr/>
+                    <a:lstStyle/>
+                    <a:p>
+                      <a:pPr>
+                        <a:defRPr sz="1600">
+                          <a:solidFill>
+                            <a:srgbClr val="222222"/>
+                          </a:solidFill>
+                        </a:defRPr>
+                      </a:pPr>
+                      <a:r>
+                        <a:t>DeepSeek</a:t>
+                      </a:r>
+                    </a:p>
+                  </a:txBody>
+                  <a:tcPr>
+                    <a:solidFill>
+                      <a:srgbClr val="F5F7FA"/>
+                    </a:solidFill>
+                  </a:tcPr>
+                </a:tc>
+                <a:tc>
+                  <a:txBody>
+                    <a:bodyPr/>
+                    <a:lstStyle/>
+                    <a:p>
+                      <a:pPr>
+                        <a:defRPr sz="1600">
+                          <a:solidFill>
+                            <a:srgbClr val="222222"/>
+                          </a:solidFill>
+                        </a:defRPr>
+                      </a:pPr>
+                      <a:r>
+                        <a:t>DeepSeek V4</a:t>
+                      </a:r>
+                    </a:p>
+                  </a:txBody>
+                  <a:tcPr>
+                    <a:solidFill>
+                      <a:srgbClr val="F5F7FA"/>
+                    </a:solidFill>
+                  </a:tcPr>
+                </a:tc>
+                <a:tc>
+                  <a:txBody>
+                    <a:bodyPr/>
+                    <a:lstStyle/>
+                    <a:p>
+                      <a:pPr>
+                        <a:defRPr sz="1600">
+                          <a:solidFill>
+                            <a:srgbClr val="222222"/>
+                          </a:solidFill>
+                        </a:defRPr>
+                      </a:pPr>
+                      <a:r>
+                        <a:t>Cost ($0.14/1M input)</a:t>
+                      </a:r>
+                    </a:p>
+                  </a:txBody>
+                  <a:tcPr>
+                    <a:solidFill>
+                      <a:srgbClr val="F5F7FA"/>
+                    </a:solidFill>
+                  </a:tcPr>
+                </a:tc>
+              </a:tr>
+              <a:tr h="548640">
+                <a:tc>
+                  <a:txBody>
+                    <a:bodyPr/>
+                    <a:lstStyle/>
+                    <a:p>
+                      <a:pPr>
+                        <a:defRPr sz="1600">
+                          <a:solidFill>
+                            <a:srgbClr val="222222"/>
+                          </a:solidFill>
+                        </a:defRPr>
+                      </a:pPr>
+                      <a:r>
+                        <a:t>xAI</a:t>
+                      </a:r>
+                    </a:p>
+                  </a:txBody>
+                  <a:tcPr>
+                    <a:solidFill>
+                      <a:srgbClr val="FFFFFF"/>
+                    </a:solidFill>
+                  </a:tcPr>
+                </a:tc>
+                <a:tc>
+                  <a:txBody>
+                    <a:bodyPr/>
+                    <a:lstStyle/>
+                    <a:p>
+                      <a:pPr>
+                        <a:defRPr sz="1600">
+                          <a:solidFill>
+                            <a:srgbClr val="222222"/>
+                          </a:solidFill>
+                        </a:defRPr>
+                      </a:pPr>
+                      <a:r>
+                        <a:t>Grok 4</a:t>
+                      </a:r>
+                    </a:p>
+                  </a:txBody>
+                  <a:tcPr>
+                    <a:solidFill>
+                      <a:srgbClr val="FFFFFF"/>
+                    </a:solidFill>
+                  </a:tcPr>
+                </a:tc>
+                <a:tc>
+                  <a:txBody>
+                    <a:bodyPr/>
+                    <a:lstStyle/>
+                    <a:p>
+                      <a:pPr>
+                        <a:defRPr sz="1600">
+                          <a:solidFill>
+                            <a:srgbClr val="222222"/>
+                          </a:solidFill>
+                        </a:defRPr>
+                      </a:pPr>
+                      <a:r>
+                        <a:t>Real-time data, X integration</a:t>
+                      </a:r>
+                    </a:p>
+                  </a:txBody>
+                  <a:tcPr>
+                    <a:solidFill>
+                      <a:srgbClr val="FFFFFF"/>
+                    </a:solidFill>
+                  </a:tcPr>
+                </a:tc>
+              </a:tr>
+            </a:tbl>
+          </a:graphicData>
+        </a:graphic>
+      </p:graphicFrame>
     </p:spTree>
   </p:cSld>
   <p:clrMapOvr>
@@ -5117,7 +6397,7 @@
 </p:sld>
 </file>
 
-<file path=ppt/slides/slide12.xml><?xml version="1.0" encoding="utf-8"?>
+<file path=ppt/slides/slide4.xml><?xml version="1.0" encoding="utf-8"?>
 <p:sld xmlns:a="http://schemas.openxmlformats.org/drawingml/2006/main" xmlns:p="http://schemas.openxmlformats.org/presentationml/2006/main" xmlns:r="http://schemas.openxmlformats.org/officeDocument/2006/relationships">
   <p:cSld>
     <p:spTree>
@@ -5136,7 +6416,1532 @@
         <p:spPr>
           <a:xfrm>
             <a:off x="0" y="0"/>
-            <a:ext cx="12191695" cy="73152"/>
+            <a:ext cx="12191695" cy="1005840"/>
+          </a:xfrm>
+          <a:prstGeom prst="rect">
+            <a:avLst/>
+          </a:prstGeom>
+          <a:solidFill>
+            <a:srgbClr val="1B2A4A"/>
+          </a:solidFill>
+          <a:ln>
+            <a:noFill/>
+          </a:ln>
+        </p:spPr>
+        <p:style>
+          <a:lnRef idx="1">
+            <a:schemeClr val="accent1"/>
+          </a:lnRef>
+          <a:fillRef idx="3">
+            <a:schemeClr val="accent1"/>
+          </a:fillRef>
+          <a:effectRef idx="2">
+            <a:schemeClr val="accent1"/>
+          </a:effectRef>
+          <a:fontRef idx="minor">
+            <a:schemeClr val="lt1"/>
+          </a:fontRef>
+        </p:style>
+        <p:txBody>
+          <a:bodyPr rtlCol="0" anchor="ctr"/>
+          <a:lstStyle/>
+          <a:p>
+            <a:pPr algn="ctr"/>
+          </a:p>
+        </p:txBody>
+      </p:sp>
+      <p:sp>
+        <p:nvSpPr>
+          <p:cNvPr id="3" name="TextBox 2"/>
+          <p:cNvSpPr txBox="1"/>
+          <p:nvPr/>
+        </p:nvSpPr>
+        <p:spPr>
+          <a:xfrm>
+            <a:off x="731520" y="137160"/>
+            <a:ext cx="10698480" cy="731520"/>
+          </a:xfrm>
+          <a:prstGeom prst="rect">
+            <a:avLst/>
+          </a:prstGeom>
+          <a:noFill/>
+        </p:spPr>
+        <p:txBody>
+          <a:bodyPr wrap="square">
+            <a:spAutoFit/>
+          </a:bodyPr>
+          <a:lstStyle/>
+          <a:p>
+            <a:pPr>
+              <a:defRPr sz="2800" b="1">
+                <a:solidFill>
+                  <a:srgbClr val="FFFFFF"/>
+                </a:solidFill>
+              </a:defRPr>
+            </a:pPr>
+            <a:r>
+              <a:t>Model Types: Reasoning vs Non-Reasoning</a:t>
+            </a:r>
+          </a:p>
+        </p:txBody>
+      </p:sp>
+      <p:sp>
+        <p:nvSpPr>
+          <p:cNvPr id="4" name="TextBox 3"/>
+          <p:cNvSpPr txBox="1"/>
+          <p:nvPr/>
+        </p:nvSpPr>
+        <p:spPr>
+          <a:xfrm>
+            <a:off x="731520" y="1280160"/>
+            <a:ext cx="10698480" cy="5029200"/>
+          </a:xfrm>
+          <a:prstGeom prst="rect">
+            <a:avLst/>
+          </a:prstGeom>
+          <a:noFill/>
+        </p:spPr>
+        <p:txBody>
+          <a:bodyPr wrap="square">
+            <a:spAutoFit/>
+          </a:bodyPr>
+          <a:lstStyle/>
+          <a:p>
+            <a:pPr>
+              <a:spcAft>
+                <a:spcPts val="1000"/>
+              </a:spcAft>
+              <a:defRPr sz="2200">
+                <a:solidFill>
+                  <a:srgbClr val="222222"/>
+                </a:solidFill>
+              </a:defRPr>
+            </a:pPr>
+            <a:r>
+              <a:t>Reasoning models: GPT-5.2, o3, o4-mini — think before answering</a:t>
+            </a:r>
+          </a:p>
+          <a:p>
+            <a:pPr>
+              <a:spcAft>
+                <a:spcPts val="1000"/>
+              </a:spcAft>
+              <a:defRPr sz="2200">
+                <a:solidFill>
+                  <a:srgbClr val="222222"/>
+                </a:solidFill>
+              </a:defRPr>
+            </a:pPr>
+            <a:r>
+              <a:t>Non-reasoning: GPT-4.1, GPT-4.1-mini, GPT-4.1-nano — fast, cheap</a:t>
+            </a:r>
+          </a:p>
+          <a:p>
+            <a:pPr>
+              <a:spcAft>
+                <a:spcPts val="1000"/>
+              </a:spcAft>
+              <a:defRPr sz="2200">
+                <a:solidFill>
+                  <a:srgbClr val="222222"/>
+                </a:solidFill>
+              </a:defRPr>
+            </a:pPr>
+            <a:r>
+              <a:t>Anthropic reasoning: Opus 4.6 (extended thinking)</a:t>
+            </a:r>
+          </a:p>
+          <a:p>
+            <a:pPr>
+              <a:spcAft>
+                <a:spcPts val="1000"/>
+              </a:spcAft>
+              <a:defRPr sz="2200">
+                <a:solidFill>
+                  <a:srgbClr val="222222"/>
+                </a:solidFill>
+              </a:defRPr>
+            </a:pPr>
+            <a:r>
+              <a:t>Anthropic fast: Sonnet 4.6, Haiku 3.5</a:t>
+            </a:r>
+          </a:p>
+          <a:p>
+            <a:pPr>
+              <a:spcAft>
+                <a:spcPts val="1000"/>
+              </a:spcAft>
+              <a:defRPr sz="2200">
+                <a:solidFill>
+                  <a:srgbClr val="222222"/>
+                </a:solidFill>
+              </a:defRPr>
+            </a:pPr>
+            <a:r>
+              <a:t>Google: Gemini 2.5 Pro (thinking), Gemini 2.5 Flash</a:t>
+            </a:r>
+          </a:p>
+          <a:p>
+            <a:pPr>
+              <a:spcAft>
+                <a:spcPts val="1000"/>
+              </a:spcAft>
+              <a:defRPr sz="2200">
+                <a:solidFill>
+                  <a:srgbClr val="222222"/>
+                </a:solidFill>
+              </a:defRPr>
+            </a:pPr>
+            <a:r>
+              <a:t>Key: match model to task — don't use a cannon for a nail</a:t>
+            </a:r>
+          </a:p>
+        </p:txBody>
+      </p:sp>
+    </p:spTree>
+  </p:cSld>
+  <p:clrMapOvr>
+    <a:masterClrMapping/>
+  </p:clrMapOvr>
+</p:sld>
+</file>
+
+<file path=ppt/slides/slide5.xml><?xml version="1.0" encoding="utf-8"?>
+<p:sld xmlns:a="http://schemas.openxmlformats.org/drawingml/2006/main" xmlns:p="http://schemas.openxmlformats.org/presentationml/2006/main" xmlns:r="http://schemas.openxmlformats.org/officeDocument/2006/relationships">
+  <p:cSld>
+    <p:spTree>
+      <p:nvGrpSpPr>
+        <p:cNvPr id="1" name=""/>
+        <p:cNvGrpSpPr/>
+        <p:nvPr/>
+      </p:nvGrpSpPr>
+      <p:grpSpPr/>
+      <p:sp>
+        <p:nvSpPr>
+          <p:cNvPr id="2" name="Rectangle 1"/>
+          <p:cNvSpPr/>
+          <p:nvPr/>
+        </p:nvSpPr>
+        <p:spPr>
+          <a:xfrm>
+            <a:off x="0" y="0"/>
+            <a:ext cx="12191695" cy="1005840"/>
+          </a:xfrm>
+          <a:prstGeom prst="rect">
+            <a:avLst/>
+          </a:prstGeom>
+          <a:solidFill>
+            <a:srgbClr val="1B2A4A"/>
+          </a:solidFill>
+          <a:ln>
+            <a:noFill/>
+          </a:ln>
+        </p:spPr>
+        <p:style>
+          <a:lnRef idx="1">
+            <a:schemeClr val="accent1"/>
+          </a:lnRef>
+          <a:fillRef idx="3">
+            <a:schemeClr val="accent1"/>
+          </a:fillRef>
+          <a:effectRef idx="2">
+            <a:schemeClr val="accent1"/>
+          </a:effectRef>
+          <a:fontRef idx="minor">
+            <a:schemeClr val="lt1"/>
+          </a:fontRef>
+        </p:style>
+        <p:txBody>
+          <a:bodyPr rtlCol="0" anchor="ctr"/>
+          <a:lstStyle/>
+          <a:p>
+            <a:pPr algn="ctr"/>
+          </a:p>
+        </p:txBody>
+      </p:sp>
+      <p:sp>
+        <p:nvSpPr>
+          <p:cNvPr id="3" name="TextBox 2"/>
+          <p:cNvSpPr txBox="1"/>
+          <p:nvPr/>
+        </p:nvSpPr>
+        <p:spPr>
+          <a:xfrm>
+            <a:off x="731520" y="137160"/>
+            <a:ext cx="10698480" cy="731520"/>
+          </a:xfrm>
+          <a:prstGeom prst="rect">
+            <a:avLst/>
+          </a:prstGeom>
+          <a:noFill/>
+        </p:spPr>
+        <p:txBody>
+          <a:bodyPr wrap="square">
+            <a:spAutoFit/>
+          </a:bodyPr>
+          <a:lstStyle/>
+          <a:p>
+            <a:pPr>
+              <a:defRPr sz="2800" b="1">
+                <a:solidFill>
+                  <a:srgbClr val="FFFFFF"/>
+                </a:solidFill>
+              </a:defRPr>
+            </a:pPr>
+            <a:r>
+              <a:t>Model Comparison: Cost &amp; Context</a:t>
+            </a:r>
+          </a:p>
+        </p:txBody>
+      </p:sp>
+      <p:graphicFrame>
+        <p:nvGraphicFramePr>
+          <p:cNvPr id="4" name="Table 3"/>
+          <p:cNvGraphicFramePr>
+            <a:graphicFrameLocks noGrp="1"/>
+          </p:cNvGraphicFramePr>
+          <p:nvPr/>
+        </p:nvGraphicFramePr>
+        <p:xfrm>
+          <a:off x="731520" y="1280160"/>
+          <a:ext cx="10698480" cy="5486400"/>
+        </p:xfrm>
+        <a:graphic>
+          <a:graphicData uri="http://schemas.openxmlformats.org/drawingml/2006/table">
+            <a:tbl>
+              <a:tblPr firstRow="1" bandRow="1">
+                <a:tableStyleId>{5C22544A-7EE6-4342-B048-85BDC9FD1C3A}</a:tableStyleId>
+              </a:tblPr>
+              <a:tblGrid>
+                <a:gridCol w="2674620"/>
+                <a:gridCol w="2674620"/>
+                <a:gridCol w="2674620"/>
+                <a:gridCol w="2674620"/>
+              </a:tblGrid>
+              <a:tr h="548640">
+                <a:tc>
+                  <a:txBody>
+                    <a:bodyPr/>
+                    <a:lstStyle/>
+                    <a:p>
+                      <a:pPr>
+                        <a:defRPr sz="1800" b="1">
+                          <a:solidFill>
+                            <a:srgbClr val="FFFFFF"/>
+                          </a:solidFill>
+                        </a:defRPr>
+                      </a:pPr>
+                      <a:r>
+                        <a:t>Model</a:t>
+                      </a:r>
+                    </a:p>
+                  </a:txBody>
+                  <a:tcPr>
+                    <a:solidFill>
+                      <a:srgbClr val="1B2A4A"/>
+                    </a:solidFill>
+                  </a:tcPr>
+                </a:tc>
+                <a:tc>
+                  <a:txBody>
+                    <a:bodyPr/>
+                    <a:lstStyle/>
+                    <a:p>
+                      <a:pPr>
+                        <a:defRPr sz="1800" b="1">
+                          <a:solidFill>
+                            <a:srgbClr val="FFFFFF"/>
+                          </a:solidFill>
+                        </a:defRPr>
+                      </a:pPr>
+                      <a:r>
+                        <a:t>Input $/1M</a:t>
+                      </a:r>
+                    </a:p>
+                  </a:txBody>
+                  <a:tcPr>
+                    <a:solidFill>
+                      <a:srgbClr val="1B2A4A"/>
+                    </a:solidFill>
+                  </a:tcPr>
+                </a:tc>
+                <a:tc>
+                  <a:txBody>
+                    <a:bodyPr/>
+                    <a:lstStyle/>
+                    <a:p>
+                      <a:pPr>
+                        <a:defRPr sz="1800" b="1">
+                          <a:solidFill>
+                            <a:srgbClr val="FFFFFF"/>
+                          </a:solidFill>
+                        </a:defRPr>
+                      </a:pPr>
+                      <a:r>
+                        <a:t>Output $/1M</a:t>
+                      </a:r>
+                    </a:p>
+                  </a:txBody>
+                  <a:tcPr>
+                    <a:solidFill>
+                      <a:srgbClr val="1B2A4A"/>
+                    </a:solidFill>
+                  </a:tcPr>
+                </a:tc>
+                <a:tc>
+                  <a:txBody>
+                    <a:bodyPr/>
+                    <a:lstStyle/>
+                    <a:p>
+                      <a:pPr>
+                        <a:defRPr sz="1800" b="1">
+                          <a:solidFill>
+                            <a:srgbClr val="FFFFFF"/>
+                          </a:solidFill>
+                        </a:defRPr>
+                      </a:pPr>
+                      <a:r>
+                        <a:t>Context</a:t>
+                      </a:r>
+                    </a:p>
+                  </a:txBody>
+                  <a:tcPr>
+                    <a:solidFill>
+                      <a:srgbClr val="1B2A4A"/>
+                    </a:solidFill>
+                  </a:tcPr>
+                </a:tc>
+              </a:tr>
+              <a:tr h="548640">
+                <a:tc>
+                  <a:txBody>
+                    <a:bodyPr/>
+                    <a:lstStyle/>
+                    <a:p>
+                      <a:pPr>
+                        <a:defRPr sz="1600">
+                          <a:solidFill>
+                            <a:srgbClr val="222222"/>
+                          </a:solidFill>
+                        </a:defRPr>
+                      </a:pPr>
+                      <a:r>
+                        <a:t>GPT-5.2</a:t>
+                      </a:r>
+                    </a:p>
+                  </a:txBody>
+                  <a:tcPr>
+                    <a:solidFill>
+                      <a:srgbClr val="F5F7FA"/>
+                    </a:solidFill>
+                  </a:tcPr>
+                </a:tc>
+                <a:tc>
+                  <a:txBody>
+                    <a:bodyPr/>
+                    <a:lstStyle/>
+                    <a:p>
+                      <a:pPr>
+                        <a:defRPr sz="1600">
+                          <a:solidFill>
+                            <a:srgbClr val="222222"/>
+                          </a:solidFill>
+                        </a:defRPr>
+                      </a:pPr>
+                      <a:r>
+                        <a:t>$10</a:t>
+                      </a:r>
+                    </a:p>
+                  </a:txBody>
+                  <a:tcPr>
+                    <a:solidFill>
+                      <a:srgbClr val="F5F7FA"/>
+                    </a:solidFill>
+                  </a:tcPr>
+                </a:tc>
+                <a:tc>
+                  <a:txBody>
+                    <a:bodyPr/>
+                    <a:lstStyle/>
+                    <a:p>
+                      <a:pPr>
+                        <a:defRPr sz="1600">
+                          <a:solidFill>
+                            <a:srgbClr val="222222"/>
+                          </a:solidFill>
+                        </a:defRPr>
+                      </a:pPr>
+                      <a:r>
+                        <a:t>$30</a:t>
+                      </a:r>
+                    </a:p>
+                  </a:txBody>
+                  <a:tcPr>
+                    <a:solidFill>
+                      <a:srgbClr val="F5F7FA"/>
+                    </a:solidFill>
+                  </a:tcPr>
+                </a:tc>
+                <a:tc>
+                  <a:txBody>
+                    <a:bodyPr/>
+                    <a:lstStyle/>
+                    <a:p>
+                      <a:pPr>
+                        <a:defRPr sz="1600">
+                          <a:solidFill>
+                            <a:srgbClr val="222222"/>
+                          </a:solidFill>
+                        </a:defRPr>
+                      </a:pPr>
+                      <a:r>
+                        <a:t>200K</a:t>
+                      </a:r>
+                    </a:p>
+                  </a:txBody>
+                  <a:tcPr>
+                    <a:solidFill>
+                      <a:srgbClr val="F5F7FA"/>
+                    </a:solidFill>
+                  </a:tcPr>
+                </a:tc>
+              </a:tr>
+              <a:tr h="548640">
+                <a:tc>
+                  <a:txBody>
+                    <a:bodyPr/>
+                    <a:lstStyle/>
+                    <a:p>
+                      <a:pPr>
+                        <a:defRPr sz="1600">
+                          <a:solidFill>
+                            <a:srgbClr val="222222"/>
+                          </a:solidFill>
+                        </a:defRPr>
+                      </a:pPr>
+                      <a:r>
+                        <a:t>GPT-4.1</a:t>
+                      </a:r>
+                    </a:p>
+                  </a:txBody>
+                  <a:tcPr>
+                    <a:solidFill>
+                      <a:srgbClr val="FFFFFF"/>
+                    </a:solidFill>
+                  </a:tcPr>
+                </a:tc>
+                <a:tc>
+                  <a:txBody>
+                    <a:bodyPr/>
+                    <a:lstStyle/>
+                    <a:p>
+                      <a:pPr>
+                        <a:defRPr sz="1600">
+                          <a:solidFill>
+                            <a:srgbClr val="222222"/>
+                          </a:solidFill>
+                        </a:defRPr>
+                      </a:pPr>
+                      <a:r>
+                        <a:t>$2</a:t>
+                      </a:r>
+                    </a:p>
+                  </a:txBody>
+                  <a:tcPr>
+                    <a:solidFill>
+                      <a:srgbClr val="FFFFFF"/>
+                    </a:solidFill>
+                  </a:tcPr>
+                </a:tc>
+                <a:tc>
+                  <a:txBody>
+                    <a:bodyPr/>
+                    <a:lstStyle/>
+                    <a:p>
+                      <a:pPr>
+                        <a:defRPr sz="1600">
+                          <a:solidFill>
+                            <a:srgbClr val="222222"/>
+                          </a:solidFill>
+                        </a:defRPr>
+                      </a:pPr>
+                      <a:r>
+                        <a:t>$8</a:t>
+                      </a:r>
+                    </a:p>
+                  </a:txBody>
+                  <a:tcPr>
+                    <a:solidFill>
+                      <a:srgbClr val="FFFFFF"/>
+                    </a:solidFill>
+                  </a:tcPr>
+                </a:tc>
+                <a:tc>
+                  <a:txBody>
+                    <a:bodyPr/>
+                    <a:lstStyle/>
+                    <a:p>
+                      <a:pPr>
+                        <a:defRPr sz="1600">
+                          <a:solidFill>
+                            <a:srgbClr val="222222"/>
+                          </a:solidFill>
+                        </a:defRPr>
+                      </a:pPr>
+                      <a:r>
+                        <a:t>1M</a:t>
+                      </a:r>
+                    </a:p>
+                  </a:txBody>
+                  <a:tcPr>
+                    <a:solidFill>
+                      <a:srgbClr val="FFFFFF"/>
+                    </a:solidFill>
+                  </a:tcPr>
+                </a:tc>
+              </a:tr>
+              <a:tr h="548640">
+                <a:tc>
+                  <a:txBody>
+                    <a:bodyPr/>
+                    <a:lstStyle/>
+                    <a:p>
+                      <a:pPr>
+                        <a:defRPr sz="1600">
+                          <a:solidFill>
+                            <a:srgbClr val="222222"/>
+                          </a:solidFill>
+                        </a:defRPr>
+                      </a:pPr>
+                      <a:r>
+                        <a:t>GPT-4.1-mini</a:t>
+                      </a:r>
+                    </a:p>
+                  </a:txBody>
+                  <a:tcPr>
+                    <a:solidFill>
+                      <a:srgbClr val="F5F7FA"/>
+                    </a:solidFill>
+                  </a:tcPr>
+                </a:tc>
+                <a:tc>
+                  <a:txBody>
+                    <a:bodyPr/>
+                    <a:lstStyle/>
+                    <a:p>
+                      <a:pPr>
+                        <a:defRPr sz="1600">
+                          <a:solidFill>
+                            <a:srgbClr val="222222"/>
+                          </a:solidFill>
+                        </a:defRPr>
+                      </a:pPr>
+                      <a:r>
+                        <a:t>$0.40</a:t>
+                      </a:r>
+                    </a:p>
+                  </a:txBody>
+                  <a:tcPr>
+                    <a:solidFill>
+                      <a:srgbClr val="F5F7FA"/>
+                    </a:solidFill>
+                  </a:tcPr>
+                </a:tc>
+                <a:tc>
+                  <a:txBody>
+                    <a:bodyPr/>
+                    <a:lstStyle/>
+                    <a:p>
+                      <a:pPr>
+                        <a:defRPr sz="1600">
+                          <a:solidFill>
+                            <a:srgbClr val="222222"/>
+                          </a:solidFill>
+                        </a:defRPr>
+                      </a:pPr>
+                      <a:r>
+                        <a:t>$1.60</a:t>
+                      </a:r>
+                    </a:p>
+                  </a:txBody>
+                  <a:tcPr>
+                    <a:solidFill>
+                      <a:srgbClr val="F5F7FA"/>
+                    </a:solidFill>
+                  </a:tcPr>
+                </a:tc>
+                <a:tc>
+                  <a:txBody>
+                    <a:bodyPr/>
+                    <a:lstStyle/>
+                    <a:p>
+                      <a:pPr>
+                        <a:defRPr sz="1600">
+                          <a:solidFill>
+                            <a:srgbClr val="222222"/>
+                          </a:solidFill>
+                        </a:defRPr>
+                      </a:pPr>
+                      <a:r>
+                        <a:t>1M</a:t>
+                      </a:r>
+                    </a:p>
+                  </a:txBody>
+                  <a:tcPr>
+                    <a:solidFill>
+                      <a:srgbClr val="F5F7FA"/>
+                    </a:solidFill>
+                  </a:tcPr>
+                </a:tc>
+              </a:tr>
+              <a:tr h="548640">
+                <a:tc>
+                  <a:txBody>
+                    <a:bodyPr/>
+                    <a:lstStyle/>
+                    <a:p>
+                      <a:pPr>
+                        <a:defRPr sz="1600">
+                          <a:solidFill>
+                            <a:srgbClr val="222222"/>
+                          </a:solidFill>
+                        </a:defRPr>
+                      </a:pPr>
+                      <a:r>
+                        <a:t>GPT-4.1-nano</a:t>
+                      </a:r>
+                    </a:p>
+                  </a:txBody>
+                  <a:tcPr>
+                    <a:solidFill>
+                      <a:srgbClr val="FFFFFF"/>
+                    </a:solidFill>
+                  </a:tcPr>
+                </a:tc>
+                <a:tc>
+                  <a:txBody>
+                    <a:bodyPr/>
+                    <a:lstStyle/>
+                    <a:p>
+                      <a:pPr>
+                        <a:defRPr sz="1600">
+                          <a:solidFill>
+                            <a:srgbClr val="222222"/>
+                          </a:solidFill>
+                        </a:defRPr>
+                      </a:pPr>
+                      <a:r>
+                        <a:t>$0.10</a:t>
+                      </a:r>
+                    </a:p>
+                  </a:txBody>
+                  <a:tcPr>
+                    <a:solidFill>
+                      <a:srgbClr val="FFFFFF"/>
+                    </a:solidFill>
+                  </a:tcPr>
+                </a:tc>
+                <a:tc>
+                  <a:txBody>
+                    <a:bodyPr/>
+                    <a:lstStyle/>
+                    <a:p>
+                      <a:pPr>
+                        <a:defRPr sz="1600">
+                          <a:solidFill>
+                            <a:srgbClr val="222222"/>
+                          </a:solidFill>
+                        </a:defRPr>
+                      </a:pPr>
+                      <a:r>
+                        <a:t>$0.40</a:t>
+                      </a:r>
+                    </a:p>
+                  </a:txBody>
+                  <a:tcPr>
+                    <a:solidFill>
+                      <a:srgbClr val="FFFFFF"/>
+                    </a:solidFill>
+                  </a:tcPr>
+                </a:tc>
+                <a:tc>
+                  <a:txBody>
+                    <a:bodyPr/>
+                    <a:lstStyle/>
+                    <a:p>
+                      <a:pPr>
+                        <a:defRPr sz="1600">
+                          <a:solidFill>
+                            <a:srgbClr val="222222"/>
+                          </a:solidFill>
+                        </a:defRPr>
+                      </a:pPr>
+                      <a:r>
+                        <a:t>1M</a:t>
+                      </a:r>
+                    </a:p>
+                  </a:txBody>
+                  <a:tcPr>
+                    <a:solidFill>
+                      <a:srgbClr val="FFFFFF"/>
+                    </a:solidFill>
+                  </a:tcPr>
+                </a:tc>
+              </a:tr>
+              <a:tr h="548640">
+                <a:tc>
+                  <a:txBody>
+                    <a:bodyPr/>
+                    <a:lstStyle/>
+                    <a:p>
+                      <a:pPr>
+                        <a:defRPr sz="1600">
+                          <a:solidFill>
+                            <a:srgbClr val="222222"/>
+                          </a:solidFill>
+                        </a:defRPr>
+                      </a:pPr>
+                      <a:r>
+                        <a:t>Opus 4.6</a:t>
+                      </a:r>
+                    </a:p>
+                  </a:txBody>
+                  <a:tcPr>
+                    <a:solidFill>
+                      <a:srgbClr val="F5F7FA"/>
+                    </a:solidFill>
+                  </a:tcPr>
+                </a:tc>
+                <a:tc>
+                  <a:txBody>
+                    <a:bodyPr/>
+                    <a:lstStyle/>
+                    <a:p>
+                      <a:pPr>
+                        <a:defRPr sz="1600">
+                          <a:solidFill>
+                            <a:srgbClr val="222222"/>
+                          </a:solidFill>
+                        </a:defRPr>
+                      </a:pPr>
+                      <a:r>
+                        <a:t>$15</a:t>
+                      </a:r>
+                    </a:p>
+                  </a:txBody>
+                  <a:tcPr>
+                    <a:solidFill>
+                      <a:srgbClr val="F5F7FA"/>
+                    </a:solidFill>
+                  </a:tcPr>
+                </a:tc>
+                <a:tc>
+                  <a:txBody>
+                    <a:bodyPr/>
+                    <a:lstStyle/>
+                    <a:p>
+                      <a:pPr>
+                        <a:defRPr sz="1600">
+                          <a:solidFill>
+                            <a:srgbClr val="222222"/>
+                          </a:solidFill>
+                        </a:defRPr>
+                      </a:pPr>
+                      <a:r>
+                        <a:t>$75</a:t>
+                      </a:r>
+                    </a:p>
+                  </a:txBody>
+                  <a:tcPr>
+                    <a:solidFill>
+                      <a:srgbClr val="F5F7FA"/>
+                    </a:solidFill>
+                  </a:tcPr>
+                </a:tc>
+                <a:tc>
+                  <a:txBody>
+                    <a:bodyPr/>
+                    <a:lstStyle/>
+                    <a:p>
+                      <a:pPr>
+                        <a:defRPr sz="1600">
+                          <a:solidFill>
+                            <a:srgbClr val="222222"/>
+                          </a:solidFill>
+                        </a:defRPr>
+                      </a:pPr>
+                      <a:r>
+                        <a:t>200K</a:t>
+                      </a:r>
+                    </a:p>
+                  </a:txBody>
+                  <a:tcPr>
+                    <a:solidFill>
+                      <a:srgbClr val="F5F7FA"/>
+                    </a:solidFill>
+                  </a:tcPr>
+                </a:tc>
+              </a:tr>
+              <a:tr h="548640">
+                <a:tc>
+                  <a:txBody>
+                    <a:bodyPr/>
+                    <a:lstStyle/>
+                    <a:p>
+                      <a:pPr>
+                        <a:defRPr sz="1600">
+                          <a:solidFill>
+                            <a:srgbClr val="222222"/>
+                          </a:solidFill>
+                        </a:defRPr>
+                      </a:pPr>
+                      <a:r>
+                        <a:t>Sonnet 4.6</a:t>
+                      </a:r>
+                    </a:p>
+                  </a:txBody>
+                  <a:tcPr>
+                    <a:solidFill>
+                      <a:srgbClr val="FFFFFF"/>
+                    </a:solidFill>
+                  </a:tcPr>
+                </a:tc>
+                <a:tc>
+                  <a:txBody>
+                    <a:bodyPr/>
+                    <a:lstStyle/>
+                    <a:p>
+                      <a:pPr>
+                        <a:defRPr sz="1600">
+                          <a:solidFill>
+                            <a:srgbClr val="222222"/>
+                          </a:solidFill>
+                        </a:defRPr>
+                      </a:pPr>
+                      <a:r>
+                        <a:t>$3</a:t>
+                      </a:r>
+                    </a:p>
+                  </a:txBody>
+                  <a:tcPr>
+                    <a:solidFill>
+                      <a:srgbClr val="FFFFFF"/>
+                    </a:solidFill>
+                  </a:tcPr>
+                </a:tc>
+                <a:tc>
+                  <a:txBody>
+                    <a:bodyPr/>
+                    <a:lstStyle/>
+                    <a:p>
+                      <a:pPr>
+                        <a:defRPr sz="1600">
+                          <a:solidFill>
+                            <a:srgbClr val="222222"/>
+                          </a:solidFill>
+                        </a:defRPr>
+                      </a:pPr>
+                      <a:r>
+                        <a:t>$15</a:t>
+                      </a:r>
+                    </a:p>
+                  </a:txBody>
+                  <a:tcPr>
+                    <a:solidFill>
+                      <a:srgbClr val="FFFFFF"/>
+                    </a:solidFill>
+                  </a:tcPr>
+                </a:tc>
+                <a:tc>
+                  <a:txBody>
+                    <a:bodyPr/>
+                    <a:lstStyle/>
+                    <a:p>
+                      <a:pPr>
+                        <a:defRPr sz="1600">
+                          <a:solidFill>
+                            <a:srgbClr val="222222"/>
+                          </a:solidFill>
+                        </a:defRPr>
+                      </a:pPr>
+                      <a:r>
+                        <a:t>200K</a:t>
+                      </a:r>
+                    </a:p>
+                  </a:txBody>
+                  <a:tcPr>
+                    <a:solidFill>
+                      <a:srgbClr val="FFFFFF"/>
+                    </a:solidFill>
+                  </a:tcPr>
+                </a:tc>
+              </a:tr>
+              <a:tr h="548640">
+                <a:tc>
+                  <a:txBody>
+                    <a:bodyPr/>
+                    <a:lstStyle/>
+                    <a:p>
+                      <a:pPr>
+                        <a:defRPr sz="1600">
+                          <a:solidFill>
+                            <a:srgbClr val="222222"/>
+                          </a:solidFill>
+                        </a:defRPr>
+                      </a:pPr>
+                      <a:r>
+                        <a:t>Haiku 3.5</a:t>
+                      </a:r>
+                    </a:p>
+                  </a:txBody>
+                  <a:tcPr>
+                    <a:solidFill>
+                      <a:srgbClr val="F5F7FA"/>
+                    </a:solidFill>
+                  </a:tcPr>
+                </a:tc>
+                <a:tc>
+                  <a:txBody>
+                    <a:bodyPr/>
+                    <a:lstStyle/>
+                    <a:p>
+                      <a:pPr>
+                        <a:defRPr sz="1600">
+                          <a:solidFill>
+                            <a:srgbClr val="222222"/>
+                          </a:solidFill>
+                        </a:defRPr>
+                      </a:pPr>
+                      <a:r>
+                        <a:t>$0.80</a:t>
+                      </a:r>
+                    </a:p>
+                  </a:txBody>
+                  <a:tcPr>
+                    <a:solidFill>
+                      <a:srgbClr val="F5F7FA"/>
+                    </a:solidFill>
+                  </a:tcPr>
+                </a:tc>
+                <a:tc>
+                  <a:txBody>
+                    <a:bodyPr/>
+                    <a:lstStyle/>
+                    <a:p>
+                      <a:pPr>
+                        <a:defRPr sz="1600">
+                          <a:solidFill>
+                            <a:srgbClr val="222222"/>
+                          </a:solidFill>
+                        </a:defRPr>
+                      </a:pPr>
+                      <a:r>
+                        <a:t>$4</a:t>
+                      </a:r>
+                    </a:p>
+                  </a:txBody>
+                  <a:tcPr>
+                    <a:solidFill>
+                      <a:srgbClr val="F5F7FA"/>
+                    </a:solidFill>
+                  </a:tcPr>
+                </a:tc>
+                <a:tc>
+                  <a:txBody>
+                    <a:bodyPr/>
+                    <a:lstStyle/>
+                    <a:p>
+                      <a:pPr>
+                        <a:defRPr sz="1600">
+                          <a:solidFill>
+                            <a:srgbClr val="222222"/>
+                          </a:solidFill>
+                        </a:defRPr>
+                      </a:pPr>
+                      <a:r>
+                        <a:t>200K</a:t>
+                      </a:r>
+                    </a:p>
+                  </a:txBody>
+                  <a:tcPr>
+                    <a:solidFill>
+                      <a:srgbClr val="F5F7FA"/>
+                    </a:solidFill>
+                  </a:tcPr>
+                </a:tc>
+              </a:tr>
+              <a:tr h="548640">
+                <a:tc>
+                  <a:txBody>
+                    <a:bodyPr/>
+                    <a:lstStyle/>
+                    <a:p>
+                      <a:pPr>
+                        <a:defRPr sz="1600">
+                          <a:solidFill>
+                            <a:srgbClr val="222222"/>
+                          </a:solidFill>
+                        </a:defRPr>
+                      </a:pPr>
+                      <a:r>
+                        <a:t>Gemini 2.5 Pro</a:t>
+                      </a:r>
+                    </a:p>
+                  </a:txBody>
+                  <a:tcPr>
+                    <a:solidFill>
+                      <a:srgbClr val="FFFFFF"/>
+                    </a:solidFill>
+                  </a:tcPr>
+                </a:tc>
+                <a:tc>
+                  <a:txBody>
+                    <a:bodyPr/>
+                    <a:lstStyle/>
+                    <a:p>
+                      <a:pPr>
+                        <a:defRPr sz="1600">
+                          <a:solidFill>
+                            <a:srgbClr val="222222"/>
+                          </a:solidFill>
+                        </a:defRPr>
+                      </a:pPr>
+                      <a:r>
+                        <a:t>$1.25</a:t>
+                      </a:r>
+                    </a:p>
+                  </a:txBody>
+                  <a:tcPr>
+                    <a:solidFill>
+                      <a:srgbClr val="FFFFFF"/>
+                    </a:solidFill>
+                  </a:tcPr>
+                </a:tc>
+                <a:tc>
+                  <a:txBody>
+                    <a:bodyPr/>
+                    <a:lstStyle/>
+                    <a:p>
+                      <a:pPr>
+                        <a:defRPr sz="1600">
+                          <a:solidFill>
+                            <a:srgbClr val="222222"/>
+                          </a:solidFill>
+                        </a:defRPr>
+                      </a:pPr>
+                      <a:r>
+                        <a:t>$10</a:t>
+                      </a:r>
+                    </a:p>
+                  </a:txBody>
+                  <a:tcPr>
+                    <a:solidFill>
+                      <a:srgbClr val="FFFFFF"/>
+                    </a:solidFill>
+                  </a:tcPr>
+                </a:tc>
+                <a:tc>
+                  <a:txBody>
+                    <a:bodyPr/>
+                    <a:lstStyle/>
+                    <a:p>
+                      <a:pPr>
+                        <a:defRPr sz="1600">
+                          <a:solidFill>
+                            <a:srgbClr val="222222"/>
+                          </a:solidFill>
+                        </a:defRPr>
+                      </a:pPr>
+                      <a:r>
+                        <a:t>1M</a:t>
+                      </a:r>
+                    </a:p>
+                  </a:txBody>
+                  <a:tcPr>
+                    <a:solidFill>
+                      <a:srgbClr val="FFFFFF"/>
+                    </a:solidFill>
+                  </a:tcPr>
+                </a:tc>
+              </a:tr>
+              <a:tr h="548640">
+                <a:tc>
+                  <a:txBody>
+                    <a:bodyPr/>
+                    <a:lstStyle/>
+                    <a:p>
+                      <a:pPr>
+                        <a:defRPr sz="1600">
+                          <a:solidFill>
+                            <a:srgbClr val="222222"/>
+                          </a:solidFill>
+                        </a:defRPr>
+                      </a:pPr>
+                      <a:r>
+                        <a:t>DeepSeek V4</a:t>
+                      </a:r>
+                    </a:p>
+                  </a:txBody>
+                  <a:tcPr>
+                    <a:solidFill>
+                      <a:srgbClr val="F5F7FA"/>
+                    </a:solidFill>
+                  </a:tcPr>
+                </a:tc>
+                <a:tc>
+                  <a:txBody>
+                    <a:bodyPr/>
+                    <a:lstStyle/>
+                    <a:p>
+                      <a:pPr>
+                        <a:defRPr sz="1600">
+                          <a:solidFill>
+                            <a:srgbClr val="222222"/>
+                          </a:solidFill>
+                        </a:defRPr>
+                      </a:pPr>
+                      <a:r>
+                        <a:t>$0.14</a:t>
+                      </a:r>
+                    </a:p>
+                  </a:txBody>
+                  <a:tcPr>
+                    <a:solidFill>
+                      <a:srgbClr val="F5F7FA"/>
+                    </a:solidFill>
+                  </a:tcPr>
+                </a:tc>
+                <a:tc>
+                  <a:txBody>
+                    <a:bodyPr/>
+                    <a:lstStyle/>
+                    <a:p>
+                      <a:pPr>
+                        <a:defRPr sz="1600">
+                          <a:solidFill>
+                            <a:srgbClr val="222222"/>
+                          </a:solidFill>
+                        </a:defRPr>
+                      </a:pPr>
+                      <a:r>
+                        <a:t>$0.28</a:t>
+                      </a:r>
+                    </a:p>
+                  </a:txBody>
+                  <a:tcPr>
+                    <a:solidFill>
+                      <a:srgbClr val="F5F7FA"/>
+                    </a:solidFill>
+                  </a:tcPr>
+                </a:tc>
+                <a:tc>
+                  <a:txBody>
+                    <a:bodyPr/>
+                    <a:lstStyle/>
+                    <a:p>
+                      <a:pPr>
+                        <a:defRPr sz="1600">
+                          <a:solidFill>
+                            <a:srgbClr val="222222"/>
+                          </a:solidFill>
+                        </a:defRPr>
+                      </a:pPr>
+                      <a:r>
+                        <a:t>128K</a:t>
+                      </a:r>
+                    </a:p>
+                  </a:txBody>
+                  <a:tcPr>
+                    <a:solidFill>
+                      <a:srgbClr val="F5F7FA"/>
+                    </a:solidFill>
+                  </a:tcPr>
+                </a:tc>
+              </a:tr>
+            </a:tbl>
+          </a:graphicData>
+        </a:graphic>
+      </p:graphicFrame>
+    </p:spTree>
+  </p:cSld>
+  <p:clrMapOvr>
+    <a:masterClrMapping/>
+  </p:clrMapOvr>
+</p:sld>
+</file>
+
+<file path=ppt/slides/slide6.xml><?xml version="1.0" encoding="utf-8"?>
+<p:sld xmlns:a="http://schemas.openxmlformats.org/drawingml/2006/main" xmlns:p="http://schemas.openxmlformats.org/presentationml/2006/main" xmlns:r="http://schemas.openxmlformats.org/officeDocument/2006/relationships">
+  <p:cSld>
+    <p:spTree>
+      <p:nvGrpSpPr>
+        <p:cNvPr id="1" name=""/>
+        <p:cNvGrpSpPr/>
+        <p:nvPr/>
+      </p:nvGrpSpPr>
+      <p:grpSpPr/>
+      <p:sp>
+        <p:nvSpPr>
+          <p:cNvPr id="2" name="Rectangle 1"/>
+          <p:cNvSpPr/>
+          <p:nvPr/>
+        </p:nvSpPr>
+        <p:spPr>
+          <a:xfrm>
+            <a:off x="0" y="0"/>
+            <a:ext cx="12191695" cy="1005840"/>
+          </a:xfrm>
+          <a:prstGeom prst="rect">
+            <a:avLst/>
+          </a:prstGeom>
+          <a:solidFill>
+            <a:srgbClr val="1B2A4A"/>
+          </a:solidFill>
+          <a:ln>
+            <a:noFill/>
+          </a:ln>
+        </p:spPr>
+        <p:style>
+          <a:lnRef idx="1">
+            <a:schemeClr val="accent1"/>
+          </a:lnRef>
+          <a:fillRef idx="3">
+            <a:schemeClr val="accent1"/>
+          </a:fillRef>
+          <a:effectRef idx="2">
+            <a:schemeClr val="accent1"/>
+          </a:effectRef>
+          <a:fontRef idx="minor">
+            <a:schemeClr val="lt1"/>
+          </a:fontRef>
+        </p:style>
+        <p:txBody>
+          <a:bodyPr rtlCol="0" anchor="ctr"/>
+          <a:lstStyle/>
+          <a:p>
+            <a:pPr algn="ctr"/>
+          </a:p>
+        </p:txBody>
+      </p:sp>
+      <p:sp>
+        <p:nvSpPr>
+          <p:cNvPr id="3" name="TextBox 2"/>
+          <p:cNvSpPr txBox="1"/>
+          <p:nvPr/>
+        </p:nvSpPr>
+        <p:spPr>
+          <a:xfrm>
+            <a:off x="731520" y="137160"/>
+            <a:ext cx="10698480" cy="731520"/>
+          </a:xfrm>
+          <a:prstGeom prst="rect">
+            <a:avLst/>
+          </a:prstGeom>
+          <a:noFill/>
+        </p:spPr>
+        <p:txBody>
+          <a:bodyPr wrap="square">
+            <a:spAutoFit/>
+          </a:bodyPr>
+          <a:lstStyle/>
+          <a:p>
+            <a:pPr>
+              <a:defRPr sz="2800" b="1">
+                <a:solidFill>
+                  <a:srgbClr val="FFFFFF"/>
+                </a:solidFill>
+              </a:defRPr>
+            </a:pPr>
+            <a:r>
+              <a:t>Open-Source Models</a:t>
+            </a:r>
+          </a:p>
+        </p:txBody>
+      </p:sp>
+      <p:sp>
+        <p:nvSpPr>
+          <p:cNvPr id="4" name="TextBox 3"/>
+          <p:cNvSpPr txBox="1"/>
+          <p:nvPr/>
+        </p:nvSpPr>
+        <p:spPr>
+          <a:xfrm>
+            <a:off x="731520" y="1280160"/>
+            <a:ext cx="10698480" cy="5029200"/>
+          </a:xfrm>
+          <a:prstGeom prst="rect">
+            <a:avLst/>
+          </a:prstGeom>
+          <a:noFill/>
+        </p:spPr>
+        <p:txBody>
+          <a:bodyPr wrap="square">
+            <a:spAutoFit/>
+          </a:bodyPr>
+          <a:lstStyle/>
+          <a:p>
+            <a:pPr>
+              <a:spcAft>
+                <a:spcPts val="1000"/>
+              </a:spcAft>
+              <a:defRPr sz="2200">
+                <a:solidFill>
+                  <a:srgbClr val="222222"/>
+                </a:solidFill>
+              </a:defRPr>
+            </a:pPr>
+            <a:r>
+              <a:t>Llama 4 (Meta) — free weights, run anywhere</a:t>
+            </a:r>
+          </a:p>
+          <a:p>
+            <a:pPr>
+              <a:spcAft>
+                <a:spcPts val="1000"/>
+              </a:spcAft>
+              <a:defRPr sz="2200">
+                <a:solidFill>
+                  <a:srgbClr val="222222"/>
+                </a:solidFill>
+              </a:defRPr>
+            </a:pPr>
+            <a:r>
+              <a:t>DeepSeek V4 — incredible price/performance</a:t>
+            </a:r>
+          </a:p>
+          <a:p>
+            <a:pPr>
+              <a:spcAft>
+                <a:spcPts val="1000"/>
+              </a:spcAft>
+              <a:defRPr sz="2200">
+                <a:solidFill>
+                  <a:srgbClr val="222222"/>
+                </a:solidFill>
+              </a:defRPr>
+            </a:pPr>
+            <a:r>
+              <a:t>Mistral, Qwen — strong multilingual options</a:t>
+            </a:r>
+          </a:p>
+          <a:p>
+            <a:pPr>
+              <a:spcAft>
+                <a:spcPts val="1000"/>
+              </a:spcAft>
+              <a:defRPr sz="2200">
+                <a:solidFill>
+                  <a:srgbClr val="222222"/>
+                </a:solidFill>
+              </a:defRPr>
+            </a:pPr>
+            <a:r>
+              <a:t>Self-hosting: Ollama (easy local), vLLM (production)</a:t>
+            </a:r>
+          </a:p>
+          <a:p>
+            <a:pPr>
+              <a:spcAft>
+                <a:spcPts val="1000"/>
+              </a:spcAft>
+              <a:defRPr sz="2200">
+                <a:solidFill>
+                  <a:srgbClr val="222222"/>
+                </a:solidFill>
+              </a:defRPr>
+            </a:pPr>
+            <a:r>
+              <a:t>Trade-off: control &amp; privacy vs capability &amp; maintenance</a:t>
+            </a:r>
+          </a:p>
+          <a:p>
+            <a:pPr>
+              <a:spcAft>
+                <a:spcPts val="1000"/>
+              </a:spcAft>
+              <a:defRPr sz="2200">
+                <a:solidFill>
+                  <a:srgbClr val="222222"/>
+                </a:solidFill>
+              </a:defRPr>
+            </a:pPr>
+            <a:r>
+              <a:t>Great for: sensitive data, offline, cost at scale</a:t>
+            </a:r>
+          </a:p>
+        </p:txBody>
+      </p:sp>
+    </p:spTree>
+  </p:cSld>
+  <p:clrMapOvr>
+    <a:masterClrMapping/>
+  </p:clrMapOvr>
+</p:sld>
+</file>
+
+<file path=ppt/slides/slide7.xml><?xml version="1.0" encoding="utf-8"?>
+<p:sld xmlns:a="http://schemas.openxmlformats.org/drawingml/2006/main" xmlns:p="http://schemas.openxmlformats.org/presentationml/2006/main" xmlns:r="http://schemas.openxmlformats.org/officeDocument/2006/relationships">
+  <p:cSld>
+    <p:bg>
+      <p:bgPr>
+        <a:solidFill>
+          <a:srgbClr val="1B2A4A"/>
+        </a:solidFill>
+        <a:effectLst/>
+      </p:bgPr>
+    </p:bg>
+    <p:spTree>
+      <p:nvGrpSpPr>
+        <p:cNvPr id="1" name=""/>
+        <p:cNvGrpSpPr/>
+        <p:nvPr/>
+      </p:nvGrpSpPr>
+      <p:grpSpPr/>
+      <p:sp>
+        <p:nvSpPr>
+          <p:cNvPr id="2" name="TextBox 1"/>
+          <p:cNvSpPr txBox="1"/>
+          <p:nvPr/>
+        </p:nvSpPr>
+        <p:spPr>
+          <a:xfrm>
+            <a:off x="731520" y="2560320"/>
+            <a:ext cx="10698480" cy="1371600"/>
+          </a:xfrm>
+          <a:prstGeom prst="rect">
+            <a:avLst/>
+          </a:prstGeom>
+          <a:noFill/>
+        </p:spPr>
+        <p:txBody>
+          <a:bodyPr wrap="square">
+            <a:spAutoFit/>
+          </a:bodyPr>
+          <a:lstStyle/>
+          <a:p>
+            <a:pPr algn="l">
+              <a:defRPr sz="3600" b="1">
+                <a:solidFill>
+                  <a:srgbClr val="FFFFFF"/>
+                </a:solidFill>
+              </a:defRPr>
+            </a:pPr>
+            <a:r>
+              <a:t>API Authentication</a:t>
+            </a:r>
+          </a:p>
+        </p:txBody>
+      </p:sp>
+      <p:sp>
+        <p:nvSpPr>
+          <p:cNvPr id="3" name="Rectangle 2"/>
+          <p:cNvSpPr/>
+          <p:nvPr/>
+        </p:nvSpPr>
+        <p:spPr>
+          <a:xfrm>
+            <a:off x="731520" y="3931920"/>
+            <a:ext cx="1828800" cy="38100"/>
           </a:xfrm>
           <a:prstGeom prst="rect">
             <a:avLst/>
@@ -5170,172 +7975,6 @@
           </a:p>
         </p:txBody>
       </p:sp>
-      <p:sp>
-        <p:nvSpPr>
-          <p:cNvPr id="3" name="TextBox 2"/>
-          <p:cNvSpPr txBox="1"/>
-          <p:nvPr/>
-        </p:nvSpPr>
-        <p:spPr>
-          <a:xfrm>
-            <a:off x="731520" y="274320"/>
-            <a:ext cx="10728655" cy="822960"/>
-          </a:xfrm>
-          <a:prstGeom prst="rect">
-            <a:avLst/>
-          </a:prstGeom>
-          <a:noFill/>
-        </p:spPr>
-        <p:txBody>
-          <a:bodyPr wrap="square">
-            <a:spAutoFit/>
-          </a:bodyPr>
-          <a:lstStyle/>
-          <a:p>
-            <a:pPr algn="l">
-              <a:defRPr sz="3200" b="1">
-                <a:solidFill>
-                  <a:srgbClr val="1B2A4A"/>
-                </a:solidFill>
-              </a:defRPr>
-            </a:pPr>
-            <a:r>
-              <a:t>Streaming Responses</a:t>
-            </a:r>
-          </a:p>
-        </p:txBody>
-      </p:sp>
-      <p:sp>
-        <p:nvSpPr>
-          <p:cNvPr id="4" name="TextBox 3"/>
-          <p:cNvSpPr txBox="1"/>
-          <p:nvPr/>
-        </p:nvSpPr>
-        <p:spPr>
-          <a:xfrm>
-            <a:off x="914400" y="1280160"/>
-            <a:ext cx="10362895" cy="5029200"/>
-          </a:xfrm>
-          <a:prstGeom prst="rect">
-            <a:avLst/>
-          </a:prstGeom>
-          <a:noFill/>
-        </p:spPr>
-        <p:txBody>
-          <a:bodyPr wrap="square">
-            <a:spAutoFit/>
-          </a:bodyPr>
-          <a:lstStyle/>
-          <a:p>
-            <a:pPr>
-              <a:spcBef>
-                <a:spcPts val="400"/>
-              </a:spcBef>
-              <a:spcAft>
-                <a:spcPts val="800"/>
-              </a:spcAft>
-              <a:defRPr sz="2000">
-                <a:solidFill>
-                  <a:srgbClr val="333333"/>
-                </a:solidFill>
-              </a:defRPr>
-            </a:pPr>
-            <a:r>
-              <a:t>Without streaming: wait for full response, then display</a:t>
-            </a:r>
-          </a:p>
-          <a:p>
-            <a:pPr>
-              <a:spcBef>
-                <a:spcPts val="400"/>
-              </a:spcBef>
-              <a:spcAft>
-                <a:spcPts val="800"/>
-              </a:spcAft>
-              <a:defRPr sz="2000">
-                <a:solidFill>
-                  <a:srgbClr val="333333"/>
-                </a:solidFill>
-              </a:defRPr>
-            </a:pPr>
-            <a:r>
-              <a:t>With streaming: tokens arrive one at a time, display instantly</a:t>
-            </a:r>
-          </a:p>
-          <a:p>
-            <a:pPr>
-              <a:spcBef>
-                <a:spcPts val="400"/>
-              </a:spcBef>
-              <a:spcAft>
-                <a:spcPts val="800"/>
-              </a:spcAft>
-              <a:defRPr sz="2000">
-                <a:solidFill>
-                  <a:srgbClr val="333333"/>
-                </a:solidFill>
-              </a:defRPr>
-            </a:pPr>
-            <a:r>
-              <a:t>Much better UX — user sees response forming in real-time</a:t>
-            </a:r>
-          </a:p>
-          <a:p>
-            <a:pPr>
-              <a:spcBef>
-                <a:spcPts val="400"/>
-              </a:spcBef>
-              <a:spcAft>
-                <a:spcPts val="800"/>
-              </a:spcAft>
-              <a:defRPr sz="2000">
-                <a:solidFill>
-                  <a:srgbClr val="333333"/>
-                </a:solidFill>
-              </a:defRPr>
-            </a:pPr>
-            <a:r>
-              <a:t>OpenAI: stream=True → iterate over chunks</a:t>
-            </a:r>
-          </a:p>
-          <a:p>
-            <a:pPr>
-              <a:spcBef>
-                <a:spcPts val="400"/>
-              </a:spcBef>
-              <a:spcAft>
-                <a:spcPts val="800"/>
-              </a:spcAft>
-              <a:defRPr sz="2000">
-                <a:solidFill>
-                  <a:srgbClr val="333333"/>
-                </a:solidFill>
-              </a:defRPr>
-            </a:pPr>
-            <a:r>
-              <a:t>Anthropic: client.messages.stream() context manager</a:t>
-            </a:r>
-          </a:p>
-          <a:p>
-            <a:pPr>
-              <a:spcBef>
-                <a:spcPts val="400"/>
-              </a:spcBef>
-              <a:spcAft>
-                <a:spcPts val="800"/>
-              </a:spcAft>
-              <a:defRPr sz="2000">
-                <a:solidFill>
-                  <a:srgbClr val="333333"/>
-                </a:solidFill>
-              </a:defRPr>
-            </a:pPr>
-            <a:r>
-              <a:t>Google: generate_content_stream() → iterate</a:t>
-            </a:r>
-          </a:p>
-        </p:txBody>
-      </p:sp>
     </p:spTree>
   </p:cSld>
   <p:clrMapOvr>
@@ -5344,7 +7983,7 @@
 </p:sld>
 </file>
 
-<file path=ppt/slides/slide13.xml><?xml version="1.0" encoding="utf-8"?>
+<file path=ppt/slides/slide8.xml><?xml version="1.0" encoding="utf-8"?>
 <p:sld xmlns:a="http://schemas.openxmlformats.org/drawingml/2006/main" xmlns:p="http://schemas.openxmlformats.org/presentationml/2006/main" xmlns:r="http://schemas.openxmlformats.org/officeDocument/2006/relationships">
   <p:cSld>
     <p:spTree>
@@ -5363,13 +8002,13 @@
         <p:spPr>
           <a:xfrm>
             <a:off x="0" y="0"/>
-            <a:ext cx="12191695" cy="73152"/>
+            <a:ext cx="12191695" cy="1005840"/>
           </a:xfrm>
           <a:prstGeom prst="rect">
             <a:avLst/>
           </a:prstGeom>
           <a:solidFill>
-            <a:srgbClr val="0096D6"/>
+            <a:srgbClr val="1B2A4A"/>
           </a:solidFill>
           <a:ln>
             <a:noFill/>
@@ -5405,8 +8044,8 @@
         </p:nvSpPr>
         <p:spPr>
           <a:xfrm>
-            <a:off x="731520" y="274320"/>
-            <a:ext cx="10728655" cy="731520"/>
+            <a:off x="731520" y="137160"/>
+            <a:ext cx="10698480" cy="731520"/>
           </a:xfrm>
           <a:prstGeom prst="rect">
             <a:avLst/>
@@ -5414,7 +8053,7 @@
           <a:noFill/>
         </p:spPr>
         <p:txBody>
-          <a:bodyPr wrap="none">
+          <a:bodyPr wrap="square">
             <a:spAutoFit/>
           </a:bodyPr>
           <a:lstStyle/>
@@ -5422,71 +8061,26 @@
             <a:pPr>
               <a:defRPr sz="2800" b="1">
                 <a:solidFill>
-                  <a:srgbClr val="1B2A4A"/>
+                  <a:srgbClr val="FFFFFF"/>
                 </a:solidFill>
               </a:defRPr>
             </a:pPr>
             <a:r>
-              <a:t>Streaming — OpenAI Example</a:t>
-            </a:r>
-          </a:p>
-        </p:txBody>
-      </p:sp>
-      <p:sp>
-        <p:nvSpPr>
-          <p:cNvPr id="4" name="Rounded Rectangle 3"/>
-          <p:cNvSpPr/>
+              <a:t>OAuth vs API Key — The Two Auth Models</a:t>
+            </a:r>
+          </a:p>
+        </p:txBody>
+      </p:sp>
+      <p:sp>
+        <p:nvSpPr>
+          <p:cNvPr id="4" name="TextBox 3"/>
+          <p:cNvSpPr txBox="1"/>
           <p:nvPr/>
         </p:nvSpPr>
         <p:spPr>
           <a:xfrm>
-            <a:off x="731520" y="1188720"/>
-            <a:ext cx="10728655" cy="5212080"/>
-          </a:xfrm>
-          <a:prstGeom prst="roundRect">
-            <a:avLst/>
-          </a:prstGeom>
-          <a:solidFill>
-            <a:srgbClr val="F0F0F0"/>
-          </a:solidFill>
-          <a:ln w="12700">
-            <a:solidFill>
-              <a:srgbClr val="DDDDDD"/>
-            </a:solidFill>
-          </a:ln>
-        </p:spPr>
-        <p:style>
-          <a:lnRef idx="1">
-            <a:schemeClr val="accent1"/>
-          </a:lnRef>
-          <a:fillRef idx="3">
-            <a:schemeClr val="accent1"/>
-          </a:fillRef>
-          <a:effectRef idx="2">
-            <a:schemeClr val="accent1"/>
-          </a:effectRef>
-          <a:fontRef idx="minor">
-            <a:schemeClr val="lt1"/>
-          </a:fontRef>
-        </p:style>
-        <p:txBody>
-          <a:bodyPr rtlCol="0" anchor="ctr"/>
-          <a:lstStyle/>
-          <a:p>
-            <a:pPr algn="ctr"/>
-          </a:p>
-        </p:txBody>
-      </p:sp>
-      <p:sp>
-        <p:nvSpPr>
-          <p:cNvPr id="5" name="TextBox 4"/>
-          <p:cNvSpPr txBox="1"/>
-          <p:nvPr/>
-        </p:nvSpPr>
-        <p:spPr>
-          <a:xfrm>
-            <a:off x="822960" y="1234440"/>
-            <a:ext cx="1828800" cy="320040"/>
+            <a:off x="731520" y="1280160"/>
+            <a:ext cx="10698480" cy="5029200"/>
           </a:xfrm>
           <a:prstGeom prst="rect">
             <a:avLst/>
@@ -5494,88 +8088,98 @@
           <a:noFill/>
         </p:spPr>
         <p:txBody>
-          <a:bodyPr wrap="none">
-            <a:spAutoFit/>
-          </a:bodyPr>
-          <a:lstStyle/>
-          <a:p>
-            <a:pPr>
-              <a:defRPr sz="1100" b="1">
-                <a:solidFill>
-                  <a:srgbClr val="666666"/>
-                </a:solidFill>
-              </a:defRPr>
-            </a:pPr>
-            <a:r>
-              <a:t>python</a:t>
-            </a:r>
-          </a:p>
-        </p:txBody>
-      </p:sp>
-      <p:sp>
-        <p:nvSpPr>
-          <p:cNvPr id="6" name="TextBox 5"/>
-          <p:cNvSpPr txBox="1"/>
-          <p:nvPr/>
-        </p:nvSpPr>
-        <p:spPr>
-          <a:xfrm>
-            <a:off x="914400" y="1554480"/>
-            <a:ext cx="10362895" cy="4754880"/>
-          </a:xfrm>
-          <a:prstGeom prst="rect">
-            <a:avLst/>
-          </a:prstGeom>
-          <a:noFill/>
-        </p:spPr>
-        <p:txBody>
           <a:bodyPr wrap="square">
             <a:spAutoFit/>
           </a:bodyPr>
           <a:lstStyle/>
           <a:p>
-            <a:pPr algn="l">
-              <a:defRPr sz="1300">
-                <a:solidFill>
-                  <a:srgbClr val="333333"/>
-                </a:solidFill>
-                <a:latin typeface="Consolas"/>
+            <a:pPr>
+              <a:spcAft>
+                <a:spcPts val="1000"/>
+              </a:spcAft>
+              <a:defRPr sz="2200">
+                <a:solidFill>
+                  <a:srgbClr val="222222"/>
+                </a:solidFill>
               </a:defRPr>
             </a:pPr>
             <a:r>
-              <a:t>stream = client.chat.completions.create(</a:t>
-            </a:r>
-            <a:br/>
-            <a:r>
-              <a:t>    model="gpt-4.1",</a:t>
-            </a:r>
-            <a:br/>
-            <a:r>
-              <a:t>    messages=messages,</a:t>
-            </a:r>
-            <a:br/>
-            <a:r>
-              <a:t>    stream=True,</a:t>
-            </a:r>
-            <a:br/>
-            <a:r>
-              <a:t>)</a:t>
-            </a:r>
-            <a:br/>
-            <a:r>
-              <a:t>for chunk in stream:</a:t>
-            </a:r>
-            <a:br/>
-            <a:r>
-              <a:t>    delta = chunk.choices[0].delta.content</a:t>
-            </a:r>
-            <a:br/>
-            <a:r>
-              <a:t>    if delta:</a:t>
-            </a:r>
-            <a:br/>
-            <a:r>
-              <a:t>        print(delta, end="", flush=True)</a:t>
+              <a:t>OAuth: App gives link → authorize in browser → paste code back</a:t>
+            </a:r>
+          </a:p>
+          <a:p>
+            <a:pPr>
+              <a:spcAft>
+                <a:spcPts val="1000"/>
+              </a:spcAft>
+              <a:defRPr sz="2200">
+                <a:solidFill>
+                  <a:srgbClr val="222222"/>
+                </a:solidFill>
+              </a:defRPr>
+            </a:pPr>
+            <a:r>
+              <a:t>OAuth uses your existing subscription (Pro/Team/Enterprise)</a:t>
+            </a:r>
+          </a:p>
+          <a:p>
+            <a:pPr>
+              <a:spcAft>
+                <a:spcPts val="1000"/>
+              </a:spcAft>
+              <a:defRPr sz="2200">
+                <a:solidFill>
+                  <a:srgbClr val="222222"/>
+                </a:solidFill>
+              </a:defRPr>
+            </a:pPr>
+            <a:r>
+              <a:t>API Key: Go to console → create key → add credits (prepaid)</a:t>
+            </a:r>
+          </a:p>
+          <a:p>
+            <a:pPr>
+              <a:spcAft>
+                <a:spcPts val="1000"/>
+              </a:spcAft>
+              <a:defRPr sz="2200">
+                <a:solidFill>
+                  <a:srgbClr val="222222"/>
+                </a:solidFill>
+              </a:defRPr>
+            </a:pPr>
+            <a:r>
+              <a:t>API Key = pay per token, completely separate from subscription</a:t>
+            </a:r>
+          </a:p>
+          <a:p>
+            <a:pPr>
+              <a:spcAft>
+                <a:spcPts val="1000"/>
+              </a:spcAft>
+              <a:defRPr sz="2200">
+                <a:solidFill>
+                  <a:srgbClr val="222222"/>
+                </a:solidFill>
+              </a:defRPr>
+            </a:pPr>
+            <a:r>
+              <a:t>Custom programs can ONLY use API keys</a:t>
+            </a:r>
+          </a:p>
+          <a:p>
+            <a:pPr>
+              <a:spcAft>
+                <a:spcPts val="1000"/>
+              </a:spcAft>
+              <a:defRPr sz="2200">
+                <a:solidFill>
+                  <a:srgbClr val="222222"/>
+                </a:solidFill>
+              </a:defRPr>
+            </a:pPr>
+            <a:r>
+              <a:t>OpenClaw accepts BOTH OAuth and API keys</a:t>
             </a:r>
           </a:p>
         </p:txBody>
@@ -5588,7 +8192,7 @@
 </p:sld>
 </file>
 
-<file path=ppt/slides/slide14.xml><?xml version="1.0" encoding="utf-8"?>
+<file path=ppt/slides/slide9.xml><?xml version="1.0" encoding="utf-8"?>
 <p:sld xmlns:a="http://schemas.openxmlformats.org/drawingml/2006/main" xmlns:p="http://schemas.openxmlformats.org/presentationml/2006/main" xmlns:r="http://schemas.openxmlformats.org/officeDocument/2006/relationships">
   <p:cSld>
     <p:spTree>
@@ -5607,13 +8211,13 @@
         <p:spPr>
           <a:xfrm>
             <a:off x="0" y="0"/>
-            <a:ext cx="12191695" cy="73152"/>
+            <a:ext cx="12191695" cy="1005840"/>
           </a:xfrm>
           <a:prstGeom prst="rect">
             <a:avLst/>
           </a:prstGeom>
           <a:solidFill>
-            <a:srgbClr val="0096D6"/>
+            <a:srgbClr val="1B2A4A"/>
           </a:solidFill>
           <a:ln>
             <a:noFill/>
@@ -5649,8 +8253,8 @@
         </p:nvSpPr>
         <p:spPr>
           <a:xfrm>
-            <a:off x="731520" y="274320"/>
-            <a:ext cx="10728655" cy="822960"/>
+            <a:off x="731520" y="137160"/>
+            <a:ext cx="10698480" cy="731520"/>
           </a:xfrm>
           <a:prstGeom prst="rect">
             <a:avLst/>
@@ -5663,15 +8267,15 @@
           </a:bodyPr>
           <a:lstStyle/>
           <a:p>
-            <a:pPr algn="l">
-              <a:defRPr sz="3200" b="1">
-                <a:solidFill>
-                  <a:srgbClr val="1B2A4A"/>
+            <a:pPr>
+              <a:defRPr sz="2800" b="1">
+                <a:solidFill>
+                  <a:srgbClr val="FFFFFF"/>
                 </a:solidFill>
               </a:defRPr>
             </a:pPr>
             <a:r>
-              <a:t>Multi-Provider Chat Script (Hands-On)</a:t>
+              <a:t>Who Uses What?</a:t>
             </a:r>
           </a:p>
         </p:txBody>
@@ -5684,8 +8288,8 @@
         </p:nvSpPr>
         <p:spPr>
           <a:xfrm>
-            <a:off x="914400" y="1280160"/>
-            <a:ext cx="10362895" cy="5029200"/>
+            <a:off x="731520" y="1280160"/>
+            <a:ext cx="10698480" cy="5029200"/>
           </a:xfrm>
           <a:prstGeom prst="rect">
             <a:avLst/>
@@ -5699,3001 +8303,92 @@
           <a:lstStyle/>
           <a:p>
             <a:pPr>
-              <a:spcBef>
-                <a:spcPts val="400"/>
-              </a:spcBef>
               <a:spcAft>
-                <a:spcPts val="800"/>
+                <a:spcPts val="1000"/>
               </a:spcAft>
-              <a:defRPr sz="2000">
-                <a:solidFill>
-                  <a:srgbClr val="333333"/>
+              <a:defRPr sz="2200">
+                <a:solidFill>
+                  <a:srgbClr val="222222"/>
                 </a:solidFill>
               </a:defRPr>
             </a:pPr>
             <a:r>
-              <a:t>chat_script.py — switch providers mid-conversation</a:t>
-            </a:r>
-          </a:p>
-          <a:p>
-            <a:pPr>
-              <a:spcBef>
-                <a:spcPts val="400"/>
-              </a:spcBef>
-              <a:spcAft>
-                <a:spcPts val="800"/>
-              </a:spcAft>
-              <a:defRPr sz="2000">
-                <a:solidFill>
-                  <a:srgbClr val="333333"/>
-                </a:solidFill>
-              </a:defRPr>
-            </a:pPr>
-            <a:r>
-              <a:t>Commands: /openai  /anthropic  /google  /clear  /quit</a:t>
-            </a:r>
-          </a:p>
-          <a:p>
-            <a:pPr>
-              <a:spcBef>
-                <a:spcPts val="400"/>
-              </a:spcBef>
-              <a:spcAft>
-                <a:spcPts val="800"/>
-              </a:spcAft>
-              <a:defRPr sz="2000">
-                <a:solidFill>
-                  <a:srgbClr val="333333"/>
-                </a:solidFill>
-              </a:defRPr>
-            </a:pPr>
-            <a:r>
-              <a:t>Shared message history across providers</a:t>
-            </a:r>
-          </a:p>
-          <a:p>
-            <a:pPr>
-              <a:spcBef>
-                <a:spcPts val="400"/>
-              </a:spcBef>
-              <a:spcAft>
-                <a:spcPts val="800"/>
-              </a:spcAft>
-              <a:defRPr sz="2000">
-                <a:solidFill>
-                  <a:srgbClr val="333333"/>
-                </a:solidFill>
-              </a:defRPr>
-            </a:pPr>
-            <a:r>
-              <a:t>Streaming responses from all three</a:t>
-            </a:r>
-          </a:p>
-          <a:p>
-            <a:pPr>
-              <a:spcBef>
-                <a:spcPts val="400"/>
-              </a:spcBef>
-              <a:spcAft>
-                <a:spcPts val="800"/>
-              </a:spcAft>
-              <a:defRPr sz="2000">
-                <a:solidFill>
-                  <a:srgbClr val="333333"/>
-                </a:solidFill>
-              </a:defRPr>
-            </a:pPr>
-            <a:r>
-              <a:t>Exercise: run it, try each provider, compare responses</a:t>
-            </a:r>
-          </a:p>
-          <a:p>
-            <a:pPr>
-              <a:spcBef>
-                <a:spcPts val="400"/>
-              </a:spcBef>
-              <a:spcAft>
-                <a:spcPts val="800"/>
-              </a:spcAft>
-              <a:defRPr sz="2000">
-                <a:solidFill>
-                  <a:srgbClr val="333333"/>
-                </a:solidFill>
-              </a:defRPr>
-            </a:pPr>
-            <a:r>
-              <a:t>Notice: same question → different styles &amp; quality</a:t>
-            </a:r>
-          </a:p>
-        </p:txBody>
-      </p:sp>
-    </p:spTree>
-  </p:cSld>
-  <p:clrMapOvr>
-    <a:masterClrMapping/>
-  </p:clrMapOvr>
-</p:sld>
-</file>
-
-<file path=ppt/slides/slide15.xml><?xml version="1.0" encoding="utf-8"?>
-<p:sld xmlns:a="http://schemas.openxmlformats.org/drawingml/2006/main" xmlns:p="http://schemas.openxmlformats.org/presentationml/2006/main" xmlns:r="http://schemas.openxmlformats.org/officeDocument/2006/relationships">
-  <p:cSld>
-    <p:spTree>
-      <p:nvGrpSpPr>
-        <p:cNvPr id="1" name=""/>
-        <p:cNvGrpSpPr/>
-        <p:nvPr/>
-      </p:nvGrpSpPr>
-      <p:grpSpPr/>
-      <p:sp>
-        <p:nvSpPr>
-          <p:cNvPr id="2" name="Rectangle 1"/>
-          <p:cNvSpPr/>
-          <p:nvPr/>
-        </p:nvSpPr>
-        <p:spPr>
-          <a:xfrm>
-            <a:off x="0" y="0"/>
-            <a:ext cx="12191695" cy="73152"/>
-          </a:xfrm>
-          <a:prstGeom prst="rect">
-            <a:avLst/>
-          </a:prstGeom>
-          <a:solidFill>
-            <a:srgbClr val="0096D6"/>
-          </a:solidFill>
-          <a:ln>
-            <a:noFill/>
-          </a:ln>
-        </p:spPr>
-        <p:style>
-          <a:lnRef idx="1">
-            <a:schemeClr val="accent1"/>
-          </a:lnRef>
-          <a:fillRef idx="3">
-            <a:schemeClr val="accent1"/>
-          </a:fillRef>
-          <a:effectRef idx="2">
-            <a:schemeClr val="accent1"/>
-          </a:effectRef>
-          <a:fontRef idx="minor">
-            <a:schemeClr val="lt1"/>
-          </a:fontRef>
-        </p:style>
-        <p:txBody>
-          <a:bodyPr rtlCol="0" anchor="ctr"/>
-          <a:lstStyle/>
-          <a:p>
-            <a:pPr algn="ctr"/>
-          </a:p>
-        </p:txBody>
-      </p:sp>
-      <p:sp>
-        <p:nvSpPr>
-          <p:cNvPr id="3" name="TextBox 2"/>
-          <p:cNvSpPr txBox="1"/>
-          <p:nvPr/>
-        </p:nvSpPr>
-        <p:spPr>
-          <a:xfrm>
-            <a:off x="731520" y="274320"/>
-            <a:ext cx="10728655" cy="822960"/>
-          </a:xfrm>
-          <a:prstGeom prst="rect">
-            <a:avLst/>
-          </a:prstGeom>
-          <a:noFill/>
-        </p:spPr>
-        <p:txBody>
-          <a:bodyPr wrap="square">
-            <a:spAutoFit/>
-          </a:bodyPr>
-          <a:lstStyle/>
-          <a:p>
-            <a:pPr algn="l">
-              <a:defRPr sz="3200" b="1">
-                <a:solidFill>
-                  <a:srgbClr val="1B2A4A"/>
-                </a:solidFill>
-              </a:defRPr>
-            </a:pPr>
-            <a:r>
-              <a:t>Key Takeaways — Session 1</a:t>
-            </a:r>
-          </a:p>
-        </p:txBody>
-      </p:sp>
-      <p:sp>
-        <p:nvSpPr>
-          <p:cNvPr id="4" name="TextBox 3"/>
-          <p:cNvSpPr txBox="1"/>
-          <p:nvPr/>
-        </p:nvSpPr>
-        <p:spPr>
-          <a:xfrm>
-            <a:off x="914400" y="1280160"/>
-            <a:ext cx="10362895" cy="5029200"/>
-          </a:xfrm>
-          <a:prstGeom prst="rect">
-            <a:avLst/>
-          </a:prstGeom>
-          <a:noFill/>
-        </p:spPr>
-        <p:txBody>
-          <a:bodyPr wrap="square">
-            <a:spAutoFit/>
-          </a:bodyPr>
-          <a:lstStyle/>
-          <a:p>
-            <a:pPr>
-              <a:spcBef>
-                <a:spcPts val="400"/>
-              </a:spcBef>
-              <a:spcAft>
-                <a:spcPts val="800"/>
-              </a:spcAft>
-              <a:defRPr sz="2000">
-                <a:solidFill>
-                  <a:srgbClr val="333333"/>
-                </a:solidFill>
-              </a:defRPr>
-            </a:pPr>
-            <a:r>
-              <a:t>Three major providers + strong open-source alternatives</a:t>
-            </a:r>
-          </a:p>
-          <a:p>
-            <a:pPr>
-              <a:spcBef>
-                <a:spcPts val="400"/>
-              </a:spcBef>
-              <a:spcAft>
-                <a:spcPts val="800"/>
-              </a:spcAft>
-              <a:defRPr sz="2000">
-                <a:solidFill>
-                  <a:srgbClr val="333333"/>
-                </a:solidFill>
-              </a:defRPr>
-            </a:pPr>
-            <a:r>
-              <a:t>Reasoning models think harder; non-reasoning are faster/cheaper</a:t>
-            </a:r>
-          </a:p>
-          <a:p>
-            <a:pPr>
-              <a:spcBef>
-                <a:spcPts val="400"/>
-              </a:spcBef>
-              <a:spcAft>
-                <a:spcPts val="800"/>
-              </a:spcAft>
-              <a:defRPr sz="2000">
-                <a:solidFill>
-                  <a:srgbClr val="333333"/>
-                </a:solidFill>
-              </a:defRPr>
-            </a:pPr>
-            <a:r>
-              <a:t>OAuth for apps like OpenClaw; API keys for your custom code</a:t>
-            </a:r>
-          </a:p>
-          <a:p>
-            <a:pPr>
-              <a:spcBef>
-                <a:spcPts val="400"/>
-              </a:spcBef>
-              <a:spcAft>
-                <a:spcPts val="800"/>
-              </a:spcAft>
-              <a:defRPr sz="2000">
-                <a:solidFill>
-                  <a:srgbClr val="333333"/>
-                </a:solidFill>
-              </a:defRPr>
-            </a:pPr>
-            <a:r>
-              <a:t>All SDKs follow client → messages → response pattern</a:t>
-            </a:r>
-          </a:p>
-          <a:p>
-            <a:pPr>
-              <a:spcBef>
-                <a:spcPts val="400"/>
-              </a:spcBef>
-              <a:spcAft>
-                <a:spcPts val="800"/>
-              </a:spcAft>
-              <a:defRPr sz="2000">
-                <a:solidFill>
-                  <a:srgbClr val="333333"/>
-                </a:solidFill>
-              </a:defRPr>
-            </a:pPr>
-            <a:r>
-              <a:t>Streaming is essential for good UX</a:t>
-            </a:r>
-          </a:p>
-          <a:p>
-            <a:pPr>
-              <a:spcBef>
-                <a:spcPts val="400"/>
-              </a:spcBef>
-              <a:spcAft>
-                <a:spcPts val="800"/>
-              </a:spcAft>
-              <a:defRPr sz="2000">
-                <a:solidFill>
-                  <a:srgbClr val="333333"/>
-                </a:solidFill>
-              </a:defRPr>
-            </a:pPr>
-            <a:r>
-              <a:t>Next session: prompt engineering &amp; multimodal APIs</a:t>
-            </a:r>
-          </a:p>
-        </p:txBody>
-      </p:sp>
-    </p:spTree>
-  </p:cSld>
-  <p:clrMapOvr>
-    <a:masterClrMapping/>
-  </p:clrMapOvr>
-</p:sld>
-</file>
-
-<file path=ppt/slides/slide2.xml><?xml version="1.0" encoding="utf-8"?>
-<p:sld xmlns:a="http://schemas.openxmlformats.org/drawingml/2006/main" xmlns:p="http://schemas.openxmlformats.org/presentationml/2006/main" xmlns:r="http://schemas.openxmlformats.org/officeDocument/2006/relationships">
-  <p:cSld>
-    <p:spTree>
-      <p:nvGrpSpPr>
-        <p:cNvPr id="1" name=""/>
-        <p:cNvGrpSpPr/>
-        <p:nvPr/>
-      </p:nvGrpSpPr>
-      <p:grpSpPr/>
-      <p:sp>
-        <p:nvSpPr>
-          <p:cNvPr id="2" name="Rectangle 1"/>
-          <p:cNvSpPr/>
-          <p:nvPr/>
-        </p:nvSpPr>
-        <p:spPr>
-          <a:xfrm>
-            <a:off x="0" y="0"/>
-            <a:ext cx="12191695" cy="73152"/>
-          </a:xfrm>
-          <a:prstGeom prst="rect">
-            <a:avLst/>
-          </a:prstGeom>
-          <a:solidFill>
-            <a:srgbClr val="0096D6"/>
-          </a:solidFill>
-          <a:ln>
-            <a:noFill/>
-          </a:ln>
-        </p:spPr>
-        <p:style>
-          <a:lnRef idx="1">
-            <a:schemeClr val="accent1"/>
-          </a:lnRef>
-          <a:fillRef idx="3">
-            <a:schemeClr val="accent1"/>
-          </a:fillRef>
-          <a:effectRef idx="2">
-            <a:schemeClr val="accent1"/>
-          </a:effectRef>
-          <a:fontRef idx="minor">
-            <a:schemeClr val="lt1"/>
-          </a:fontRef>
-        </p:style>
-        <p:txBody>
-          <a:bodyPr rtlCol="0" anchor="ctr"/>
-          <a:lstStyle/>
-          <a:p>
-            <a:pPr algn="ctr"/>
-          </a:p>
-        </p:txBody>
-      </p:sp>
-      <p:sp>
-        <p:nvSpPr>
-          <p:cNvPr id="3" name="TextBox 2"/>
-          <p:cNvSpPr txBox="1"/>
-          <p:nvPr/>
-        </p:nvSpPr>
-        <p:spPr>
-          <a:xfrm>
-            <a:off x="731520" y="274320"/>
-            <a:ext cx="10728655" cy="822960"/>
-          </a:xfrm>
-          <a:prstGeom prst="rect">
-            <a:avLst/>
-          </a:prstGeom>
-          <a:noFill/>
-        </p:spPr>
-        <p:txBody>
-          <a:bodyPr wrap="square">
-            <a:spAutoFit/>
-          </a:bodyPr>
-          <a:lstStyle/>
-          <a:p>
-            <a:pPr algn="l">
-              <a:defRPr sz="3200" b="1">
-                <a:solidFill>
-                  <a:srgbClr val="1B2A4A"/>
-                </a:solidFill>
-              </a:defRPr>
-            </a:pPr>
-            <a:r>
-              <a:t>The Big Three + Challengers</a:t>
-            </a:r>
-          </a:p>
-        </p:txBody>
-      </p:sp>
-      <p:sp>
-        <p:nvSpPr>
-          <p:cNvPr id="4" name="TextBox 3"/>
-          <p:cNvSpPr txBox="1"/>
-          <p:nvPr/>
-        </p:nvSpPr>
-        <p:spPr>
-          <a:xfrm>
-            <a:off x="914400" y="1280160"/>
-            <a:ext cx="10362895" cy="5029200"/>
-          </a:xfrm>
-          <a:prstGeom prst="rect">
-            <a:avLst/>
-          </a:prstGeom>
-          <a:noFill/>
-        </p:spPr>
-        <p:txBody>
-          <a:bodyPr wrap="square">
-            <a:spAutoFit/>
-          </a:bodyPr>
-          <a:lstStyle/>
-          <a:p>
-            <a:pPr>
-              <a:spcBef>
-                <a:spcPts val="400"/>
-              </a:spcBef>
-              <a:spcAft>
-                <a:spcPts val="800"/>
-              </a:spcAft>
-              <a:defRPr sz="2000">
-                <a:solidFill>
-                  <a:srgbClr val="333333"/>
-                </a:solidFill>
-              </a:defRPr>
-            </a:pPr>
-            <a:r>
-              <a:t>OpenAI — GPT-5.2, GPT-4.1, o3/o4-mini reasoning models</a:t>
-            </a:r>
-          </a:p>
-          <a:p>
-            <a:pPr>
-              <a:spcBef>
-                <a:spcPts val="400"/>
-              </a:spcBef>
-              <a:spcAft>
-                <a:spcPts val="800"/>
-              </a:spcAft>
-              <a:defRPr sz="2000">
-                <a:solidFill>
-                  <a:srgbClr val="333333"/>
-                </a:solidFill>
-              </a:defRPr>
-            </a:pPr>
-            <a:r>
-              <a:t>Anthropic — Opus 4.6, Sonnet 4.6, Haiku 3.5 (Claude Code)</a:t>
-            </a:r>
-          </a:p>
-          <a:p>
-            <a:pPr>
-              <a:spcBef>
-                <a:spcPts val="400"/>
-              </a:spcBef>
-              <a:spcAft>
-                <a:spcPts val="800"/>
-              </a:spcAft>
-              <a:defRPr sz="2000">
-                <a:solidFill>
-                  <a:srgbClr val="333333"/>
-                </a:solidFill>
-              </a:defRPr>
-            </a:pPr>
-            <a:r>
-              <a:t>Google — Gemini 2.5 Pro, Gemini 2.5 Flash</a:t>
-            </a:r>
-          </a:p>
-          <a:p>
-            <a:pPr>
-              <a:spcBef>
-                <a:spcPts val="400"/>
-              </a:spcBef>
-              <a:spcAft>
-                <a:spcPts val="800"/>
-              </a:spcAft>
-              <a:defRPr sz="2000">
-                <a:solidFill>
-                  <a:srgbClr val="333333"/>
-                </a:solidFill>
-              </a:defRPr>
-            </a:pPr>
-            <a:r>
-              <a:t>Challengers: DeepSeek V4, Meta Llama 4, Grok 4, Mistral Large</a:t>
-            </a:r>
-          </a:p>
-          <a:p>
-            <a:pPr>
-              <a:spcBef>
-                <a:spcPts val="400"/>
-              </a:spcBef>
-              <a:spcAft>
-                <a:spcPts val="800"/>
-              </a:spcAft>
-              <a:defRPr sz="2000">
-                <a:solidFill>
-                  <a:srgbClr val="333333"/>
-                </a:solidFill>
-              </a:defRPr>
-            </a:pPr>
-            <a:r>
-              <a:t>All accessible through simple REST APIs + SDKs</a:t>
-            </a:r>
-          </a:p>
-        </p:txBody>
-      </p:sp>
-    </p:spTree>
-  </p:cSld>
-  <p:clrMapOvr>
-    <a:masterClrMapping/>
-  </p:clrMapOvr>
-</p:sld>
-</file>
-
-<file path=ppt/slides/slide3.xml><?xml version="1.0" encoding="utf-8"?>
-<p:sld xmlns:a="http://schemas.openxmlformats.org/drawingml/2006/main" xmlns:p="http://schemas.openxmlformats.org/presentationml/2006/main" xmlns:r="http://schemas.openxmlformats.org/officeDocument/2006/relationships">
-  <p:cSld>
-    <p:spTree>
-      <p:nvGrpSpPr>
-        <p:cNvPr id="1" name=""/>
-        <p:cNvGrpSpPr/>
-        <p:nvPr/>
-      </p:nvGrpSpPr>
-      <p:grpSpPr/>
-      <p:sp>
-        <p:nvSpPr>
-          <p:cNvPr id="2" name="Rectangle 1"/>
-          <p:cNvSpPr/>
-          <p:nvPr/>
-        </p:nvSpPr>
-        <p:spPr>
-          <a:xfrm>
-            <a:off x="0" y="0"/>
-            <a:ext cx="12191695" cy="73152"/>
-          </a:xfrm>
-          <a:prstGeom prst="rect">
-            <a:avLst/>
-          </a:prstGeom>
-          <a:solidFill>
-            <a:srgbClr val="0096D6"/>
-          </a:solidFill>
-          <a:ln>
-            <a:noFill/>
-          </a:ln>
-        </p:spPr>
-        <p:style>
-          <a:lnRef idx="1">
-            <a:schemeClr val="accent1"/>
-          </a:lnRef>
-          <a:fillRef idx="3">
-            <a:schemeClr val="accent1"/>
-          </a:fillRef>
-          <a:effectRef idx="2">
-            <a:schemeClr val="accent1"/>
-          </a:effectRef>
-          <a:fontRef idx="minor">
-            <a:schemeClr val="lt1"/>
-          </a:fontRef>
-        </p:style>
-        <p:txBody>
-          <a:bodyPr rtlCol="0" anchor="ctr"/>
-          <a:lstStyle/>
-          <a:p>
-            <a:pPr algn="ctr"/>
-          </a:p>
-        </p:txBody>
-      </p:sp>
-      <p:sp>
-        <p:nvSpPr>
-          <p:cNvPr id="3" name="TextBox 2"/>
-          <p:cNvSpPr txBox="1"/>
-          <p:nvPr/>
-        </p:nvSpPr>
-        <p:spPr>
-          <a:xfrm>
-            <a:off x="731520" y="274320"/>
-            <a:ext cx="10728655" cy="731520"/>
-          </a:xfrm>
-          <a:prstGeom prst="rect">
-            <a:avLst/>
-          </a:prstGeom>
-          <a:noFill/>
-        </p:spPr>
-        <p:txBody>
-          <a:bodyPr wrap="none">
-            <a:spAutoFit/>
-          </a:bodyPr>
-          <a:lstStyle/>
-          <a:p>
-            <a:pPr>
-              <a:defRPr sz="3200" b="1">
-                <a:solidFill>
-                  <a:srgbClr val="1B2A4A"/>
-                </a:solidFill>
-              </a:defRPr>
-            </a:pPr>
-            <a:r>
-              <a:t>Model Comparison — February 2026</a:t>
-            </a:r>
-          </a:p>
-        </p:txBody>
-      </p:sp>
-      <p:graphicFrame>
-        <p:nvGraphicFramePr>
-          <p:cNvPr id="4" name="Table 3"/>
-          <p:cNvGraphicFramePr>
-            <a:graphicFrameLocks noGrp="1"/>
-          </p:cNvGraphicFramePr>
-          <p:nvPr/>
-        </p:nvGraphicFramePr>
-        <p:xfrm>
-          <a:off x="731520" y="1280160"/>
-          <a:ext cx="10728655" cy="2194560"/>
-        </p:xfrm>
-        <a:graphic>
-          <a:graphicData uri="http://schemas.openxmlformats.org/drawingml/2006/table">
-            <a:tbl>
-              <a:tblPr firstRow="1" bandRow="1">
-                <a:tableStyleId>{5C22544A-7EE6-4342-B048-85BDC9FD1C3A}</a:tableStyleId>
-              </a:tblPr>
-              <a:tblGrid>
-                <a:gridCol w="2145731"/>
-                <a:gridCol w="2145731"/>
-                <a:gridCol w="2145731"/>
-                <a:gridCol w="2145731"/>
-                <a:gridCol w="2145731"/>
-              </a:tblGrid>
-              <a:tr h="365760">
-                <a:tc>
-                  <a:txBody>
-                    <a:bodyPr/>
-                    <a:lstStyle/>
-                    <a:p>
-                      <a:pPr algn="ctr">
-                        <a:defRPr sz="1400" b="1">
-                          <a:solidFill>
-                            <a:srgbClr val="FFFFFF"/>
-                          </a:solidFill>
-                        </a:defRPr>
-                      </a:pPr>
-                      <a:r>
-                        <a:t>Provider</a:t>
-                      </a:r>
-                    </a:p>
-                  </a:txBody>
-                  <a:tcPr>
-                    <a:solidFill>
-                      <a:srgbClr val="1B2A4A"/>
-                    </a:solidFill>
-                  </a:tcPr>
-                </a:tc>
-                <a:tc>
-                  <a:txBody>
-                    <a:bodyPr/>
-                    <a:lstStyle/>
-                    <a:p>
-                      <a:pPr algn="ctr">
-                        <a:defRPr sz="1400" b="1">
-                          <a:solidFill>
-                            <a:srgbClr val="FFFFFF"/>
-                          </a:solidFill>
-                        </a:defRPr>
-                      </a:pPr>
-                      <a:r>
-                        <a:t>Flagship</a:t>
-                      </a:r>
-                    </a:p>
-                  </a:txBody>
-                  <a:tcPr>
-                    <a:solidFill>
-                      <a:srgbClr val="1B2A4A"/>
-                    </a:solidFill>
-                  </a:tcPr>
-                </a:tc>
-                <a:tc>
-                  <a:txBody>
-                    <a:bodyPr/>
-                    <a:lstStyle/>
-                    <a:p>
-                      <a:pPr algn="ctr">
-                        <a:defRPr sz="1400" b="1">
-                          <a:solidFill>
-                            <a:srgbClr val="FFFFFF"/>
-                          </a:solidFill>
-                        </a:defRPr>
-                      </a:pPr>
-                      <a:r>
-                        <a:t>Mid-Tier</a:t>
-                      </a:r>
-                    </a:p>
-                  </a:txBody>
-                  <a:tcPr>
-                    <a:solidFill>
-                      <a:srgbClr val="1B2A4A"/>
-                    </a:solidFill>
-                  </a:tcPr>
-                </a:tc>
-                <a:tc>
-                  <a:txBody>
-                    <a:bodyPr/>
-                    <a:lstStyle/>
-                    <a:p>
-                      <a:pPr algn="ctr">
-                        <a:defRPr sz="1400" b="1">
-                          <a:solidFill>
-                            <a:srgbClr val="FFFFFF"/>
-                          </a:solidFill>
-                        </a:defRPr>
-                      </a:pPr>
-                      <a:r>
-                        <a:t>Fast/Cheap</a:t>
-                      </a:r>
-                    </a:p>
-                  </a:txBody>
-                  <a:tcPr>
-                    <a:solidFill>
-                      <a:srgbClr val="1B2A4A"/>
-                    </a:solidFill>
-                  </a:tcPr>
-                </a:tc>
-                <a:tc>
-                  <a:txBody>
-                    <a:bodyPr/>
-                    <a:lstStyle/>
-                    <a:p>
-                      <a:pPr algn="ctr">
-                        <a:defRPr sz="1400" b="1">
-                          <a:solidFill>
-                            <a:srgbClr val="FFFFFF"/>
-                          </a:solidFill>
-                        </a:defRPr>
-                      </a:pPr>
-                      <a:r>
-                        <a:t>Pricing (In/Out per 1M)</a:t>
-                      </a:r>
-                    </a:p>
-                  </a:txBody>
-                  <a:tcPr>
-                    <a:solidFill>
-                      <a:srgbClr val="1B2A4A"/>
-                    </a:solidFill>
-                  </a:tcPr>
-                </a:tc>
-              </a:tr>
-              <a:tr h="365760">
-                <a:tc>
-                  <a:txBody>
-                    <a:bodyPr/>
-                    <a:lstStyle/>
-                    <a:p>
-                      <a:pPr algn="ctr">
-                        <a:defRPr sz="1300">
-                          <a:solidFill>
-                            <a:srgbClr val="333333"/>
-                          </a:solidFill>
-                        </a:defRPr>
-                      </a:pPr>
-                      <a:r>
-                        <a:t>OpenAI</a:t>
-                      </a:r>
-                    </a:p>
-                  </a:txBody>
-                  <a:tcPr/>
-                </a:tc>
-                <a:tc>
-                  <a:txBody>
-                    <a:bodyPr/>
-                    <a:lstStyle/>
-                    <a:p>
-                      <a:pPr algn="ctr">
-                        <a:defRPr sz="1300">
-                          <a:solidFill>
-                            <a:srgbClr val="333333"/>
-                          </a:solidFill>
-                        </a:defRPr>
-                      </a:pPr>
-                      <a:r>
-                        <a:t>GPT-5.2</a:t>
-                      </a:r>
-                    </a:p>
-                  </a:txBody>
-                  <a:tcPr/>
-                </a:tc>
-                <a:tc>
-                  <a:txBody>
-                    <a:bodyPr/>
-                    <a:lstStyle/>
-                    <a:p>
-                      <a:pPr algn="ctr">
-                        <a:defRPr sz="1300">
-                          <a:solidFill>
-                            <a:srgbClr val="333333"/>
-                          </a:solidFill>
-                        </a:defRPr>
-                      </a:pPr>
-                      <a:r>
-                        <a:t>GPT-4.1</a:t>
-                      </a:r>
-                    </a:p>
-                  </a:txBody>
-                  <a:tcPr/>
-                </a:tc>
-                <a:tc>
-                  <a:txBody>
-                    <a:bodyPr/>
-                    <a:lstStyle/>
-                    <a:p>
-                      <a:pPr algn="ctr">
-                        <a:defRPr sz="1300">
-                          <a:solidFill>
-                            <a:srgbClr val="333333"/>
-                          </a:solidFill>
-                        </a:defRPr>
-                      </a:pPr>
-                      <a:r>
-                        <a:t>GPT-4.1-mini / nano</a:t>
-                      </a:r>
-                    </a:p>
-                  </a:txBody>
-                  <a:tcPr/>
-                </a:tc>
-                <a:tc>
-                  <a:txBody>
-                    <a:bodyPr/>
-                    <a:lstStyle/>
-                    <a:p>
-                      <a:pPr algn="ctr">
-                        <a:defRPr sz="1300">
-                          <a:solidFill>
-                            <a:srgbClr val="333333"/>
-                          </a:solidFill>
-                        </a:defRPr>
-                      </a:pPr>
-                      <a:r>
-                        <a:t>$20 / $60</a:t>
-                      </a:r>
-                    </a:p>
-                  </a:txBody>
-                  <a:tcPr/>
-                </a:tc>
-              </a:tr>
-              <a:tr h="365760">
-                <a:tc>
-                  <a:txBody>
-                    <a:bodyPr/>
-                    <a:lstStyle/>
-                    <a:p>
-                      <a:pPr algn="ctr">
-                        <a:defRPr sz="1300">
-                          <a:solidFill>
-                            <a:srgbClr val="333333"/>
-                          </a:solidFill>
-                        </a:defRPr>
-                      </a:pPr>
-                      <a:r>
-                        <a:t>Anthropic</a:t>
-                      </a:r>
-                    </a:p>
-                  </a:txBody>
-                  <a:tcPr>
-                    <a:solidFill>
-                      <a:srgbClr val="F5F7FA"/>
-                    </a:solidFill>
-                  </a:tcPr>
-                </a:tc>
-                <a:tc>
-                  <a:txBody>
-                    <a:bodyPr/>
-                    <a:lstStyle/>
-                    <a:p>
-                      <a:pPr algn="ctr">
-                        <a:defRPr sz="1300">
-                          <a:solidFill>
-                            <a:srgbClr val="333333"/>
-                          </a:solidFill>
-                        </a:defRPr>
-                      </a:pPr>
-                      <a:r>
-                        <a:t>Opus 4.6</a:t>
-                      </a:r>
-                    </a:p>
-                  </a:txBody>
-                  <a:tcPr>
-                    <a:solidFill>
-                      <a:srgbClr val="F5F7FA"/>
-                    </a:solidFill>
-                  </a:tcPr>
-                </a:tc>
-                <a:tc>
-                  <a:txBody>
-                    <a:bodyPr/>
-                    <a:lstStyle/>
-                    <a:p>
-                      <a:pPr algn="ctr">
-                        <a:defRPr sz="1300">
-                          <a:solidFill>
-                            <a:srgbClr val="333333"/>
-                          </a:solidFill>
-                        </a:defRPr>
-                      </a:pPr>
-                      <a:r>
-                        <a:t>Sonnet 4.6</a:t>
-                      </a:r>
-                    </a:p>
-                  </a:txBody>
-                  <a:tcPr>
-                    <a:solidFill>
-                      <a:srgbClr val="F5F7FA"/>
-                    </a:solidFill>
-                  </a:tcPr>
-                </a:tc>
-                <a:tc>
-                  <a:txBody>
-                    <a:bodyPr/>
-                    <a:lstStyle/>
-                    <a:p>
-                      <a:pPr algn="ctr">
-                        <a:defRPr sz="1300">
-                          <a:solidFill>
-                            <a:srgbClr val="333333"/>
-                          </a:solidFill>
-                        </a:defRPr>
-                      </a:pPr>
-                      <a:r>
-                        <a:t>Haiku 3.5</a:t>
-                      </a:r>
-                    </a:p>
-                  </a:txBody>
-                  <a:tcPr>
-                    <a:solidFill>
-                      <a:srgbClr val="F5F7FA"/>
-                    </a:solidFill>
-                  </a:tcPr>
-                </a:tc>
-                <a:tc>
-                  <a:txBody>
-                    <a:bodyPr/>
-                    <a:lstStyle/>
-                    <a:p>
-                      <a:pPr algn="ctr">
-                        <a:defRPr sz="1300">
-                          <a:solidFill>
-                            <a:srgbClr val="333333"/>
-                          </a:solidFill>
-                        </a:defRPr>
-                      </a:pPr>
-                      <a:r>
-                        <a:t>$5 / $25</a:t>
-                      </a:r>
-                    </a:p>
-                  </a:txBody>
-                  <a:tcPr>
-                    <a:solidFill>
-                      <a:srgbClr val="F5F7FA"/>
-                    </a:solidFill>
-                  </a:tcPr>
-                </a:tc>
-              </a:tr>
-              <a:tr h="365760">
-                <a:tc>
-                  <a:txBody>
-                    <a:bodyPr/>
-                    <a:lstStyle/>
-                    <a:p>
-                      <a:pPr algn="ctr">
-                        <a:defRPr sz="1300">
-                          <a:solidFill>
-                            <a:srgbClr val="333333"/>
-                          </a:solidFill>
-                        </a:defRPr>
-                      </a:pPr>
-                      <a:r>
-                        <a:t>Google</a:t>
-                      </a:r>
-                    </a:p>
-                  </a:txBody>
-                  <a:tcPr/>
-                </a:tc>
-                <a:tc>
-                  <a:txBody>
-                    <a:bodyPr/>
-                    <a:lstStyle/>
-                    <a:p>
-                      <a:pPr algn="ctr">
-                        <a:defRPr sz="1300">
-                          <a:solidFill>
-                            <a:srgbClr val="333333"/>
-                          </a:solidFill>
-                        </a:defRPr>
-                      </a:pPr>
-                      <a:r>
-                        <a:t>Gemini 2.5 Pro</a:t>
-                      </a:r>
-                    </a:p>
-                  </a:txBody>
-                  <a:tcPr/>
-                </a:tc>
-                <a:tc>
-                  <a:txBody>
-                    <a:bodyPr/>
-                    <a:lstStyle/>
-                    <a:p>
-                      <a:pPr algn="ctr">
-                        <a:defRPr sz="1300">
-                          <a:solidFill>
-                            <a:srgbClr val="333333"/>
-                          </a:solidFill>
-                        </a:defRPr>
-                      </a:pPr>
-                      <a:r>
-                        <a:t>Gemini 2.5 Flash</a:t>
-                      </a:r>
-                    </a:p>
-                  </a:txBody>
-                  <a:tcPr/>
-                </a:tc>
-                <a:tc>
-                  <a:txBody>
-                    <a:bodyPr/>
-                    <a:lstStyle/>
-                    <a:p>
-                      <a:pPr algn="ctr">
-                        <a:defRPr sz="1300">
-                          <a:solidFill>
-                            <a:srgbClr val="333333"/>
-                          </a:solidFill>
-                        </a:defRPr>
-                      </a:pPr>
-                      <a:r>
-                        <a:t>—</a:t>
-                      </a:r>
-                    </a:p>
-                  </a:txBody>
-                  <a:tcPr/>
-                </a:tc>
-                <a:tc>
-                  <a:txBody>
-                    <a:bodyPr/>
-                    <a:lstStyle/>
-                    <a:p>
-                      <a:pPr algn="ctr">
-                        <a:defRPr sz="1300">
-                          <a:solidFill>
-                            <a:srgbClr val="333333"/>
-                          </a:solidFill>
-                        </a:defRPr>
-                      </a:pPr>
-                      <a:r>
-                        <a:t>Varies</a:t>
-                      </a:r>
-                    </a:p>
-                  </a:txBody>
-                  <a:tcPr/>
-                </a:tc>
-              </a:tr>
-              <a:tr h="365760">
-                <a:tc>
-                  <a:txBody>
-                    <a:bodyPr/>
-                    <a:lstStyle/>
-                    <a:p>
-                      <a:pPr algn="ctr">
-                        <a:defRPr sz="1300">
-                          <a:solidFill>
-                            <a:srgbClr val="333333"/>
-                          </a:solidFill>
-                        </a:defRPr>
-                      </a:pPr>
-                      <a:r>
-                        <a:t>DeepSeek</a:t>
-                      </a:r>
-                    </a:p>
-                  </a:txBody>
-                  <a:tcPr>
-                    <a:solidFill>
-                      <a:srgbClr val="F5F7FA"/>
-                    </a:solidFill>
-                  </a:tcPr>
-                </a:tc>
-                <a:tc>
-                  <a:txBody>
-                    <a:bodyPr/>
-                    <a:lstStyle/>
-                    <a:p>
-                      <a:pPr algn="ctr">
-                        <a:defRPr sz="1300">
-                          <a:solidFill>
-                            <a:srgbClr val="333333"/>
-                          </a:solidFill>
-                        </a:defRPr>
-                      </a:pPr>
-                      <a:r>
-                        <a:t>V4</a:t>
-                      </a:r>
-                    </a:p>
-                  </a:txBody>
-                  <a:tcPr>
-                    <a:solidFill>
-                      <a:srgbClr val="F5F7FA"/>
-                    </a:solidFill>
-                  </a:tcPr>
-                </a:tc>
-                <a:tc>
-                  <a:txBody>
-                    <a:bodyPr/>
-                    <a:lstStyle/>
-                    <a:p>
-                      <a:pPr algn="ctr">
-                        <a:defRPr sz="1300">
-                          <a:solidFill>
-                            <a:srgbClr val="333333"/>
-                          </a:solidFill>
-                        </a:defRPr>
-                      </a:pPr>
-                      <a:r>
-                        <a:t>—</a:t>
-                      </a:r>
-                    </a:p>
-                  </a:txBody>
-                  <a:tcPr>
-                    <a:solidFill>
-                      <a:srgbClr val="F5F7FA"/>
-                    </a:solidFill>
-                  </a:tcPr>
-                </a:tc>
-                <a:tc>
-                  <a:txBody>
-                    <a:bodyPr/>
-                    <a:lstStyle/>
-                    <a:p>
-                      <a:pPr algn="ctr">
-                        <a:defRPr sz="1300">
-                          <a:solidFill>
-                            <a:srgbClr val="333333"/>
-                          </a:solidFill>
-                        </a:defRPr>
-                      </a:pPr>
-                      <a:r>
-                        <a:t>—</a:t>
-                      </a:r>
-                    </a:p>
-                  </a:txBody>
-                  <a:tcPr>
-                    <a:solidFill>
-                      <a:srgbClr val="F5F7FA"/>
-                    </a:solidFill>
-                  </a:tcPr>
-                </a:tc>
-                <a:tc>
-                  <a:txBody>
-                    <a:bodyPr/>
-                    <a:lstStyle/>
-                    <a:p>
-                      <a:pPr algn="ctr">
-                        <a:defRPr sz="1300">
-                          <a:solidFill>
-                            <a:srgbClr val="333333"/>
-                          </a:solidFill>
-                        </a:defRPr>
-                      </a:pPr>
-                      <a:r>
-                        <a:t>$0.14 / 1M</a:t>
-                      </a:r>
-                    </a:p>
-                  </a:txBody>
-                  <a:tcPr>
-                    <a:solidFill>
-                      <a:srgbClr val="F5F7FA"/>
-                    </a:solidFill>
-                  </a:tcPr>
-                </a:tc>
-              </a:tr>
-              <a:tr h="365760">
-                <a:tc>
-                  <a:txBody>
-                    <a:bodyPr/>
-                    <a:lstStyle/>
-                    <a:p>
-                      <a:pPr algn="ctr">
-                        <a:defRPr sz="1300">
-                          <a:solidFill>
-                            <a:srgbClr val="333333"/>
-                          </a:solidFill>
-                        </a:defRPr>
-                      </a:pPr>
-                      <a:r>
-                        <a:t>Meta</a:t>
-                      </a:r>
-                    </a:p>
-                  </a:txBody>
-                  <a:tcPr/>
-                </a:tc>
-                <a:tc>
-                  <a:txBody>
-                    <a:bodyPr/>
-                    <a:lstStyle/>
-                    <a:p>
-                      <a:pPr algn="ctr">
-                        <a:defRPr sz="1300">
-                          <a:solidFill>
-                            <a:srgbClr val="333333"/>
-                          </a:solidFill>
-                        </a:defRPr>
-                      </a:pPr>
-                      <a:r>
-                        <a:t>Llama 4</a:t>
-                      </a:r>
-                    </a:p>
-                  </a:txBody>
-                  <a:tcPr/>
-                </a:tc>
-                <a:tc>
-                  <a:txBody>
-                    <a:bodyPr/>
-                    <a:lstStyle/>
-                    <a:p>
-                      <a:pPr algn="ctr">
-                        <a:defRPr sz="1300">
-                          <a:solidFill>
-                            <a:srgbClr val="333333"/>
-                          </a:solidFill>
-                        </a:defRPr>
-                      </a:pPr>
-                      <a:r>
-                        <a:t>—</a:t>
-                      </a:r>
-                    </a:p>
-                  </a:txBody>
-                  <a:tcPr/>
-                </a:tc>
-                <a:tc>
-                  <a:txBody>
-                    <a:bodyPr/>
-                    <a:lstStyle/>
-                    <a:p>
-                      <a:pPr algn="ctr">
-                        <a:defRPr sz="1300">
-                          <a:solidFill>
-                            <a:srgbClr val="333333"/>
-                          </a:solidFill>
-                        </a:defRPr>
-                      </a:pPr>
-                      <a:r>
-                        <a:t>—</a:t>
-                      </a:r>
-                    </a:p>
-                  </a:txBody>
-                  <a:tcPr/>
-                </a:tc>
-                <a:tc>
-                  <a:txBody>
-                    <a:bodyPr/>
-                    <a:lstStyle/>
-                    <a:p>
-                      <a:pPr algn="ctr">
-                        <a:defRPr sz="1300">
-                          <a:solidFill>
-                            <a:srgbClr val="333333"/>
-                          </a:solidFill>
-                        </a:defRPr>
-                      </a:pPr>
-                      <a:r>
-                        <a:t>Free (self-host)</a:t>
-                      </a:r>
-                    </a:p>
-                  </a:txBody>
-                  <a:tcPr/>
-                </a:tc>
-              </a:tr>
-            </a:tbl>
-          </a:graphicData>
-        </a:graphic>
-      </p:graphicFrame>
-    </p:spTree>
-  </p:cSld>
-  <p:clrMapOvr>
-    <a:masterClrMapping/>
-  </p:clrMapOvr>
-</p:sld>
-</file>
-
-<file path=ppt/slides/slide4.xml><?xml version="1.0" encoding="utf-8"?>
-<p:sld xmlns:a="http://schemas.openxmlformats.org/drawingml/2006/main" xmlns:p="http://schemas.openxmlformats.org/presentationml/2006/main" xmlns:r="http://schemas.openxmlformats.org/officeDocument/2006/relationships">
-  <p:cSld>
-    <p:spTree>
-      <p:nvGrpSpPr>
-        <p:cNvPr id="1" name=""/>
-        <p:cNvGrpSpPr/>
-        <p:nvPr/>
-      </p:nvGrpSpPr>
-      <p:grpSpPr/>
-      <p:sp>
-        <p:nvSpPr>
-          <p:cNvPr id="2" name="Rectangle 1"/>
-          <p:cNvSpPr/>
-          <p:nvPr/>
-        </p:nvSpPr>
-        <p:spPr>
-          <a:xfrm>
-            <a:off x="0" y="0"/>
-            <a:ext cx="12191695" cy="73152"/>
-          </a:xfrm>
-          <a:prstGeom prst="rect">
-            <a:avLst/>
-          </a:prstGeom>
-          <a:solidFill>
-            <a:srgbClr val="0096D6"/>
-          </a:solidFill>
-          <a:ln>
-            <a:noFill/>
-          </a:ln>
-        </p:spPr>
-        <p:style>
-          <a:lnRef idx="1">
-            <a:schemeClr val="accent1"/>
-          </a:lnRef>
-          <a:fillRef idx="3">
-            <a:schemeClr val="accent1"/>
-          </a:fillRef>
-          <a:effectRef idx="2">
-            <a:schemeClr val="accent1"/>
-          </a:effectRef>
-          <a:fontRef idx="minor">
-            <a:schemeClr val="lt1"/>
-          </a:fontRef>
-        </p:style>
-        <p:txBody>
-          <a:bodyPr rtlCol="0" anchor="ctr"/>
-          <a:lstStyle/>
-          <a:p>
-            <a:pPr algn="ctr"/>
-          </a:p>
-        </p:txBody>
-      </p:sp>
-      <p:sp>
-        <p:nvSpPr>
-          <p:cNvPr id="3" name="TextBox 2"/>
-          <p:cNvSpPr txBox="1"/>
-          <p:nvPr/>
-        </p:nvSpPr>
-        <p:spPr>
-          <a:xfrm>
-            <a:off x="731520" y="274320"/>
-            <a:ext cx="10728655" cy="731520"/>
-          </a:xfrm>
-          <a:prstGeom prst="rect">
-            <a:avLst/>
-          </a:prstGeom>
-          <a:noFill/>
-        </p:spPr>
-        <p:txBody>
-          <a:bodyPr wrap="none">
-            <a:spAutoFit/>
-          </a:bodyPr>
-          <a:lstStyle/>
-          <a:p>
-            <a:pPr>
-              <a:defRPr sz="3200" b="1">
-                <a:solidFill>
-                  <a:srgbClr val="1B2A4A"/>
-                </a:solidFill>
-              </a:defRPr>
-            </a:pPr>
-            <a:r>
-              <a:t>Reasoning vs Non-Reasoning Models</a:t>
-            </a:r>
-          </a:p>
-        </p:txBody>
-      </p:sp>
-      <p:sp>
-        <p:nvSpPr>
-          <p:cNvPr id="4" name="TextBox 3"/>
-          <p:cNvSpPr txBox="1"/>
-          <p:nvPr/>
-        </p:nvSpPr>
-        <p:spPr>
-          <a:xfrm>
-            <a:off x="731520" y="1188720"/>
-            <a:ext cx="5029200" cy="457200"/>
-          </a:xfrm>
-          <a:prstGeom prst="rect">
-            <a:avLst/>
-          </a:prstGeom>
-          <a:noFill/>
-        </p:spPr>
-        <p:txBody>
-          <a:bodyPr wrap="none">
-            <a:spAutoFit/>
-          </a:bodyPr>
-          <a:lstStyle/>
-          <a:p>
-            <a:pPr>
-              <a:defRPr sz="2200" b="1">
-                <a:solidFill>
-                  <a:srgbClr val="0096D6"/>
-                </a:solidFill>
-              </a:defRPr>
-            </a:pPr>
-            <a:r>
-              <a:t>Reasoning Models</a:t>
-            </a:r>
-          </a:p>
-        </p:txBody>
-      </p:sp>
-      <p:sp>
-        <p:nvSpPr>
-          <p:cNvPr id="5" name="TextBox 4"/>
-          <p:cNvSpPr txBox="1"/>
-          <p:nvPr/>
-        </p:nvSpPr>
-        <p:spPr>
-          <a:xfrm>
-            <a:off x="731520" y="1737360"/>
-            <a:ext cx="5029200" cy="4572000"/>
-          </a:xfrm>
-          <a:prstGeom prst="rect">
-            <a:avLst/>
-          </a:prstGeom>
-          <a:noFill/>
-        </p:spPr>
-        <p:txBody>
-          <a:bodyPr wrap="square">
-            <a:spAutoFit/>
-          </a:bodyPr>
-          <a:lstStyle/>
+              <a:t>Claude Code: primarily OAuth (uses your Anthropic subscription)</a:t>
+            </a:r>
+          </a:p>
           <a:p>
             <a:pPr>
               <a:spcAft>
-                <a:spcPts val="600"/>
+                <a:spcPts val="1000"/>
               </a:spcAft>
-              <a:defRPr sz="1800">
-                <a:solidFill>
-                  <a:srgbClr val="333333"/>
+              <a:defRPr sz="2200">
+                <a:solidFill>
+                  <a:srgbClr val="222222"/>
                 </a:solidFill>
               </a:defRPr>
             </a:pPr>
             <a:r>
-              <a:t>GPT-5.2 / o3 / o4-mini</a:t>
+              <a:t>Claude Code also supports API key (ANTHROPIC_API_KEY)</a:t>
             </a:r>
           </a:p>
           <a:p>
             <a:pPr>
               <a:spcAft>
-                <a:spcPts val="600"/>
+                <a:spcPts val="1000"/>
               </a:spcAft>
-              <a:defRPr sz="1800">
-                <a:solidFill>
-                  <a:srgbClr val="333333"/>
+              <a:defRPr sz="2200">
+                <a:solidFill>
+                  <a:srgbClr val="222222"/>
                 </a:solidFill>
               </a:defRPr>
             </a:pPr>
             <a:r>
-              <a:t>Think before answering (chain-of-thought)</a:t>
+              <a:t>OpenClaw: accepts BOTH OAuth and API keys</a:t>
             </a:r>
           </a:p>
           <a:p>
             <a:pPr>
               <a:spcAft>
-                <a:spcPts val="600"/>
+                <a:spcPts val="1000"/>
               </a:spcAft>
-              <a:defRPr sz="1800">
-                <a:solidFill>
-                  <a:srgbClr val="333333"/>
+              <a:defRPr sz="2200">
+                <a:solidFill>
+                  <a:srgbClr val="222222"/>
                 </a:solidFill>
               </a:defRPr>
             </a:pPr>
             <a:r>
-              <a:t>Best for math, logic, complex analysis</a:t>
+              <a:t>ChatGPT / Claude.ai: OAuth (you log in with your account)</a:t>
             </a:r>
           </a:p>
           <a:p>
             <a:pPr>
               <a:spcAft>
-                <a:spcPts val="600"/>
+                <a:spcPts val="1000"/>
               </a:spcAft>
-              <a:defRPr sz="1800">
-                <a:solidFill>
-                  <a:srgbClr val="333333"/>
+              <a:defRPr sz="2200">
+                <a:solidFill>
+                  <a:srgbClr val="222222"/>
                 </a:solidFill>
               </a:defRPr>
             </a:pPr>
             <a:r>
-              <a:t>Higher cost, higher latency</a:t>
+              <a:t>Your Python script: API key ONLY — no OAuth option</a:t>
             </a:r>
           </a:p>
           <a:p>
             <a:pPr>
               <a:spcAft>
-                <a:spcPts val="600"/>
+                <a:spcPts val="1000"/>
               </a:spcAft>
-              <a:defRPr sz="1800">
-                <a:solidFill>
-                  <a:srgbClr val="333333"/>
+              <a:defRPr sz="2200">
+                <a:solidFill>
+                  <a:srgbClr val="222222"/>
                 </a:solidFill>
               </a:defRPr>
             </a:pPr>
             <a:r>
-              <a:t>Temperature usually fixed or low</a:t>
-            </a:r>
-          </a:p>
-        </p:txBody>
-      </p:sp>
-      <p:sp>
-        <p:nvSpPr>
-          <p:cNvPr id="6" name="TextBox 5"/>
-          <p:cNvSpPr txBox="1"/>
-          <p:nvPr/>
-        </p:nvSpPr>
-        <p:spPr>
-          <a:xfrm>
-            <a:off x="6400800" y="1188720"/>
-            <a:ext cx="5029200" cy="457200"/>
-          </a:xfrm>
-          <a:prstGeom prst="rect">
-            <a:avLst/>
-          </a:prstGeom>
-          <a:noFill/>
-        </p:spPr>
-        <p:txBody>
-          <a:bodyPr wrap="none">
-            <a:spAutoFit/>
-          </a:bodyPr>
-          <a:lstStyle/>
-          <a:p>
-            <a:pPr>
-              <a:defRPr sz="2200" b="1">
-                <a:solidFill>
-                  <a:srgbClr val="0096D6"/>
-                </a:solidFill>
-              </a:defRPr>
-            </a:pPr>
-            <a:r>
-              <a:t>Non-Reasoning Models</a:t>
-            </a:r>
-          </a:p>
-        </p:txBody>
-      </p:sp>
-      <p:sp>
-        <p:nvSpPr>
-          <p:cNvPr id="7" name="TextBox 6"/>
-          <p:cNvSpPr txBox="1"/>
-          <p:nvPr/>
-        </p:nvSpPr>
-        <p:spPr>
-          <a:xfrm>
-            <a:off x="6400800" y="1737360"/>
-            <a:ext cx="5029200" cy="4572000"/>
-          </a:xfrm>
-          <a:prstGeom prst="rect">
-            <a:avLst/>
-          </a:prstGeom>
-          <a:noFill/>
-        </p:spPr>
-        <p:txBody>
-          <a:bodyPr wrap="square">
-            <a:spAutoFit/>
-          </a:bodyPr>
-          <a:lstStyle/>
-          <a:p>
-            <a:pPr>
-              <a:spcAft>
-                <a:spcPts val="600"/>
-              </a:spcAft>
-              <a:defRPr sz="1800">
-                <a:solidFill>
-                  <a:srgbClr val="333333"/>
-                </a:solidFill>
-              </a:defRPr>
-            </a:pPr>
-            <a:r>
-              <a:t>GPT-4.1 / Sonnet 4.6 / Gemini 2.5 Flash</a:t>
-            </a:r>
-          </a:p>
-          <a:p>
-            <a:pPr>
-              <a:spcAft>
-                <a:spcPts val="600"/>
-              </a:spcAft>
-              <a:defRPr sz="1800">
-                <a:solidFill>
-                  <a:srgbClr val="333333"/>
-                </a:solidFill>
-              </a:defRPr>
-            </a:pPr>
-            <a:r>
-              <a:t>Direct response, no thinking phase</a:t>
-            </a:r>
-          </a:p>
-          <a:p>
-            <a:pPr>
-              <a:spcAft>
-                <a:spcPts val="600"/>
-              </a:spcAft>
-              <a:defRPr sz="1800">
-                <a:solidFill>
-                  <a:srgbClr val="333333"/>
-                </a:solidFill>
-              </a:defRPr>
-            </a:pPr>
-            <a:r>
-              <a:t>Best for chat, code, writing, tool use</a:t>
-            </a:r>
-          </a:p>
-          <a:p>
-            <a:pPr>
-              <a:spcAft>
-                <a:spcPts val="600"/>
-              </a:spcAft>
-              <a:defRPr sz="1800">
-                <a:solidFill>
-                  <a:srgbClr val="333333"/>
-                </a:solidFill>
-              </a:defRPr>
-            </a:pPr>
-            <a:r>
-              <a:t>Cheaper, faster</a:t>
-            </a:r>
-          </a:p>
-          <a:p>
-            <a:pPr>
-              <a:spcAft>
-                <a:spcPts val="600"/>
-              </a:spcAft>
-              <a:defRPr sz="1800">
-                <a:solidFill>
-                  <a:srgbClr val="333333"/>
-                </a:solidFill>
-              </a:defRPr>
-            </a:pPr>
-            <a:r>
-              <a:t>Adjustable temperature (0.0–2.0)</a:t>
-            </a:r>
-          </a:p>
-        </p:txBody>
-      </p:sp>
-    </p:spTree>
-  </p:cSld>
-  <p:clrMapOvr>
-    <a:masterClrMapping/>
-  </p:clrMapOvr>
-</p:sld>
-</file>
-
-<file path=ppt/slides/slide5.xml><?xml version="1.0" encoding="utf-8"?>
-<p:sld xmlns:a="http://schemas.openxmlformats.org/drawingml/2006/main" xmlns:p="http://schemas.openxmlformats.org/presentationml/2006/main" xmlns:r="http://schemas.openxmlformats.org/officeDocument/2006/relationships">
-  <p:cSld>
-    <p:spTree>
-      <p:nvGrpSpPr>
-        <p:cNvPr id="1" name=""/>
-        <p:cNvGrpSpPr/>
-        <p:nvPr/>
-      </p:nvGrpSpPr>
-      <p:grpSpPr/>
-      <p:sp>
-        <p:nvSpPr>
-          <p:cNvPr id="2" name="Rectangle 1"/>
-          <p:cNvSpPr/>
-          <p:nvPr/>
-        </p:nvSpPr>
-        <p:spPr>
-          <a:xfrm>
-            <a:off x="0" y="0"/>
-            <a:ext cx="12191695" cy="73152"/>
-          </a:xfrm>
-          <a:prstGeom prst="rect">
-            <a:avLst/>
-          </a:prstGeom>
-          <a:solidFill>
-            <a:srgbClr val="0096D6"/>
-          </a:solidFill>
-          <a:ln>
-            <a:noFill/>
-          </a:ln>
-        </p:spPr>
-        <p:style>
-          <a:lnRef idx="1">
-            <a:schemeClr val="accent1"/>
-          </a:lnRef>
-          <a:fillRef idx="3">
-            <a:schemeClr val="accent1"/>
-          </a:fillRef>
-          <a:effectRef idx="2">
-            <a:schemeClr val="accent1"/>
-          </a:effectRef>
-          <a:fontRef idx="minor">
-            <a:schemeClr val="lt1"/>
-          </a:fontRef>
-        </p:style>
-        <p:txBody>
-          <a:bodyPr rtlCol="0" anchor="ctr"/>
-          <a:lstStyle/>
-          <a:p>
-            <a:pPr algn="ctr"/>
-          </a:p>
-        </p:txBody>
-      </p:sp>
-      <p:sp>
-        <p:nvSpPr>
-          <p:cNvPr id="3" name="TextBox 2"/>
-          <p:cNvSpPr txBox="1"/>
-          <p:nvPr/>
-        </p:nvSpPr>
-        <p:spPr>
-          <a:xfrm>
-            <a:off x="731520" y="274320"/>
-            <a:ext cx="10728655" cy="822960"/>
-          </a:xfrm>
-          <a:prstGeom prst="rect">
-            <a:avLst/>
-          </a:prstGeom>
-          <a:noFill/>
-        </p:spPr>
-        <p:txBody>
-          <a:bodyPr wrap="square">
-            <a:spAutoFit/>
-          </a:bodyPr>
-          <a:lstStyle/>
-          <a:p>
-            <a:pPr algn="l">
-              <a:defRPr sz="3200" b="1">
-                <a:solidFill>
-                  <a:srgbClr val="1B2A4A"/>
-                </a:solidFill>
-              </a:defRPr>
-            </a:pPr>
-            <a:r>
-              <a:t>Open Source &amp; Self-Hosting</a:t>
-            </a:r>
-          </a:p>
-        </p:txBody>
-      </p:sp>
-      <p:sp>
-        <p:nvSpPr>
-          <p:cNvPr id="4" name="TextBox 3"/>
-          <p:cNvSpPr txBox="1"/>
-          <p:nvPr/>
-        </p:nvSpPr>
-        <p:spPr>
-          <a:xfrm>
-            <a:off x="914400" y="1280160"/>
-            <a:ext cx="10362895" cy="5029200"/>
-          </a:xfrm>
-          <a:prstGeom prst="rect">
-            <a:avLst/>
-          </a:prstGeom>
-          <a:noFill/>
-        </p:spPr>
-        <p:txBody>
-          <a:bodyPr wrap="square">
-            <a:spAutoFit/>
-          </a:bodyPr>
-          <a:lstStyle/>
-          <a:p>
-            <a:pPr>
-              <a:spcBef>
-                <a:spcPts val="400"/>
-              </a:spcBef>
-              <a:spcAft>
-                <a:spcPts val="800"/>
-              </a:spcAft>
-              <a:defRPr sz="2000">
-                <a:solidFill>
-                  <a:srgbClr val="333333"/>
-                </a:solidFill>
-              </a:defRPr>
-            </a:pPr>
-            <a:r>
-              <a:t>Llama 4 (Meta) — strongest open model, multiple sizes</a:t>
-            </a:r>
-          </a:p>
-          <a:p>
-            <a:pPr>
-              <a:spcBef>
-                <a:spcPts val="400"/>
-              </a:spcBef>
-              <a:spcAft>
-                <a:spcPts val="800"/>
-              </a:spcAft>
-              <a:defRPr sz="2000">
-                <a:solidFill>
-                  <a:srgbClr val="333333"/>
-                </a:solidFill>
-              </a:defRPr>
-            </a:pPr>
-            <a:r>
-              <a:t>DeepSeek V4 — insanely cheap via API ($0.14/1M tokens)</a:t>
-            </a:r>
-          </a:p>
-          <a:p>
-            <a:pPr>
-              <a:spcBef>
-                <a:spcPts val="400"/>
-              </a:spcBef>
-              <a:spcAft>
-                <a:spcPts val="800"/>
-              </a:spcAft>
-              <a:defRPr sz="2000">
-                <a:solidFill>
-                  <a:srgbClr val="333333"/>
-                </a:solidFill>
-              </a:defRPr>
-            </a:pPr>
-            <a:r>
-              <a:t>Mistral Large — strong European alternative</a:t>
-            </a:r>
-          </a:p>
-          <a:p>
-            <a:pPr>
-              <a:spcBef>
-                <a:spcPts val="400"/>
-              </a:spcBef>
-              <a:spcAft>
-                <a:spcPts val="800"/>
-              </a:spcAft>
-              <a:defRPr sz="2000">
-                <a:solidFill>
-                  <a:srgbClr val="333333"/>
-                </a:solidFill>
-              </a:defRPr>
-            </a:pPr>
-            <a:r>
-              <a:t>Qwen 2.5 — Alibaba, popular in Asia</a:t>
-            </a:r>
-          </a:p>
-          <a:p>
-            <a:pPr>
-              <a:spcBef>
-                <a:spcPts val="400"/>
-              </a:spcBef>
-              <a:spcAft>
-                <a:spcPts val="800"/>
-              </a:spcAft>
-              <a:defRPr sz="2000">
-                <a:solidFill>
-                  <a:srgbClr val="333333"/>
-                </a:solidFill>
-              </a:defRPr>
-            </a:pPr>
-            <a:r>
-              <a:t>Self-hosting: Ollama (easy local), vLLM (production GPU serving)</a:t>
-            </a:r>
-          </a:p>
-          <a:p>
-            <a:pPr>
-              <a:spcBef>
-                <a:spcPts val="400"/>
-              </a:spcBef>
-              <a:spcAft>
-                <a:spcPts val="800"/>
-              </a:spcAft>
-              <a:defRPr sz="2000">
-                <a:solidFill>
-                  <a:srgbClr val="333333"/>
-                </a:solidFill>
-              </a:defRPr>
-            </a:pPr>
-            <a:r>
-              <a:t>Trade-off: control &amp; privacy vs. effort &amp; cost of GPUs</a:t>
-            </a:r>
-          </a:p>
-        </p:txBody>
-      </p:sp>
-    </p:spTree>
-  </p:cSld>
-  <p:clrMapOvr>
-    <a:masterClrMapping/>
-  </p:clrMapOvr>
-</p:sld>
-</file>
-
-<file path=ppt/slides/slide6.xml><?xml version="1.0" encoding="utf-8"?>
-<p:sld xmlns:a="http://schemas.openxmlformats.org/drawingml/2006/main" xmlns:p="http://schemas.openxmlformats.org/presentationml/2006/main" xmlns:r="http://schemas.openxmlformats.org/officeDocument/2006/relationships">
-  <p:cSld>
-    <p:spTree>
-      <p:nvGrpSpPr>
-        <p:cNvPr id="1" name=""/>
-        <p:cNvGrpSpPr/>
-        <p:nvPr/>
-      </p:nvGrpSpPr>
-      <p:grpSpPr/>
-      <p:sp>
-        <p:nvSpPr>
-          <p:cNvPr id="2" name="Rectangle 1"/>
-          <p:cNvSpPr/>
-          <p:nvPr/>
-        </p:nvSpPr>
-        <p:spPr>
-          <a:xfrm>
-            <a:off x="0" y="0"/>
-            <a:ext cx="12191695" cy="73152"/>
-          </a:xfrm>
-          <a:prstGeom prst="rect">
-            <a:avLst/>
-          </a:prstGeom>
-          <a:solidFill>
-            <a:srgbClr val="0096D6"/>
-          </a:solidFill>
-          <a:ln>
-            <a:noFill/>
-          </a:ln>
-        </p:spPr>
-        <p:style>
-          <a:lnRef idx="1">
-            <a:schemeClr val="accent1"/>
-          </a:lnRef>
-          <a:fillRef idx="3">
-            <a:schemeClr val="accent1"/>
-          </a:fillRef>
-          <a:effectRef idx="2">
-            <a:schemeClr val="accent1"/>
-          </a:effectRef>
-          <a:fontRef idx="minor">
-            <a:schemeClr val="lt1"/>
-          </a:fontRef>
-        </p:style>
-        <p:txBody>
-          <a:bodyPr rtlCol="0" anchor="ctr"/>
-          <a:lstStyle/>
-          <a:p>
-            <a:pPr algn="ctr"/>
-          </a:p>
-        </p:txBody>
-      </p:sp>
-      <p:sp>
-        <p:nvSpPr>
-          <p:cNvPr id="3" name="TextBox 2"/>
-          <p:cNvSpPr txBox="1"/>
-          <p:nvPr/>
-        </p:nvSpPr>
-        <p:spPr>
-          <a:xfrm>
-            <a:off x="731520" y="274320"/>
-            <a:ext cx="10728655" cy="731520"/>
-          </a:xfrm>
-          <a:prstGeom prst="rect">
-            <a:avLst/>
-          </a:prstGeom>
-          <a:noFill/>
-        </p:spPr>
-        <p:txBody>
-          <a:bodyPr wrap="none">
-            <a:spAutoFit/>
-          </a:bodyPr>
-          <a:lstStyle/>
-          <a:p>
-            <a:pPr>
-              <a:defRPr sz="3200" b="1">
-                <a:solidFill>
-                  <a:srgbClr val="1B2A4A"/>
-                </a:solidFill>
-              </a:defRPr>
-            </a:pPr>
-            <a:r>
-              <a:t>OAuth vs API Key — How Authentication Works</a:t>
-            </a:r>
-          </a:p>
-        </p:txBody>
-      </p:sp>
-      <p:sp>
-        <p:nvSpPr>
-          <p:cNvPr id="4" name="TextBox 3"/>
-          <p:cNvSpPr txBox="1"/>
-          <p:nvPr/>
-        </p:nvSpPr>
-        <p:spPr>
-          <a:xfrm>
-            <a:off x="731520" y="1188720"/>
-            <a:ext cx="5029200" cy="457200"/>
-          </a:xfrm>
-          <a:prstGeom prst="rect">
-            <a:avLst/>
-          </a:prstGeom>
-          <a:noFill/>
-        </p:spPr>
-        <p:txBody>
-          <a:bodyPr wrap="none">
-            <a:spAutoFit/>
-          </a:bodyPr>
-          <a:lstStyle/>
-          <a:p>
-            <a:pPr>
-              <a:defRPr sz="2200" b="1">
-                <a:solidFill>
-                  <a:srgbClr val="0096D6"/>
-                </a:solidFill>
-              </a:defRPr>
-            </a:pPr>
-            <a:r>
-              <a:t>OAuth (Subscription-Based)</a:t>
-            </a:r>
-          </a:p>
-        </p:txBody>
-      </p:sp>
-      <p:sp>
-        <p:nvSpPr>
-          <p:cNvPr id="5" name="TextBox 4"/>
-          <p:cNvSpPr txBox="1"/>
-          <p:nvPr/>
-        </p:nvSpPr>
-        <p:spPr>
-          <a:xfrm>
-            <a:off x="731520" y="1737360"/>
-            <a:ext cx="5029200" cy="4572000"/>
-          </a:xfrm>
-          <a:prstGeom prst="rect">
-            <a:avLst/>
-          </a:prstGeom>
-          <a:noFill/>
-        </p:spPr>
-        <p:txBody>
-          <a:bodyPr wrap="square">
-            <a:spAutoFit/>
-          </a:bodyPr>
-          <a:lstStyle/>
-          <a:p>
-            <a:pPr>
-              <a:spcAft>
-                <a:spcPts val="600"/>
-              </a:spcAft>
-              <a:defRPr sz="1800">
-                <a:solidFill>
-                  <a:srgbClr val="333333"/>
-                </a:solidFill>
-              </a:defRPr>
-            </a:pPr>
-            <a:r>
-              <a:t>App gives you a link → open in browser</a:t>
-            </a:r>
-          </a:p>
-          <a:p>
-            <a:pPr>
-              <a:spcAft>
-                <a:spcPts val="600"/>
-              </a:spcAft>
-              <a:defRPr sz="1800">
-                <a:solidFill>
-                  <a:srgbClr val="333333"/>
-                </a:solidFill>
-              </a:defRPr>
-            </a:pPr>
-            <a:r>
-              <a:t>Authorize with your existing account</a:t>
-            </a:r>
-          </a:p>
-          <a:p>
-            <a:pPr>
-              <a:spcAft>
-                <a:spcPts val="600"/>
-              </a:spcAft>
-              <a:defRPr sz="1800">
-                <a:solidFill>
-                  <a:srgbClr val="333333"/>
-                </a:solidFill>
-              </a:defRPr>
-            </a:pPr>
-            <a:r>
-              <a:t>Paste the code back into the app</a:t>
-            </a:r>
-          </a:p>
-          <a:p>
-            <a:pPr>
-              <a:spcAft>
-                <a:spcPts val="600"/>
-              </a:spcAft>
-              <a:defRPr sz="1800">
-                <a:solidFill>
-                  <a:srgbClr val="333333"/>
-                </a:solidFill>
-              </a:defRPr>
-            </a:pPr>
-            <a:r>
-              <a:t>Uses your existing subscription (Pro/Team)</a:t>
-            </a:r>
-          </a:p>
-          <a:p>
-            <a:pPr>
-              <a:spcAft>
-                <a:spcPts val="600"/>
-              </a:spcAft>
-              <a:defRPr sz="1800">
-                <a:solidFill>
-                  <a:srgbClr val="333333"/>
-                </a:solidFill>
-              </a:defRPr>
-            </a:pPr>
-            <a:r>
-              <a:t>Supported by: OpenClaw, Claude Code</a:t>
-            </a:r>
-          </a:p>
-          <a:p>
-            <a:pPr>
-              <a:spcAft>
-                <a:spcPts val="600"/>
-              </a:spcAft>
-              <a:defRPr sz="1800">
-                <a:solidFill>
-                  <a:srgbClr val="333333"/>
-                </a:solidFill>
-              </a:defRPr>
-            </a:pPr>
-            <a:r>
-              <a:t>No credit card / billing setup needed</a:t>
-            </a:r>
-          </a:p>
-        </p:txBody>
-      </p:sp>
-      <p:sp>
-        <p:nvSpPr>
-          <p:cNvPr id="6" name="TextBox 5"/>
-          <p:cNvSpPr txBox="1"/>
-          <p:nvPr/>
-        </p:nvSpPr>
-        <p:spPr>
-          <a:xfrm>
-            <a:off x="6400800" y="1188720"/>
-            <a:ext cx="5029200" cy="457200"/>
-          </a:xfrm>
-          <a:prstGeom prst="rect">
-            <a:avLst/>
-          </a:prstGeom>
-          <a:noFill/>
-        </p:spPr>
-        <p:txBody>
-          <a:bodyPr wrap="none">
-            <a:spAutoFit/>
-          </a:bodyPr>
-          <a:lstStyle/>
-          <a:p>
-            <a:pPr>
-              <a:defRPr sz="2200" b="1">
-                <a:solidFill>
-                  <a:srgbClr val="0096D6"/>
-                </a:solidFill>
-              </a:defRPr>
-            </a:pPr>
-            <a:r>
-              <a:t>API Key (Pay-as-You-Go)</a:t>
-            </a:r>
-          </a:p>
-        </p:txBody>
-      </p:sp>
-      <p:sp>
-        <p:nvSpPr>
-          <p:cNvPr id="7" name="TextBox 6"/>
-          <p:cNvSpPr txBox="1"/>
-          <p:nvPr/>
-        </p:nvSpPr>
-        <p:spPr>
-          <a:xfrm>
-            <a:off x="6400800" y="1737360"/>
-            <a:ext cx="5029200" cy="4572000"/>
-          </a:xfrm>
-          <a:prstGeom prst="rect">
-            <a:avLst/>
-          </a:prstGeom>
-          <a:noFill/>
-        </p:spPr>
-        <p:txBody>
-          <a:bodyPr wrap="square">
-            <a:spAutoFit/>
-          </a:bodyPr>
-          <a:lstStyle/>
-          <a:p>
-            <a:pPr>
-              <a:spcAft>
-                <a:spcPts val="600"/>
-              </a:spcAft>
-              <a:defRPr sz="1800">
-                <a:solidFill>
-                  <a:srgbClr val="333333"/>
-                </a:solidFill>
-              </a:defRPr>
-            </a:pPr>
-            <a:r>
-              <a:t>Go to provider console → create key</a:t>
-            </a:r>
-          </a:p>
-          <a:p>
-            <a:pPr>
-              <a:spcAft>
-                <a:spcPts val="600"/>
-              </a:spcAft>
-              <a:defRPr sz="1800">
-                <a:solidFill>
-                  <a:srgbClr val="333333"/>
-                </a:solidFill>
-              </a:defRPr>
-            </a:pPr>
-            <a:r>
-              <a:t>Add credits ($5+ to start)</a:t>
-            </a:r>
-          </a:p>
-          <a:p>
-            <a:pPr>
-              <a:spcAft>
-                <a:spcPts val="600"/>
-              </a:spcAft>
-              <a:defRPr sz="1800">
-                <a:solidFill>
-                  <a:srgbClr val="333333"/>
-                </a:solidFill>
-              </a:defRPr>
-            </a:pPr>
-            <a:r>
-              <a:t>Pay per token used</a:t>
-            </a:r>
-          </a:p>
-          <a:p>
-            <a:pPr>
-              <a:spcAft>
-                <a:spcPts val="600"/>
-              </a:spcAft>
-              <a:defRPr sz="1800">
-                <a:solidFill>
-                  <a:srgbClr val="333333"/>
-                </a:solidFill>
-              </a:defRPr>
-            </a:pPr>
-            <a:r>
-              <a:t>Required for custom programs</a:t>
-            </a:r>
-          </a:p>
-          <a:p>
-            <a:pPr>
-              <a:spcAft>
-                <a:spcPts val="600"/>
-              </a:spcAft>
-              <a:defRPr sz="1800">
-                <a:solidFill>
-                  <a:srgbClr val="333333"/>
-                </a:solidFill>
-              </a:defRPr>
-            </a:pPr>
-            <a:r>
-              <a:t>Full programmatic control</a:t>
-            </a:r>
-          </a:p>
-          <a:p>
-            <a:pPr>
-              <a:spcAft>
-                <a:spcPts val="600"/>
-              </a:spcAft>
-              <a:defRPr sz="1800">
-                <a:solidFill>
-                  <a:srgbClr val="333333"/>
-                </a:solidFill>
-              </a:defRPr>
-            </a:pPr>
-            <a:r>
-              <a:t>Your code ONLY uses API keys</a:t>
-            </a:r>
-          </a:p>
-        </p:txBody>
-      </p:sp>
-    </p:spTree>
-  </p:cSld>
-  <p:clrMapOvr>
-    <a:masterClrMapping/>
-  </p:clrMapOvr>
-</p:sld>
-</file>
-
-<file path=ppt/slides/slide7.xml><?xml version="1.0" encoding="utf-8"?>
-<p:sld xmlns:a="http://schemas.openxmlformats.org/drawingml/2006/main" xmlns:p="http://schemas.openxmlformats.org/presentationml/2006/main" xmlns:r="http://schemas.openxmlformats.org/officeDocument/2006/relationships">
-  <p:cSld>
-    <p:spTree>
-      <p:nvGrpSpPr>
-        <p:cNvPr id="1" name=""/>
-        <p:cNvGrpSpPr/>
-        <p:nvPr/>
-      </p:nvGrpSpPr>
-      <p:grpSpPr/>
-      <p:sp>
-        <p:nvSpPr>
-          <p:cNvPr id="2" name="Rectangle 1"/>
-          <p:cNvSpPr/>
-          <p:nvPr/>
-        </p:nvSpPr>
-        <p:spPr>
-          <a:xfrm>
-            <a:off x="0" y="0"/>
-            <a:ext cx="12191695" cy="73152"/>
-          </a:xfrm>
-          <a:prstGeom prst="rect">
-            <a:avLst/>
-          </a:prstGeom>
-          <a:solidFill>
-            <a:srgbClr val="0096D6"/>
-          </a:solidFill>
-          <a:ln>
-            <a:noFill/>
-          </a:ln>
-        </p:spPr>
-        <p:style>
-          <a:lnRef idx="1">
-            <a:schemeClr val="accent1"/>
-          </a:lnRef>
-          <a:fillRef idx="3">
-            <a:schemeClr val="accent1"/>
-          </a:fillRef>
-          <a:effectRef idx="2">
-            <a:schemeClr val="accent1"/>
-          </a:effectRef>
-          <a:fontRef idx="minor">
-            <a:schemeClr val="lt1"/>
-          </a:fontRef>
-        </p:style>
-        <p:txBody>
-          <a:bodyPr rtlCol="0" anchor="ctr"/>
-          <a:lstStyle/>
-          <a:p>
-            <a:pPr algn="ctr"/>
-          </a:p>
-        </p:txBody>
-      </p:sp>
-      <p:sp>
-        <p:nvSpPr>
-          <p:cNvPr id="3" name="TextBox 2"/>
-          <p:cNvSpPr txBox="1"/>
-          <p:nvPr/>
-        </p:nvSpPr>
-        <p:spPr>
-          <a:xfrm>
-            <a:off x="731520" y="274320"/>
-            <a:ext cx="10728655" cy="822960"/>
-          </a:xfrm>
-          <a:prstGeom prst="rect">
-            <a:avLst/>
-          </a:prstGeom>
-          <a:noFill/>
-        </p:spPr>
-        <p:txBody>
-          <a:bodyPr wrap="square">
-            <a:spAutoFit/>
-          </a:bodyPr>
-          <a:lstStyle/>
-          <a:p>
-            <a:pPr algn="l">
-              <a:defRPr sz="3200" b="1">
-                <a:solidFill>
-                  <a:srgbClr val="1B2A4A"/>
-                </a:solidFill>
-              </a:defRPr>
-            </a:pPr>
-            <a:r>
-              <a:t>Setting Up API Keys (Live Demo)</a:t>
-            </a:r>
-          </a:p>
-        </p:txBody>
-      </p:sp>
-      <p:sp>
-        <p:nvSpPr>
-          <p:cNvPr id="4" name="TextBox 3"/>
-          <p:cNvSpPr txBox="1"/>
-          <p:nvPr/>
-        </p:nvSpPr>
-        <p:spPr>
-          <a:xfrm>
-            <a:off x="914400" y="1280160"/>
-            <a:ext cx="10362895" cy="5029200"/>
-          </a:xfrm>
-          <a:prstGeom prst="rect">
-            <a:avLst/>
-          </a:prstGeom>
-          <a:noFill/>
-        </p:spPr>
-        <p:txBody>
-          <a:bodyPr wrap="square">
-            <a:spAutoFit/>
-          </a:bodyPr>
-          <a:lstStyle/>
-          <a:p>
-            <a:pPr>
-              <a:spcBef>
-                <a:spcPts val="400"/>
-              </a:spcBef>
-              <a:spcAft>
-                <a:spcPts val="800"/>
-              </a:spcAft>
-              <a:defRPr sz="2000">
-                <a:solidFill>
-                  <a:srgbClr val="333333"/>
-                </a:solidFill>
-              </a:defRPr>
-            </a:pPr>
-            <a:r>
-              <a:t>OpenAI: platform.openai.com → API keys → Create → Add credits</a:t>
-            </a:r>
-          </a:p>
-          <a:p>
-            <a:pPr>
-              <a:spcBef>
-                <a:spcPts val="400"/>
-              </a:spcBef>
-              <a:spcAft>
-                <a:spcPts val="800"/>
-              </a:spcAft>
-              <a:defRPr sz="2000">
-                <a:solidFill>
-                  <a:srgbClr val="333333"/>
-                </a:solidFill>
-              </a:defRPr>
-            </a:pPr>
-            <a:r>
-              <a:t>Anthropic: console.anthropic.com → API Keys → Create → Add credits</a:t>
-            </a:r>
-          </a:p>
-          <a:p>
-            <a:pPr>
-              <a:spcBef>
-                <a:spcPts val="400"/>
-              </a:spcBef>
-              <a:spcAft>
-                <a:spcPts val="800"/>
-              </a:spcAft>
-              <a:defRPr sz="2000">
-                <a:solidFill>
-                  <a:srgbClr val="333333"/>
-                </a:solidFill>
-              </a:defRPr>
-            </a:pPr>
-            <a:r>
-              <a:t>Google: aistudio.google.com → Get API key (free tier available)</a:t>
-            </a:r>
-          </a:p>
-          <a:p>
-            <a:pPr>
-              <a:spcBef>
-                <a:spcPts val="400"/>
-              </a:spcBef>
-              <a:spcAft>
-                <a:spcPts val="800"/>
-              </a:spcAft>
-              <a:defRPr sz="2000">
-                <a:solidFill>
-                  <a:srgbClr val="333333"/>
-                </a:solidFill>
-              </a:defRPr>
-            </a:pPr>
-            <a:r>
-              <a:t>Store in environment: export OPENAI_API_KEY=sk-...</a:t>
-            </a:r>
-          </a:p>
-          <a:p>
-            <a:pPr>
-              <a:spcBef>
-                <a:spcPts val="400"/>
-              </a:spcBef>
-              <a:spcAft>
-                <a:spcPts val="800"/>
-              </a:spcAft>
-              <a:defRPr sz="2000">
-                <a:solidFill>
-                  <a:srgbClr val="333333"/>
-                </a:solidFill>
-              </a:defRPr>
-            </a:pPr>
-            <a:r>
-              <a:t>Never commit keys to git — use .env files</a:t>
-            </a:r>
-          </a:p>
-          <a:p>
-            <a:pPr>
-              <a:spcBef>
-                <a:spcPts val="400"/>
-              </a:spcBef>
-              <a:spcAft>
-                <a:spcPts val="800"/>
-              </a:spcAft>
-              <a:defRPr sz="2000">
-                <a:solidFill>
-                  <a:srgbClr val="333333"/>
-                </a:solidFill>
-              </a:defRPr>
-            </a:pPr>
-            <a:r>
-              <a:t>Start with $5–10 of credits, that's plenty for learning</a:t>
-            </a:r>
-          </a:p>
-        </p:txBody>
-      </p:sp>
-    </p:spTree>
-  </p:cSld>
-  <p:clrMapOvr>
-    <a:masterClrMapping/>
-  </p:clrMapOvr>
-</p:sld>
-</file>
-
-<file path=ppt/slides/slide8.xml><?xml version="1.0" encoding="utf-8"?>
-<p:sld xmlns:a="http://schemas.openxmlformats.org/drawingml/2006/main" xmlns:p="http://schemas.openxmlformats.org/presentationml/2006/main" xmlns:r="http://schemas.openxmlformats.org/officeDocument/2006/relationships">
-  <p:cSld>
-    <p:spTree>
-      <p:nvGrpSpPr>
-        <p:cNvPr id="1" name=""/>
-        <p:cNvGrpSpPr/>
-        <p:nvPr/>
-      </p:nvGrpSpPr>
-      <p:grpSpPr/>
-      <p:sp>
-        <p:nvSpPr>
-          <p:cNvPr id="2" name="Rectangle 1"/>
-          <p:cNvSpPr/>
-          <p:nvPr/>
-        </p:nvSpPr>
-        <p:spPr>
-          <a:xfrm>
-            <a:off x="0" y="0"/>
-            <a:ext cx="12191695" cy="73152"/>
-          </a:xfrm>
-          <a:prstGeom prst="rect">
-            <a:avLst/>
-          </a:prstGeom>
-          <a:solidFill>
-            <a:srgbClr val="0096D6"/>
-          </a:solidFill>
-          <a:ln>
-            <a:noFill/>
-          </a:ln>
-        </p:spPr>
-        <p:style>
-          <a:lnRef idx="1">
-            <a:schemeClr val="accent1"/>
-          </a:lnRef>
-          <a:fillRef idx="3">
-            <a:schemeClr val="accent1"/>
-          </a:fillRef>
-          <a:effectRef idx="2">
-            <a:schemeClr val="accent1"/>
-          </a:effectRef>
-          <a:fontRef idx="minor">
-            <a:schemeClr val="lt1"/>
-          </a:fontRef>
-        </p:style>
-        <p:txBody>
-          <a:bodyPr rtlCol="0" anchor="ctr"/>
-          <a:lstStyle/>
-          <a:p>
-            <a:pPr algn="ctr"/>
-          </a:p>
-        </p:txBody>
-      </p:sp>
-      <p:sp>
-        <p:nvSpPr>
-          <p:cNvPr id="3" name="TextBox 2"/>
-          <p:cNvSpPr txBox="1"/>
-          <p:nvPr/>
-        </p:nvSpPr>
-        <p:spPr>
-          <a:xfrm>
-            <a:off x="731520" y="274320"/>
-            <a:ext cx="10728655" cy="822960"/>
-          </a:xfrm>
-          <a:prstGeom prst="rect">
-            <a:avLst/>
-          </a:prstGeom>
-          <a:noFill/>
-        </p:spPr>
-        <p:txBody>
-          <a:bodyPr wrap="square">
-            <a:spAutoFit/>
-          </a:bodyPr>
-          <a:lstStyle/>
-          <a:p>
-            <a:pPr algn="l">
-              <a:defRPr sz="3200" b="1">
-                <a:solidFill>
-                  <a:srgbClr val="1B2A4A"/>
-                </a:solidFill>
-              </a:defRPr>
-            </a:pPr>
-            <a:r>
-              <a:t>SDK Installation &amp; First Call</a:t>
-            </a:r>
-          </a:p>
-        </p:txBody>
-      </p:sp>
-      <p:sp>
-        <p:nvSpPr>
-          <p:cNvPr id="4" name="TextBox 3"/>
-          <p:cNvSpPr txBox="1"/>
-          <p:nvPr/>
-        </p:nvSpPr>
-        <p:spPr>
-          <a:xfrm>
-            <a:off x="914400" y="1280160"/>
-            <a:ext cx="10362895" cy="5029200"/>
-          </a:xfrm>
-          <a:prstGeom prst="rect">
-            <a:avLst/>
-          </a:prstGeom>
-          <a:noFill/>
-        </p:spPr>
-        <p:txBody>
-          <a:bodyPr wrap="square">
-            <a:spAutoFit/>
-          </a:bodyPr>
-          <a:lstStyle/>
-          <a:p>
-            <a:pPr>
-              <a:spcBef>
-                <a:spcPts val="400"/>
-              </a:spcBef>
-              <a:spcAft>
-                <a:spcPts val="800"/>
-              </a:spcAft>
-              <a:defRPr sz="2000">
-                <a:solidFill>
-                  <a:srgbClr val="333333"/>
-                </a:solidFill>
-              </a:defRPr>
-            </a:pPr>
-            <a:r>
-              <a:t>pip install openai anthropic google-genai</a:t>
-            </a:r>
-          </a:p>
-          <a:p>
-            <a:pPr>
-              <a:spcBef>
-                <a:spcPts val="400"/>
-              </a:spcBef>
-              <a:spcAft>
-                <a:spcPts val="800"/>
-              </a:spcAft>
-              <a:defRPr sz="2000">
-                <a:solidFill>
-                  <a:srgbClr val="333333"/>
-                </a:solidFill>
-              </a:defRPr>
-            </a:pPr>
-            <a:r>
-              <a:t>All three SDKs follow the same pattern:</a:t>
-            </a:r>
-          </a:p>
-          <a:p>
-            <a:pPr lvl="1">
-              <a:spcBef>
-                <a:spcPts val="400"/>
-              </a:spcBef>
-              <a:spcAft>
-                <a:spcPts val="800"/>
-              </a:spcAft>
-              <a:defRPr sz="1800">
-                <a:solidFill>
-                  <a:srgbClr val="666666"/>
-                </a:solidFill>
-              </a:defRPr>
-            </a:pPr>
-            <a:r>
-              <a:t>Create a client (reads API key from env)</a:t>
-            </a:r>
-          </a:p>
-          <a:p>
-            <a:pPr lvl="1">
-              <a:spcBef>
-                <a:spcPts val="400"/>
-              </a:spcBef>
-              <a:spcAft>
-                <a:spcPts val="800"/>
-              </a:spcAft>
-              <a:defRPr sz="1800">
-                <a:solidFill>
-                  <a:srgbClr val="666666"/>
-                </a:solidFill>
-              </a:defRPr>
-            </a:pPr>
-            <a:r>
-              <a:t>Build a messages array (system + user + assistant)</a:t>
-            </a:r>
-          </a:p>
-          <a:p>
-            <a:pPr lvl="1">
-              <a:spcBef>
-                <a:spcPts val="400"/>
-              </a:spcBef>
-              <a:spcAft>
-                <a:spcPts val="800"/>
-              </a:spcAft>
-              <a:defRPr sz="1800">
-                <a:solidFill>
-                  <a:srgbClr val="666666"/>
-                </a:solidFill>
-              </a:defRPr>
-            </a:pPr>
-            <a:r>
-              <a:t>Call the model, get a response</a:t>
-            </a:r>
-          </a:p>
-          <a:p>
-            <a:pPr>
-              <a:spcBef>
-                <a:spcPts val="400"/>
-              </a:spcBef>
-              <a:spcAft>
-                <a:spcPts val="800"/>
-              </a:spcAft>
-              <a:defRPr sz="2000">
-                <a:solidFill>
-                  <a:srgbClr val="333333"/>
-                </a:solidFill>
-              </a:defRPr>
-            </a:pPr>
-            <a:r>
-              <a:t>Let's look at the code →</a:t>
-            </a:r>
-          </a:p>
-        </p:txBody>
-      </p:sp>
-    </p:spTree>
-  </p:cSld>
-  <p:clrMapOvr>
-    <a:masterClrMapping/>
-  </p:clrMapOvr>
-</p:sld>
-</file>
-
-<file path=ppt/slides/slide9.xml><?xml version="1.0" encoding="utf-8"?>
-<p:sld xmlns:a="http://schemas.openxmlformats.org/drawingml/2006/main" xmlns:p="http://schemas.openxmlformats.org/presentationml/2006/main" xmlns:r="http://schemas.openxmlformats.org/officeDocument/2006/relationships">
-  <p:cSld>
-    <p:spTree>
-      <p:nvGrpSpPr>
-        <p:cNvPr id="1" name=""/>
-        <p:cNvGrpSpPr/>
-        <p:nvPr/>
-      </p:nvGrpSpPr>
-      <p:grpSpPr/>
-      <p:sp>
-        <p:nvSpPr>
-          <p:cNvPr id="2" name="Rectangle 1"/>
-          <p:cNvSpPr/>
-          <p:nvPr/>
-        </p:nvSpPr>
-        <p:spPr>
-          <a:xfrm>
-            <a:off x="0" y="0"/>
-            <a:ext cx="12191695" cy="73152"/>
-          </a:xfrm>
-          <a:prstGeom prst="rect">
-            <a:avLst/>
-          </a:prstGeom>
-          <a:solidFill>
-            <a:srgbClr val="0096D6"/>
-          </a:solidFill>
-          <a:ln>
-            <a:noFill/>
-          </a:ln>
-        </p:spPr>
-        <p:style>
-          <a:lnRef idx="1">
-            <a:schemeClr val="accent1"/>
-          </a:lnRef>
-          <a:fillRef idx="3">
-            <a:schemeClr val="accent1"/>
-          </a:fillRef>
-          <a:effectRef idx="2">
-            <a:schemeClr val="accent1"/>
-          </a:effectRef>
-          <a:fontRef idx="minor">
-            <a:schemeClr val="lt1"/>
-          </a:fontRef>
-        </p:style>
-        <p:txBody>
-          <a:bodyPr rtlCol="0" anchor="ctr"/>
-          <a:lstStyle/>
-          <a:p>
-            <a:pPr algn="ctr"/>
-          </a:p>
-        </p:txBody>
-      </p:sp>
-      <p:sp>
-        <p:nvSpPr>
-          <p:cNvPr id="3" name="TextBox 2"/>
-          <p:cNvSpPr txBox="1"/>
-          <p:nvPr/>
-        </p:nvSpPr>
-        <p:spPr>
-          <a:xfrm>
-            <a:off x="731520" y="274320"/>
-            <a:ext cx="10728655" cy="731520"/>
-          </a:xfrm>
-          <a:prstGeom prst="rect">
-            <a:avLst/>
-          </a:prstGeom>
-          <a:noFill/>
-        </p:spPr>
-        <p:txBody>
-          <a:bodyPr wrap="none">
-            <a:spAutoFit/>
-          </a:bodyPr>
-          <a:lstStyle/>
-          <a:p>
-            <a:pPr>
-              <a:defRPr sz="2800" b="1">
-                <a:solidFill>
-                  <a:srgbClr val="1B2A4A"/>
-                </a:solidFill>
-              </a:defRPr>
-            </a:pPr>
-            <a:r>
-              <a:t>OpenAI — Your First API Call</a:t>
-            </a:r>
-          </a:p>
-        </p:txBody>
-      </p:sp>
-      <p:sp>
-        <p:nvSpPr>
-          <p:cNvPr id="4" name="Rounded Rectangle 3"/>
-          <p:cNvSpPr/>
-          <p:nvPr/>
-        </p:nvSpPr>
-        <p:spPr>
-          <a:xfrm>
-            <a:off x="731520" y="1188720"/>
-            <a:ext cx="10728655" cy="5212080"/>
-          </a:xfrm>
-          <a:prstGeom prst="roundRect">
-            <a:avLst/>
-          </a:prstGeom>
-          <a:solidFill>
-            <a:srgbClr val="F0F0F0"/>
-          </a:solidFill>
-          <a:ln w="12700">
-            <a:solidFill>
-              <a:srgbClr val="DDDDDD"/>
-            </a:solidFill>
-          </a:ln>
-        </p:spPr>
-        <p:style>
-          <a:lnRef idx="1">
-            <a:schemeClr val="accent1"/>
-          </a:lnRef>
-          <a:fillRef idx="3">
-            <a:schemeClr val="accent1"/>
-          </a:fillRef>
-          <a:effectRef idx="2">
-            <a:schemeClr val="accent1"/>
-          </a:effectRef>
-          <a:fontRef idx="minor">
-            <a:schemeClr val="lt1"/>
-          </a:fontRef>
-        </p:style>
-        <p:txBody>
-          <a:bodyPr rtlCol="0" anchor="ctr"/>
-          <a:lstStyle/>
-          <a:p>
-            <a:pPr algn="ctr"/>
-          </a:p>
-        </p:txBody>
-      </p:sp>
-      <p:sp>
-        <p:nvSpPr>
-          <p:cNvPr id="5" name="TextBox 4"/>
-          <p:cNvSpPr txBox="1"/>
-          <p:nvPr/>
-        </p:nvSpPr>
-        <p:spPr>
-          <a:xfrm>
-            <a:off x="822960" y="1234440"/>
-            <a:ext cx="1828800" cy="320040"/>
-          </a:xfrm>
-          <a:prstGeom prst="rect">
-            <a:avLst/>
-          </a:prstGeom>
-          <a:noFill/>
-        </p:spPr>
-        <p:txBody>
-          <a:bodyPr wrap="none">
-            <a:spAutoFit/>
-          </a:bodyPr>
-          <a:lstStyle/>
-          <a:p>
-            <a:pPr>
-              <a:defRPr sz="1100" b="1">
-                <a:solidFill>
-                  <a:srgbClr val="666666"/>
-                </a:solidFill>
-              </a:defRPr>
-            </a:pPr>
-            <a:r>
-              <a:t>python</a:t>
-            </a:r>
-          </a:p>
-        </p:txBody>
-      </p:sp>
-      <p:sp>
-        <p:nvSpPr>
-          <p:cNvPr id="6" name="TextBox 5"/>
-          <p:cNvSpPr txBox="1"/>
-          <p:nvPr/>
-        </p:nvSpPr>
-        <p:spPr>
-          <a:xfrm>
-            <a:off x="914400" y="1554480"/>
-            <a:ext cx="10362895" cy="4754880"/>
-          </a:xfrm>
-          <a:prstGeom prst="rect">
-            <a:avLst/>
-          </a:prstGeom>
-          <a:noFill/>
-        </p:spPr>
-        <p:txBody>
-          <a:bodyPr wrap="square">
-            <a:spAutoFit/>
-          </a:bodyPr>
-          <a:lstStyle/>
-          <a:p>
-            <a:pPr algn="l">
-              <a:defRPr sz="1300">
-                <a:solidFill>
-                  <a:srgbClr val="333333"/>
-                </a:solidFill>
-                <a:latin typeface="Consolas"/>
-              </a:defRPr>
-            </a:pPr>
-            <a:r>
-              <a:t>from openai import OpenAI</a:t>
-            </a:r>
-            <a:br/>
-            <a:r>
-              <a:t>client = OpenAI()  # reads OPENAI_API_KEY from env</a:t>
-            </a:r>
-            <a:br/>
-            <a:br/>
-            <a:r>
-              <a:t>response = client.chat.completions.create(</a:t>
-            </a:r>
-            <a:br/>
-            <a:r>
-              <a:t>    model="gpt-4.1",</a:t>
-            </a:r>
-            <a:br/>
-            <a:r>
-              <a:t>    messages=[</a:t>
-            </a:r>
-            <a:br/>
-            <a:r>
-              <a:t>        {"role": "system", "content": "You are a helpful assistant."},</a:t>
-            </a:r>
-            <a:br/>
-            <a:r>
-              <a:t>        {"role": "user", "content": "What is AI?"}</a:t>
-            </a:r>
-            <a:br/>
-            <a:r>
-              <a:t>    ],</a:t>
-            </a:r>
-            <a:br/>
-            <a:r>
-              <a:t>    temperature=0.7,</a:t>
-            </a:r>
-            <a:br/>
-            <a:r>
-              <a:t>)</a:t>
-            </a:r>
-            <a:br/>
-            <a:r>
-              <a:t>print(response.choices[0].message.content)</a:t>
+              <a:t>Cursor / Copilot: their own subscription OR your API key</a:t>
             </a:r>
           </a:p>
         </p:txBody>
